--- a/initial analysis.pptx
+++ b/initial analysis.pptx
@@ -6,17 +6,18 @@
   </p:sldMasterIdLst>
   <p:sldIdLst>
     <p:sldId id="263" r:id="rId2"/>
-    <p:sldId id="264" r:id="rId3"/>
-    <p:sldId id="265" r:id="rId4"/>
-    <p:sldId id="266" r:id="rId5"/>
-    <p:sldId id="267" r:id="rId6"/>
-    <p:sldId id="256" r:id="rId7"/>
-    <p:sldId id="257" r:id="rId8"/>
-    <p:sldId id="262" r:id="rId9"/>
-    <p:sldId id="258" r:id="rId10"/>
-    <p:sldId id="259" r:id="rId11"/>
-    <p:sldId id="260" r:id="rId12"/>
-    <p:sldId id="261" r:id="rId13"/>
+    <p:sldId id="268" r:id="rId3"/>
+    <p:sldId id="264" r:id="rId4"/>
+    <p:sldId id="265" r:id="rId5"/>
+    <p:sldId id="266" r:id="rId6"/>
+    <p:sldId id="267" r:id="rId7"/>
+    <p:sldId id="256" r:id="rId8"/>
+    <p:sldId id="257" r:id="rId9"/>
+    <p:sldId id="262" r:id="rId10"/>
+    <p:sldId id="258" r:id="rId11"/>
+    <p:sldId id="259" r:id="rId12"/>
+    <p:sldId id="260" r:id="rId13"/>
+    <p:sldId id="261" r:id="rId14"/>
   </p:sldIdLst>
   <p:sldSz cx="12192000" cy="6858000"/>
   <p:notesSz cx="6858000" cy="9144000"/>
@@ -115,6 +116,11 @@
       </a:defRPr>
     </a:lvl9pPr>
   </p:defaultTextStyle>
+  <p:extLst>
+    <p:ext uri="{EFAFB233-063F-42B5-8137-9DF3F51BA10A}">
+      <p15:sldGuideLst xmlns:p15="http://schemas.microsoft.com/office/powerpoint/2012/main"/>
+    </p:ext>
+  </p:extLst>
 </p:presentation>
 </file>
 
@@ -267,7 +273,7 @@
           <a:p>
             <a:fld id="{1F7AAA91-01E8-40B8-A601-34D68385BFB3}" type="datetimeFigureOut">
               <a:rPr lang="LID4096" smtClean="0"/>
-              <a:t>02/08/2023</a:t>
+              <a:t>02/09/2023</a:t>
             </a:fld>
             <a:endParaRPr lang="LID4096"/>
           </a:p>
@@ -467,7 +473,7 @@
           <a:p>
             <a:fld id="{1F7AAA91-01E8-40B8-A601-34D68385BFB3}" type="datetimeFigureOut">
               <a:rPr lang="LID4096" smtClean="0"/>
-              <a:t>02/08/2023</a:t>
+              <a:t>02/09/2023</a:t>
             </a:fld>
             <a:endParaRPr lang="LID4096"/>
           </a:p>
@@ -677,7 +683,7 @@
           <a:p>
             <a:fld id="{1F7AAA91-01E8-40B8-A601-34D68385BFB3}" type="datetimeFigureOut">
               <a:rPr lang="LID4096" smtClean="0"/>
-              <a:t>02/08/2023</a:t>
+              <a:t>02/09/2023</a:t>
             </a:fld>
             <a:endParaRPr lang="LID4096"/>
           </a:p>
@@ -767,6 +773,124 @@
           <a:chExt cx="0" cy="0"/>
         </a:xfrm>
       </p:grpSpPr>
+      <p:grpSp>
+        <p:nvGrpSpPr>
+          <p:cNvPr id="10" name="Group 9">
+            <a:extLst>
+              <a:ext uri="{FF2B5EF4-FFF2-40B4-BE49-F238E27FC236}">
+                <a16:creationId xmlns:a16="http://schemas.microsoft.com/office/drawing/2014/main" id="{5BCE261B-F0B8-4B97-8833-4D69F8058BDD}"/>
+              </a:ext>
+            </a:extLst>
+          </p:cNvPr>
+          <p:cNvGrpSpPr/>
+          <p:nvPr userDrawn="1"/>
+        </p:nvGrpSpPr>
+        <p:grpSpPr>
+          <a:xfrm>
+            <a:off x="9383195" y="0"/>
+            <a:ext cx="2808805" cy="4371857"/>
+            <a:chOff x="9383195" y="0"/>
+            <a:chExt cx="2808805" cy="4371857"/>
+          </a:xfrm>
+        </p:grpSpPr>
+        <p:pic>
+          <p:nvPicPr>
+            <p:cNvPr id="7" name="Picture 6">
+              <a:extLst>
+                <a:ext uri="{FF2B5EF4-FFF2-40B4-BE49-F238E27FC236}">
+                  <a16:creationId xmlns:a16="http://schemas.microsoft.com/office/drawing/2014/main" id="{287619C6-142E-4B4D-A9FE-0916B8B41672}"/>
+                </a:ext>
+              </a:extLst>
+            </p:cNvPr>
+            <p:cNvPicPr>
+              <a:picLocks noChangeAspect="1"/>
+            </p:cNvPicPr>
+            <p:nvPr userDrawn="1"/>
+          </p:nvPicPr>
+          <p:blipFill>
+            <a:blip r:embed="rId2">
+              <a:alphaModFix amt="60000"/>
+            </a:blip>
+            <a:stretch>
+              <a:fillRect/>
+            </a:stretch>
+          </p:blipFill>
+          <p:spPr>
+            <a:xfrm>
+              <a:off x="9725025" y="0"/>
+              <a:ext cx="2466975" cy="1847850"/>
+            </a:xfrm>
+            <a:prstGeom prst="rect">
+              <a:avLst/>
+            </a:prstGeom>
+            <a:effectLst>
+              <a:glow rad="63500">
+                <a:schemeClr val="accent3">
+                  <a:satMod val="175000"/>
+                  <a:alpha val="40000"/>
+                </a:schemeClr>
+              </a:glow>
+              <a:reflection blurRad="38100" stA="50000" endPos="65000" dist="63500" dir="5400000" sy="-100000" algn="bl" rotWithShape="0"/>
+            </a:effectLst>
+          </p:spPr>
+        </p:pic>
+        <p:sp>
+          <p:nvSpPr>
+            <p:cNvPr id="9" name="Diagonal Stripe 8">
+              <a:extLst>
+                <a:ext uri="{FF2B5EF4-FFF2-40B4-BE49-F238E27FC236}">
+                  <a16:creationId xmlns:a16="http://schemas.microsoft.com/office/drawing/2014/main" id="{4066DACE-3D2C-408D-83CC-08CEC071CA14}"/>
+                </a:ext>
+              </a:extLst>
+            </p:cNvPr>
+            <p:cNvSpPr/>
+            <p:nvPr userDrawn="1"/>
+          </p:nvSpPr>
+          <p:spPr>
+            <a:xfrm rot="2764031" flipV="1">
+              <a:off x="8331352" y="1196933"/>
+              <a:ext cx="4226767" cy="2123081"/>
+            </a:xfrm>
+            <a:prstGeom prst="diagStripe">
+              <a:avLst/>
+            </a:prstGeom>
+            <a:solidFill>
+              <a:schemeClr val="bg1"/>
+            </a:solidFill>
+            <a:ln>
+              <a:noFill/>
+            </a:ln>
+          </p:spPr>
+          <p:style>
+            <a:lnRef idx="2">
+              <a:schemeClr val="accent1">
+                <a:shade val="50000"/>
+              </a:schemeClr>
+            </a:lnRef>
+            <a:fillRef idx="1">
+              <a:schemeClr val="accent1"/>
+            </a:fillRef>
+            <a:effectRef idx="0">
+              <a:schemeClr val="accent1"/>
+            </a:effectRef>
+            <a:fontRef idx="minor">
+              <a:schemeClr val="lt1"/>
+            </a:fontRef>
+          </p:style>
+          <p:txBody>
+            <a:bodyPr rtlCol="0" anchor="ctr"/>
+            <a:lstStyle/>
+            <a:p>
+              <a:pPr algn="ctr"/>
+              <a:endParaRPr lang="LID4096">
+                <a:solidFill>
+                  <a:schemeClr val="tx1"/>
+                </a:solidFill>
+              </a:endParaRPr>
+            </a:p>
+          </p:txBody>
+        </p:sp>
+      </p:grpSp>
       <p:sp>
         <p:nvSpPr>
           <p:cNvPr id="2" name="Title 1">
@@ -786,13 +910,23 @@
         <p:spPr/>
         <p:txBody>
           <a:bodyPr/>
-          <a:lstStyle/>
-          <a:p>
-            <a:r>
-              <a:rPr lang="en-US"/>
+          <a:lstStyle>
+            <a:lvl1pPr>
+              <a:defRPr>
+                <a:solidFill>
+                  <a:schemeClr val="accent1">
+                    <a:lumMod val="50000"/>
+                  </a:schemeClr>
+                </a:solidFill>
+              </a:defRPr>
+            </a:lvl1pPr>
+          </a:lstStyle>
+          <a:p>
+            <a:r>
+              <a:rPr lang="en-US" dirty="0"/>
               <a:t>Click to edit Master title style</a:t>
             </a:r>
-            <a:endParaRPr lang="LID4096"/>
+            <a:endParaRPr lang="LID4096" dirty="0"/>
           </a:p>
         </p:txBody>
       </p:sp>
@@ -877,7 +1011,7 @@
           <a:p>
             <a:fld id="{1F7AAA91-01E8-40B8-A601-34D68385BFB3}" type="datetimeFigureOut">
               <a:rPr lang="LID4096" smtClean="0"/>
-              <a:t>02/08/2023</a:t>
+              <a:t>02/09/2023</a:t>
             </a:fld>
             <a:endParaRPr lang="LID4096"/>
           </a:p>
@@ -967,6 +1101,111 @@
           <a:chExt cx="0" cy="0"/>
         </a:xfrm>
       </p:grpSpPr>
+      <p:grpSp>
+        <p:nvGrpSpPr>
+          <p:cNvPr id="10" name="Group 9">
+            <a:extLst>
+              <a:ext uri="{FF2B5EF4-FFF2-40B4-BE49-F238E27FC236}">
+                <a16:creationId xmlns:a16="http://schemas.microsoft.com/office/drawing/2014/main" id="{76FC233B-3EFB-4765-88D8-F786172F3DDB}"/>
+              </a:ext>
+            </a:extLst>
+          </p:cNvPr>
+          <p:cNvGrpSpPr/>
+          <p:nvPr userDrawn="1"/>
+        </p:nvGrpSpPr>
+        <p:grpSpPr>
+          <a:xfrm>
+            <a:off x="3051111" y="0"/>
+            <a:ext cx="9140890" cy="6858000"/>
+            <a:chOff x="3051111" y="0"/>
+            <a:chExt cx="9140890" cy="6858000"/>
+          </a:xfrm>
+        </p:grpSpPr>
+        <p:pic>
+          <p:nvPicPr>
+            <p:cNvPr id="7" name="Picture 6">
+              <a:extLst>
+                <a:ext uri="{FF2B5EF4-FFF2-40B4-BE49-F238E27FC236}">
+                  <a16:creationId xmlns:a16="http://schemas.microsoft.com/office/drawing/2014/main" id="{F83A10A0-B503-4BFB-83E3-1F8E4128E6BC}"/>
+                </a:ext>
+              </a:extLst>
+            </p:cNvPr>
+            <p:cNvPicPr>
+              <a:picLocks noChangeAspect="1"/>
+            </p:cNvPicPr>
+            <p:nvPr userDrawn="1"/>
+          </p:nvPicPr>
+          <p:blipFill>
+            <a:blip r:embed="rId2">
+              <a:alphaModFix amt="70000"/>
+            </a:blip>
+            <a:stretch>
+              <a:fillRect/>
+            </a:stretch>
+          </p:blipFill>
+          <p:spPr>
+            <a:xfrm>
+              <a:off x="3051111" y="0"/>
+              <a:ext cx="9140890" cy="6846844"/>
+            </a:xfrm>
+            <a:prstGeom prst="rect">
+              <a:avLst/>
+            </a:prstGeom>
+          </p:spPr>
+        </p:pic>
+        <p:sp>
+          <p:nvSpPr>
+            <p:cNvPr id="9" name="Right Triangle 8">
+              <a:extLst>
+                <a:ext uri="{FF2B5EF4-FFF2-40B4-BE49-F238E27FC236}">
+                  <a16:creationId xmlns:a16="http://schemas.microsoft.com/office/drawing/2014/main" id="{B0ED20F9-F576-456A-97ED-BB8D5B7E6D89}"/>
+                </a:ext>
+              </a:extLst>
+            </p:cNvPr>
+            <p:cNvSpPr/>
+            <p:nvPr userDrawn="1"/>
+          </p:nvSpPr>
+          <p:spPr>
+            <a:xfrm>
+              <a:off x="3051111" y="0"/>
+              <a:ext cx="4114800" cy="6858000"/>
+            </a:xfrm>
+            <a:prstGeom prst="rtTriangle">
+              <a:avLst/>
+            </a:prstGeom>
+            <a:solidFill>
+              <a:schemeClr val="bg1"/>
+            </a:solidFill>
+            <a:ln>
+              <a:noFill/>
+            </a:ln>
+          </p:spPr>
+          <p:style>
+            <a:lnRef idx="2">
+              <a:schemeClr val="accent1">
+                <a:shade val="50000"/>
+              </a:schemeClr>
+            </a:lnRef>
+            <a:fillRef idx="1">
+              <a:schemeClr val="accent1"/>
+            </a:fillRef>
+            <a:effectRef idx="0">
+              <a:schemeClr val="accent1"/>
+            </a:effectRef>
+            <a:fontRef idx="minor">
+              <a:schemeClr val="lt1"/>
+            </a:fontRef>
+          </p:style>
+          <p:txBody>
+            <a:bodyPr rtlCol="0" anchor="ctr"/>
+            <a:lstStyle/>
+            <a:p>
+              <a:pPr algn="ctr"/>
+              <a:endParaRPr lang="LID4096"/>
+            </a:p>
+          </p:txBody>
+        </p:sp>
+      </p:grpSp>
       <p:sp>
         <p:nvSpPr>
           <p:cNvPr id="2" name="Title 1">
@@ -988,20 +1227,33 @@
             <a:off x="831850" y="1709738"/>
             <a:ext cx="10515600" cy="2852737"/>
           </a:xfrm>
+          <a:effectLst>
+            <a:outerShdw blurRad="50800" dist="38100" dir="2700000" algn="tl" rotWithShape="0">
+              <a:prstClr val="black">
+                <a:alpha val="40000"/>
+              </a:prstClr>
+            </a:outerShdw>
+          </a:effectLst>
         </p:spPr>
         <p:txBody>
           <a:bodyPr anchor="b"/>
           <a:lstStyle>
             <a:lvl1pPr>
-              <a:defRPr sz="6000"/>
+              <a:defRPr sz="6000" b="1">
+                <a:solidFill>
+                  <a:schemeClr val="accent1">
+                    <a:lumMod val="50000"/>
+                  </a:schemeClr>
+                </a:solidFill>
+              </a:defRPr>
             </a:lvl1pPr>
           </a:lstStyle>
           <a:p>
             <a:r>
-              <a:rPr lang="en-US"/>
+              <a:rPr lang="en-US" dirty="0"/>
               <a:t>Click to edit Master title style</a:t>
             </a:r>
-            <a:endParaRPr lang="LID4096"/>
+            <a:endParaRPr lang="LID4096" dirty="0"/>
           </a:p>
         </p:txBody>
       </p:sp>
@@ -1124,7 +1376,7 @@
           <a:p>
             <a:pPr lvl="0"/>
             <a:r>
-              <a:rPr lang="en-US"/>
+              <a:rPr lang="en-US" dirty="0"/>
               <a:t>Click to edit Master text styles</a:t>
             </a:r>
           </a:p>
@@ -1153,7 +1405,7 @@
           <a:p>
             <a:fld id="{1F7AAA91-01E8-40B8-A601-34D68385BFB3}" type="datetimeFigureOut">
               <a:rPr lang="LID4096" smtClean="0"/>
-              <a:t>02/08/2023</a:t>
+              <a:t>02/09/2023</a:t>
             </a:fld>
             <a:endParaRPr lang="LID4096"/>
           </a:p>
@@ -1421,7 +1673,7 @@
           <a:p>
             <a:fld id="{1F7AAA91-01E8-40B8-A601-34D68385BFB3}" type="datetimeFigureOut">
               <a:rPr lang="LID4096" smtClean="0"/>
-              <a:t>02/08/2023</a:t>
+              <a:t>02/09/2023</a:t>
             </a:fld>
             <a:endParaRPr lang="LID4096"/>
           </a:p>
@@ -1836,7 +2088,7 @@
           <a:p>
             <a:fld id="{1F7AAA91-01E8-40B8-A601-34D68385BFB3}" type="datetimeFigureOut">
               <a:rPr lang="LID4096" smtClean="0"/>
-              <a:t>02/08/2023</a:t>
+              <a:t>02/09/2023</a:t>
             </a:fld>
             <a:endParaRPr lang="LID4096"/>
           </a:p>
@@ -1978,7 +2230,7 @@
           <a:p>
             <a:fld id="{1F7AAA91-01E8-40B8-A601-34D68385BFB3}" type="datetimeFigureOut">
               <a:rPr lang="LID4096" smtClean="0"/>
-              <a:t>02/08/2023</a:t>
+              <a:t>02/09/2023</a:t>
             </a:fld>
             <a:endParaRPr lang="LID4096"/>
           </a:p>
@@ -2091,7 +2343,7 @@
           <a:p>
             <a:fld id="{1F7AAA91-01E8-40B8-A601-34D68385BFB3}" type="datetimeFigureOut">
               <a:rPr lang="LID4096" smtClean="0"/>
-              <a:t>02/08/2023</a:t>
+              <a:t>02/09/2023</a:t>
             </a:fld>
             <a:endParaRPr lang="LID4096"/>
           </a:p>
@@ -2404,7 +2656,7 @@
           <a:p>
             <a:fld id="{1F7AAA91-01E8-40B8-A601-34D68385BFB3}" type="datetimeFigureOut">
               <a:rPr lang="LID4096" smtClean="0"/>
-              <a:t>02/08/2023</a:t>
+              <a:t>02/09/2023</a:t>
             </a:fld>
             <a:endParaRPr lang="LID4096"/>
           </a:p>
@@ -2693,7 +2945,7 @@
           <a:p>
             <a:fld id="{1F7AAA91-01E8-40B8-A601-34D68385BFB3}" type="datetimeFigureOut">
               <a:rPr lang="LID4096" smtClean="0"/>
-              <a:t>02/08/2023</a:t>
+              <a:t>02/09/2023</a:t>
             </a:fld>
             <a:endParaRPr lang="LID4096"/>
           </a:p>
@@ -2936,7 +3188,7 @@
           <a:p>
             <a:fld id="{1F7AAA91-01E8-40B8-A601-34D68385BFB3}" type="datetimeFigureOut">
               <a:rPr lang="LID4096" smtClean="0"/>
-              <a:t>02/08/2023</a:t>
+              <a:t>02/09/2023</a:t>
             </a:fld>
             <a:endParaRPr lang="LID4096"/>
           </a:p>
@@ -3366,7 +3618,7 @@
             <a:spLocks noGrp="1"/>
           </p:cNvSpPr>
           <p:nvPr>
-            <p:ph type="ctrTitle"/>
+            <p:ph type="title"/>
           </p:nvPr>
         </p:nvSpPr>
         <p:spPr/>
@@ -3377,9 +3629,6 @@
             <a:pPr algn="l" fontAlgn="base"/>
             <a:r>
               <a:rPr lang="en-US" b="1" i="0" dirty="0">
-                <a:solidFill>
-                  <a:srgbClr val="202124"/>
-                </a:solidFill>
                 <a:effectLst/>
                 <a:latin typeface="zeitung"/>
               </a:rPr>
@@ -3401,7 +3650,7 @@
             <a:spLocks noGrp="1"/>
           </p:cNvSpPr>
           <p:nvPr>
-            <p:ph type="subTitle" idx="1"/>
+            <p:ph type="body" idx="1"/>
           </p:nvPr>
         </p:nvSpPr>
         <p:spPr/>
@@ -3411,14 +3660,37 @@
           <a:p>
             <a:r>
               <a:rPr lang="en-US" dirty="0">
-                <a:hlinkClick r:id="rId2"/>
+                <a:solidFill>
+                  <a:schemeClr val="accent1">
+                    <a:lumMod val="50000"/>
+                  </a:schemeClr>
+                </a:solidFill>
+                <a:hlinkClick r:id="rId2">
+                  <a:extLst>
+                    <a:ext uri="{A12FA001-AC4F-418D-AE19-62706E023703}">
+                      <ahyp:hlinkClr xmlns:ahyp="http://schemas.microsoft.com/office/drawing/2018/hyperlinkcolor" val="tx"/>
+                    </a:ext>
+                  </a:extLst>
+                </a:hlinkClick>
               </a:rPr>
               <a:t>https://www.kaggle.com/datasets/headsortails/covid19-tracking-germany</a:t>
             </a:r>
-            <a:endParaRPr lang="en-US" dirty="0"/>
-          </a:p>
-          <a:p>
-            <a:endParaRPr lang="LID4096" dirty="0"/>
+            <a:endParaRPr lang="en-US" dirty="0">
+              <a:solidFill>
+                <a:schemeClr val="accent1">
+                  <a:lumMod val="50000"/>
+                </a:schemeClr>
+              </a:solidFill>
+            </a:endParaRPr>
+          </a:p>
+          <a:p>
+            <a:endParaRPr lang="LID4096" dirty="0">
+              <a:solidFill>
+                <a:schemeClr val="accent1">
+                  <a:lumMod val="50000"/>
+                </a:schemeClr>
+              </a:solidFill>
+            </a:endParaRPr>
           </a:p>
         </p:txBody>
       </p:sp>
@@ -3457,6 +3729,557 @@
           <p:cNvPr id="2" name="Title 1">
             <a:extLst>
               <a:ext uri="{FF2B5EF4-FFF2-40B4-BE49-F238E27FC236}">
+                <a16:creationId xmlns:a16="http://schemas.microsoft.com/office/drawing/2014/main" id="{E1C69EAB-CC45-4A58-9218-41B072248390}"/>
+              </a:ext>
+            </a:extLst>
+          </p:cNvPr>
+          <p:cNvSpPr>
+            <a:spLocks noGrp="1"/>
+          </p:cNvSpPr>
+          <p:nvPr>
+            <p:ph type="title"/>
+          </p:nvPr>
+        </p:nvSpPr>
+        <p:spPr>
+          <a:xfrm>
+            <a:off x="527808" y="291058"/>
+            <a:ext cx="10515600" cy="1325563"/>
+          </a:xfrm>
+        </p:spPr>
+        <p:txBody>
+          <a:bodyPr/>
+          <a:lstStyle/>
+          <a:p>
+            <a:r>
+              <a:rPr lang="en-US" b="1" i="0" dirty="0">
+                <a:solidFill>
+                  <a:srgbClr val="202124"/>
+                </a:solidFill>
+                <a:effectLst/>
+                <a:latin typeface="Inter"/>
+              </a:rPr>
+              <a:t>country_vaccinations.csv</a:t>
+            </a:r>
+            <a:br>
+              <a:rPr lang="en-US" b="1" i="0" dirty="0">
+                <a:solidFill>
+                  <a:srgbClr val="202124"/>
+                </a:solidFill>
+                <a:effectLst/>
+                <a:latin typeface="Inter"/>
+              </a:rPr>
+            </a:br>
+            <a:endParaRPr lang="LID4096" dirty="0"/>
+          </a:p>
+        </p:txBody>
+      </p:sp>
+      <p:sp>
+        <p:nvSpPr>
+          <p:cNvPr id="3" name="Content Placeholder 2">
+            <a:extLst>
+              <a:ext uri="{FF2B5EF4-FFF2-40B4-BE49-F238E27FC236}">
+                <a16:creationId xmlns:a16="http://schemas.microsoft.com/office/drawing/2014/main" id="{2524168B-23DA-4B6C-9351-4EB9914208C3}"/>
+              </a:ext>
+            </a:extLst>
+          </p:cNvPr>
+          <p:cNvSpPr>
+            <a:spLocks noGrp="1"/>
+          </p:cNvSpPr>
+          <p:nvPr>
+            <p:ph idx="1"/>
+          </p:nvPr>
+        </p:nvSpPr>
+        <p:spPr/>
+        <p:txBody>
+          <a:bodyPr>
+            <a:normAutofit fontScale="40000" lnSpcReduction="20000"/>
+          </a:bodyPr>
+          <a:lstStyle/>
+          <a:p>
+            <a:pPr algn="l" fontAlgn="base">
+              <a:buFont typeface="Arial" panose="020B0604020202020204" pitchFamily="34" charset="0"/>
+              <a:buChar char="•"/>
+            </a:pPr>
+            <a:r>
+              <a:rPr lang="en-US" b="1" i="0" dirty="0">
+                <a:solidFill>
+                  <a:srgbClr val="3C4043"/>
+                </a:solidFill>
+                <a:effectLst/>
+                <a:latin typeface="inherit"/>
+              </a:rPr>
+              <a:t>Country</a:t>
+            </a:r>
+            <a:r>
+              <a:rPr lang="en-US" b="0" i="0" dirty="0">
+                <a:solidFill>
+                  <a:srgbClr val="3C4043"/>
+                </a:solidFill>
+                <a:effectLst/>
+                <a:latin typeface="inherit"/>
+              </a:rPr>
+              <a:t>- this is the country for which the vaccination information is provided;</a:t>
+            </a:r>
+          </a:p>
+          <a:p>
+            <a:pPr algn="l" fontAlgn="base">
+              <a:buFont typeface="Arial" panose="020B0604020202020204" pitchFamily="34" charset="0"/>
+              <a:buChar char="•"/>
+            </a:pPr>
+            <a:r>
+              <a:rPr lang="en-US" b="1" i="0" dirty="0">
+                <a:solidFill>
+                  <a:srgbClr val="3C4043"/>
+                </a:solidFill>
+                <a:effectLst/>
+                <a:latin typeface="inherit"/>
+              </a:rPr>
+              <a:t>Country ISO Code</a:t>
+            </a:r>
+            <a:r>
+              <a:rPr lang="en-US" b="0" i="0" dirty="0">
+                <a:solidFill>
+                  <a:srgbClr val="3C4043"/>
+                </a:solidFill>
+                <a:effectLst/>
+                <a:latin typeface="inherit"/>
+              </a:rPr>
+              <a:t> - ISO code for the country;</a:t>
+            </a:r>
+          </a:p>
+          <a:p>
+            <a:pPr algn="l" fontAlgn="base">
+              <a:buFont typeface="Arial" panose="020B0604020202020204" pitchFamily="34" charset="0"/>
+              <a:buChar char="•"/>
+            </a:pPr>
+            <a:r>
+              <a:rPr lang="en-US" b="1" i="0" dirty="0">
+                <a:solidFill>
+                  <a:srgbClr val="3C4043"/>
+                </a:solidFill>
+                <a:effectLst/>
+                <a:latin typeface="inherit"/>
+              </a:rPr>
+              <a:t>Date</a:t>
+            </a:r>
+            <a:r>
+              <a:rPr lang="en-US" b="0" i="0" dirty="0">
+                <a:solidFill>
+                  <a:srgbClr val="3C4043"/>
+                </a:solidFill>
+                <a:effectLst/>
+                <a:latin typeface="inherit"/>
+              </a:rPr>
+              <a:t> - date for the data entry; for some of the dates we have only the daily vaccinations, for others, only the (cumulative) total;</a:t>
+            </a:r>
+          </a:p>
+          <a:p>
+            <a:pPr algn="l" fontAlgn="base">
+              <a:buFont typeface="Arial" panose="020B0604020202020204" pitchFamily="34" charset="0"/>
+              <a:buChar char="•"/>
+            </a:pPr>
+            <a:r>
+              <a:rPr lang="en-US" b="1" i="0" dirty="0">
+                <a:solidFill>
+                  <a:srgbClr val="3C4043"/>
+                </a:solidFill>
+                <a:effectLst/>
+                <a:latin typeface="inherit"/>
+              </a:rPr>
+              <a:t>Total number of vaccinations</a:t>
+            </a:r>
+            <a:r>
+              <a:rPr lang="en-US" b="0" i="0" dirty="0">
+                <a:solidFill>
+                  <a:srgbClr val="3C4043"/>
+                </a:solidFill>
+                <a:effectLst/>
+                <a:latin typeface="inherit"/>
+              </a:rPr>
+              <a:t> - this is the absolute number of total immunizations in the country;</a:t>
+            </a:r>
+          </a:p>
+          <a:p>
+            <a:pPr algn="l" fontAlgn="base">
+              <a:buFont typeface="Arial" panose="020B0604020202020204" pitchFamily="34" charset="0"/>
+              <a:buChar char="•"/>
+            </a:pPr>
+            <a:r>
+              <a:rPr lang="en-US" b="1" i="0" dirty="0">
+                <a:solidFill>
+                  <a:srgbClr val="3C4043"/>
+                </a:solidFill>
+                <a:effectLst/>
+                <a:latin typeface="inherit"/>
+              </a:rPr>
+              <a:t>Total number of people vaccinated</a:t>
+            </a:r>
+            <a:r>
+              <a:rPr lang="en-US" b="0" i="0" dirty="0">
+                <a:solidFill>
+                  <a:srgbClr val="3C4043"/>
+                </a:solidFill>
+                <a:effectLst/>
+                <a:latin typeface="inherit"/>
+              </a:rPr>
+              <a:t> - a person, depending on the immunization scheme, will receive one or more (typically 2) vaccines; at a certain moment, the number of vaccination might be larger than the number of people;</a:t>
+            </a:r>
+          </a:p>
+          <a:p>
+            <a:pPr algn="l" fontAlgn="base">
+              <a:buFont typeface="Arial" panose="020B0604020202020204" pitchFamily="34" charset="0"/>
+              <a:buChar char="•"/>
+            </a:pPr>
+            <a:r>
+              <a:rPr lang="en-US" b="1" i="0" dirty="0">
+                <a:solidFill>
+                  <a:srgbClr val="3C4043"/>
+                </a:solidFill>
+                <a:effectLst/>
+                <a:latin typeface="inherit"/>
+              </a:rPr>
+              <a:t>Total number of people fully vaccinated</a:t>
+            </a:r>
+            <a:r>
+              <a:rPr lang="en-US" b="0" i="0" dirty="0">
+                <a:solidFill>
+                  <a:srgbClr val="3C4043"/>
+                </a:solidFill>
+                <a:effectLst/>
+                <a:latin typeface="inherit"/>
+              </a:rPr>
+              <a:t> - this is the number of people that received the entire set of immunization according to the immunization scheme (typically 2); at a certain moment in time, there might be a certain number of people that received one vaccine and another number (smaller) of people that received all vaccines in the scheme;</a:t>
+            </a:r>
+          </a:p>
+          <a:p>
+            <a:pPr algn="l" fontAlgn="base">
+              <a:buFont typeface="Arial" panose="020B0604020202020204" pitchFamily="34" charset="0"/>
+              <a:buChar char="•"/>
+            </a:pPr>
+            <a:r>
+              <a:rPr lang="en-US" b="1" i="0" dirty="0">
+                <a:solidFill>
+                  <a:srgbClr val="3C4043"/>
+                </a:solidFill>
+                <a:effectLst/>
+                <a:latin typeface="inherit"/>
+              </a:rPr>
+              <a:t>Daily vaccinations (raw)</a:t>
+            </a:r>
+            <a:r>
+              <a:rPr lang="en-US" b="0" i="0" dirty="0">
+                <a:solidFill>
+                  <a:srgbClr val="3C4043"/>
+                </a:solidFill>
+                <a:effectLst/>
+                <a:latin typeface="inherit"/>
+              </a:rPr>
+              <a:t> - for a certain data entry, the number of vaccination for that date/country;</a:t>
+            </a:r>
+          </a:p>
+          <a:p>
+            <a:pPr algn="l" fontAlgn="base">
+              <a:buFont typeface="Arial" panose="020B0604020202020204" pitchFamily="34" charset="0"/>
+              <a:buChar char="•"/>
+            </a:pPr>
+            <a:r>
+              <a:rPr lang="en-US" b="1" i="0" dirty="0">
+                <a:solidFill>
+                  <a:srgbClr val="3C4043"/>
+                </a:solidFill>
+                <a:effectLst/>
+                <a:latin typeface="inherit"/>
+              </a:rPr>
+              <a:t>Daily vaccinations</a:t>
+            </a:r>
+            <a:r>
+              <a:rPr lang="en-US" b="0" i="0" dirty="0">
+                <a:solidFill>
+                  <a:srgbClr val="3C4043"/>
+                </a:solidFill>
+                <a:effectLst/>
+                <a:latin typeface="inherit"/>
+              </a:rPr>
+              <a:t> - for a certain data entry, the number of vaccination for that date/country;</a:t>
+            </a:r>
+          </a:p>
+          <a:p>
+            <a:pPr algn="l" fontAlgn="base">
+              <a:buFont typeface="Arial" panose="020B0604020202020204" pitchFamily="34" charset="0"/>
+              <a:buChar char="•"/>
+            </a:pPr>
+            <a:r>
+              <a:rPr lang="en-US" b="1" i="0" dirty="0">
+                <a:solidFill>
+                  <a:srgbClr val="3C4043"/>
+                </a:solidFill>
+                <a:effectLst/>
+                <a:latin typeface="inherit"/>
+              </a:rPr>
+              <a:t>Total vaccinations per hundred</a:t>
+            </a:r>
+            <a:r>
+              <a:rPr lang="en-US" b="0" i="0" dirty="0">
+                <a:solidFill>
+                  <a:srgbClr val="3C4043"/>
+                </a:solidFill>
+                <a:effectLst/>
+                <a:latin typeface="inherit"/>
+              </a:rPr>
+              <a:t> - ratio (in percent) between vaccination number and total population up to the date in the country;</a:t>
+            </a:r>
+          </a:p>
+          <a:p>
+            <a:pPr algn="l" fontAlgn="base">
+              <a:buFont typeface="Arial" panose="020B0604020202020204" pitchFamily="34" charset="0"/>
+              <a:buChar char="•"/>
+            </a:pPr>
+            <a:r>
+              <a:rPr lang="en-US" b="1" i="0" dirty="0">
+                <a:solidFill>
+                  <a:srgbClr val="3C4043"/>
+                </a:solidFill>
+                <a:effectLst/>
+                <a:latin typeface="inherit"/>
+              </a:rPr>
+              <a:t>Total number of people vaccinated per hundred</a:t>
+            </a:r>
+            <a:r>
+              <a:rPr lang="en-US" b="0" i="0" dirty="0">
+                <a:solidFill>
+                  <a:srgbClr val="3C4043"/>
+                </a:solidFill>
+                <a:effectLst/>
+                <a:latin typeface="inherit"/>
+              </a:rPr>
+              <a:t> - ratio (in percent) between population immunized and total population up to the date in the country;</a:t>
+            </a:r>
+          </a:p>
+          <a:p>
+            <a:pPr algn="l" fontAlgn="base">
+              <a:buFont typeface="Arial" panose="020B0604020202020204" pitchFamily="34" charset="0"/>
+              <a:buChar char="•"/>
+            </a:pPr>
+            <a:r>
+              <a:rPr lang="en-US" b="1" i="0" dirty="0">
+                <a:solidFill>
+                  <a:srgbClr val="3C4043"/>
+                </a:solidFill>
+                <a:effectLst/>
+                <a:latin typeface="inherit"/>
+              </a:rPr>
+              <a:t>Total number of people fully vaccinated per hundred</a:t>
+            </a:r>
+            <a:r>
+              <a:rPr lang="en-US" b="0" i="0" dirty="0">
+                <a:solidFill>
+                  <a:srgbClr val="3C4043"/>
+                </a:solidFill>
+                <a:effectLst/>
+                <a:latin typeface="inherit"/>
+              </a:rPr>
+              <a:t> - ratio (in percent) between population fully immunized and total population up to the date in the country;</a:t>
+            </a:r>
+          </a:p>
+          <a:p>
+            <a:pPr algn="l" fontAlgn="base">
+              <a:buFont typeface="Arial" panose="020B0604020202020204" pitchFamily="34" charset="0"/>
+              <a:buChar char="•"/>
+            </a:pPr>
+            <a:r>
+              <a:rPr lang="en-US" b="1" i="0" dirty="0">
+                <a:solidFill>
+                  <a:srgbClr val="3C4043"/>
+                </a:solidFill>
+                <a:effectLst/>
+                <a:latin typeface="inherit"/>
+              </a:rPr>
+              <a:t>Number of vaccinations per day</a:t>
+            </a:r>
+            <a:r>
+              <a:rPr lang="en-US" b="0" i="0" dirty="0">
+                <a:solidFill>
+                  <a:srgbClr val="3C4043"/>
+                </a:solidFill>
+                <a:effectLst/>
+                <a:latin typeface="inherit"/>
+              </a:rPr>
+              <a:t> - number of daily vaccination for that day and country;</a:t>
+            </a:r>
+          </a:p>
+          <a:p>
+            <a:pPr algn="l" fontAlgn="base">
+              <a:buFont typeface="Arial" panose="020B0604020202020204" pitchFamily="34" charset="0"/>
+              <a:buChar char="•"/>
+            </a:pPr>
+            <a:r>
+              <a:rPr lang="en-US" b="1" i="0" dirty="0">
+                <a:solidFill>
+                  <a:srgbClr val="3C4043"/>
+                </a:solidFill>
+                <a:effectLst/>
+                <a:latin typeface="inherit"/>
+              </a:rPr>
+              <a:t>Daily vaccinations per million</a:t>
+            </a:r>
+            <a:r>
+              <a:rPr lang="en-US" b="0" i="0" dirty="0">
+                <a:solidFill>
+                  <a:srgbClr val="3C4043"/>
+                </a:solidFill>
+                <a:effectLst/>
+                <a:latin typeface="inherit"/>
+              </a:rPr>
+              <a:t> - ratio (in ppm) between vaccination number and total population for the current date in the country;</a:t>
+            </a:r>
+          </a:p>
+          <a:p>
+            <a:pPr algn="l" fontAlgn="base">
+              <a:buFont typeface="Arial" panose="020B0604020202020204" pitchFamily="34" charset="0"/>
+              <a:buChar char="•"/>
+            </a:pPr>
+            <a:r>
+              <a:rPr lang="en-US" b="1" i="0" dirty="0">
+                <a:solidFill>
+                  <a:srgbClr val="3C4043"/>
+                </a:solidFill>
+                <a:effectLst/>
+                <a:latin typeface="inherit"/>
+              </a:rPr>
+              <a:t>Vaccines used in the country</a:t>
+            </a:r>
+            <a:r>
+              <a:rPr lang="en-US" b="0" i="0" dirty="0">
+                <a:solidFill>
+                  <a:srgbClr val="3C4043"/>
+                </a:solidFill>
+                <a:effectLst/>
+                <a:latin typeface="inherit"/>
+              </a:rPr>
+              <a:t> - total number of vaccines used in the country (up to date);</a:t>
+            </a:r>
+          </a:p>
+          <a:p>
+            <a:pPr algn="l" fontAlgn="base">
+              <a:buFont typeface="Arial" panose="020B0604020202020204" pitchFamily="34" charset="0"/>
+              <a:buChar char="•"/>
+            </a:pPr>
+            <a:r>
+              <a:rPr lang="en-US" b="1" i="0" dirty="0">
+                <a:solidFill>
+                  <a:srgbClr val="3C4043"/>
+                </a:solidFill>
+                <a:effectLst/>
+                <a:latin typeface="inherit"/>
+              </a:rPr>
+              <a:t>Source name</a:t>
+            </a:r>
+            <a:r>
+              <a:rPr lang="en-US" b="0" i="0" dirty="0">
+                <a:solidFill>
+                  <a:srgbClr val="3C4043"/>
+                </a:solidFill>
+                <a:effectLst/>
+                <a:latin typeface="inherit"/>
+              </a:rPr>
+              <a:t> - source of the information (national authority, international organization, local organization etc.);</a:t>
+            </a:r>
+          </a:p>
+          <a:p>
+            <a:pPr algn="l" fontAlgn="base">
+              <a:buFont typeface="Arial" panose="020B0604020202020204" pitchFamily="34" charset="0"/>
+              <a:buChar char="•"/>
+            </a:pPr>
+            <a:r>
+              <a:rPr lang="en-US" b="1" i="0" dirty="0">
+                <a:solidFill>
+                  <a:srgbClr val="3C4043"/>
+                </a:solidFill>
+                <a:effectLst/>
+                <a:latin typeface="inherit"/>
+              </a:rPr>
+              <a:t>Source website</a:t>
+            </a:r>
+            <a:r>
+              <a:rPr lang="en-US" b="0" i="0" dirty="0">
+                <a:solidFill>
+                  <a:srgbClr val="3C4043"/>
+                </a:solidFill>
+                <a:effectLst/>
+                <a:latin typeface="inherit"/>
+              </a:rPr>
+              <a:t> - website of the source of information;</a:t>
+            </a:r>
+          </a:p>
+          <a:p>
+            <a:endParaRPr lang="LID4096" dirty="0"/>
+          </a:p>
+        </p:txBody>
+      </p:sp>
+      <p:pic>
+        <p:nvPicPr>
+          <p:cNvPr id="5" name="Picture 4">
+            <a:extLst>
+              <a:ext uri="{FF2B5EF4-FFF2-40B4-BE49-F238E27FC236}">
+                <a16:creationId xmlns:a16="http://schemas.microsoft.com/office/drawing/2014/main" id="{B0735242-2396-40AD-89CE-0E812FCC29DC}"/>
+              </a:ext>
+            </a:extLst>
+          </p:cNvPr>
+          <p:cNvPicPr>
+            <a:picLocks noChangeAspect="1"/>
+          </p:cNvPicPr>
+          <p:nvPr/>
+        </p:nvPicPr>
+        <p:blipFill rotWithShape="1">
+          <a:blip r:embed="rId2"/>
+          <a:srcRect l="24565" t="64220" r="29748" b="7963"/>
+          <a:stretch/>
+        </p:blipFill>
+        <p:spPr>
+          <a:xfrm>
+            <a:off x="6526636" y="100668"/>
+            <a:ext cx="5570289" cy="1907680"/>
+          </a:xfrm>
+          <a:prstGeom prst="rect">
+            <a:avLst/>
+          </a:prstGeom>
+        </p:spPr>
+      </p:pic>
+    </p:spTree>
+    <p:extLst>
+      <p:ext uri="{BB962C8B-B14F-4D97-AF65-F5344CB8AC3E}">
+        <p14:creationId xmlns:p14="http://schemas.microsoft.com/office/powerpoint/2010/main" val="4153566159"/>
+      </p:ext>
+    </p:extLst>
+  </p:cSld>
+  <p:clrMapOvr>
+    <a:masterClrMapping/>
+  </p:clrMapOvr>
+</p:sld>
+</file>
+
+<file path=ppt/slides/slide11.xml><?xml version="1.0" encoding="utf-8"?>
+<p:sld xmlns:a="http://schemas.openxmlformats.org/drawingml/2006/main" xmlns:r="http://schemas.openxmlformats.org/officeDocument/2006/relationships" xmlns:p="http://schemas.openxmlformats.org/presentationml/2006/main">
+  <p:cSld>
+    <p:spTree>
+      <p:nvGrpSpPr>
+        <p:cNvPr id="1" name=""/>
+        <p:cNvGrpSpPr/>
+        <p:nvPr/>
+      </p:nvGrpSpPr>
+      <p:grpSpPr>
+        <a:xfrm>
+          <a:off x="0" y="0"/>
+          <a:ext cx="0" cy="0"/>
+          <a:chOff x="0" y="0"/>
+          <a:chExt cx="0" cy="0"/>
+        </a:xfrm>
+      </p:grpSpPr>
+      <p:sp>
+        <p:nvSpPr>
+          <p:cNvPr id="2" name="Title 1">
+            <a:extLst>
+              <a:ext uri="{FF2B5EF4-FFF2-40B4-BE49-F238E27FC236}">
                 <a16:creationId xmlns:a16="http://schemas.microsoft.com/office/drawing/2014/main" id="{0DB4DDA6-8135-4FFE-A5F7-C8E35DE381EC}"/>
               </a:ext>
             </a:extLst>
@@ -3632,7 +4455,7 @@
 </p:sld>
 </file>
 
-<file path=ppt/slides/slide11.xml><?xml version="1.0" encoding="utf-8"?>
+<file path=ppt/slides/slide12.xml><?xml version="1.0" encoding="utf-8"?>
 <p:sld xmlns:a="http://schemas.openxmlformats.org/drawingml/2006/main" xmlns:r="http://schemas.openxmlformats.org/officeDocument/2006/relationships" xmlns:p="http://schemas.openxmlformats.org/presentationml/2006/main">
   <p:cSld>
     <p:spTree>
@@ -3736,7 +4559,7 @@
 </p:sld>
 </file>
 
-<file path=ppt/slides/slide12.xml><?xml version="1.0" encoding="utf-8"?>
+<file path=ppt/slides/slide13.xml><?xml version="1.0" encoding="utf-8"?>
 <p:sld xmlns:a="http://schemas.openxmlformats.org/drawingml/2006/main" xmlns:r="http://schemas.openxmlformats.org/officeDocument/2006/relationships" xmlns:p="http://schemas.openxmlformats.org/presentationml/2006/main">
   <p:cSld>
     <p:spTree>
@@ -3909,6 +4732,164 @@
           <p:cNvPr id="2" name="Title 1">
             <a:extLst>
               <a:ext uri="{FF2B5EF4-FFF2-40B4-BE49-F238E27FC236}">
+                <a16:creationId xmlns:a16="http://schemas.microsoft.com/office/drawing/2014/main" id="{8B3A1E4B-0B51-4A22-AA09-26F2B689DC14}"/>
+              </a:ext>
+            </a:extLst>
+          </p:cNvPr>
+          <p:cNvSpPr>
+            <a:spLocks noGrp="1"/>
+          </p:cNvSpPr>
+          <p:nvPr>
+            <p:ph type="title"/>
+          </p:nvPr>
+        </p:nvSpPr>
+        <p:spPr/>
+        <p:txBody>
+          <a:bodyPr/>
+          <a:lstStyle/>
+          <a:p>
+            <a:r>
+              <a:rPr lang="en-US" b="1" dirty="0">
+                <a:solidFill>
+                  <a:schemeClr val="accent1">
+                    <a:lumMod val="50000"/>
+                  </a:schemeClr>
+                </a:solidFill>
+              </a:rPr>
+              <a:t>Background</a:t>
+            </a:r>
+            <a:endParaRPr lang="LID4096" b="1" dirty="0">
+              <a:solidFill>
+                <a:schemeClr val="accent1">
+                  <a:lumMod val="50000"/>
+                </a:schemeClr>
+              </a:solidFill>
+            </a:endParaRPr>
+          </a:p>
+        </p:txBody>
+      </p:sp>
+      <p:sp>
+        <p:nvSpPr>
+          <p:cNvPr id="3" name="Content Placeholder 2">
+            <a:extLst>
+              <a:ext uri="{FF2B5EF4-FFF2-40B4-BE49-F238E27FC236}">
+                <a16:creationId xmlns:a16="http://schemas.microsoft.com/office/drawing/2014/main" id="{A373D7CA-9B68-4DCB-85A3-351DCBABE45A}"/>
+              </a:ext>
+            </a:extLst>
+          </p:cNvPr>
+          <p:cNvSpPr>
+            <a:spLocks noGrp="1"/>
+          </p:cNvSpPr>
+          <p:nvPr>
+            <p:ph idx="1"/>
+          </p:nvPr>
+        </p:nvSpPr>
+        <p:spPr>
+          <a:xfrm>
+            <a:off x="838200" y="1434517"/>
+            <a:ext cx="10515600" cy="4742446"/>
+          </a:xfrm>
+        </p:spPr>
+        <p:txBody>
+          <a:bodyPr>
+            <a:normAutofit fontScale="92500" lnSpcReduction="10000"/>
+          </a:bodyPr>
+          <a:lstStyle/>
+          <a:p>
+            <a:r>
+              <a:rPr lang="en-US" b="0" i="0" dirty="0">
+                <a:effectLst/>
+                <a:latin typeface="arial" panose="020B0604020202020204" pitchFamily="34" charset="0"/>
+              </a:rPr>
+              <a:t>Coronavirus disease (COVID-19) is an infectious disease caused by the SARS-CoV-2 virus.</a:t>
+            </a:r>
+          </a:p>
+          <a:p>
+            <a:r>
+              <a:rPr lang="en-US" b="0" i="0" dirty="0">
+                <a:effectLst/>
+                <a:latin typeface="Arial" panose="020B0604020202020204" pitchFamily="34" charset="0"/>
+              </a:rPr>
+              <a:t>The first known case was identified in China Wuhan at December 2019.</a:t>
+            </a:r>
+          </a:p>
+          <a:p>
+            <a:r>
+              <a:rPr lang="en-US" b="0" i="0" dirty="0">
+                <a:effectLst/>
+                <a:latin typeface="Arial" panose="020B0604020202020204" pitchFamily="34" charset="0"/>
+              </a:rPr>
+              <a:t>The disease quickly spread worldwide, resulting in the COVID-19 pandemic. </a:t>
+            </a:r>
+            <a:endParaRPr lang="LID4096" dirty="0"/>
+          </a:p>
+          <a:p>
+            <a:endParaRPr lang="en-US" b="0" i="0" dirty="0">
+              <a:effectLst/>
+              <a:latin typeface="Inter"/>
+            </a:endParaRPr>
+          </a:p>
+          <a:p>
+            <a:r>
+              <a:rPr lang="en-US" dirty="0">
+                <a:latin typeface="Arial" panose="020B0604020202020204" pitchFamily="34" charset="0"/>
+              </a:rPr>
+              <a:t>This dataset provides daily updated number of reported cases &amp; deaths in Germany on state and county level from January 2020.</a:t>
+            </a:r>
+          </a:p>
+          <a:p>
+            <a:r>
+              <a:rPr lang="en-US" dirty="0">
+                <a:latin typeface="Arial" panose="020B0604020202020204" pitchFamily="34" charset="0"/>
+              </a:rPr>
+              <a:t>A dataset on vaccination progress from December 2020. </a:t>
+            </a:r>
+          </a:p>
+          <a:p>
+            <a:r>
+              <a:rPr lang="en-US" dirty="0">
+                <a:latin typeface="Arial" panose="020B0604020202020204" pitchFamily="34" charset="0"/>
+              </a:rPr>
+              <a:t>And a general state-level population demographics.</a:t>
+            </a:r>
+          </a:p>
+        </p:txBody>
+      </p:sp>
+    </p:spTree>
+    <p:extLst>
+      <p:ext uri="{BB962C8B-B14F-4D97-AF65-F5344CB8AC3E}">
+        <p14:creationId xmlns:p14="http://schemas.microsoft.com/office/powerpoint/2010/main" val="4126798620"/>
+      </p:ext>
+    </p:extLst>
+  </p:cSld>
+  <p:clrMapOvr>
+    <a:masterClrMapping/>
+  </p:clrMapOvr>
+</p:sld>
+</file>
+
+<file path=ppt/slides/slide3.xml><?xml version="1.0" encoding="utf-8"?>
+<p:sld xmlns:a="http://schemas.openxmlformats.org/drawingml/2006/main" xmlns:r="http://schemas.openxmlformats.org/officeDocument/2006/relationships" xmlns:p="http://schemas.openxmlformats.org/presentationml/2006/main">
+  <p:cSld>
+    <p:spTree>
+      <p:nvGrpSpPr>
+        <p:cNvPr id="1" name=""/>
+        <p:cNvGrpSpPr/>
+        <p:nvPr/>
+      </p:nvGrpSpPr>
+      <p:grpSpPr>
+        <a:xfrm>
+          <a:off x="0" y="0"/>
+          <a:ext cx="0" cy="0"/>
+          <a:chOff x="0" y="0"/>
+          <a:chExt cx="0" cy="0"/>
+        </a:xfrm>
+      </p:grpSpPr>
+      <p:sp>
+        <p:nvSpPr>
+          <p:cNvPr id="2" name="Title 1">
+            <a:extLst>
+              <a:ext uri="{FF2B5EF4-FFF2-40B4-BE49-F238E27FC236}">
                 <a16:creationId xmlns:a16="http://schemas.microsoft.com/office/drawing/2014/main" id="{858D8E3E-0D0E-430F-94BA-6CFF85A63ABC}"/>
               </a:ext>
             </a:extLst>
@@ -4184,7 +5165,7 @@
 </p:sld>
 </file>
 
-<file path=ppt/slides/slide3.xml><?xml version="1.0" encoding="utf-8"?>
+<file path=ppt/slides/slide4.xml><?xml version="1.0" encoding="utf-8"?>
 <p:sld xmlns:a="http://schemas.openxmlformats.org/drawingml/2006/main" xmlns:r="http://schemas.openxmlformats.org/officeDocument/2006/relationships" xmlns:p="http://schemas.openxmlformats.org/presentationml/2006/main">
   <p:cSld>
     <p:spTree>
@@ -4500,7 +5481,7 @@
 </p:sld>
 </file>
 
-<file path=ppt/slides/slide4.xml><?xml version="1.0" encoding="utf-8"?>
+<file path=ppt/slides/slide5.xml><?xml version="1.0" encoding="utf-8"?>
 <p:sld xmlns:a="http://schemas.openxmlformats.org/drawingml/2006/main" xmlns:r="http://schemas.openxmlformats.org/officeDocument/2006/relationships" xmlns:p="http://schemas.openxmlformats.org/presentationml/2006/main">
   <p:cSld>
     <p:spTree>
@@ -4697,186 +5678,6 @@
     <p:extLst>
       <p:ext uri="{BB962C8B-B14F-4D97-AF65-F5344CB8AC3E}">
         <p14:creationId xmlns:p14="http://schemas.microsoft.com/office/powerpoint/2010/main" val="3150079953"/>
-      </p:ext>
-    </p:extLst>
-  </p:cSld>
-  <p:clrMapOvr>
-    <a:masterClrMapping/>
-  </p:clrMapOvr>
-</p:sld>
-</file>
-
-<file path=ppt/slides/slide5.xml><?xml version="1.0" encoding="utf-8"?>
-<p:sld xmlns:a="http://schemas.openxmlformats.org/drawingml/2006/main" xmlns:r="http://schemas.openxmlformats.org/officeDocument/2006/relationships" xmlns:p="http://schemas.openxmlformats.org/presentationml/2006/main">
-  <p:cSld>
-    <p:spTree>
-      <p:nvGrpSpPr>
-        <p:cNvPr id="1" name=""/>
-        <p:cNvGrpSpPr/>
-        <p:nvPr/>
-      </p:nvGrpSpPr>
-      <p:grpSpPr>
-        <a:xfrm>
-          <a:off x="0" y="0"/>
-          <a:ext cx="0" cy="0"/>
-          <a:chOff x="0" y="0"/>
-          <a:chExt cx="0" cy="0"/>
-        </a:xfrm>
-      </p:grpSpPr>
-      <p:sp>
-        <p:nvSpPr>
-          <p:cNvPr id="2" name="Title 1">
-            <a:extLst>
-              <a:ext uri="{FF2B5EF4-FFF2-40B4-BE49-F238E27FC236}">
-                <a16:creationId xmlns:a16="http://schemas.microsoft.com/office/drawing/2014/main" id="{673DB27F-7826-4BE3-9307-2BE0F17792E3}"/>
-              </a:ext>
-            </a:extLst>
-          </p:cNvPr>
-          <p:cNvSpPr>
-            <a:spLocks noGrp="1"/>
-          </p:cNvSpPr>
-          <p:nvPr>
-            <p:ph type="title"/>
-          </p:nvPr>
-        </p:nvSpPr>
-        <p:spPr/>
-        <p:txBody>
-          <a:bodyPr/>
-          <a:lstStyle/>
-          <a:p>
-            <a:r>
-              <a:rPr lang="en-US" dirty="0"/>
-              <a:t>The main questions we can ask</a:t>
-            </a:r>
-            <a:endParaRPr lang="LID4096" dirty="0"/>
-          </a:p>
-        </p:txBody>
-      </p:sp>
-      <p:sp>
-        <p:nvSpPr>
-          <p:cNvPr id="3" name="Content Placeholder 2">
-            <a:extLst>
-              <a:ext uri="{FF2B5EF4-FFF2-40B4-BE49-F238E27FC236}">
-                <a16:creationId xmlns:a16="http://schemas.microsoft.com/office/drawing/2014/main" id="{CF2A545F-C5D1-4B6D-AFA6-C32BEB5A2F0A}"/>
-              </a:ext>
-            </a:extLst>
-          </p:cNvPr>
-          <p:cNvSpPr>
-            <a:spLocks noGrp="1"/>
-          </p:cNvSpPr>
-          <p:nvPr>
-            <p:ph idx="1"/>
-          </p:nvPr>
-        </p:nvSpPr>
-        <p:spPr>
-          <a:xfrm>
-            <a:off x="838200" y="1389397"/>
-            <a:ext cx="10515600" cy="4751344"/>
-          </a:xfrm>
-        </p:spPr>
-        <p:txBody>
-          <a:bodyPr>
-            <a:normAutofit fontScale="85000" lnSpcReduction="20000"/>
-          </a:bodyPr>
-          <a:lstStyle/>
-          <a:p>
-            <a:r>
-              <a:rPr lang="en-US" dirty="0"/>
-              <a:t>Are there differences between genders in getting sick, recovery ratio, death ratio, vaccination patterns?</a:t>
-            </a:r>
-          </a:p>
-          <a:p>
-            <a:r>
-              <a:rPr lang="en-US" dirty="0"/>
-              <a:t>Are there differences in different age groups ( same parameters as above)?</a:t>
-            </a:r>
-          </a:p>
-          <a:p>
-            <a:r>
-              <a:rPr lang="en-US" dirty="0"/>
-              <a:t>Can we see differences in different regions of the country in the above parameters.</a:t>
-            </a:r>
-          </a:p>
-          <a:p>
-            <a:r>
-              <a:rPr lang="en-US" dirty="0"/>
-              <a:t>% of population fully vaccinated/partially vaccinated/not vaccinated in each region/county(visualization with </a:t>
-            </a:r>
-            <a:r>
-              <a:rPr lang="en-US" dirty="0" err="1"/>
-              <a:t>GeoPandas</a:t>
-            </a:r>
-            <a:r>
-              <a:rPr lang="en-US" dirty="0"/>
-              <a:t>)</a:t>
-            </a:r>
-          </a:p>
-          <a:p>
-            <a:r>
-              <a:rPr lang="en-US" dirty="0"/>
-              <a:t> Number of cases/ recovery/deaths in each region(visualization with </a:t>
-            </a:r>
-            <a:r>
-              <a:rPr lang="en-US" dirty="0" err="1"/>
-              <a:t>GeoPandas</a:t>
-            </a:r>
-            <a:r>
-              <a:rPr lang="en-US" dirty="0"/>
-              <a:t>)</a:t>
-            </a:r>
-          </a:p>
-          <a:p>
-            <a:r>
-              <a:rPr lang="en-US" dirty="0"/>
-              <a:t> Spread </a:t>
-            </a:r>
-            <a:r>
-              <a:rPr lang="en-US"/>
-              <a:t>of vaccination manufacturer </a:t>
-            </a:r>
-            <a:r>
-              <a:rPr lang="en-US" dirty="0"/>
-              <a:t>in each region (visualization with </a:t>
-            </a:r>
-            <a:r>
-              <a:rPr lang="en-US" dirty="0" err="1"/>
-              <a:t>GeoPandas</a:t>
-            </a:r>
-            <a:r>
-              <a:rPr lang="en-US" dirty="0"/>
-              <a:t>)</a:t>
-            </a:r>
-          </a:p>
-          <a:p>
-            <a:r>
-              <a:rPr lang="en-US" dirty="0"/>
-              <a:t>Are regions with younger population tend to vaccinate more /less vs older population regions?</a:t>
-            </a:r>
-          </a:p>
-          <a:p>
-            <a:r>
-              <a:rPr lang="en-US" dirty="0"/>
-              <a:t>Is there difference in vaccination pattern in different regions (quick response in the beginning/slow long response/late response e.c.t)?</a:t>
-            </a:r>
-          </a:p>
-          <a:p>
-            <a:endParaRPr lang="en-US" dirty="0"/>
-          </a:p>
-          <a:p>
-            <a:endParaRPr lang="en-US" dirty="0"/>
-          </a:p>
-          <a:p>
-            <a:endParaRPr lang="en-US" dirty="0"/>
-          </a:p>
-          <a:p>
-            <a:endParaRPr lang="LID4096" dirty="0"/>
-          </a:p>
-        </p:txBody>
-      </p:sp>
-    </p:spTree>
-    <p:extLst>
-      <p:ext uri="{BB962C8B-B14F-4D97-AF65-F5344CB8AC3E}">
-        <p14:creationId xmlns:p14="http://schemas.microsoft.com/office/powerpoint/2010/main" val="2822045292"/>
       </p:ext>
     </p:extLst>
   </p:cSld>
@@ -4908,6 +5709,193 @@
           <p:cNvPr id="2" name="Title 1">
             <a:extLst>
               <a:ext uri="{FF2B5EF4-FFF2-40B4-BE49-F238E27FC236}">
+                <a16:creationId xmlns:a16="http://schemas.microsoft.com/office/drawing/2014/main" id="{673DB27F-7826-4BE3-9307-2BE0F17792E3}"/>
+              </a:ext>
+            </a:extLst>
+          </p:cNvPr>
+          <p:cNvSpPr>
+            <a:spLocks noGrp="1"/>
+          </p:cNvSpPr>
+          <p:nvPr>
+            <p:ph type="title"/>
+          </p:nvPr>
+        </p:nvSpPr>
+        <p:spPr/>
+        <p:txBody>
+          <a:bodyPr/>
+          <a:lstStyle/>
+          <a:p>
+            <a:r>
+              <a:rPr lang="en-US" dirty="0"/>
+              <a:t>The main questions we can ask</a:t>
+            </a:r>
+            <a:endParaRPr lang="LID4096" dirty="0"/>
+          </a:p>
+        </p:txBody>
+      </p:sp>
+      <p:sp>
+        <p:nvSpPr>
+          <p:cNvPr id="3" name="Content Placeholder 2">
+            <a:extLst>
+              <a:ext uri="{FF2B5EF4-FFF2-40B4-BE49-F238E27FC236}">
+                <a16:creationId xmlns:a16="http://schemas.microsoft.com/office/drawing/2014/main" id="{CF2A545F-C5D1-4B6D-AFA6-C32BEB5A2F0A}"/>
+              </a:ext>
+            </a:extLst>
+          </p:cNvPr>
+          <p:cNvSpPr>
+            <a:spLocks noGrp="1"/>
+          </p:cNvSpPr>
+          <p:nvPr>
+            <p:ph idx="1"/>
+          </p:nvPr>
+        </p:nvSpPr>
+        <p:spPr>
+          <a:xfrm>
+            <a:off x="838200" y="1389397"/>
+            <a:ext cx="10515600" cy="4751344"/>
+          </a:xfrm>
+        </p:spPr>
+        <p:txBody>
+          <a:bodyPr>
+            <a:normAutofit fontScale="77500" lnSpcReduction="20000"/>
+          </a:bodyPr>
+          <a:lstStyle/>
+          <a:p>
+            <a:r>
+              <a:rPr lang="en-US" dirty="0"/>
+              <a:t>Are there differences between genders in getting sick, recovery ratio, death ratio, vaccination patterns?</a:t>
+            </a:r>
+          </a:p>
+          <a:p>
+            <a:r>
+              <a:rPr lang="en-US" dirty="0"/>
+              <a:t>Are there differences in different age groups ( same parameters as above)?</a:t>
+            </a:r>
+          </a:p>
+          <a:p>
+            <a:r>
+              <a:rPr lang="en-US" dirty="0"/>
+              <a:t>Can we see differences in different regions of the country in the above parameters.</a:t>
+            </a:r>
+          </a:p>
+          <a:p>
+            <a:r>
+              <a:rPr lang="en-US" dirty="0"/>
+              <a:t>% of population fully vaccinated/partially vaccinated/not vaccinated in each region/county(visualization with </a:t>
+            </a:r>
+            <a:r>
+              <a:rPr lang="en-US" dirty="0" err="1"/>
+              <a:t>GeoPandas</a:t>
+            </a:r>
+            <a:r>
+              <a:rPr lang="en-US" dirty="0"/>
+              <a:t>)</a:t>
+            </a:r>
+          </a:p>
+          <a:p>
+            <a:r>
+              <a:rPr lang="en-US" dirty="0"/>
+              <a:t> Number of cases/ recovery/deaths in each region(visualization with </a:t>
+            </a:r>
+            <a:r>
+              <a:rPr lang="en-US" dirty="0" err="1"/>
+              <a:t>GeoPandas</a:t>
+            </a:r>
+            <a:r>
+              <a:rPr lang="en-US" dirty="0"/>
+              <a:t>)</a:t>
+            </a:r>
+          </a:p>
+          <a:p>
+            <a:r>
+              <a:rPr lang="en-US" dirty="0"/>
+              <a:t> Spread of vaccination manufacturer in each region (visualization with </a:t>
+            </a:r>
+            <a:r>
+              <a:rPr lang="en-US" dirty="0" err="1"/>
+              <a:t>GeoPandas</a:t>
+            </a:r>
+            <a:r>
+              <a:rPr lang="en-US" dirty="0"/>
+              <a:t>)</a:t>
+            </a:r>
+          </a:p>
+          <a:p>
+            <a:r>
+              <a:rPr lang="en-US" dirty="0"/>
+              <a:t>Are regions with younger population tend to vaccinate more /less vs older population regions?</a:t>
+            </a:r>
+          </a:p>
+          <a:p>
+            <a:r>
+              <a:rPr lang="en-US" dirty="0"/>
+              <a:t>Is there difference in vaccination pattern in different regions (quick response in the beginning/slow long response/late response e.c.t)?</a:t>
+            </a:r>
+          </a:p>
+          <a:p>
+            <a:r>
+              <a:rPr lang="en-US" dirty="0"/>
+              <a:t>Can we see a decrease in death following vaccination?</a:t>
+            </a:r>
+          </a:p>
+          <a:p>
+            <a:r>
+              <a:rPr lang="en-US" dirty="0"/>
+              <a:t>Are there differences between man and woman in vaccination patterns? </a:t>
+            </a:r>
+          </a:p>
+          <a:p>
+            <a:endParaRPr lang="en-US" dirty="0"/>
+          </a:p>
+          <a:p>
+            <a:endParaRPr lang="en-US" dirty="0"/>
+          </a:p>
+          <a:p>
+            <a:endParaRPr lang="en-US" dirty="0"/>
+          </a:p>
+          <a:p>
+            <a:endParaRPr lang="en-US" dirty="0"/>
+          </a:p>
+          <a:p>
+            <a:endParaRPr lang="LID4096" dirty="0"/>
+          </a:p>
+        </p:txBody>
+      </p:sp>
+    </p:spTree>
+    <p:extLst>
+      <p:ext uri="{BB962C8B-B14F-4D97-AF65-F5344CB8AC3E}">
+        <p14:creationId xmlns:p14="http://schemas.microsoft.com/office/powerpoint/2010/main" val="2822045292"/>
+      </p:ext>
+    </p:extLst>
+  </p:cSld>
+  <p:clrMapOvr>
+    <a:masterClrMapping/>
+  </p:clrMapOvr>
+</p:sld>
+</file>
+
+<file path=ppt/slides/slide7.xml><?xml version="1.0" encoding="utf-8"?>
+<p:sld xmlns:a="http://schemas.openxmlformats.org/drawingml/2006/main" xmlns:r="http://schemas.openxmlformats.org/officeDocument/2006/relationships" xmlns:p="http://schemas.openxmlformats.org/presentationml/2006/main">
+  <p:cSld>
+    <p:spTree>
+      <p:nvGrpSpPr>
+        <p:cNvPr id="1" name=""/>
+        <p:cNvGrpSpPr/>
+        <p:nvPr/>
+      </p:nvGrpSpPr>
+      <p:grpSpPr>
+        <a:xfrm>
+          <a:off x="0" y="0"/>
+          <a:ext cx="0" cy="0"/>
+          <a:chOff x="0" y="0"/>
+          <a:chExt cx="0" cy="0"/>
+        </a:xfrm>
+      </p:grpSpPr>
+      <p:sp>
+        <p:nvSpPr>
+          <p:cNvPr id="2" name="Title 1">
+            <a:extLst>
+              <a:ext uri="{FF2B5EF4-FFF2-40B4-BE49-F238E27FC236}">
                 <a16:creationId xmlns:a16="http://schemas.microsoft.com/office/drawing/2014/main" id="{01087133-4995-4DB9-BF49-ACF569DD7868}"/>
               </a:ext>
             </a:extLst>
@@ -4996,7 +5984,7 @@
 </p:sld>
 </file>
 
-<file path=ppt/slides/slide7.xml><?xml version="1.0" encoding="utf-8"?>
+<file path=ppt/slides/slide8.xml><?xml version="1.0" encoding="utf-8"?>
 <p:sld xmlns:a="http://schemas.openxmlformats.org/drawingml/2006/main" xmlns:r="http://schemas.openxmlformats.org/officeDocument/2006/relationships" xmlns:p="http://schemas.openxmlformats.org/presentationml/2006/main">
   <p:cSld>
     <p:spTree>
@@ -5499,7 +6487,7 @@
 </p:sld>
 </file>
 
-<file path=ppt/slides/slide8.xml><?xml version="1.0" encoding="utf-8"?>
+<file path=ppt/slides/slide9.xml><?xml version="1.0" encoding="utf-8"?>
 <p:sld xmlns:a="http://schemas.openxmlformats.org/drawingml/2006/main" xmlns:r="http://schemas.openxmlformats.org/officeDocument/2006/relationships" xmlns:p="http://schemas.openxmlformats.org/presentationml/2006/main">
   <p:cSld>
     <p:spTree>
@@ -5581,557 +6569,6 @@
     <p:extLst>
       <p:ext uri="{BB962C8B-B14F-4D97-AF65-F5344CB8AC3E}">
         <p14:creationId xmlns:p14="http://schemas.microsoft.com/office/powerpoint/2010/main" val="774658940"/>
-      </p:ext>
-    </p:extLst>
-  </p:cSld>
-  <p:clrMapOvr>
-    <a:masterClrMapping/>
-  </p:clrMapOvr>
-</p:sld>
-</file>
-
-<file path=ppt/slides/slide9.xml><?xml version="1.0" encoding="utf-8"?>
-<p:sld xmlns:a="http://schemas.openxmlformats.org/drawingml/2006/main" xmlns:r="http://schemas.openxmlformats.org/officeDocument/2006/relationships" xmlns:p="http://schemas.openxmlformats.org/presentationml/2006/main">
-  <p:cSld>
-    <p:spTree>
-      <p:nvGrpSpPr>
-        <p:cNvPr id="1" name=""/>
-        <p:cNvGrpSpPr/>
-        <p:nvPr/>
-      </p:nvGrpSpPr>
-      <p:grpSpPr>
-        <a:xfrm>
-          <a:off x="0" y="0"/>
-          <a:ext cx="0" cy="0"/>
-          <a:chOff x="0" y="0"/>
-          <a:chExt cx="0" cy="0"/>
-        </a:xfrm>
-      </p:grpSpPr>
-      <p:sp>
-        <p:nvSpPr>
-          <p:cNvPr id="2" name="Title 1">
-            <a:extLst>
-              <a:ext uri="{FF2B5EF4-FFF2-40B4-BE49-F238E27FC236}">
-                <a16:creationId xmlns:a16="http://schemas.microsoft.com/office/drawing/2014/main" id="{E1C69EAB-CC45-4A58-9218-41B072248390}"/>
-              </a:ext>
-            </a:extLst>
-          </p:cNvPr>
-          <p:cNvSpPr>
-            <a:spLocks noGrp="1"/>
-          </p:cNvSpPr>
-          <p:nvPr>
-            <p:ph type="title"/>
-          </p:nvPr>
-        </p:nvSpPr>
-        <p:spPr>
-          <a:xfrm>
-            <a:off x="527808" y="291058"/>
-            <a:ext cx="10515600" cy="1325563"/>
-          </a:xfrm>
-        </p:spPr>
-        <p:txBody>
-          <a:bodyPr/>
-          <a:lstStyle/>
-          <a:p>
-            <a:r>
-              <a:rPr lang="en-US" b="1" i="0" dirty="0">
-                <a:solidFill>
-                  <a:srgbClr val="202124"/>
-                </a:solidFill>
-                <a:effectLst/>
-                <a:latin typeface="Inter"/>
-              </a:rPr>
-              <a:t>country_vaccinations.csv</a:t>
-            </a:r>
-            <a:br>
-              <a:rPr lang="en-US" b="1" i="0" dirty="0">
-                <a:solidFill>
-                  <a:srgbClr val="202124"/>
-                </a:solidFill>
-                <a:effectLst/>
-                <a:latin typeface="Inter"/>
-              </a:rPr>
-            </a:br>
-            <a:endParaRPr lang="LID4096" dirty="0"/>
-          </a:p>
-        </p:txBody>
-      </p:sp>
-      <p:sp>
-        <p:nvSpPr>
-          <p:cNvPr id="3" name="Content Placeholder 2">
-            <a:extLst>
-              <a:ext uri="{FF2B5EF4-FFF2-40B4-BE49-F238E27FC236}">
-                <a16:creationId xmlns:a16="http://schemas.microsoft.com/office/drawing/2014/main" id="{2524168B-23DA-4B6C-9351-4EB9914208C3}"/>
-              </a:ext>
-            </a:extLst>
-          </p:cNvPr>
-          <p:cNvSpPr>
-            <a:spLocks noGrp="1"/>
-          </p:cNvSpPr>
-          <p:nvPr>
-            <p:ph idx="1"/>
-          </p:nvPr>
-        </p:nvSpPr>
-        <p:spPr/>
-        <p:txBody>
-          <a:bodyPr>
-            <a:normAutofit fontScale="40000" lnSpcReduction="20000"/>
-          </a:bodyPr>
-          <a:lstStyle/>
-          <a:p>
-            <a:pPr algn="l" fontAlgn="base">
-              <a:buFont typeface="Arial" panose="020B0604020202020204" pitchFamily="34" charset="0"/>
-              <a:buChar char="•"/>
-            </a:pPr>
-            <a:r>
-              <a:rPr lang="en-US" b="1" i="0" dirty="0">
-                <a:solidFill>
-                  <a:srgbClr val="3C4043"/>
-                </a:solidFill>
-                <a:effectLst/>
-                <a:latin typeface="inherit"/>
-              </a:rPr>
-              <a:t>Country</a:t>
-            </a:r>
-            <a:r>
-              <a:rPr lang="en-US" b="0" i="0" dirty="0">
-                <a:solidFill>
-                  <a:srgbClr val="3C4043"/>
-                </a:solidFill>
-                <a:effectLst/>
-                <a:latin typeface="inherit"/>
-              </a:rPr>
-              <a:t>- this is the country for which the vaccination information is provided;</a:t>
-            </a:r>
-          </a:p>
-          <a:p>
-            <a:pPr algn="l" fontAlgn="base">
-              <a:buFont typeface="Arial" panose="020B0604020202020204" pitchFamily="34" charset="0"/>
-              <a:buChar char="•"/>
-            </a:pPr>
-            <a:r>
-              <a:rPr lang="en-US" b="1" i="0" dirty="0">
-                <a:solidFill>
-                  <a:srgbClr val="3C4043"/>
-                </a:solidFill>
-                <a:effectLst/>
-                <a:latin typeface="inherit"/>
-              </a:rPr>
-              <a:t>Country ISO Code</a:t>
-            </a:r>
-            <a:r>
-              <a:rPr lang="en-US" b="0" i="0" dirty="0">
-                <a:solidFill>
-                  <a:srgbClr val="3C4043"/>
-                </a:solidFill>
-                <a:effectLst/>
-                <a:latin typeface="inherit"/>
-              </a:rPr>
-              <a:t> - ISO code for the country;</a:t>
-            </a:r>
-          </a:p>
-          <a:p>
-            <a:pPr algn="l" fontAlgn="base">
-              <a:buFont typeface="Arial" panose="020B0604020202020204" pitchFamily="34" charset="0"/>
-              <a:buChar char="•"/>
-            </a:pPr>
-            <a:r>
-              <a:rPr lang="en-US" b="1" i="0" dirty="0">
-                <a:solidFill>
-                  <a:srgbClr val="3C4043"/>
-                </a:solidFill>
-                <a:effectLst/>
-                <a:latin typeface="inherit"/>
-              </a:rPr>
-              <a:t>Date</a:t>
-            </a:r>
-            <a:r>
-              <a:rPr lang="en-US" b="0" i="0" dirty="0">
-                <a:solidFill>
-                  <a:srgbClr val="3C4043"/>
-                </a:solidFill>
-                <a:effectLst/>
-                <a:latin typeface="inherit"/>
-              </a:rPr>
-              <a:t> - date for the data entry; for some of the dates we have only the daily vaccinations, for others, only the (cumulative) total;</a:t>
-            </a:r>
-          </a:p>
-          <a:p>
-            <a:pPr algn="l" fontAlgn="base">
-              <a:buFont typeface="Arial" panose="020B0604020202020204" pitchFamily="34" charset="0"/>
-              <a:buChar char="•"/>
-            </a:pPr>
-            <a:r>
-              <a:rPr lang="en-US" b="1" i="0" dirty="0">
-                <a:solidFill>
-                  <a:srgbClr val="3C4043"/>
-                </a:solidFill>
-                <a:effectLst/>
-                <a:latin typeface="inherit"/>
-              </a:rPr>
-              <a:t>Total number of vaccinations</a:t>
-            </a:r>
-            <a:r>
-              <a:rPr lang="en-US" b="0" i="0" dirty="0">
-                <a:solidFill>
-                  <a:srgbClr val="3C4043"/>
-                </a:solidFill>
-                <a:effectLst/>
-                <a:latin typeface="inherit"/>
-              </a:rPr>
-              <a:t> - this is the absolute number of total immunizations in the country;</a:t>
-            </a:r>
-          </a:p>
-          <a:p>
-            <a:pPr algn="l" fontAlgn="base">
-              <a:buFont typeface="Arial" panose="020B0604020202020204" pitchFamily="34" charset="0"/>
-              <a:buChar char="•"/>
-            </a:pPr>
-            <a:r>
-              <a:rPr lang="en-US" b="1" i="0" dirty="0">
-                <a:solidFill>
-                  <a:srgbClr val="3C4043"/>
-                </a:solidFill>
-                <a:effectLst/>
-                <a:latin typeface="inherit"/>
-              </a:rPr>
-              <a:t>Total number of people vaccinated</a:t>
-            </a:r>
-            <a:r>
-              <a:rPr lang="en-US" b="0" i="0" dirty="0">
-                <a:solidFill>
-                  <a:srgbClr val="3C4043"/>
-                </a:solidFill>
-                <a:effectLst/>
-                <a:latin typeface="inherit"/>
-              </a:rPr>
-              <a:t> - a person, depending on the immunization scheme, will receive one or more (typically 2) vaccines; at a certain moment, the number of vaccination might be larger than the number of people;</a:t>
-            </a:r>
-          </a:p>
-          <a:p>
-            <a:pPr algn="l" fontAlgn="base">
-              <a:buFont typeface="Arial" panose="020B0604020202020204" pitchFamily="34" charset="0"/>
-              <a:buChar char="•"/>
-            </a:pPr>
-            <a:r>
-              <a:rPr lang="en-US" b="1" i="0" dirty="0">
-                <a:solidFill>
-                  <a:srgbClr val="3C4043"/>
-                </a:solidFill>
-                <a:effectLst/>
-                <a:latin typeface="inherit"/>
-              </a:rPr>
-              <a:t>Total number of people fully vaccinated</a:t>
-            </a:r>
-            <a:r>
-              <a:rPr lang="en-US" b="0" i="0" dirty="0">
-                <a:solidFill>
-                  <a:srgbClr val="3C4043"/>
-                </a:solidFill>
-                <a:effectLst/>
-                <a:latin typeface="inherit"/>
-              </a:rPr>
-              <a:t> - this is the number of people that received the entire set of immunization according to the immunization scheme (typically 2); at a certain moment in time, there might be a certain number of people that received one vaccine and another number (smaller) of people that received all vaccines in the scheme;</a:t>
-            </a:r>
-          </a:p>
-          <a:p>
-            <a:pPr algn="l" fontAlgn="base">
-              <a:buFont typeface="Arial" panose="020B0604020202020204" pitchFamily="34" charset="0"/>
-              <a:buChar char="•"/>
-            </a:pPr>
-            <a:r>
-              <a:rPr lang="en-US" b="1" i="0" dirty="0">
-                <a:solidFill>
-                  <a:srgbClr val="3C4043"/>
-                </a:solidFill>
-                <a:effectLst/>
-                <a:latin typeface="inherit"/>
-              </a:rPr>
-              <a:t>Daily vaccinations (raw)</a:t>
-            </a:r>
-            <a:r>
-              <a:rPr lang="en-US" b="0" i="0" dirty="0">
-                <a:solidFill>
-                  <a:srgbClr val="3C4043"/>
-                </a:solidFill>
-                <a:effectLst/>
-                <a:latin typeface="inherit"/>
-              </a:rPr>
-              <a:t> - for a certain data entry, the number of vaccination for that date/country;</a:t>
-            </a:r>
-          </a:p>
-          <a:p>
-            <a:pPr algn="l" fontAlgn="base">
-              <a:buFont typeface="Arial" panose="020B0604020202020204" pitchFamily="34" charset="0"/>
-              <a:buChar char="•"/>
-            </a:pPr>
-            <a:r>
-              <a:rPr lang="en-US" b="1" i="0" dirty="0">
-                <a:solidFill>
-                  <a:srgbClr val="3C4043"/>
-                </a:solidFill>
-                <a:effectLst/>
-                <a:latin typeface="inherit"/>
-              </a:rPr>
-              <a:t>Daily vaccinations</a:t>
-            </a:r>
-            <a:r>
-              <a:rPr lang="en-US" b="0" i="0" dirty="0">
-                <a:solidFill>
-                  <a:srgbClr val="3C4043"/>
-                </a:solidFill>
-                <a:effectLst/>
-                <a:latin typeface="inherit"/>
-              </a:rPr>
-              <a:t> - for a certain data entry, the number of vaccination for that date/country;</a:t>
-            </a:r>
-          </a:p>
-          <a:p>
-            <a:pPr algn="l" fontAlgn="base">
-              <a:buFont typeface="Arial" panose="020B0604020202020204" pitchFamily="34" charset="0"/>
-              <a:buChar char="•"/>
-            </a:pPr>
-            <a:r>
-              <a:rPr lang="en-US" b="1" i="0" dirty="0">
-                <a:solidFill>
-                  <a:srgbClr val="3C4043"/>
-                </a:solidFill>
-                <a:effectLst/>
-                <a:latin typeface="inherit"/>
-              </a:rPr>
-              <a:t>Total vaccinations per hundred</a:t>
-            </a:r>
-            <a:r>
-              <a:rPr lang="en-US" b="0" i="0" dirty="0">
-                <a:solidFill>
-                  <a:srgbClr val="3C4043"/>
-                </a:solidFill>
-                <a:effectLst/>
-                <a:latin typeface="inherit"/>
-              </a:rPr>
-              <a:t> - ratio (in percent) between vaccination number and total population up to the date in the country;</a:t>
-            </a:r>
-          </a:p>
-          <a:p>
-            <a:pPr algn="l" fontAlgn="base">
-              <a:buFont typeface="Arial" panose="020B0604020202020204" pitchFamily="34" charset="0"/>
-              <a:buChar char="•"/>
-            </a:pPr>
-            <a:r>
-              <a:rPr lang="en-US" b="1" i="0" dirty="0">
-                <a:solidFill>
-                  <a:srgbClr val="3C4043"/>
-                </a:solidFill>
-                <a:effectLst/>
-                <a:latin typeface="inherit"/>
-              </a:rPr>
-              <a:t>Total number of people vaccinated per hundred</a:t>
-            </a:r>
-            <a:r>
-              <a:rPr lang="en-US" b="0" i="0" dirty="0">
-                <a:solidFill>
-                  <a:srgbClr val="3C4043"/>
-                </a:solidFill>
-                <a:effectLst/>
-                <a:latin typeface="inherit"/>
-              </a:rPr>
-              <a:t> - ratio (in percent) between population immunized and total population up to the date in the country;</a:t>
-            </a:r>
-          </a:p>
-          <a:p>
-            <a:pPr algn="l" fontAlgn="base">
-              <a:buFont typeface="Arial" panose="020B0604020202020204" pitchFamily="34" charset="0"/>
-              <a:buChar char="•"/>
-            </a:pPr>
-            <a:r>
-              <a:rPr lang="en-US" b="1" i="0" dirty="0">
-                <a:solidFill>
-                  <a:srgbClr val="3C4043"/>
-                </a:solidFill>
-                <a:effectLst/>
-                <a:latin typeface="inherit"/>
-              </a:rPr>
-              <a:t>Total number of people fully vaccinated per hundred</a:t>
-            </a:r>
-            <a:r>
-              <a:rPr lang="en-US" b="0" i="0" dirty="0">
-                <a:solidFill>
-                  <a:srgbClr val="3C4043"/>
-                </a:solidFill>
-                <a:effectLst/>
-                <a:latin typeface="inherit"/>
-              </a:rPr>
-              <a:t> - ratio (in percent) between population fully immunized and total population up to the date in the country;</a:t>
-            </a:r>
-          </a:p>
-          <a:p>
-            <a:pPr algn="l" fontAlgn="base">
-              <a:buFont typeface="Arial" panose="020B0604020202020204" pitchFamily="34" charset="0"/>
-              <a:buChar char="•"/>
-            </a:pPr>
-            <a:r>
-              <a:rPr lang="en-US" b="1" i="0" dirty="0">
-                <a:solidFill>
-                  <a:srgbClr val="3C4043"/>
-                </a:solidFill>
-                <a:effectLst/>
-                <a:latin typeface="inherit"/>
-              </a:rPr>
-              <a:t>Number of vaccinations per day</a:t>
-            </a:r>
-            <a:r>
-              <a:rPr lang="en-US" b="0" i="0" dirty="0">
-                <a:solidFill>
-                  <a:srgbClr val="3C4043"/>
-                </a:solidFill>
-                <a:effectLst/>
-                <a:latin typeface="inherit"/>
-              </a:rPr>
-              <a:t> - number of daily vaccination for that day and country;</a:t>
-            </a:r>
-          </a:p>
-          <a:p>
-            <a:pPr algn="l" fontAlgn="base">
-              <a:buFont typeface="Arial" panose="020B0604020202020204" pitchFamily="34" charset="0"/>
-              <a:buChar char="•"/>
-            </a:pPr>
-            <a:r>
-              <a:rPr lang="en-US" b="1" i="0" dirty="0">
-                <a:solidFill>
-                  <a:srgbClr val="3C4043"/>
-                </a:solidFill>
-                <a:effectLst/>
-                <a:latin typeface="inherit"/>
-              </a:rPr>
-              <a:t>Daily vaccinations per million</a:t>
-            </a:r>
-            <a:r>
-              <a:rPr lang="en-US" b="0" i="0" dirty="0">
-                <a:solidFill>
-                  <a:srgbClr val="3C4043"/>
-                </a:solidFill>
-                <a:effectLst/>
-                <a:latin typeface="inherit"/>
-              </a:rPr>
-              <a:t> - ratio (in ppm) between vaccination number and total population for the current date in the country;</a:t>
-            </a:r>
-          </a:p>
-          <a:p>
-            <a:pPr algn="l" fontAlgn="base">
-              <a:buFont typeface="Arial" panose="020B0604020202020204" pitchFamily="34" charset="0"/>
-              <a:buChar char="•"/>
-            </a:pPr>
-            <a:r>
-              <a:rPr lang="en-US" b="1" i="0" dirty="0">
-                <a:solidFill>
-                  <a:srgbClr val="3C4043"/>
-                </a:solidFill>
-                <a:effectLst/>
-                <a:latin typeface="inherit"/>
-              </a:rPr>
-              <a:t>Vaccines used in the country</a:t>
-            </a:r>
-            <a:r>
-              <a:rPr lang="en-US" b="0" i="0" dirty="0">
-                <a:solidFill>
-                  <a:srgbClr val="3C4043"/>
-                </a:solidFill>
-                <a:effectLst/>
-                <a:latin typeface="inherit"/>
-              </a:rPr>
-              <a:t> - total number of vaccines used in the country (up to date);</a:t>
-            </a:r>
-          </a:p>
-          <a:p>
-            <a:pPr algn="l" fontAlgn="base">
-              <a:buFont typeface="Arial" panose="020B0604020202020204" pitchFamily="34" charset="0"/>
-              <a:buChar char="•"/>
-            </a:pPr>
-            <a:r>
-              <a:rPr lang="en-US" b="1" i="0" dirty="0">
-                <a:solidFill>
-                  <a:srgbClr val="3C4043"/>
-                </a:solidFill>
-                <a:effectLst/>
-                <a:latin typeface="inherit"/>
-              </a:rPr>
-              <a:t>Source name</a:t>
-            </a:r>
-            <a:r>
-              <a:rPr lang="en-US" b="0" i="0" dirty="0">
-                <a:solidFill>
-                  <a:srgbClr val="3C4043"/>
-                </a:solidFill>
-                <a:effectLst/>
-                <a:latin typeface="inherit"/>
-              </a:rPr>
-              <a:t> - source of the information (national authority, international organization, local organization etc.);</a:t>
-            </a:r>
-          </a:p>
-          <a:p>
-            <a:pPr algn="l" fontAlgn="base">
-              <a:buFont typeface="Arial" panose="020B0604020202020204" pitchFamily="34" charset="0"/>
-              <a:buChar char="•"/>
-            </a:pPr>
-            <a:r>
-              <a:rPr lang="en-US" b="1" i="0" dirty="0">
-                <a:solidFill>
-                  <a:srgbClr val="3C4043"/>
-                </a:solidFill>
-                <a:effectLst/>
-                <a:latin typeface="inherit"/>
-              </a:rPr>
-              <a:t>Source website</a:t>
-            </a:r>
-            <a:r>
-              <a:rPr lang="en-US" b="0" i="0" dirty="0">
-                <a:solidFill>
-                  <a:srgbClr val="3C4043"/>
-                </a:solidFill>
-                <a:effectLst/>
-                <a:latin typeface="inherit"/>
-              </a:rPr>
-              <a:t> - website of the source of information;</a:t>
-            </a:r>
-          </a:p>
-          <a:p>
-            <a:endParaRPr lang="LID4096" dirty="0"/>
-          </a:p>
-        </p:txBody>
-      </p:sp>
-      <p:pic>
-        <p:nvPicPr>
-          <p:cNvPr id="5" name="Picture 4">
-            <a:extLst>
-              <a:ext uri="{FF2B5EF4-FFF2-40B4-BE49-F238E27FC236}">
-                <a16:creationId xmlns:a16="http://schemas.microsoft.com/office/drawing/2014/main" id="{B0735242-2396-40AD-89CE-0E812FCC29DC}"/>
-              </a:ext>
-            </a:extLst>
-          </p:cNvPr>
-          <p:cNvPicPr>
-            <a:picLocks noChangeAspect="1"/>
-          </p:cNvPicPr>
-          <p:nvPr/>
-        </p:nvPicPr>
-        <p:blipFill rotWithShape="1">
-          <a:blip r:embed="rId2"/>
-          <a:srcRect l="24565" t="64220" r="29748" b="7963"/>
-          <a:stretch/>
-        </p:blipFill>
-        <p:spPr>
-          <a:xfrm>
-            <a:off x="6526636" y="100668"/>
-            <a:ext cx="5570289" cy="1907680"/>
-          </a:xfrm>
-          <a:prstGeom prst="rect">
-            <a:avLst/>
-          </a:prstGeom>
-        </p:spPr>
-      </p:pic>
-    </p:spTree>
-    <p:extLst>
-      <p:ext uri="{BB962C8B-B14F-4D97-AF65-F5344CB8AC3E}">
-        <p14:creationId xmlns:p14="http://schemas.microsoft.com/office/powerpoint/2010/main" val="4153566159"/>
       </p:ext>
     </p:extLst>
   </p:cSld>

--- a/initial analysis.pptx
+++ b/initial analysis.pptx
@@ -10,14 +10,24 @@
     <p:sldId id="264" r:id="rId4"/>
     <p:sldId id="265" r:id="rId5"/>
     <p:sldId id="266" r:id="rId6"/>
-    <p:sldId id="267" r:id="rId7"/>
-    <p:sldId id="256" r:id="rId8"/>
-    <p:sldId id="257" r:id="rId9"/>
-    <p:sldId id="262" r:id="rId10"/>
-    <p:sldId id="258" r:id="rId11"/>
-    <p:sldId id="259" r:id="rId12"/>
-    <p:sldId id="260" r:id="rId13"/>
-    <p:sldId id="261" r:id="rId14"/>
+    <p:sldId id="270" r:id="rId7"/>
+    <p:sldId id="269" r:id="rId8"/>
+    <p:sldId id="271" r:id="rId9"/>
+    <p:sldId id="272" r:id="rId10"/>
+    <p:sldId id="273" r:id="rId11"/>
+    <p:sldId id="274" r:id="rId12"/>
+    <p:sldId id="275" r:id="rId13"/>
+    <p:sldId id="276" r:id="rId14"/>
+    <p:sldId id="277" r:id="rId15"/>
+    <p:sldId id="278" r:id="rId16"/>
+    <p:sldId id="267" r:id="rId17"/>
+    <p:sldId id="256" r:id="rId18"/>
+    <p:sldId id="257" r:id="rId19"/>
+    <p:sldId id="262" r:id="rId20"/>
+    <p:sldId id="258" r:id="rId21"/>
+    <p:sldId id="259" r:id="rId22"/>
+    <p:sldId id="260" r:id="rId23"/>
+    <p:sldId id="261" r:id="rId24"/>
   </p:sldIdLst>
   <p:sldSz cx="12192000" cy="6858000"/>
   <p:notesSz cx="6858000" cy="9144000"/>
@@ -273,7 +283,7 @@
           <a:p>
             <a:fld id="{1F7AAA91-01E8-40B8-A601-34D68385BFB3}" type="datetimeFigureOut">
               <a:rPr lang="LID4096" smtClean="0"/>
-              <a:t>02/09/2023</a:t>
+              <a:t>02/14/2023</a:t>
             </a:fld>
             <a:endParaRPr lang="LID4096"/>
           </a:p>
@@ -473,7 +483,7 @@
           <a:p>
             <a:fld id="{1F7AAA91-01E8-40B8-A601-34D68385BFB3}" type="datetimeFigureOut">
               <a:rPr lang="LID4096" smtClean="0"/>
-              <a:t>02/09/2023</a:t>
+              <a:t>02/14/2023</a:t>
             </a:fld>
             <a:endParaRPr lang="LID4096"/>
           </a:p>
@@ -683,7 +693,7 @@
           <a:p>
             <a:fld id="{1F7AAA91-01E8-40B8-A601-34D68385BFB3}" type="datetimeFigureOut">
               <a:rPr lang="LID4096" smtClean="0"/>
-              <a:t>02/09/2023</a:t>
+              <a:t>02/14/2023</a:t>
             </a:fld>
             <a:endParaRPr lang="LID4096"/>
           </a:p>
@@ -1011,7 +1021,7 @@
           <a:p>
             <a:fld id="{1F7AAA91-01E8-40B8-A601-34D68385BFB3}" type="datetimeFigureOut">
               <a:rPr lang="LID4096" smtClean="0"/>
-              <a:t>02/09/2023</a:t>
+              <a:t>02/14/2023</a:t>
             </a:fld>
             <a:endParaRPr lang="LID4096"/>
           </a:p>
@@ -1405,7 +1415,7 @@
           <a:p>
             <a:fld id="{1F7AAA91-01E8-40B8-A601-34D68385BFB3}" type="datetimeFigureOut">
               <a:rPr lang="LID4096" smtClean="0"/>
-              <a:t>02/09/2023</a:t>
+              <a:t>02/14/2023</a:t>
             </a:fld>
             <a:endParaRPr lang="LID4096"/>
           </a:p>
@@ -1673,7 +1683,7 @@
           <a:p>
             <a:fld id="{1F7AAA91-01E8-40B8-A601-34D68385BFB3}" type="datetimeFigureOut">
               <a:rPr lang="LID4096" smtClean="0"/>
-              <a:t>02/09/2023</a:t>
+              <a:t>02/14/2023</a:t>
             </a:fld>
             <a:endParaRPr lang="LID4096"/>
           </a:p>
@@ -2088,7 +2098,7 @@
           <a:p>
             <a:fld id="{1F7AAA91-01E8-40B8-A601-34D68385BFB3}" type="datetimeFigureOut">
               <a:rPr lang="LID4096" smtClean="0"/>
-              <a:t>02/09/2023</a:t>
+              <a:t>02/14/2023</a:t>
             </a:fld>
             <a:endParaRPr lang="LID4096"/>
           </a:p>
@@ -2230,7 +2240,7 @@
           <a:p>
             <a:fld id="{1F7AAA91-01E8-40B8-A601-34D68385BFB3}" type="datetimeFigureOut">
               <a:rPr lang="LID4096" smtClean="0"/>
-              <a:t>02/09/2023</a:t>
+              <a:t>02/14/2023</a:t>
             </a:fld>
             <a:endParaRPr lang="LID4096"/>
           </a:p>
@@ -2343,7 +2353,7 @@
           <a:p>
             <a:fld id="{1F7AAA91-01E8-40B8-A601-34D68385BFB3}" type="datetimeFigureOut">
               <a:rPr lang="LID4096" smtClean="0"/>
-              <a:t>02/09/2023</a:t>
+              <a:t>02/14/2023</a:t>
             </a:fld>
             <a:endParaRPr lang="LID4096"/>
           </a:p>
@@ -2656,7 +2666,7 @@
           <a:p>
             <a:fld id="{1F7AAA91-01E8-40B8-A601-34D68385BFB3}" type="datetimeFigureOut">
               <a:rPr lang="LID4096" smtClean="0"/>
-              <a:t>02/09/2023</a:t>
+              <a:t>02/14/2023</a:t>
             </a:fld>
             <a:endParaRPr lang="LID4096"/>
           </a:p>
@@ -2945,7 +2955,7 @@
           <a:p>
             <a:fld id="{1F7AAA91-01E8-40B8-A601-34D68385BFB3}" type="datetimeFigureOut">
               <a:rPr lang="LID4096" smtClean="0"/>
-              <a:t>02/09/2023</a:t>
+              <a:t>02/14/2023</a:t>
             </a:fld>
             <a:endParaRPr lang="LID4096"/>
           </a:p>
@@ -3188,7 +3198,7 @@
           <a:p>
             <a:fld id="{1F7AAA91-01E8-40B8-A601-34D68385BFB3}" type="datetimeFigureOut">
               <a:rPr lang="LID4096" smtClean="0"/>
-              <a:t>02/09/2023</a:t>
+              <a:t>02/14/2023</a:t>
             </a:fld>
             <a:endParaRPr lang="LID4096"/>
           </a:p>
@@ -3724,531 +3734,83 @@
           <a:chExt cx="0" cy="0"/>
         </a:xfrm>
       </p:grpSpPr>
-      <p:sp>
-        <p:nvSpPr>
-          <p:cNvPr id="2" name="Title 1">
-            <a:extLst>
-              <a:ext uri="{FF2B5EF4-FFF2-40B4-BE49-F238E27FC236}">
-                <a16:creationId xmlns:a16="http://schemas.microsoft.com/office/drawing/2014/main" id="{E1C69EAB-CC45-4A58-9218-41B072248390}"/>
-              </a:ext>
-            </a:extLst>
-          </p:cNvPr>
-          <p:cNvSpPr>
-            <a:spLocks noGrp="1"/>
-          </p:cNvSpPr>
-          <p:nvPr>
-            <p:ph type="title"/>
-          </p:nvPr>
-        </p:nvSpPr>
-        <p:spPr>
-          <a:xfrm>
-            <a:off x="527808" y="291058"/>
-            <a:ext cx="10515600" cy="1325563"/>
-          </a:xfrm>
-        </p:spPr>
-        <p:txBody>
-          <a:bodyPr/>
-          <a:lstStyle/>
-          <a:p>
-            <a:r>
-              <a:rPr lang="en-US" b="1" i="0" dirty="0">
-                <a:solidFill>
-                  <a:srgbClr val="202124"/>
-                </a:solidFill>
-                <a:effectLst/>
-                <a:latin typeface="Inter"/>
-              </a:rPr>
-              <a:t>country_vaccinations.csv</a:t>
-            </a:r>
-            <a:br>
-              <a:rPr lang="en-US" b="1" i="0" dirty="0">
-                <a:solidFill>
-                  <a:srgbClr val="202124"/>
-                </a:solidFill>
-                <a:effectLst/>
-                <a:latin typeface="Inter"/>
-              </a:rPr>
-            </a:br>
-            <a:endParaRPr lang="LID4096" dirty="0"/>
-          </a:p>
-        </p:txBody>
-      </p:sp>
-      <p:sp>
-        <p:nvSpPr>
-          <p:cNvPr id="3" name="Content Placeholder 2">
-            <a:extLst>
-              <a:ext uri="{FF2B5EF4-FFF2-40B4-BE49-F238E27FC236}">
-                <a16:creationId xmlns:a16="http://schemas.microsoft.com/office/drawing/2014/main" id="{2524168B-23DA-4B6C-9351-4EB9914208C3}"/>
-              </a:ext>
-            </a:extLst>
-          </p:cNvPr>
-          <p:cNvSpPr>
-            <a:spLocks noGrp="1"/>
-          </p:cNvSpPr>
-          <p:nvPr>
-            <p:ph idx="1"/>
-          </p:nvPr>
-        </p:nvSpPr>
-        <p:spPr/>
-        <p:txBody>
-          <a:bodyPr>
-            <a:normAutofit fontScale="40000" lnSpcReduction="20000"/>
-          </a:bodyPr>
-          <a:lstStyle/>
-          <a:p>
-            <a:pPr algn="l" fontAlgn="base">
-              <a:buFont typeface="Arial" panose="020B0604020202020204" pitchFamily="34" charset="0"/>
-              <a:buChar char="•"/>
-            </a:pPr>
-            <a:r>
-              <a:rPr lang="en-US" b="1" i="0" dirty="0">
-                <a:solidFill>
-                  <a:srgbClr val="3C4043"/>
-                </a:solidFill>
-                <a:effectLst/>
-                <a:latin typeface="inherit"/>
-              </a:rPr>
-              <a:t>Country</a:t>
-            </a:r>
-            <a:r>
-              <a:rPr lang="en-US" b="0" i="0" dirty="0">
-                <a:solidFill>
-                  <a:srgbClr val="3C4043"/>
-                </a:solidFill>
-                <a:effectLst/>
-                <a:latin typeface="inherit"/>
-              </a:rPr>
-              <a:t>- this is the country for which the vaccination information is provided;</a:t>
-            </a:r>
-          </a:p>
-          <a:p>
-            <a:pPr algn="l" fontAlgn="base">
-              <a:buFont typeface="Arial" panose="020B0604020202020204" pitchFamily="34" charset="0"/>
-              <a:buChar char="•"/>
-            </a:pPr>
-            <a:r>
-              <a:rPr lang="en-US" b="1" i="0" dirty="0">
-                <a:solidFill>
-                  <a:srgbClr val="3C4043"/>
-                </a:solidFill>
-                <a:effectLst/>
-                <a:latin typeface="inherit"/>
-              </a:rPr>
-              <a:t>Country ISO Code</a:t>
-            </a:r>
-            <a:r>
-              <a:rPr lang="en-US" b="0" i="0" dirty="0">
-                <a:solidFill>
-                  <a:srgbClr val="3C4043"/>
-                </a:solidFill>
-                <a:effectLst/>
-                <a:latin typeface="inherit"/>
-              </a:rPr>
-              <a:t> - ISO code for the country;</a:t>
-            </a:r>
-          </a:p>
-          <a:p>
-            <a:pPr algn="l" fontAlgn="base">
-              <a:buFont typeface="Arial" panose="020B0604020202020204" pitchFamily="34" charset="0"/>
-              <a:buChar char="•"/>
-            </a:pPr>
-            <a:r>
-              <a:rPr lang="en-US" b="1" i="0" dirty="0">
-                <a:solidFill>
-                  <a:srgbClr val="3C4043"/>
-                </a:solidFill>
-                <a:effectLst/>
-                <a:latin typeface="inherit"/>
-              </a:rPr>
-              <a:t>Date</a:t>
-            </a:r>
-            <a:r>
-              <a:rPr lang="en-US" b="0" i="0" dirty="0">
-                <a:solidFill>
-                  <a:srgbClr val="3C4043"/>
-                </a:solidFill>
-                <a:effectLst/>
-                <a:latin typeface="inherit"/>
-              </a:rPr>
-              <a:t> - date for the data entry; for some of the dates we have only the daily vaccinations, for others, only the (cumulative) total;</a:t>
-            </a:r>
-          </a:p>
-          <a:p>
-            <a:pPr algn="l" fontAlgn="base">
-              <a:buFont typeface="Arial" panose="020B0604020202020204" pitchFamily="34" charset="0"/>
-              <a:buChar char="•"/>
-            </a:pPr>
-            <a:r>
-              <a:rPr lang="en-US" b="1" i="0" dirty="0">
-                <a:solidFill>
-                  <a:srgbClr val="3C4043"/>
-                </a:solidFill>
-                <a:effectLst/>
-                <a:latin typeface="inherit"/>
-              </a:rPr>
-              <a:t>Total number of vaccinations</a:t>
-            </a:r>
-            <a:r>
-              <a:rPr lang="en-US" b="0" i="0" dirty="0">
-                <a:solidFill>
-                  <a:srgbClr val="3C4043"/>
-                </a:solidFill>
-                <a:effectLst/>
-                <a:latin typeface="inherit"/>
-              </a:rPr>
-              <a:t> - this is the absolute number of total immunizations in the country;</a:t>
-            </a:r>
-          </a:p>
-          <a:p>
-            <a:pPr algn="l" fontAlgn="base">
-              <a:buFont typeface="Arial" panose="020B0604020202020204" pitchFamily="34" charset="0"/>
-              <a:buChar char="•"/>
-            </a:pPr>
-            <a:r>
-              <a:rPr lang="en-US" b="1" i="0" dirty="0">
-                <a:solidFill>
-                  <a:srgbClr val="3C4043"/>
-                </a:solidFill>
-                <a:effectLst/>
-                <a:latin typeface="inherit"/>
-              </a:rPr>
-              <a:t>Total number of people vaccinated</a:t>
-            </a:r>
-            <a:r>
-              <a:rPr lang="en-US" b="0" i="0" dirty="0">
-                <a:solidFill>
-                  <a:srgbClr val="3C4043"/>
-                </a:solidFill>
-                <a:effectLst/>
-                <a:latin typeface="inherit"/>
-              </a:rPr>
-              <a:t> - a person, depending on the immunization scheme, will receive one or more (typically 2) vaccines; at a certain moment, the number of vaccination might be larger than the number of people;</a:t>
-            </a:r>
-          </a:p>
-          <a:p>
-            <a:pPr algn="l" fontAlgn="base">
-              <a:buFont typeface="Arial" panose="020B0604020202020204" pitchFamily="34" charset="0"/>
-              <a:buChar char="•"/>
-            </a:pPr>
-            <a:r>
-              <a:rPr lang="en-US" b="1" i="0" dirty="0">
-                <a:solidFill>
-                  <a:srgbClr val="3C4043"/>
-                </a:solidFill>
-                <a:effectLst/>
-                <a:latin typeface="inherit"/>
-              </a:rPr>
-              <a:t>Total number of people fully vaccinated</a:t>
-            </a:r>
-            <a:r>
-              <a:rPr lang="en-US" b="0" i="0" dirty="0">
-                <a:solidFill>
-                  <a:srgbClr val="3C4043"/>
-                </a:solidFill>
-                <a:effectLst/>
-                <a:latin typeface="inherit"/>
-              </a:rPr>
-              <a:t> - this is the number of people that received the entire set of immunization according to the immunization scheme (typically 2); at a certain moment in time, there might be a certain number of people that received one vaccine and another number (smaller) of people that received all vaccines in the scheme;</a:t>
-            </a:r>
-          </a:p>
-          <a:p>
-            <a:pPr algn="l" fontAlgn="base">
-              <a:buFont typeface="Arial" panose="020B0604020202020204" pitchFamily="34" charset="0"/>
-              <a:buChar char="•"/>
-            </a:pPr>
-            <a:r>
-              <a:rPr lang="en-US" b="1" i="0" dirty="0">
-                <a:solidFill>
-                  <a:srgbClr val="3C4043"/>
-                </a:solidFill>
-                <a:effectLst/>
-                <a:latin typeface="inherit"/>
-              </a:rPr>
-              <a:t>Daily vaccinations (raw)</a:t>
-            </a:r>
-            <a:r>
-              <a:rPr lang="en-US" b="0" i="0" dirty="0">
-                <a:solidFill>
-                  <a:srgbClr val="3C4043"/>
-                </a:solidFill>
-                <a:effectLst/>
-                <a:latin typeface="inherit"/>
-              </a:rPr>
-              <a:t> - for a certain data entry, the number of vaccination for that date/country;</a:t>
-            </a:r>
-          </a:p>
-          <a:p>
-            <a:pPr algn="l" fontAlgn="base">
-              <a:buFont typeface="Arial" panose="020B0604020202020204" pitchFamily="34" charset="0"/>
-              <a:buChar char="•"/>
-            </a:pPr>
-            <a:r>
-              <a:rPr lang="en-US" b="1" i="0" dirty="0">
-                <a:solidFill>
-                  <a:srgbClr val="3C4043"/>
-                </a:solidFill>
-                <a:effectLst/>
-                <a:latin typeface="inherit"/>
-              </a:rPr>
-              <a:t>Daily vaccinations</a:t>
-            </a:r>
-            <a:r>
-              <a:rPr lang="en-US" b="0" i="0" dirty="0">
-                <a:solidFill>
-                  <a:srgbClr val="3C4043"/>
-                </a:solidFill>
-                <a:effectLst/>
-                <a:latin typeface="inherit"/>
-              </a:rPr>
-              <a:t> - for a certain data entry, the number of vaccination for that date/country;</a:t>
-            </a:r>
-          </a:p>
-          <a:p>
-            <a:pPr algn="l" fontAlgn="base">
-              <a:buFont typeface="Arial" panose="020B0604020202020204" pitchFamily="34" charset="0"/>
-              <a:buChar char="•"/>
-            </a:pPr>
-            <a:r>
-              <a:rPr lang="en-US" b="1" i="0" dirty="0">
-                <a:solidFill>
-                  <a:srgbClr val="3C4043"/>
-                </a:solidFill>
-                <a:effectLst/>
-                <a:latin typeface="inherit"/>
-              </a:rPr>
-              <a:t>Total vaccinations per hundred</a:t>
-            </a:r>
-            <a:r>
-              <a:rPr lang="en-US" b="0" i="0" dirty="0">
-                <a:solidFill>
-                  <a:srgbClr val="3C4043"/>
-                </a:solidFill>
-                <a:effectLst/>
-                <a:latin typeface="inherit"/>
-              </a:rPr>
-              <a:t> - ratio (in percent) between vaccination number and total population up to the date in the country;</a:t>
-            </a:r>
-          </a:p>
-          <a:p>
-            <a:pPr algn="l" fontAlgn="base">
-              <a:buFont typeface="Arial" panose="020B0604020202020204" pitchFamily="34" charset="0"/>
-              <a:buChar char="•"/>
-            </a:pPr>
-            <a:r>
-              <a:rPr lang="en-US" b="1" i="0" dirty="0">
-                <a:solidFill>
-                  <a:srgbClr val="3C4043"/>
-                </a:solidFill>
-                <a:effectLst/>
-                <a:latin typeface="inherit"/>
-              </a:rPr>
-              <a:t>Total number of people vaccinated per hundred</a:t>
-            </a:r>
-            <a:r>
-              <a:rPr lang="en-US" b="0" i="0" dirty="0">
-                <a:solidFill>
-                  <a:srgbClr val="3C4043"/>
-                </a:solidFill>
-                <a:effectLst/>
-                <a:latin typeface="inherit"/>
-              </a:rPr>
-              <a:t> - ratio (in percent) between population immunized and total population up to the date in the country;</a:t>
-            </a:r>
-          </a:p>
-          <a:p>
-            <a:pPr algn="l" fontAlgn="base">
-              <a:buFont typeface="Arial" panose="020B0604020202020204" pitchFamily="34" charset="0"/>
-              <a:buChar char="•"/>
-            </a:pPr>
-            <a:r>
-              <a:rPr lang="en-US" b="1" i="0" dirty="0">
-                <a:solidFill>
-                  <a:srgbClr val="3C4043"/>
-                </a:solidFill>
-                <a:effectLst/>
-                <a:latin typeface="inherit"/>
-              </a:rPr>
-              <a:t>Total number of people fully vaccinated per hundred</a:t>
-            </a:r>
-            <a:r>
-              <a:rPr lang="en-US" b="0" i="0" dirty="0">
-                <a:solidFill>
-                  <a:srgbClr val="3C4043"/>
-                </a:solidFill>
-                <a:effectLst/>
-                <a:latin typeface="inherit"/>
-              </a:rPr>
-              <a:t> - ratio (in percent) between population fully immunized and total population up to the date in the country;</a:t>
-            </a:r>
-          </a:p>
-          <a:p>
-            <a:pPr algn="l" fontAlgn="base">
-              <a:buFont typeface="Arial" panose="020B0604020202020204" pitchFamily="34" charset="0"/>
-              <a:buChar char="•"/>
-            </a:pPr>
-            <a:r>
-              <a:rPr lang="en-US" b="1" i="0" dirty="0">
-                <a:solidFill>
-                  <a:srgbClr val="3C4043"/>
-                </a:solidFill>
-                <a:effectLst/>
-                <a:latin typeface="inherit"/>
-              </a:rPr>
-              <a:t>Number of vaccinations per day</a:t>
-            </a:r>
-            <a:r>
-              <a:rPr lang="en-US" b="0" i="0" dirty="0">
-                <a:solidFill>
-                  <a:srgbClr val="3C4043"/>
-                </a:solidFill>
-                <a:effectLst/>
-                <a:latin typeface="inherit"/>
-              </a:rPr>
-              <a:t> - number of daily vaccination for that day and country;</a:t>
-            </a:r>
-          </a:p>
-          <a:p>
-            <a:pPr algn="l" fontAlgn="base">
-              <a:buFont typeface="Arial" panose="020B0604020202020204" pitchFamily="34" charset="0"/>
-              <a:buChar char="•"/>
-            </a:pPr>
-            <a:r>
-              <a:rPr lang="en-US" b="1" i="0" dirty="0">
-                <a:solidFill>
-                  <a:srgbClr val="3C4043"/>
-                </a:solidFill>
-                <a:effectLst/>
-                <a:latin typeface="inherit"/>
-              </a:rPr>
-              <a:t>Daily vaccinations per million</a:t>
-            </a:r>
-            <a:r>
-              <a:rPr lang="en-US" b="0" i="0" dirty="0">
-                <a:solidFill>
-                  <a:srgbClr val="3C4043"/>
-                </a:solidFill>
-                <a:effectLst/>
-                <a:latin typeface="inherit"/>
-              </a:rPr>
-              <a:t> - ratio (in ppm) between vaccination number and total population for the current date in the country;</a:t>
-            </a:r>
-          </a:p>
-          <a:p>
-            <a:pPr algn="l" fontAlgn="base">
-              <a:buFont typeface="Arial" panose="020B0604020202020204" pitchFamily="34" charset="0"/>
-              <a:buChar char="•"/>
-            </a:pPr>
-            <a:r>
-              <a:rPr lang="en-US" b="1" i="0" dirty="0">
-                <a:solidFill>
-                  <a:srgbClr val="3C4043"/>
-                </a:solidFill>
-                <a:effectLst/>
-                <a:latin typeface="inherit"/>
-              </a:rPr>
-              <a:t>Vaccines used in the country</a:t>
-            </a:r>
-            <a:r>
-              <a:rPr lang="en-US" b="0" i="0" dirty="0">
-                <a:solidFill>
-                  <a:srgbClr val="3C4043"/>
-                </a:solidFill>
-                <a:effectLst/>
-                <a:latin typeface="inherit"/>
-              </a:rPr>
-              <a:t> - total number of vaccines used in the country (up to date);</a:t>
-            </a:r>
-          </a:p>
-          <a:p>
-            <a:pPr algn="l" fontAlgn="base">
-              <a:buFont typeface="Arial" panose="020B0604020202020204" pitchFamily="34" charset="0"/>
-              <a:buChar char="•"/>
-            </a:pPr>
-            <a:r>
-              <a:rPr lang="en-US" b="1" i="0" dirty="0">
-                <a:solidFill>
-                  <a:srgbClr val="3C4043"/>
-                </a:solidFill>
-                <a:effectLst/>
-                <a:latin typeface="inherit"/>
-              </a:rPr>
-              <a:t>Source name</a:t>
-            </a:r>
-            <a:r>
-              <a:rPr lang="en-US" b="0" i="0" dirty="0">
-                <a:solidFill>
-                  <a:srgbClr val="3C4043"/>
-                </a:solidFill>
-                <a:effectLst/>
-                <a:latin typeface="inherit"/>
-              </a:rPr>
-              <a:t> - source of the information (national authority, international organization, local organization etc.);</a:t>
-            </a:r>
-          </a:p>
-          <a:p>
-            <a:pPr algn="l" fontAlgn="base">
-              <a:buFont typeface="Arial" panose="020B0604020202020204" pitchFamily="34" charset="0"/>
-              <a:buChar char="•"/>
-            </a:pPr>
-            <a:r>
-              <a:rPr lang="en-US" b="1" i="0" dirty="0">
-                <a:solidFill>
-                  <a:srgbClr val="3C4043"/>
-                </a:solidFill>
-                <a:effectLst/>
-                <a:latin typeface="inherit"/>
-              </a:rPr>
-              <a:t>Source website</a:t>
-            </a:r>
-            <a:r>
-              <a:rPr lang="en-US" b="0" i="0" dirty="0">
-                <a:solidFill>
-                  <a:srgbClr val="3C4043"/>
-                </a:solidFill>
-                <a:effectLst/>
-                <a:latin typeface="inherit"/>
-              </a:rPr>
-              <a:t> - website of the source of information;</a:t>
-            </a:r>
-          </a:p>
-          <a:p>
-            <a:endParaRPr lang="LID4096" dirty="0"/>
-          </a:p>
-        </p:txBody>
-      </p:sp>
       <p:pic>
         <p:nvPicPr>
-          <p:cNvPr id="5" name="Picture 4">
-            <a:extLst>
-              <a:ext uri="{FF2B5EF4-FFF2-40B4-BE49-F238E27FC236}">
-                <a16:creationId xmlns:a16="http://schemas.microsoft.com/office/drawing/2014/main" id="{B0735242-2396-40AD-89CE-0E812FCC29DC}"/>
+          <p:cNvPr id="5" name="Content Placeholder 4">
+            <a:extLst>
+              <a:ext uri="{FF2B5EF4-FFF2-40B4-BE49-F238E27FC236}">
+                <a16:creationId xmlns:a16="http://schemas.microsoft.com/office/drawing/2014/main" id="{3DA64796-7CF6-A764-BE00-5D9F06CACCBF}"/>
               </a:ext>
             </a:extLst>
           </p:cNvPr>
           <p:cNvPicPr>
-            <a:picLocks noChangeAspect="1"/>
+            <a:picLocks noGrp="1" noChangeAspect="1"/>
           </p:cNvPicPr>
-          <p:nvPr/>
+          <p:nvPr>
+            <p:ph idx="1"/>
+          </p:nvPr>
         </p:nvPicPr>
-        <p:blipFill rotWithShape="1">
+        <p:blipFill>
           <a:blip r:embed="rId2"/>
-          <a:srcRect l="24565" t="64220" r="29748" b="7963"/>
-          <a:stretch/>
+          <a:stretch>
+            <a:fillRect/>
+          </a:stretch>
         </p:blipFill>
         <p:spPr>
           <a:xfrm>
-            <a:off x="6526636" y="100668"/>
-            <a:ext cx="5570289" cy="1907680"/>
+            <a:off x="134873" y="226337"/>
+            <a:ext cx="10267559" cy="6502058"/>
+          </a:xfrm>
+        </p:spPr>
+      </p:pic>
+      <p:sp>
+        <p:nvSpPr>
+          <p:cNvPr id="2" name="TextBox 1">
+            <a:extLst>
+              <a:ext uri="{FF2B5EF4-FFF2-40B4-BE49-F238E27FC236}">
+                <a16:creationId xmlns:a16="http://schemas.microsoft.com/office/drawing/2014/main" id="{16A1984B-7E2E-596B-060F-156D104DCB4E}"/>
+              </a:ext>
+            </a:extLst>
+          </p:cNvPr>
+          <p:cNvSpPr txBox="1"/>
+          <p:nvPr/>
+        </p:nvSpPr>
+        <p:spPr>
+          <a:xfrm flipH="1">
+            <a:off x="627272" y="226337"/>
+            <a:ext cx="1162296" cy="369332"/>
           </a:xfrm>
           <a:prstGeom prst="rect">
             <a:avLst/>
           </a:prstGeom>
+          <a:noFill/>
         </p:spPr>
-      </p:pic>
+        <p:txBody>
+          <a:bodyPr wrap="square" rtlCol="0">
+            <a:spAutoFit/>
+          </a:bodyPr>
+          <a:lstStyle/>
+          <a:p>
+            <a:r>
+              <a:rPr lang="en-US" dirty="0">
+                <a:highlight>
+                  <a:srgbClr val="00FF00"/>
+                </a:highlight>
+              </a:rPr>
+              <a:t>Done</a:t>
+            </a:r>
+            <a:endParaRPr lang="en-IL" dirty="0">
+              <a:highlight>
+                <a:srgbClr val="00FF00"/>
+              </a:highlight>
+            </a:endParaRPr>
+          </a:p>
+        </p:txBody>
+      </p:sp>
     </p:spTree>
     <p:extLst>
       <p:ext uri="{BB962C8B-B14F-4D97-AF65-F5344CB8AC3E}">
-        <p14:creationId xmlns:p14="http://schemas.microsoft.com/office/powerpoint/2010/main" val="4153566159"/>
+        <p14:creationId xmlns:p14="http://schemas.microsoft.com/office/powerpoint/2010/main" val="1476582539"/>
       </p:ext>
     </p:extLst>
   </p:cSld>
@@ -4280,7 +3842,7 @@
           <p:cNvPr id="2" name="Title 1">
             <a:extLst>
               <a:ext uri="{FF2B5EF4-FFF2-40B4-BE49-F238E27FC236}">
-                <a16:creationId xmlns:a16="http://schemas.microsoft.com/office/drawing/2014/main" id="{0DB4DDA6-8135-4FFE-A5F7-C8E35DE381EC}"/>
+                <a16:creationId xmlns:a16="http://schemas.microsoft.com/office/drawing/2014/main" id="{9FA9E264-B689-8802-7A09-F405ABCCE0F4}"/>
               </a:ext>
             </a:extLst>
           </p:cNvPr>
@@ -4297,124 +3859,110 @@
           <a:lstStyle/>
           <a:p>
             <a:r>
-              <a:rPr lang="en-US" b="1" i="0" dirty="0">
-                <a:solidFill>
-                  <a:srgbClr val="202124"/>
-                </a:solidFill>
-                <a:effectLst/>
-                <a:latin typeface="Inter"/>
-              </a:rPr>
-              <a:t>country_vaccinations.csv</a:t>
-            </a:r>
-            <a:endParaRPr lang="LID4096" dirty="0"/>
-          </a:p>
-        </p:txBody>
-      </p:sp>
-      <p:sp>
-        <p:nvSpPr>
-          <p:cNvPr id="3" name="Content Placeholder 2">
-            <a:extLst>
-              <a:ext uri="{FF2B5EF4-FFF2-40B4-BE49-F238E27FC236}">
-                <a16:creationId xmlns:a16="http://schemas.microsoft.com/office/drawing/2014/main" id="{CC0740D9-F133-4061-B116-A94E8B300632}"/>
-              </a:ext>
-            </a:extLst>
-          </p:cNvPr>
-          <p:cNvSpPr>
-            <a:spLocks noGrp="1"/>
-          </p:cNvSpPr>
-          <p:nvPr>
-            <p:ph idx="1"/>
-          </p:nvPr>
-        </p:nvSpPr>
-        <p:spPr/>
-        <p:txBody>
-          <a:bodyPr/>
-          <a:lstStyle/>
-          <a:p>
-            <a:r>
               <a:rPr lang="en-US" dirty="0"/>
-              <a:t>Columns: </a:t>
-            </a:r>
-          </a:p>
-          <a:p>
-            <a:endParaRPr lang="LID4096" dirty="0"/>
+              <a:t>Is specific age group more vulnerable for infection </a:t>
+            </a:r>
+            <a:endParaRPr lang="en-IL" dirty="0"/>
           </a:p>
         </p:txBody>
       </p:sp>
       <p:pic>
         <p:nvPicPr>
-          <p:cNvPr id="8" name="Picture 7">
-            <a:extLst>
-              <a:ext uri="{FF2B5EF4-FFF2-40B4-BE49-F238E27FC236}">
-                <a16:creationId xmlns:a16="http://schemas.microsoft.com/office/drawing/2014/main" id="{65D71B67-3D50-4760-BE65-F51A638F2CAC}"/>
+          <p:cNvPr id="5" name="Content Placeholder 4">
+            <a:extLst>
+              <a:ext uri="{FF2B5EF4-FFF2-40B4-BE49-F238E27FC236}">
+                <a16:creationId xmlns:a16="http://schemas.microsoft.com/office/drawing/2014/main" id="{BC17801A-750B-7E72-3ABC-2B199A563D9C}"/>
               </a:ext>
             </a:extLst>
           </p:cNvPr>
           <p:cNvPicPr>
-            <a:picLocks noChangeAspect="1"/>
+            <a:picLocks noGrp="1" noChangeAspect="1"/>
           </p:cNvPicPr>
-          <p:nvPr/>
+          <p:nvPr>
+            <p:ph idx="1"/>
+          </p:nvPr>
         </p:nvPicPr>
-        <p:blipFill rotWithShape="1">
+        <p:blipFill>
           <a:blip r:embed="rId2"/>
-          <a:srcRect l="26285" t="55078" r="46939" b="9931"/>
-          <a:stretch/>
+          <a:stretch>
+            <a:fillRect/>
+          </a:stretch>
         </p:blipFill>
         <p:spPr>
           <a:xfrm>
-            <a:off x="948033" y="2426613"/>
-            <a:ext cx="4014062" cy="2950730"/>
+            <a:off x="131587" y="1690689"/>
+            <a:ext cx="11947977" cy="4628630"/>
           </a:xfrm>
-          <a:prstGeom prst="rect">
+        </p:spPr>
+      </p:pic>
+      <p:sp>
+        <p:nvSpPr>
+          <p:cNvPr id="6" name="Rectangle: Rounded Corners 5">
+            <a:extLst>
+              <a:ext uri="{FF2B5EF4-FFF2-40B4-BE49-F238E27FC236}">
+                <a16:creationId xmlns:a16="http://schemas.microsoft.com/office/drawing/2014/main" id="{21BBF659-077C-BF00-A4FF-61ADEA2EB9F1}"/>
+              </a:ext>
+            </a:extLst>
+          </p:cNvPr>
+          <p:cNvSpPr/>
+          <p:nvPr/>
+        </p:nvSpPr>
+        <p:spPr>
+          <a:xfrm>
+            <a:off x="3376943" y="1982709"/>
+            <a:ext cx="2719057" cy="4227968"/>
+          </a:xfrm>
+          <a:prstGeom prst="roundRect">
             <a:avLst/>
           </a:prstGeom>
+          <a:noFill/>
+          <a:ln w="38100">
+            <a:solidFill>
+              <a:srgbClr val="FF0000"/>
+            </a:solidFill>
+          </a:ln>
         </p:spPr>
-      </p:pic>
-      <p:pic>
-        <p:nvPicPr>
-          <p:cNvPr id="10" name="Picture 9">
-            <a:extLst>
-              <a:ext uri="{FF2B5EF4-FFF2-40B4-BE49-F238E27FC236}">
-                <a16:creationId xmlns:a16="http://schemas.microsoft.com/office/drawing/2014/main" id="{72C6082E-0994-4F59-A12E-9025C3FA17DC}"/>
-              </a:ext>
-            </a:extLst>
-          </p:cNvPr>
-          <p:cNvPicPr>
-            <a:picLocks noChangeAspect="1"/>
-          </p:cNvPicPr>
+        <p:style>
+          <a:lnRef idx="2">
+            <a:schemeClr val="accent1">
+              <a:shade val="50000"/>
+            </a:schemeClr>
+          </a:lnRef>
+          <a:fillRef idx="1">
+            <a:schemeClr val="accent1"/>
+          </a:fillRef>
+          <a:effectRef idx="0">
+            <a:schemeClr val="accent1"/>
+          </a:effectRef>
+          <a:fontRef idx="minor">
+            <a:schemeClr val="lt1"/>
+          </a:fontRef>
+        </p:style>
+        <p:txBody>
+          <a:bodyPr rtlCol="0" anchor="ctr"/>
+          <a:lstStyle/>
+          <a:p>
+            <a:pPr algn="ctr"/>
+            <a:endParaRPr lang="en-IL"/>
+          </a:p>
+        </p:txBody>
+      </p:sp>
+      <p:sp>
+        <p:nvSpPr>
+          <p:cNvPr id="3" name="TextBox 2">
+            <a:extLst>
+              <a:ext uri="{FF2B5EF4-FFF2-40B4-BE49-F238E27FC236}">
+                <a16:creationId xmlns:a16="http://schemas.microsoft.com/office/drawing/2014/main" id="{A31CF6F2-309A-2DF2-4D43-7568302217DB}"/>
+              </a:ext>
+            </a:extLst>
+          </p:cNvPr>
+          <p:cNvSpPr txBox="1"/>
           <p:nvPr/>
-        </p:nvPicPr>
-        <p:blipFill rotWithShape="1">
-          <a:blip r:embed="rId3"/>
-          <a:srcRect l="40806" t="56974" r="54381" b="18532"/>
-          <a:stretch/>
-        </p:blipFill>
+        </p:nvSpPr>
         <p:spPr>
           <a:xfrm>
-            <a:off x="4962095" y="3171038"/>
-            <a:ext cx="764908" cy="2055302"/>
-          </a:xfrm>
-          <a:prstGeom prst="rect">
-            <a:avLst/>
-          </a:prstGeom>
-        </p:spPr>
-      </p:pic>
-      <p:sp>
-        <p:nvSpPr>
-          <p:cNvPr id="11" name="TextBox 10">
-            <a:extLst>
-              <a:ext uri="{FF2B5EF4-FFF2-40B4-BE49-F238E27FC236}">
-                <a16:creationId xmlns:a16="http://schemas.microsoft.com/office/drawing/2014/main" id="{57D31752-74AB-4DFD-9BA8-D4DB98B99025}"/>
-              </a:ext>
-            </a:extLst>
-          </p:cNvPr>
-          <p:cNvSpPr txBox="1"/>
-          <p:nvPr/>
-        </p:nvSpPr>
-        <p:spPr>
-          <a:xfrm>
-            <a:off x="4997159" y="2801706"/>
-            <a:ext cx="1057013" cy="400110"/>
+            <a:off x="6392779" y="2185737"/>
+            <a:ext cx="625642" cy="369332"/>
           </a:xfrm>
           <a:prstGeom prst="rect">
             <a:avLst/>
@@ -4428,24 +3976,25 @@
           <a:lstStyle/>
           <a:p>
             <a:r>
-              <a:rPr lang="en-US" sz="1000" dirty="0" err="1"/>
-              <a:t>Nunique</a:t>
-            </a:r>
-            <a:endParaRPr lang="en-US" sz="1000" dirty="0"/>
-          </a:p>
-          <a:p>
-            <a:r>
-              <a:rPr lang="en-US" sz="1000" dirty="0"/>
-              <a:t>…………….</a:t>
-            </a:r>
-            <a:endParaRPr lang="LID4096" sz="1000" dirty="0"/>
+              <a:rPr lang="en-US" dirty="0">
+                <a:highlight>
+                  <a:srgbClr val="FF00FF"/>
+                </a:highlight>
+              </a:rPr>
+              <a:t>Alin</a:t>
+            </a:r>
+            <a:endParaRPr lang="en-IL" dirty="0">
+              <a:highlight>
+                <a:srgbClr val="FF00FF"/>
+              </a:highlight>
+            </a:endParaRPr>
           </a:p>
         </p:txBody>
       </p:sp>
     </p:spTree>
     <p:extLst>
       <p:ext uri="{BB962C8B-B14F-4D97-AF65-F5344CB8AC3E}">
-        <p14:creationId xmlns:p14="http://schemas.microsoft.com/office/powerpoint/2010/main" val="565402937"/>
+        <p14:creationId xmlns:p14="http://schemas.microsoft.com/office/powerpoint/2010/main" val="2532886675"/>
       </p:ext>
     </p:extLst>
   </p:cSld>
@@ -4477,7 +4026,7 @@
           <p:cNvPr id="2" name="Title 1">
             <a:extLst>
               <a:ext uri="{FF2B5EF4-FFF2-40B4-BE49-F238E27FC236}">
-                <a16:creationId xmlns:a16="http://schemas.microsoft.com/office/drawing/2014/main" id="{1D4BFD99-F175-432A-B2EB-6CA04513AC57}"/>
+                <a16:creationId xmlns:a16="http://schemas.microsoft.com/office/drawing/2014/main" id="{DB56B6B2-59F0-CFD2-2A9D-D77E0EDB3E02}"/>
               </a:ext>
             </a:extLst>
           </p:cNvPr>
@@ -4495,61 +4044,45 @@
           <a:p>
             <a:r>
               <a:rPr lang="en-US" dirty="0"/>
-              <a:t>Total vaccinations/country</a:t>
-            </a:r>
-            <a:endParaRPr lang="LID4096" dirty="0"/>
+              <a:t>Is age can be predictor for recovery success?</a:t>
+            </a:r>
+            <a:endParaRPr lang="en-IL" dirty="0"/>
           </a:p>
         </p:txBody>
       </p:sp>
       <p:pic>
         <p:nvPicPr>
-          <p:cNvPr id="2050" name="Picture 2">
-            <a:extLst>
-              <a:ext uri="{FF2B5EF4-FFF2-40B4-BE49-F238E27FC236}">
-                <a16:creationId xmlns:a16="http://schemas.microsoft.com/office/drawing/2014/main" id="{00598862-6E79-4ED9-8C42-765F95623FAE}"/>
+          <p:cNvPr id="5" name="Content Placeholder 4">
+            <a:extLst>
+              <a:ext uri="{FF2B5EF4-FFF2-40B4-BE49-F238E27FC236}">
+                <a16:creationId xmlns:a16="http://schemas.microsoft.com/office/drawing/2014/main" id="{8AE6BB00-C474-CD15-E97C-C07790B4A2F7}"/>
               </a:ext>
             </a:extLst>
           </p:cNvPr>
           <p:cNvPicPr>
-            <a:picLocks noGrp="1" noChangeAspect="1" noChangeArrowheads="1"/>
+            <a:picLocks noGrp="1" noChangeAspect="1"/>
           </p:cNvPicPr>
           <p:nvPr>
             <p:ph idx="1"/>
           </p:nvPr>
         </p:nvPicPr>
         <p:blipFill>
-          <a:blip r:embed="rId2">
-            <a:extLst>
-              <a:ext uri="{28A0092B-C50C-407E-A947-70E740481C1C}">
-                <a14:useLocalDpi xmlns:a14="http://schemas.microsoft.com/office/drawing/2010/main" val="0"/>
-              </a:ext>
-            </a:extLst>
-          </a:blip>
-          <a:srcRect/>
+          <a:blip r:embed="rId2"/>
           <a:stretch>
             <a:fillRect/>
           </a:stretch>
         </p:blipFill>
-        <p:spPr bwMode="auto">
-          <a:prstGeom prst="rect">
-            <a:avLst/>
-          </a:prstGeom>
-          <a:noFill/>
-          <a:extLst>
-            <a:ext uri="{909E8E84-426E-40DD-AFC4-6F175D3DCCD1}">
-              <a14:hiddenFill xmlns:a14="http://schemas.microsoft.com/office/drawing/2010/main">
-                <a:solidFill>
-                  <a:srgbClr val="FFFFFF"/>
-                </a:solidFill>
-              </a14:hiddenFill>
-            </a:ext>
-          </a:extLst>
+        <p:spPr>
+          <a:xfrm>
+            <a:off x="838200" y="1917151"/>
+            <a:ext cx="10515600" cy="4168286"/>
+          </a:xfrm>
         </p:spPr>
       </p:pic>
     </p:spTree>
     <p:extLst>
       <p:ext uri="{BB962C8B-B14F-4D97-AF65-F5344CB8AC3E}">
-        <p14:creationId xmlns:p14="http://schemas.microsoft.com/office/powerpoint/2010/main" val="2240128875"/>
+        <p14:creationId xmlns:p14="http://schemas.microsoft.com/office/powerpoint/2010/main" val="4145221143"/>
       </p:ext>
     </p:extLst>
   </p:cSld>
@@ -4581,7 +4114,7 @@
           <p:cNvPr id="2" name="Title 1">
             <a:extLst>
               <a:ext uri="{FF2B5EF4-FFF2-40B4-BE49-F238E27FC236}">
-                <a16:creationId xmlns:a16="http://schemas.microsoft.com/office/drawing/2014/main" id="{3598A8E9-32D7-4057-B49D-4AF45E42E986}"/>
+                <a16:creationId xmlns:a16="http://schemas.microsoft.com/office/drawing/2014/main" id="{8C88A68F-E318-45A6-876A-E97A3C5A80BF}"/>
               </a:ext>
             </a:extLst>
           </p:cNvPr>
@@ -4599,7 +4132,7 @@
           <a:p>
             <a:r>
               <a:rPr lang="en-US" dirty="0"/>
-              <a:t>The main questions we can ask</a:t>
+              <a:t>Vaccination analysis in Germany</a:t>
             </a:r>
             <a:endParaRPr lang="LID4096" dirty="0"/>
           </a:p>
@@ -4607,91 +4140,24 @@
       </p:sp>
       <p:sp>
         <p:nvSpPr>
-          <p:cNvPr id="3" name="Content Placeholder 2">
-            <a:extLst>
-              <a:ext uri="{FF2B5EF4-FFF2-40B4-BE49-F238E27FC236}">
-                <a16:creationId xmlns:a16="http://schemas.microsoft.com/office/drawing/2014/main" id="{1D51AEAF-EBC4-4190-AE70-1B9081B3E3AB}"/>
-              </a:ext>
-            </a:extLst>
-          </p:cNvPr>
-          <p:cNvSpPr>
-            <a:spLocks noGrp="1"/>
-          </p:cNvSpPr>
-          <p:nvPr>
-            <p:ph idx="1"/>
-          </p:nvPr>
-        </p:nvSpPr>
-        <p:spPr>
-          <a:xfrm>
-            <a:off x="617639" y="1825625"/>
-            <a:ext cx="11085003" cy="4351338"/>
-          </a:xfrm>
-        </p:spPr>
-        <p:txBody>
-          <a:bodyPr>
-            <a:normAutofit lnSpcReduction="10000"/>
-          </a:bodyPr>
-          <a:lstStyle/>
-          <a:p>
-            <a:r>
-              <a:rPr lang="en-US" dirty="0"/>
-              <a:t>% of population vaccinated in each country(visualization with </a:t>
-            </a:r>
-            <a:r>
-              <a:rPr lang="en-US" dirty="0" err="1"/>
-              <a:t>GeoPandas</a:t>
-            </a:r>
-            <a:r>
-              <a:rPr lang="en-US" dirty="0"/>
-              <a:t>)</a:t>
-            </a:r>
-          </a:p>
-          <a:p>
-            <a:r>
-              <a:rPr lang="en-US" dirty="0"/>
-              <a:t> % fully vaccinated vs partially vaccinated vs non vaccinated in each country</a:t>
-            </a:r>
-          </a:p>
-          <a:p>
-            <a:r>
-              <a:rPr lang="en-US" dirty="0"/>
-              <a:t>What is the main manufacturer in each country </a:t>
-            </a:r>
-          </a:p>
-          <a:p>
-            <a:r>
-              <a:rPr lang="en-US" dirty="0"/>
-              <a:t>What was the vaccination pattern(quick response in the beginning/slow long response/late response e.c.t)</a:t>
-            </a:r>
-          </a:p>
-          <a:p>
-            <a:r>
-              <a:rPr lang="en-US" dirty="0"/>
-              <a:t>Spread of each manufacturer in the world map(visualization with </a:t>
-            </a:r>
-            <a:r>
-              <a:rPr lang="en-US" dirty="0" err="1"/>
-              <a:t>GeoPandas</a:t>
-            </a:r>
-            <a:r>
-              <a:rPr lang="en-US" dirty="0"/>
-              <a:t>)</a:t>
-            </a:r>
-          </a:p>
-          <a:p>
-            <a:r>
-              <a:rPr lang="en-US" dirty="0"/>
-              <a:t>Group by regions like Europe, Middle east, Far east </a:t>
-            </a:r>
-            <a:r>
-              <a:rPr lang="en-US" dirty="0" err="1"/>
-              <a:t>e.c.t.</a:t>
-            </a:r>
-            <a:r>
-              <a:rPr lang="en-US" dirty="0"/>
-              <a:t> Is there a similar pattern of vaccination process in the region? </a:t>
-            </a:r>
-          </a:p>
+          <p:cNvPr id="4" name="Text Placeholder 3">
+            <a:extLst>
+              <a:ext uri="{FF2B5EF4-FFF2-40B4-BE49-F238E27FC236}">
+                <a16:creationId xmlns:a16="http://schemas.microsoft.com/office/drawing/2014/main" id="{A8E57DF6-D082-431D-B408-17EAE263DAF0}"/>
+              </a:ext>
+            </a:extLst>
+          </p:cNvPr>
+          <p:cNvSpPr>
+            <a:spLocks noGrp="1"/>
+          </p:cNvSpPr>
+          <p:nvPr>
+            <p:ph type="body" idx="1"/>
+          </p:nvPr>
+        </p:nvSpPr>
+        <p:spPr/>
+        <p:txBody>
+          <a:bodyPr/>
+          <a:lstStyle/>
           <a:p>
             <a:endParaRPr lang="LID4096" dirty="0"/>
           </a:p>
@@ -4700,7 +4166,7 @@
     </p:spTree>
     <p:extLst>
       <p:ext uri="{BB962C8B-B14F-4D97-AF65-F5344CB8AC3E}">
-        <p14:creationId xmlns:p14="http://schemas.microsoft.com/office/powerpoint/2010/main" val="895762479"/>
+        <p14:creationId xmlns:p14="http://schemas.microsoft.com/office/powerpoint/2010/main" val="2900090686"/>
       </p:ext>
     </p:extLst>
   </p:cSld>
@@ -4710,7 +4176,7 @@
 </p:sld>
 </file>
 
-<file path=ppt/slides/slide2.xml><?xml version="1.0" encoding="utf-8"?>
+<file path=ppt/slides/slide14.xml><?xml version="1.0" encoding="utf-8"?>
 <p:sld xmlns:a="http://schemas.openxmlformats.org/drawingml/2006/main" xmlns:r="http://schemas.openxmlformats.org/officeDocument/2006/relationships" xmlns:p="http://schemas.openxmlformats.org/presentationml/2006/main">
   <p:cSld>
     <p:spTree>
@@ -4729,10 +4195,10 @@
       </p:grpSpPr>
       <p:sp>
         <p:nvSpPr>
-          <p:cNvPr id="2" name="Title 1">
-            <a:extLst>
-              <a:ext uri="{FF2B5EF4-FFF2-40B4-BE49-F238E27FC236}">
-                <a16:creationId xmlns:a16="http://schemas.microsoft.com/office/drawing/2014/main" id="{8B3A1E4B-0B51-4A22-AA09-26F2B689DC14}"/>
+          <p:cNvPr id="4" name="Title 3">
+            <a:extLst>
+              <a:ext uri="{FF2B5EF4-FFF2-40B4-BE49-F238E27FC236}">
+                <a16:creationId xmlns:a16="http://schemas.microsoft.com/office/drawing/2014/main" id="{06F9C35A-8EE4-4885-99A3-52C883013977}"/>
               </a:ext>
             </a:extLst>
           </p:cNvPr>
@@ -4749,31 +4215,19 @@
           <a:lstStyle/>
           <a:p>
             <a:r>
-              <a:rPr lang="en-US" b="1" dirty="0">
-                <a:solidFill>
-                  <a:schemeClr val="accent1">
-                    <a:lumMod val="50000"/>
-                  </a:schemeClr>
-                </a:solidFill>
-              </a:rPr>
-              <a:t>Background</a:t>
-            </a:r>
-            <a:endParaRPr lang="LID4096" b="1" dirty="0">
-              <a:solidFill>
-                <a:schemeClr val="accent1">
-                  <a:lumMod val="50000"/>
-                </a:schemeClr>
-              </a:solidFill>
-            </a:endParaRPr>
-          </a:p>
-        </p:txBody>
-      </p:sp>
-      <p:sp>
-        <p:nvSpPr>
-          <p:cNvPr id="3" name="Content Placeholder 2">
-            <a:extLst>
-              <a:ext uri="{FF2B5EF4-FFF2-40B4-BE49-F238E27FC236}">
-                <a16:creationId xmlns:a16="http://schemas.microsoft.com/office/drawing/2014/main" id="{A373D7CA-9B68-4DCB-85A3-351DCBABE45A}"/>
+              <a:rPr lang="en-US" dirty="0"/>
+              <a:t>What is the contribution of each manufacturer?</a:t>
+            </a:r>
+            <a:endParaRPr lang="LID4096" dirty="0"/>
+          </a:p>
+        </p:txBody>
+      </p:sp>
+      <p:sp>
+        <p:nvSpPr>
+          <p:cNvPr id="5" name="Content Placeholder 4">
+            <a:extLst>
+              <a:ext uri="{FF2B5EF4-FFF2-40B4-BE49-F238E27FC236}">
+                <a16:creationId xmlns:a16="http://schemas.microsoft.com/office/drawing/2014/main" id="{781903E8-A258-4E8C-9F5D-92BF9F418AF2}"/>
               </a:ext>
             </a:extLst>
           </p:cNvPr>
@@ -4786,79 +4240,195 @@
         </p:nvSpPr>
         <p:spPr>
           <a:xfrm>
-            <a:off x="838200" y="1434517"/>
-            <a:ext cx="10515600" cy="4742446"/>
+            <a:off x="838200" y="1825625"/>
+            <a:ext cx="10515600" cy="1325563"/>
           </a:xfrm>
         </p:spPr>
         <p:txBody>
           <a:bodyPr>
-            <a:normAutofit fontScale="92500" lnSpcReduction="10000"/>
+            <a:normAutofit fontScale="47500" lnSpcReduction="20000"/>
           </a:bodyPr>
           <a:lstStyle/>
           <a:p>
             <a:r>
-              <a:rPr lang="en-US" b="0" i="0" dirty="0">
-                <a:effectLst/>
-                <a:latin typeface="arial" panose="020B0604020202020204" pitchFamily="34" charset="0"/>
-              </a:rPr>
-              <a:t>Coronavirus disease (COVID-19) is an infectious disease caused by the SARS-CoV-2 virus.</a:t>
-            </a:r>
-          </a:p>
-          <a:p>
-            <a:r>
-              <a:rPr lang="en-US" b="0" i="0" dirty="0">
-                <a:effectLst/>
-                <a:latin typeface="Arial" panose="020B0604020202020204" pitchFamily="34" charset="0"/>
-              </a:rPr>
-              <a:t>The first known case was identified in China Wuhan at December 2019.</a:t>
-            </a:r>
-          </a:p>
-          <a:p>
-            <a:r>
-              <a:rPr lang="en-US" b="0" i="0" dirty="0">
-                <a:effectLst/>
-                <a:latin typeface="Arial" panose="020B0604020202020204" pitchFamily="34" charset="0"/>
-              </a:rPr>
-              <a:t>The disease quickly spread worldwide, resulting in the COVID-19 pandemic. </a:t>
-            </a:r>
+              <a:rPr lang="en-US" dirty="0"/>
+              <a:t>There are 3  main manufacturers in Germany: Pfizer, </a:t>
+            </a:r>
+            <a:r>
+              <a:rPr lang="en-US" dirty="0" err="1"/>
+              <a:t>moderna</a:t>
+            </a:r>
+            <a:r>
+              <a:rPr lang="en-US" dirty="0"/>
+              <a:t> and </a:t>
+            </a:r>
+            <a:r>
+              <a:rPr lang="en-US" dirty="0" err="1"/>
+              <a:t>astrazeneca</a:t>
+            </a:r>
+            <a:r>
+              <a:rPr lang="en-US" dirty="0"/>
+              <a:t>.</a:t>
+            </a:r>
+          </a:p>
+          <a:p>
+            <a:r>
+              <a:rPr lang="en-US" dirty="0"/>
+              <a:t>The most commonly used is Pfizer</a:t>
+            </a:r>
+          </a:p>
+          <a:p>
+            <a:r>
+              <a:rPr lang="en-US" dirty="0"/>
+              <a:t>In Jan 22 it was a reduction in </a:t>
+            </a:r>
+            <a:r>
+              <a:rPr lang="en-US" dirty="0" err="1"/>
+              <a:t>pfizer</a:t>
+            </a:r>
+            <a:r>
+              <a:rPr lang="en-US" dirty="0"/>
+              <a:t> use that was replaced by </a:t>
+            </a:r>
+            <a:r>
+              <a:rPr lang="en-US" dirty="0" err="1"/>
+              <a:t>moderna</a:t>
+            </a:r>
+            <a:r>
+              <a:rPr lang="en-US" dirty="0"/>
+              <a:t>.</a:t>
+            </a:r>
+          </a:p>
+          <a:p>
+            <a:r>
+              <a:rPr lang="en-US" dirty="0" err="1"/>
+              <a:t>Astrazeneca</a:t>
+            </a:r>
+            <a:r>
+              <a:rPr lang="en-US" dirty="0"/>
+              <a:t> was mainly used in the beginning: Feb-Jul 21 and </a:t>
+            </a:r>
+            <a:r>
+              <a:rPr lang="en-US" sz="2900" dirty="0"/>
+              <a:t>abandoned </a:t>
+            </a:r>
+            <a:r>
+              <a:rPr lang="en-US" dirty="0"/>
+              <a:t>afterwards.</a:t>
+            </a:r>
+          </a:p>
+          <a:p>
+            <a:r>
+              <a:rPr lang="en-US" dirty="0"/>
+              <a:t>Other manufacturers are used from Oct 22 </a:t>
+            </a:r>
+          </a:p>
+          <a:p>
+            <a:endParaRPr lang="en-US" dirty="0"/>
+          </a:p>
+          <a:p>
             <a:endParaRPr lang="LID4096" dirty="0"/>
           </a:p>
-          <a:p>
-            <a:endParaRPr lang="en-US" b="0" i="0" dirty="0">
-              <a:effectLst/>
-              <a:latin typeface="Inter"/>
-            </a:endParaRPr>
-          </a:p>
-          <a:p>
-            <a:r>
-              <a:rPr lang="en-US" dirty="0">
-                <a:latin typeface="Arial" panose="020B0604020202020204" pitchFamily="34" charset="0"/>
-              </a:rPr>
-              <a:t>This dataset provides daily updated number of reported cases &amp; deaths in Germany on state and county level from January 2020.</a:t>
-            </a:r>
-          </a:p>
-          <a:p>
-            <a:r>
-              <a:rPr lang="en-US" dirty="0">
-                <a:latin typeface="Arial" panose="020B0604020202020204" pitchFamily="34" charset="0"/>
-              </a:rPr>
-              <a:t>A dataset on vaccination progress from December 2020. </a:t>
-            </a:r>
-          </a:p>
-          <a:p>
-            <a:r>
-              <a:rPr lang="en-US" dirty="0">
-                <a:latin typeface="Arial" panose="020B0604020202020204" pitchFamily="34" charset="0"/>
-              </a:rPr>
-              <a:t>And a general state-level population demographics.</a:t>
-            </a:r>
-          </a:p>
-        </p:txBody>
-      </p:sp>
+        </p:txBody>
+      </p:sp>
+      <p:pic>
+        <p:nvPicPr>
+          <p:cNvPr id="1030" name="Picture 6">
+            <a:extLst>
+              <a:ext uri="{FF2B5EF4-FFF2-40B4-BE49-F238E27FC236}">
+                <a16:creationId xmlns:a16="http://schemas.microsoft.com/office/drawing/2014/main" id="{C9C45A86-B4C8-4D64-B783-4B7DDF2487E6}"/>
+              </a:ext>
+            </a:extLst>
+          </p:cNvPr>
+          <p:cNvPicPr>
+            <a:picLocks noChangeAspect="1" noChangeArrowheads="1"/>
+          </p:cNvPicPr>
+          <p:nvPr/>
+        </p:nvPicPr>
+        <p:blipFill>
+          <a:blip r:embed="rId2">
+            <a:extLst>
+              <a:ext uri="{28A0092B-C50C-407E-A947-70E740481C1C}">
+                <a14:useLocalDpi xmlns:a14="http://schemas.microsoft.com/office/drawing/2010/main" val="0"/>
+              </a:ext>
+            </a:extLst>
+          </a:blip>
+          <a:srcRect/>
+          <a:stretch>
+            <a:fillRect/>
+          </a:stretch>
+        </p:blipFill>
+        <p:spPr bwMode="auto">
+          <a:xfrm>
+            <a:off x="6727970" y="3286125"/>
+            <a:ext cx="5195926" cy="3206750"/>
+          </a:xfrm>
+          <a:prstGeom prst="rect">
+            <a:avLst/>
+          </a:prstGeom>
+          <a:noFill/>
+          <a:extLst>
+            <a:ext uri="{909E8E84-426E-40DD-AFC4-6F175D3DCCD1}">
+              <a14:hiddenFill xmlns:a14="http://schemas.microsoft.com/office/drawing/2010/main">
+                <a:solidFill>
+                  <a:srgbClr val="FFFFFF"/>
+                </a:solidFill>
+              </a14:hiddenFill>
+            </a:ext>
+          </a:extLst>
+        </p:spPr>
+      </p:pic>
+      <p:pic>
+        <p:nvPicPr>
+          <p:cNvPr id="1032" name="Picture 8">
+            <a:extLst>
+              <a:ext uri="{FF2B5EF4-FFF2-40B4-BE49-F238E27FC236}">
+                <a16:creationId xmlns:a16="http://schemas.microsoft.com/office/drawing/2014/main" id="{184E821A-8552-4E60-A7D0-489C85800BF3}"/>
+              </a:ext>
+            </a:extLst>
+          </p:cNvPr>
+          <p:cNvPicPr>
+            <a:picLocks noChangeAspect="1" noChangeArrowheads="1"/>
+          </p:cNvPicPr>
+          <p:nvPr/>
+        </p:nvPicPr>
+        <p:blipFill>
+          <a:blip r:embed="rId3">
+            <a:extLst>
+              <a:ext uri="{28A0092B-C50C-407E-A947-70E740481C1C}">
+                <a14:useLocalDpi xmlns:a14="http://schemas.microsoft.com/office/drawing/2010/main" val="0"/>
+              </a:ext>
+            </a:extLst>
+          </a:blip>
+          <a:srcRect/>
+          <a:stretch>
+            <a:fillRect/>
+          </a:stretch>
+        </p:blipFill>
+        <p:spPr bwMode="auto">
+          <a:xfrm>
+            <a:off x="27965" y="3151187"/>
+            <a:ext cx="6276374" cy="3341687"/>
+          </a:xfrm>
+          <a:prstGeom prst="rect">
+            <a:avLst/>
+          </a:prstGeom>
+          <a:noFill/>
+          <a:extLst>
+            <a:ext uri="{909E8E84-426E-40DD-AFC4-6F175D3DCCD1}">
+              <a14:hiddenFill xmlns:a14="http://schemas.microsoft.com/office/drawing/2010/main">
+                <a:solidFill>
+                  <a:srgbClr val="FFFFFF"/>
+                </a:solidFill>
+              </a14:hiddenFill>
+            </a:ext>
+          </a:extLst>
+        </p:spPr>
+      </p:pic>
     </p:spTree>
     <p:extLst>
       <p:ext uri="{BB962C8B-B14F-4D97-AF65-F5344CB8AC3E}">
-        <p14:creationId xmlns:p14="http://schemas.microsoft.com/office/powerpoint/2010/main" val="4126798620"/>
+        <p14:creationId xmlns:p14="http://schemas.microsoft.com/office/powerpoint/2010/main" val="2008466261"/>
       </p:ext>
     </p:extLst>
   </p:cSld>
@@ -4868,7 +4438,7 @@
 </p:sld>
 </file>
 
-<file path=ppt/slides/slide3.xml><?xml version="1.0" encoding="utf-8"?>
+<file path=ppt/slides/slide15.xml><?xml version="1.0" encoding="utf-8"?>
 <p:sld xmlns:a="http://schemas.openxmlformats.org/drawingml/2006/main" xmlns:r="http://schemas.openxmlformats.org/officeDocument/2006/relationships" xmlns:p="http://schemas.openxmlformats.org/presentationml/2006/main">
   <p:cSld>
     <p:spTree>
@@ -4890,7 +4460,7 @@
           <p:cNvPr id="2" name="Title 1">
             <a:extLst>
               <a:ext uri="{FF2B5EF4-FFF2-40B4-BE49-F238E27FC236}">
-                <a16:creationId xmlns:a16="http://schemas.microsoft.com/office/drawing/2014/main" id="{858D8E3E-0D0E-430F-94BA-6CFF85A63ABC}"/>
+                <a16:creationId xmlns:a16="http://schemas.microsoft.com/office/drawing/2014/main" id="{0D64CD0C-FEC9-47A6-8E3B-F2C437EF1792}"/>
               </a:ext>
             </a:extLst>
           </p:cNvPr>
@@ -4908,7 +4478,7 @@
           <a:p>
             <a:r>
               <a:rPr lang="en-US" dirty="0"/>
-              <a:t>Dataset contains 3 tables: </a:t>
+              <a:t>Vaccination patterns</a:t>
             </a:r>
             <a:endParaRPr lang="LID4096" dirty="0"/>
           </a:p>
@@ -4916,10 +4486,10 @@
       </p:sp>
       <p:sp>
         <p:nvSpPr>
-          <p:cNvPr id="3" name="Content Placeholder 2">
-            <a:extLst>
-              <a:ext uri="{FF2B5EF4-FFF2-40B4-BE49-F238E27FC236}">
-                <a16:creationId xmlns:a16="http://schemas.microsoft.com/office/drawing/2014/main" id="{56637117-C04E-46E2-B3F6-E2A468A4546D}"/>
+          <p:cNvPr id="4" name="Content Placeholder 3">
+            <a:extLst>
+              <a:ext uri="{FF2B5EF4-FFF2-40B4-BE49-F238E27FC236}">
+                <a16:creationId xmlns:a16="http://schemas.microsoft.com/office/drawing/2014/main" id="{9304A339-7492-4D27-90BA-FF499024494C}"/>
               </a:ext>
             </a:extLst>
           </p:cNvPr>
@@ -4932,102 +4502,98 @@
         </p:nvSpPr>
         <p:spPr>
           <a:xfrm>
-            <a:off x="838200" y="1389397"/>
-            <a:ext cx="10515600" cy="4351338"/>
+            <a:off x="99270" y="1437633"/>
+            <a:ext cx="10515600" cy="2101253"/>
           </a:xfrm>
         </p:spPr>
         <p:txBody>
-          <a:bodyPr/>
-          <a:lstStyle/>
-          <a:p>
-            <a:pPr marL="514350" indent="-514350">
-              <a:buFont typeface="+mj-lt"/>
-              <a:buAutoNum type="arabicPeriod"/>
-            </a:pPr>
-            <a:r>
-              <a:rPr lang="en-US" b="1" i="0" dirty="0">
+          <a:bodyPr>
+            <a:normAutofit fontScale="77500" lnSpcReduction="20000"/>
+          </a:bodyPr>
+          <a:lstStyle/>
+          <a:p>
+            <a:r>
+              <a:rPr lang="en-US" dirty="0"/>
+              <a:t>With the appearance of the vaccines most of the population (~60%) got first and second dose.</a:t>
+            </a:r>
+          </a:p>
+          <a:p>
+            <a:r>
+              <a:rPr lang="en-US" dirty="0"/>
+              <a:t>Starting from Nov 2022 again most of the population (~60%) got the third dose. </a:t>
+            </a:r>
+          </a:p>
+          <a:p>
+            <a:r>
+              <a:rPr lang="en-US" dirty="0"/>
+              <a:t>Remaining population show a decrease ratios of vaccination, however, 78% are vaccinated with 3 doses today in Germany.</a:t>
+            </a:r>
+            <a:endParaRPr lang="he-IL" dirty="0"/>
+          </a:p>
+          <a:p>
+            <a:r>
+              <a:rPr lang="en-US" dirty="0"/>
+              <a:t>Conclusion – most population is very disciplined and obeys the government guidance.</a:t>
+            </a:r>
+          </a:p>
+          <a:p>
+            <a:endParaRPr lang="LID4096" dirty="0"/>
+          </a:p>
+        </p:txBody>
+      </p:sp>
+      <p:pic>
+        <p:nvPicPr>
+          <p:cNvPr id="2054" name="Picture 6">
+            <a:extLst>
+              <a:ext uri="{FF2B5EF4-FFF2-40B4-BE49-F238E27FC236}">
+                <a16:creationId xmlns:a16="http://schemas.microsoft.com/office/drawing/2014/main" id="{89F30F56-CC9D-49B9-BEE6-DF326D479821}"/>
+              </a:ext>
+            </a:extLst>
+          </p:cNvPr>
+          <p:cNvPicPr>
+            <a:picLocks noChangeAspect="1" noChangeArrowheads="1"/>
+          </p:cNvPicPr>
+          <p:nvPr/>
+        </p:nvPicPr>
+        <p:blipFill>
+          <a:blip r:embed="rId2">
+            <a:extLst>
+              <a:ext uri="{28A0092B-C50C-407E-A947-70E740481C1C}">
+                <a14:useLocalDpi xmlns:a14="http://schemas.microsoft.com/office/drawing/2010/main" val="0"/>
+              </a:ext>
+            </a:extLst>
+          </a:blip>
+          <a:srcRect/>
+          <a:stretch>
+            <a:fillRect/>
+          </a:stretch>
+        </p:blipFill>
+        <p:spPr bwMode="auto">
+          <a:xfrm>
+            <a:off x="0" y="3363984"/>
+            <a:ext cx="6136184" cy="3494015"/>
+          </a:xfrm>
+          <a:prstGeom prst="rect">
+            <a:avLst/>
+          </a:prstGeom>
+          <a:noFill/>
+          <a:extLst>
+            <a:ext uri="{909E8E84-426E-40DD-AFC4-6F175D3DCCD1}">
+              <a14:hiddenFill xmlns:a14="http://schemas.microsoft.com/office/drawing/2010/main">
                 <a:solidFill>
-                  <a:srgbClr val="202124"/>
+                  <a:srgbClr val="FFFFFF"/>
                 </a:solidFill>
-                <a:effectLst/>
-                <a:latin typeface="Inter"/>
-              </a:rPr>
-              <a:t>covid_de.csv</a:t>
-            </a:r>
-          </a:p>
-          <a:p>
-            <a:pPr marL="0" indent="0">
-              <a:buNone/>
-            </a:pPr>
-            <a:endParaRPr lang="en-US" b="1" i="0" dirty="0">
-              <a:solidFill>
-                <a:srgbClr val="202124"/>
-              </a:solidFill>
-              <a:effectLst/>
-              <a:latin typeface="Inter"/>
-            </a:endParaRPr>
-          </a:p>
-          <a:p>
-            <a:pPr marL="0" indent="0">
-              <a:buNone/>
-            </a:pPr>
-            <a:endParaRPr lang="en-US" b="1" dirty="0">
-              <a:solidFill>
-                <a:srgbClr val="202124"/>
-              </a:solidFill>
-              <a:latin typeface="Inter"/>
-            </a:endParaRPr>
-          </a:p>
-          <a:p>
-            <a:pPr marL="0" indent="0">
-              <a:buNone/>
-            </a:pPr>
-            <a:endParaRPr lang="en-US" b="1" i="0" dirty="0">
-              <a:solidFill>
-                <a:srgbClr val="202124"/>
-              </a:solidFill>
-              <a:effectLst/>
-              <a:latin typeface="Inter"/>
-            </a:endParaRPr>
-          </a:p>
-          <a:p>
-            <a:pPr marL="0" indent="0">
-              <a:buNone/>
-            </a:pPr>
-            <a:endParaRPr lang="en-US" b="1" dirty="0">
-              <a:solidFill>
-                <a:srgbClr val="202124"/>
-              </a:solidFill>
-              <a:latin typeface="Inter"/>
-            </a:endParaRPr>
-          </a:p>
-          <a:p>
-            <a:pPr marL="0" indent="0">
-              <a:buNone/>
-            </a:pPr>
-            <a:endParaRPr lang="en-US" b="1" i="0" dirty="0">
-              <a:solidFill>
-                <a:srgbClr val="202124"/>
-              </a:solidFill>
-              <a:effectLst/>
-              <a:latin typeface="Inter"/>
-            </a:endParaRPr>
-          </a:p>
-          <a:p>
-            <a:pPr marL="514350" indent="-514350">
-              <a:buFont typeface="+mj-lt"/>
-              <a:buAutoNum type="arabicPeriod"/>
-            </a:pPr>
-            <a:endParaRPr lang="LID4096" dirty="0"/>
-          </a:p>
-        </p:txBody>
-      </p:sp>
+              </a14:hiddenFill>
+            </a:ext>
+          </a:extLst>
+        </p:spPr>
+      </p:pic>
       <p:pic>
         <p:nvPicPr>
           <p:cNvPr id="5" name="Picture 4">
             <a:extLst>
               <a:ext uri="{FF2B5EF4-FFF2-40B4-BE49-F238E27FC236}">
-                <a16:creationId xmlns:a16="http://schemas.microsoft.com/office/drawing/2014/main" id="{FA343D00-9140-45E9-84C0-2353C6FCFCC3}"/>
+                <a16:creationId xmlns:a16="http://schemas.microsoft.com/office/drawing/2014/main" id="{6E9F45B7-2CC6-41A5-868C-86B6523D59E6}"/>
               </a:ext>
             </a:extLst>
           </p:cNvPr>
@@ -5036,126 +4602,26 @@
           </p:cNvPicPr>
           <p:nvPr/>
         </p:nvPicPr>
-        <p:blipFill rotWithShape="1">
-          <a:blip r:embed="rId2"/>
-          <a:srcRect l="894" t="13456" r="24794" b="54128"/>
-          <a:stretch/>
+        <p:blipFill>
+          <a:blip r:embed="rId3"/>
+          <a:stretch>
+            <a:fillRect/>
+          </a:stretch>
         </p:blipFill>
         <p:spPr>
           <a:xfrm>
-            <a:off x="838200" y="1887522"/>
-            <a:ext cx="9060110" cy="2223083"/>
+            <a:off x="6096000" y="3538887"/>
+            <a:ext cx="6000087" cy="3319112"/>
           </a:xfrm>
           <a:prstGeom prst="rect">
             <a:avLst/>
           </a:prstGeom>
         </p:spPr>
       </p:pic>
-      <p:pic>
-        <p:nvPicPr>
-          <p:cNvPr id="8" name="Picture 7">
-            <a:extLst>
-              <a:ext uri="{FF2B5EF4-FFF2-40B4-BE49-F238E27FC236}">
-                <a16:creationId xmlns:a16="http://schemas.microsoft.com/office/drawing/2014/main" id="{D89E7B83-0E2C-4353-ADE8-C24AAF5C0733}"/>
-              </a:ext>
-            </a:extLst>
-          </p:cNvPr>
-          <p:cNvPicPr>
-            <a:picLocks noChangeAspect="1"/>
-          </p:cNvPicPr>
-          <p:nvPr/>
-        </p:nvPicPr>
-        <p:blipFill rotWithShape="1">
-          <a:blip r:embed="rId3"/>
-          <a:srcRect l="25872" t="27523" r="53692" b="49419"/>
-          <a:stretch/>
-        </p:blipFill>
-        <p:spPr>
-          <a:xfrm>
-            <a:off x="838200" y="4307439"/>
-            <a:ext cx="3502676" cy="2223082"/>
-          </a:xfrm>
-          <a:prstGeom prst="rect">
-            <a:avLst/>
-          </a:prstGeom>
-        </p:spPr>
-      </p:pic>
-      <p:pic>
-        <p:nvPicPr>
-          <p:cNvPr id="7" name="Picture 6">
-            <a:extLst>
-              <a:ext uri="{FF2B5EF4-FFF2-40B4-BE49-F238E27FC236}">
-                <a16:creationId xmlns:a16="http://schemas.microsoft.com/office/drawing/2014/main" id="{E5AC119C-C651-4096-9623-BD948F144ABB}"/>
-              </a:ext>
-            </a:extLst>
-          </p:cNvPr>
-          <p:cNvPicPr>
-            <a:picLocks noChangeAspect="1"/>
-          </p:cNvPicPr>
-          <p:nvPr/>
-        </p:nvPicPr>
-        <p:blipFill rotWithShape="1">
-          <a:blip r:embed="rId3"/>
-          <a:srcRect l="31557" t="54496" r="66340" b="32720"/>
-          <a:stretch/>
-        </p:blipFill>
-        <p:spPr>
-          <a:xfrm>
-            <a:off x="2793534" y="5025006"/>
-            <a:ext cx="360727" cy="1233181"/>
-          </a:xfrm>
-          <a:prstGeom prst="rect">
-            <a:avLst/>
-          </a:prstGeom>
-        </p:spPr>
-      </p:pic>
-      <p:sp>
-        <p:nvSpPr>
-          <p:cNvPr id="9" name="TextBox 8">
-            <a:extLst>
-              <a:ext uri="{FF2B5EF4-FFF2-40B4-BE49-F238E27FC236}">
-                <a16:creationId xmlns:a16="http://schemas.microsoft.com/office/drawing/2014/main" id="{A86A26CF-9C68-4C35-AE82-DEAF3C49D02D}"/>
-              </a:ext>
-            </a:extLst>
-          </p:cNvPr>
-          <p:cNvSpPr txBox="1"/>
-          <p:nvPr/>
-        </p:nvSpPr>
-        <p:spPr>
-          <a:xfrm>
-            <a:off x="2625754" y="4752672"/>
-            <a:ext cx="1057013" cy="400110"/>
-          </a:xfrm>
-          <a:prstGeom prst="rect">
-            <a:avLst/>
-          </a:prstGeom>
-          <a:noFill/>
-        </p:spPr>
-        <p:txBody>
-          <a:bodyPr wrap="square" rtlCol="0">
-            <a:spAutoFit/>
-          </a:bodyPr>
-          <a:lstStyle/>
-          <a:p>
-            <a:r>
-              <a:rPr lang="en-US" sz="1000" dirty="0" err="1"/>
-              <a:t>Nunique</a:t>
-            </a:r>
-            <a:endParaRPr lang="en-US" sz="1000" dirty="0"/>
-          </a:p>
-          <a:p>
-            <a:r>
-              <a:rPr lang="en-US" sz="1000" dirty="0"/>
-              <a:t>…………….</a:t>
-            </a:r>
-            <a:endParaRPr lang="LID4096" sz="1000" dirty="0"/>
-          </a:p>
-        </p:txBody>
-      </p:sp>
     </p:spTree>
     <p:extLst>
       <p:ext uri="{BB962C8B-B14F-4D97-AF65-F5344CB8AC3E}">
-        <p14:creationId xmlns:p14="http://schemas.microsoft.com/office/powerpoint/2010/main" val="910705563"/>
+        <p14:creationId xmlns:p14="http://schemas.microsoft.com/office/powerpoint/2010/main" val="1186629552"/>
       </p:ext>
     </p:extLst>
   </p:cSld>
@@ -5165,7 +4631,7 @@
 </p:sld>
 </file>
 
-<file path=ppt/slides/slide4.xml><?xml version="1.0" encoding="utf-8"?>
+<file path=ppt/slides/slide16.xml><?xml version="1.0" encoding="utf-8"?>
 <p:sld xmlns:a="http://schemas.openxmlformats.org/drawingml/2006/main" xmlns:r="http://schemas.openxmlformats.org/officeDocument/2006/relationships" xmlns:p="http://schemas.openxmlformats.org/presentationml/2006/main">
   <p:cSld>
     <p:spTree>
@@ -5184,10 +4650,39 @@
       </p:grpSpPr>
       <p:sp>
         <p:nvSpPr>
+          <p:cNvPr id="2" name="Title 1">
+            <a:extLst>
+              <a:ext uri="{FF2B5EF4-FFF2-40B4-BE49-F238E27FC236}">
+                <a16:creationId xmlns:a16="http://schemas.microsoft.com/office/drawing/2014/main" id="{673DB27F-7826-4BE3-9307-2BE0F17792E3}"/>
+              </a:ext>
+            </a:extLst>
+          </p:cNvPr>
+          <p:cNvSpPr>
+            <a:spLocks noGrp="1"/>
+          </p:cNvSpPr>
+          <p:nvPr>
+            <p:ph type="title"/>
+          </p:nvPr>
+        </p:nvSpPr>
+        <p:spPr/>
+        <p:txBody>
+          <a:bodyPr/>
+          <a:lstStyle/>
+          <a:p>
+            <a:r>
+              <a:rPr lang="en-US" dirty="0"/>
+              <a:t>The main questions we can ask</a:t>
+            </a:r>
+            <a:endParaRPr lang="LID4096" dirty="0"/>
+          </a:p>
+        </p:txBody>
+      </p:sp>
+      <p:sp>
+        <p:nvSpPr>
           <p:cNvPr id="3" name="Content Placeholder 2">
             <a:extLst>
               <a:ext uri="{FF2B5EF4-FFF2-40B4-BE49-F238E27FC236}">
-                <a16:creationId xmlns:a16="http://schemas.microsoft.com/office/drawing/2014/main" id="{B3CCCC80-ABC9-4439-A6A3-CA3DBC9DD880}"/>
+                <a16:creationId xmlns:a16="http://schemas.microsoft.com/office/drawing/2014/main" id="{CF2A545F-C5D1-4B6D-AFA6-C32BEB5A2F0A}"/>
               </a:ext>
             </a:extLst>
           </p:cNvPr>
@@ -5200,278 +4695,166 @@
         </p:nvSpPr>
         <p:spPr>
           <a:xfrm>
-            <a:off x="938868" y="218429"/>
-            <a:ext cx="10515600" cy="4351338"/>
+            <a:off x="838200" y="1389397"/>
+            <a:ext cx="10515600" cy="4751344"/>
           </a:xfrm>
         </p:spPr>
         <p:txBody>
-          <a:bodyPr/>
-          <a:lstStyle/>
-          <a:p>
-            <a:pPr marL="514350" indent="-514350">
-              <a:buFont typeface="+mj-lt"/>
-              <a:buAutoNum type="arabicPeriod" startAt="2"/>
-            </a:pPr>
-            <a:r>
-              <a:rPr lang="en-US" b="1" i="0" dirty="0">
-                <a:solidFill>
-                  <a:srgbClr val="202124"/>
-                </a:solidFill>
-                <a:effectLst/>
-                <a:latin typeface="Inter"/>
+          <a:bodyPr>
+            <a:normAutofit fontScale="85000" lnSpcReduction="10000"/>
+          </a:bodyPr>
+          <a:lstStyle/>
+          <a:p>
+            <a:r>
+              <a:rPr lang="en-US" dirty="0"/>
+              <a:t>Are there differences between genders in getting sick, recovery ratio, death ratio - </a:t>
+            </a:r>
+            <a:r>
+              <a:rPr lang="en-US" dirty="0">
+                <a:highlight>
+                  <a:srgbClr val="FFFF00"/>
+                </a:highlight>
               </a:rPr>
-              <a:t>covid_de_vaccines.csv</a:t>
-            </a:r>
-          </a:p>
-          <a:p>
-            <a:pPr marL="514350" indent="-514350">
-              <a:buFont typeface="+mj-lt"/>
-              <a:buAutoNum type="arabicPeriod" startAt="2"/>
-            </a:pPr>
-            <a:endParaRPr lang="en-US" b="1" dirty="0">
-              <a:solidFill>
-                <a:srgbClr val="202124"/>
-              </a:solidFill>
-              <a:latin typeface="Inter"/>
-            </a:endParaRPr>
-          </a:p>
-          <a:p>
-            <a:pPr marL="514350" indent="-514350">
-              <a:buFont typeface="+mj-lt"/>
-              <a:buAutoNum type="arabicPeriod" startAt="2"/>
-            </a:pPr>
-            <a:endParaRPr lang="en-US" b="1" i="0" dirty="0">
-              <a:solidFill>
-                <a:srgbClr val="202124"/>
-              </a:solidFill>
-              <a:effectLst/>
-              <a:latin typeface="Inter"/>
-            </a:endParaRPr>
-          </a:p>
-          <a:p>
-            <a:pPr marL="514350" indent="-514350">
-              <a:buFont typeface="+mj-lt"/>
-              <a:buAutoNum type="arabicPeriod" startAt="2"/>
-            </a:pPr>
-            <a:endParaRPr lang="en-US" b="1" dirty="0">
-              <a:solidFill>
-                <a:srgbClr val="202124"/>
-              </a:solidFill>
-              <a:latin typeface="Inter"/>
-            </a:endParaRPr>
-          </a:p>
-          <a:p>
-            <a:pPr marL="514350" indent="-514350">
-              <a:buFont typeface="+mj-lt"/>
-              <a:buAutoNum type="arabicPeriod" startAt="2"/>
-            </a:pPr>
-            <a:endParaRPr lang="en-US" b="1" i="0" dirty="0">
-              <a:solidFill>
-                <a:srgbClr val="202124"/>
-              </a:solidFill>
-              <a:effectLst/>
-              <a:latin typeface="Inter"/>
-            </a:endParaRPr>
-          </a:p>
-          <a:p>
-            <a:pPr marL="514350" indent="-514350">
-              <a:buFont typeface="+mj-lt"/>
-              <a:buAutoNum type="arabicPeriod" startAt="2"/>
-            </a:pPr>
-            <a:endParaRPr lang="en-US" b="1" i="0" dirty="0">
-              <a:solidFill>
-                <a:srgbClr val="202124"/>
-              </a:solidFill>
-              <a:effectLst/>
-              <a:latin typeface="Inter"/>
-            </a:endParaRPr>
-          </a:p>
-          <a:p>
-            <a:pPr marL="514350" indent="-514350">
-              <a:buFont typeface="+mj-lt"/>
-              <a:buAutoNum type="arabicPeriod" startAt="2"/>
-            </a:pPr>
-            <a:endParaRPr lang="en-US" b="1" i="0" dirty="0">
-              <a:solidFill>
-                <a:srgbClr val="202124"/>
-              </a:solidFill>
-              <a:effectLst/>
-              <a:latin typeface="Inter"/>
-            </a:endParaRPr>
-          </a:p>
-          <a:p>
-            <a:pPr marL="514350" indent="-514350">
-              <a:buFont typeface="+mj-lt"/>
-              <a:buAutoNum type="arabicPeriod" startAt="2"/>
-            </a:pPr>
+              <a:t>Felix</a:t>
+            </a:r>
+            <a:r>
+              <a:rPr lang="en-US" dirty="0"/>
+              <a:t> </a:t>
+            </a:r>
+          </a:p>
+          <a:p>
+            <a:r>
+              <a:rPr lang="en-US" dirty="0"/>
+              <a:t>Vaccination trends – any conclusions - </a:t>
+            </a:r>
+            <a:r>
+              <a:rPr lang="en-US" dirty="0">
+                <a:highlight>
+                  <a:srgbClr val="FF00FF"/>
+                </a:highlight>
+              </a:rPr>
+              <a:t>Alin</a:t>
+            </a:r>
+          </a:p>
+          <a:p>
+            <a:r>
+              <a:rPr lang="en-US" dirty="0"/>
+              <a:t>Are there differences in different age groups ( same parameters as above) – </a:t>
+            </a:r>
+            <a:r>
+              <a:rPr lang="en-US" dirty="0">
+                <a:highlight>
+                  <a:srgbClr val="FFFF00"/>
+                </a:highlight>
+              </a:rPr>
+              <a:t>Felix /Alin with pivot table and conclusions</a:t>
+            </a:r>
+          </a:p>
+          <a:p>
+            <a:r>
+              <a:rPr lang="en-US" dirty="0" err="1">
+                <a:highlight>
+                  <a:srgbClr val="FFFF00"/>
+                </a:highlight>
+              </a:rPr>
+              <a:t>Geopandas</a:t>
+            </a:r>
+            <a:endParaRPr lang="en-US" dirty="0"/>
+          </a:p>
+          <a:p>
+            <a:pPr lvl="1"/>
+            <a:r>
+              <a:rPr lang="en-US" dirty="0"/>
+              <a:t>Can we see differences in different regions of the country in the above parameters – </a:t>
+            </a:r>
+            <a:r>
+              <a:rPr lang="en-US" dirty="0">
+                <a:highlight>
+                  <a:srgbClr val="FFFF00"/>
+                </a:highlight>
+              </a:rPr>
+              <a:t>Felix</a:t>
+            </a:r>
+          </a:p>
+          <a:p>
+            <a:pPr lvl="1"/>
+            <a:r>
+              <a:rPr lang="en-US" dirty="0"/>
+              <a:t>6 graphs with cases/recovery numbers per state on maps (resample every 6 month) - </a:t>
+            </a:r>
+            <a:r>
+              <a:rPr lang="en-US" dirty="0">
+                <a:highlight>
+                  <a:srgbClr val="FF00FF"/>
+                </a:highlight>
+              </a:rPr>
+              <a:t>Alin</a:t>
+            </a:r>
+            <a:endParaRPr lang="en-US" dirty="0"/>
+          </a:p>
+          <a:p>
+            <a:r>
+              <a:rPr lang="en-US" dirty="0"/>
+              <a:t>% of population fully vaccinated/partially vaccinated/not vaccinated in each region/county </a:t>
+            </a:r>
+            <a:r>
+              <a:rPr lang="en-US" dirty="0">
+                <a:highlight>
+                  <a:srgbClr val="FF00FF"/>
+                </a:highlight>
+              </a:rPr>
+              <a:t>Alin</a:t>
+            </a:r>
+            <a:endParaRPr lang="en-US" dirty="0"/>
+          </a:p>
+          <a:p>
+            <a:r>
+              <a:rPr lang="en-US" dirty="0"/>
+              <a:t>Are regions with younger population tend to vaccinate more /less vs older population regions?</a:t>
+            </a:r>
+            <a:r>
+              <a:rPr lang="en-US" dirty="0">
+                <a:highlight>
+                  <a:srgbClr val="FF00FF"/>
+                </a:highlight>
+              </a:rPr>
+              <a:t> Alin</a:t>
+            </a:r>
+            <a:endParaRPr lang="en-US" dirty="0"/>
+          </a:p>
+          <a:p>
+            <a:r>
+              <a:rPr lang="en-US" dirty="0"/>
+              <a:t>Can we see a decrease in death following vaccination? - </a:t>
+            </a:r>
+            <a:r>
+              <a:rPr lang="en-US" dirty="0">
+                <a:highlight>
+                  <a:srgbClr val="FFFF00"/>
+                </a:highlight>
+              </a:rPr>
+              <a:t>Felix</a:t>
+            </a:r>
+            <a:endParaRPr lang="en-US" dirty="0"/>
+          </a:p>
+          <a:p>
+            <a:endParaRPr lang="en-US" dirty="0"/>
+          </a:p>
+          <a:p>
+            <a:endParaRPr lang="en-US" dirty="0"/>
+          </a:p>
+          <a:p>
+            <a:endParaRPr lang="en-US" dirty="0"/>
+          </a:p>
+          <a:p>
             <a:endParaRPr lang="LID4096" dirty="0"/>
           </a:p>
         </p:txBody>
       </p:sp>
-      <p:pic>
-        <p:nvPicPr>
-          <p:cNvPr id="5" name="Picture 4">
-            <a:extLst>
-              <a:ext uri="{FF2B5EF4-FFF2-40B4-BE49-F238E27FC236}">
-                <a16:creationId xmlns:a16="http://schemas.microsoft.com/office/drawing/2014/main" id="{4B2B1197-D26F-4F41-ABDF-C0EFACF01073}"/>
-              </a:ext>
-            </a:extLst>
-          </p:cNvPr>
-          <p:cNvPicPr>
-            <a:picLocks noChangeAspect="1"/>
-          </p:cNvPicPr>
-          <p:nvPr/>
-        </p:nvPicPr>
-        <p:blipFill rotWithShape="1">
-          <a:blip r:embed="rId2"/>
-          <a:srcRect t="12478" r="16193" b="54984"/>
-          <a:stretch/>
-        </p:blipFill>
-        <p:spPr>
-          <a:xfrm>
-            <a:off x="209725" y="670054"/>
-            <a:ext cx="10217791" cy="2231472"/>
-          </a:xfrm>
-          <a:prstGeom prst="rect">
-            <a:avLst/>
-          </a:prstGeom>
-        </p:spPr>
-      </p:pic>
-      <p:pic>
-        <p:nvPicPr>
-          <p:cNvPr id="8" name="Picture 7">
-            <a:extLst>
-              <a:ext uri="{FF2B5EF4-FFF2-40B4-BE49-F238E27FC236}">
-                <a16:creationId xmlns:a16="http://schemas.microsoft.com/office/drawing/2014/main" id="{DF317652-C252-4E6F-8E5D-EDC0A23D7F9B}"/>
-              </a:ext>
-            </a:extLst>
-          </p:cNvPr>
-          <p:cNvPicPr>
-            <a:picLocks noChangeAspect="1"/>
-          </p:cNvPicPr>
-          <p:nvPr/>
-        </p:nvPicPr>
-        <p:blipFill rotWithShape="1">
-          <a:blip r:embed="rId3"/>
-          <a:srcRect l="26078" t="39021" r="53692" b="35177"/>
-          <a:stretch/>
-        </p:blipFill>
-        <p:spPr>
-          <a:xfrm>
-            <a:off x="938868" y="3659033"/>
-            <a:ext cx="3530396" cy="2532905"/>
-          </a:xfrm>
-          <a:prstGeom prst="rect">
-            <a:avLst/>
-          </a:prstGeom>
-        </p:spPr>
-      </p:pic>
-      <p:pic>
-        <p:nvPicPr>
-          <p:cNvPr id="7" name="Picture 6">
-            <a:extLst>
-              <a:ext uri="{FF2B5EF4-FFF2-40B4-BE49-F238E27FC236}">
-                <a16:creationId xmlns:a16="http://schemas.microsoft.com/office/drawing/2014/main" id="{D785CE63-12E2-4D3F-9B60-851DE9CCC713}"/>
-              </a:ext>
-            </a:extLst>
-          </p:cNvPr>
-          <p:cNvPicPr>
-            <a:picLocks noChangeAspect="1"/>
-          </p:cNvPicPr>
-          <p:nvPr/>
-        </p:nvPicPr>
-        <p:blipFill rotWithShape="1">
-          <a:blip r:embed="rId3"/>
-          <a:srcRect l="34817" t="67951" r="62224" b="17187"/>
-          <a:stretch/>
-        </p:blipFill>
-        <p:spPr>
-          <a:xfrm>
-            <a:off x="4386772" y="4412372"/>
-            <a:ext cx="529177" cy="1495234"/>
-          </a:xfrm>
-          <a:prstGeom prst="rect">
-            <a:avLst/>
-          </a:prstGeom>
-        </p:spPr>
-      </p:pic>
-      <p:sp>
-        <p:nvSpPr>
-          <p:cNvPr id="9" name="TextBox 8">
-            <a:extLst>
-              <a:ext uri="{FF2B5EF4-FFF2-40B4-BE49-F238E27FC236}">
-                <a16:creationId xmlns:a16="http://schemas.microsoft.com/office/drawing/2014/main" id="{A79BE766-5011-46ED-91E4-1052A739B9CE}"/>
-              </a:ext>
-            </a:extLst>
-          </p:cNvPr>
-          <p:cNvSpPr txBox="1"/>
-          <p:nvPr/>
-        </p:nvSpPr>
-        <p:spPr>
-          <a:xfrm>
-            <a:off x="4387442" y="4111262"/>
-            <a:ext cx="1057013" cy="400110"/>
-          </a:xfrm>
-          <a:prstGeom prst="rect">
-            <a:avLst/>
-          </a:prstGeom>
-          <a:noFill/>
-        </p:spPr>
-        <p:txBody>
-          <a:bodyPr wrap="square" rtlCol="0">
-            <a:spAutoFit/>
-          </a:bodyPr>
-          <a:lstStyle/>
-          <a:p>
-            <a:r>
-              <a:rPr lang="en-US" sz="1000" dirty="0" err="1"/>
-              <a:t>Nunique</a:t>
-            </a:r>
-            <a:endParaRPr lang="en-US" sz="1000" dirty="0"/>
-          </a:p>
-          <a:p>
-            <a:r>
-              <a:rPr lang="en-US" sz="1000" dirty="0"/>
-              <a:t>…………….</a:t>
-            </a:r>
-            <a:endParaRPr lang="LID4096" sz="1000" dirty="0"/>
-          </a:p>
-        </p:txBody>
-      </p:sp>
-      <p:pic>
-        <p:nvPicPr>
-          <p:cNvPr id="10" name="Picture 9">
-            <a:extLst>
-              <a:ext uri="{FF2B5EF4-FFF2-40B4-BE49-F238E27FC236}">
-                <a16:creationId xmlns:a16="http://schemas.microsoft.com/office/drawing/2014/main" id="{87E40364-4447-4BC1-A19E-77681A0DEC41}"/>
-              </a:ext>
-            </a:extLst>
-          </p:cNvPr>
-          <p:cNvPicPr>
-            <a:picLocks noChangeAspect="1"/>
-          </p:cNvPicPr>
-          <p:nvPr/>
-        </p:nvPicPr>
-        <p:blipFill>
-          <a:blip r:embed="rId4"/>
-          <a:stretch>
-            <a:fillRect/>
-          </a:stretch>
-        </p:blipFill>
-        <p:spPr>
-          <a:xfrm>
-            <a:off x="5645092" y="3130725"/>
-            <a:ext cx="5260596" cy="3660476"/>
-          </a:xfrm>
-          <a:prstGeom prst="rect">
-            <a:avLst/>
-          </a:prstGeom>
-        </p:spPr>
-      </p:pic>
     </p:spTree>
     <p:extLst>
       <p:ext uri="{BB962C8B-B14F-4D97-AF65-F5344CB8AC3E}">
-        <p14:creationId xmlns:p14="http://schemas.microsoft.com/office/powerpoint/2010/main" val="893132983"/>
+        <p14:creationId xmlns:p14="http://schemas.microsoft.com/office/powerpoint/2010/main" val="2822045292"/>
       </p:ext>
     </p:extLst>
   </p:cSld>
@@ -5481,7 +4864,7 @@
 </p:sld>
 </file>
 
-<file path=ppt/slides/slide5.xml><?xml version="1.0" encoding="utf-8"?>
+<file path=ppt/slides/slide17.xml><?xml version="1.0" encoding="utf-8"?>
 <p:sld xmlns:a="http://schemas.openxmlformats.org/drawingml/2006/main" xmlns:r="http://schemas.openxmlformats.org/officeDocument/2006/relationships" xmlns:p="http://schemas.openxmlformats.org/presentationml/2006/main">
   <p:cSld>
     <p:spTree>
@@ -5500,399 +4883,6 @@
       </p:grpSpPr>
       <p:sp>
         <p:nvSpPr>
-          <p:cNvPr id="3" name="Content Placeholder 2">
-            <a:extLst>
-              <a:ext uri="{FF2B5EF4-FFF2-40B4-BE49-F238E27FC236}">
-                <a16:creationId xmlns:a16="http://schemas.microsoft.com/office/drawing/2014/main" id="{ED389D36-B4C3-4034-A719-69471929A33B}"/>
-              </a:ext>
-            </a:extLst>
-          </p:cNvPr>
-          <p:cNvSpPr>
-            <a:spLocks noGrp="1"/>
-          </p:cNvSpPr>
-          <p:nvPr>
-            <p:ph idx="1"/>
-          </p:nvPr>
-        </p:nvSpPr>
-        <p:spPr>
-          <a:xfrm>
-            <a:off x="611698" y="516941"/>
-            <a:ext cx="10515600" cy="5556687"/>
-          </a:xfrm>
-        </p:spPr>
-        <p:txBody>
-          <a:bodyPr/>
-          <a:lstStyle/>
-          <a:p>
-            <a:pPr marL="514350" indent="-514350">
-              <a:buFont typeface="+mj-lt"/>
-              <a:buAutoNum type="arabicPeriod" startAt="3"/>
-            </a:pPr>
-            <a:r>
-              <a:rPr lang="en-US" b="1" i="0" dirty="0">
-                <a:solidFill>
-                  <a:srgbClr val="202124"/>
-                </a:solidFill>
-                <a:effectLst/>
-                <a:latin typeface="Inter"/>
-              </a:rPr>
-              <a:t>demographics_de.csv</a:t>
-            </a:r>
-          </a:p>
-          <a:p>
-            <a:endParaRPr lang="LID4096" dirty="0"/>
-          </a:p>
-        </p:txBody>
-      </p:sp>
-      <p:pic>
-        <p:nvPicPr>
-          <p:cNvPr id="5" name="Picture 4">
-            <a:extLst>
-              <a:ext uri="{FF2B5EF4-FFF2-40B4-BE49-F238E27FC236}">
-                <a16:creationId xmlns:a16="http://schemas.microsoft.com/office/drawing/2014/main" id="{33B7ED32-0576-4417-9B33-9C47D98C963B}"/>
-              </a:ext>
-            </a:extLst>
-          </p:cNvPr>
-          <p:cNvPicPr>
-            <a:picLocks noChangeAspect="1"/>
-          </p:cNvPicPr>
-          <p:nvPr/>
-        </p:nvPicPr>
-        <p:blipFill rotWithShape="1">
-          <a:blip r:embed="rId2"/>
-          <a:srcRect l="1238" t="13333" r="62362" b="51682"/>
-          <a:stretch/>
-        </p:blipFill>
-        <p:spPr>
-          <a:xfrm>
-            <a:off x="4983060" y="516941"/>
-            <a:ext cx="4437776" cy="2399251"/>
-          </a:xfrm>
-          <a:prstGeom prst="rect">
-            <a:avLst/>
-          </a:prstGeom>
-        </p:spPr>
-      </p:pic>
-      <p:pic>
-        <p:nvPicPr>
-          <p:cNvPr id="7" name="Picture 6">
-            <a:extLst>
-              <a:ext uri="{FF2B5EF4-FFF2-40B4-BE49-F238E27FC236}">
-                <a16:creationId xmlns:a16="http://schemas.microsoft.com/office/drawing/2014/main" id="{B8B1E968-B44D-4D73-91F3-501AA3EB2A6F}"/>
-              </a:ext>
-            </a:extLst>
-          </p:cNvPr>
-          <p:cNvPicPr>
-            <a:picLocks noChangeAspect="1"/>
-          </p:cNvPicPr>
-          <p:nvPr/>
-        </p:nvPicPr>
-        <p:blipFill rotWithShape="1">
-          <a:blip r:embed="rId3"/>
-          <a:srcRect l="26353" t="37798" r="57271" b="43340"/>
-          <a:stretch/>
-        </p:blipFill>
-        <p:spPr>
-          <a:xfrm>
-            <a:off x="611698" y="2321653"/>
-            <a:ext cx="2592896" cy="1679896"/>
-          </a:xfrm>
-          <a:prstGeom prst="rect">
-            <a:avLst/>
-          </a:prstGeom>
-        </p:spPr>
-      </p:pic>
-      <p:pic>
-        <p:nvPicPr>
-          <p:cNvPr id="8" name="Picture 7">
-            <a:extLst>
-              <a:ext uri="{FF2B5EF4-FFF2-40B4-BE49-F238E27FC236}">
-                <a16:creationId xmlns:a16="http://schemas.microsoft.com/office/drawing/2014/main" id="{3CB8ECD8-9D5C-49D7-9CFF-B311FA730BAC}"/>
-              </a:ext>
-            </a:extLst>
-          </p:cNvPr>
-          <p:cNvPicPr>
-            <a:picLocks noChangeAspect="1"/>
-          </p:cNvPicPr>
-          <p:nvPr/>
-        </p:nvPicPr>
-        <p:blipFill rotWithShape="1">
-          <a:blip r:embed="rId3"/>
-          <a:srcRect l="31680" t="60201" r="65459" b="29909"/>
-          <a:stretch/>
-        </p:blipFill>
-        <p:spPr>
-          <a:xfrm>
-            <a:off x="3204594" y="3022134"/>
-            <a:ext cx="453006" cy="880843"/>
-          </a:xfrm>
-          <a:prstGeom prst="rect">
-            <a:avLst/>
-          </a:prstGeom>
-        </p:spPr>
-      </p:pic>
-      <p:sp>
-        <p:nvSpPr>
-          <p:cNvPr id="9" name="TextBox 8">
-            <a:extLst>
-              <a:ext uri="{FF2B5EF4-FFF2-40B4-BE49-F238E27FC236}">
-                <a16:creationId xmlns:a16="http://schemas.microsoft.com/office/drawing/2014/main" id="{1BB156E6-D137-4863-AF98-30296700103F}"/>
-              </a:ext>
-            </a:extLst>
-          </p:cNvPr>
-          <p:cNvSpPr txBox="1"/>
-          <p:nvPr/>
-        </p:nvSpPr>
-        <p:spPr>
-          <a:xfrm>
-            <a:off x="3129093" y="2716137"/>
-            <a:ext cx="1057013" cy="400110"/>
-          </a:xfrm>
-          <a:prstGeom prst="rect">
-            <a:avLst/>
-          </a:prstGeom>
-          <a:noFill/>
-        </p:spPr>
-        <p:txBody>
-          <a:bodyPr wrap="square" rtlCol="0">
-            <a:spAutoFit/>
-          </a:bodyPr>
-          <a:lstStyle/>
-          <a:p>
-            <a:r>
-              <a:rPr lang="en-US" sz="1000" dirty="0" err="1"/>
-              <a:t>Nunique</a:t>
-            </a:r>
-            <a:endParaRPr lang="en-US" sz="1000" dirty="0"/>
-          </a:p>
-          <a:p>
-            <a:r>
-              <a:rPr lang="en-US" sz="1000" dirty="0"/>
-              <a:t>…………….</a:t>
-            </a:r>
-            <a:endParaRPr lang="LID4096" sz="1000" dirty="0"/>
-          </a:p>
-        </p:txBody>
-      </p:sp>
-    </p:spTree>
-    <p:extLst>
-      <p:ext uri="{BB962C8B-B14F-4D97-AF65-F5344CB8AC3E}">
-        <p14:creationId xmlns:p14="http://schemas.microsoft.com/office/powerpoint/2010/main" val="3150079953"/>
-      </p:ext>
-    </p:extLst>
-  </p:cSld>
-  <p:clrMapOvr>
-    <a:masterClrMapping/>
-  </p:clrMapOvr>
-</p:sld>
-</file>
-
-<file path=ppt/slides/slide6.xml><?xml version="1.0" encoding="utf-8"?>
-<p:sld xmlns:a="http://schemas.openxmlformats.org/drawingml/2006/main" xmlns:r="http://schemas.openxmlformats.org/officeDocument/2006/relationships" xmlns:p="http://schemas.openxmlformats.org/presentationml/2006/main">
-  <p:cSld>
-    <p:spTree>
-      <p:nvGrpSpPr>
-        <p:cNvPr id="1" name=""/>
-        <p:cNvGrpSpPr/>
-        <p:nvPr/>
-      </p:nvGrpSpPr>
-      <p:grpSpPr>
-        <a:xfrm>
-          <a:off x="0" y="0"/>
-          <a:ext cx="0" cy="0"/>
-          <a:chOff x="0" y="0"/>
-          <a:chExt cx="0" cy="0"/>
-        </a:xfrm>
-      </p:grpSpPr>
-      <p:sp>
-        <p:nvSpPr>
-          <p:cNvPr id="2" name="Title 1">
-            <a:extLst>
-              <a:ext uri="{FF2B5EF4-FFF2-40B4-BE49-F238E27FC236}">
-                <a16:creationId xmlns:a16="http://schemas.microsoft.com/office/drawing/2014/main" id="{673DB27F-7826-4BE3-9307-2BE0F17792E3}"/>
-              </a:ext>
-            </a:extLst>
-          </p:cNvPr>
-          <p:cNvSpPr>
-            <a:spLocks noGrp="1"/>
-          </p:cNvSpPr>
-          <p:nvPr>
-            <p:ph type="title"/>
-          </p:nvPr>
-        </p:nvSpPr>
-        <p:spPr/>
-        <p:txBody>
-          <a:bodyPr/>
-          <a:lstStyle/>
-          <a:p>
-            <a:r>
-              <a:rPr lang="en-US" dirty="0"/>
-              <a:t>The main questions we can ask</a:t>
-            </a:r>
-            <a:endParaRPr lang="LID4096" dirty="0"/>
-          </a:p>
-        </p:txBody>
-      </p:sp>
-      <p:sp>
-        <p:nvSpPr>
-          <p:cNvPr id="3" name="Content Placeholder 2">
-            <a:extLst>
-              <a:ext uri="{FF2B5EF4-FFF2-40B4-BE49-F238E27FC236}">
-                <a16:creationId xmlns:a16="http://schemas.microsoft.com/office/drawing/2014/main" id="{CF2A545F-C5D1-4B6D-AFA6-C32BEB5A2F0A}"/>
-              </a:ext>
-            </a:extLst>
-          </p:cNvPr>
-          <p:cNvSpPr>
-            <a:spLocks noGrp="1"/>
-          </p:cNvSpPr>
-          <p:nvPr>
-            <p:ph idx="1"/>
-          </p:nvPr>
-        </p:nvSpPr>
-        <p:spPr>
-          <a:xfrm>
-            <a:off x="838200" y="1389397"/>
-            <a:ext cx="10515600" cy="4751344"/>
-          </a:xfrm>
-        </p:spPr>
-        <p:txBody>
-          <a:bodyPr>
-            <a:normAutofit fontScale="77500" lnSpcReduction="20000"/>
-          </a:bodyPr>
-          <a:lstStyle/>
-          <a:p>
-            <a:r>
-              <a:rPr lang="en-US" dirty="0"/>
-              <a:t>Are there differences between genders in getting sick, recovery ratio, death ratio, vaccination patterns?</a:t>
-            </a:r>
-          </a:p>
-          <a:p>
-            <a:r>
-              <a:rPr lang="en-US" dirty="0"/>
-              <a:t>Are there differences in different age groups ( same parameters as above)?</a:t>
-            </a:r>
-          </a:p>
-          <a:p>
-            <a:r>
-              <a:rPr lang="en-US" dirty="0"/>
-              <a:t>Can we see differences in different regions of the country in the above parameters.</a:t>
-            </a:r>
-          </a:p>
-          <a:p>
-            <a:r>
-              <a:rPr lang="en-US" dirty="0"/>
-              <a:t>% of population fully vaccinated/partially vaccinated/not vaccinated in each region/county(visualization with </a:t>
-            </a:r>
-            <a:r>
-              <a:rPr lang="en-US" dirty="0" err="1"/>
-              <a:t>GeoPandas</a:t>
-            </a:r>
-            <a:r>
-              <a:rPr lang="en-US" dirty="0"/>
-              <a:t>)</a:t>
-            </a:r>
-          </a:p>
-          <a:p>
-            <a:r>
-              <a:rPr lang="en-US" dirty="0"/>
-              <a:t> Number of cases/ recovery/deaths in each region(visualization with </a:t>
-            </a:r>
-            <a:r>
-              <a:rPr lang="en-US" dirty="0" err="1"/>
-              <a:t>GeoPandas</a:t>
-            </a:r>
-            <a:r>
-              <a:rPr lang="en-US" dirty="0"/>
-              <a:t>)</a:t>
-            </a:r>
-          </a:p>
-          <a:p>
-            <a:r>
-              <a:rPr lang="en-US" dirty="0"/>
-              <a:t> Spread of vaccination manufacturer in each region (visualization with </a:t>
-            </a:r>
-            <a:r>
-              <a:rPr lang="en-US" dirty="0" err="1"/>
-              <a:t>GeoPandas</a:t>
-            </a:r>
-            <a:r>
-              <a:rPr lang="en-US" dirty="0"/>
-              <a:t>)</a:t>
-            </a:r>
-          </a:p>
-          <a:p>
-            <a:r>
-              <a:rPr lang="en-US" dirty="0"/>
-              <a:t>Are regions with younger population tend to vaccinate more /less vs older population regions?</a:t>
-            </a:r>
-          </a:p>
-          <a:p>
-            <a:r>
-              <a:rPr lang="en-US" dirty="0"/>
-              <a:t>Is there difference in vaccination pattern in different regions (quick response in the beginning/slow long response/late response e.c.t)?</a:t>
-            </a:r>
-          </a:p>
-          <a:p>
-            <a:r>
-              <a:rPr lang="en-US" dirty="0"/>
-              <a:t>Can we see a decrease in death following vaccination?</a:t>
-            </a:r>
-          </a:p>
-          <a:p>
-            <a:r>
-              <a:rPr lang="en-US" dirty="0"/>
-              <a:t>Are there differences between man and woman in vaccination patterns? </a:t>
-            </a:r>
-          </a:p>
-          <a:p>
-            <a:endParaRPr lang="en-US" dirty="0"/>
-          </a:p>
-          <a:p>
-            <a:endParaRPr lang="en-US" dirty="0"/>
-          </a:p>
-          <a:p>
-            <a:endParaRPr lang="en-US" dirty="0"/>
-          </a:p>
-          <a:p>
-            <a:endParaRPr lang="en-US" dirty="0"/>
-          </a:p>
-          <a:p>
-            <a:endParaRPr lang="LID4096" dirty="0"/>
-          </a:p>
-        </p:txBody>
-      </p:sp>
-    </p:spTree>
-    <p:extLst>
-      <p:ext uri="{BB962C8B-B14F-4D97-AF65-F5344CB8AC3E}">
-        <p14:creationId xmlns:p14="http://schemas.microsoft.com/office/powerpoint/2010/main" val="2822045292"/>
-      </p:ext>
-    </p:extLst>
-  </p:cSld>
-  <p:clrMapOvr>
-    <a:masterClrMapping/>
-  </p:clrMapOvr>
-</p:sld>
-</file>
-
-<file path=ppt/slides/slide7.xml><?xml version="1.0" encoding="utf-8"?>
-<p:sld xmlns:a="http://schemas.openxmlformats.org/drawingml/2006/main" xmlns:r="http://schemas.openxmlformats.org/officeDocument/2006/relationships" xmlns:p="http://schemas.openxmlformats.org/presentationml/2006/main">
-  <p:cSld>
-    <p:spTree>
-      <p:nvGrpSpPr>
-        <p:cNvPr id="1" name=""/>
-        <p:cNvGrpSpPr/>
-        <p:nvPr/>
-      </p:nvGrpSpPr>
-      <p:grpSpPr>
-        <a:xfrm>
-          <a:off x="0" y="0"/>
-          <a:ext cx="0" cy="0"/>
-          <a:chOff x="0" y="0"/>
-          <a:chExt cx="0" cy="0"/>
-        </a:xfrm>
-      </p:grpSpPr>
-      <p:sp>
-        <p:nvSpPr>
           <p:cNvPr id="2" name="Title 1">
             <a:extLst>
               <a:ext uri="{FF2B5EF4-FFF2-40B4-BE49-F238E27FC236}">
@@ -5984,7 +4974,7 @@
 </p:sld>
 </file>
 
-<file path=ppt/slides/slide8.xml><?xml version="1.0" encoding="utf-8"?>
+<file path=ppt/slides/slide18.xml><?xml version="1.0" encoding="utf-8"?>
 <p:sld xmlns:a="http://schemas.openxmlformats.org/drawingml/2006/main" xmlns:r="http://schemas.openxmlformats.org/officeDocument/2006/relationships" xmlns:p="http://schemas.openxmlformats.org/presentationml/2006/main">
   <p:cSld>
     <p:spTree>
@@ -6487,7 +5477,7 @@
 </p:sld>
 </file>
 
-<file path=ppt/slides/slide9.xml><?xml version="1.0" encoding="utf-8"?>
+<file path=ppt/slides/slide19.xml><?xml version="1.0" encoding="utf-8"?>
 <p:sld xmlns:a="http://schemas.openxmlformats.org/drawingml/2006/main" xmlns:r="http://schemas.openxmlformats.org/officeDocument/2006/relationships" xmlns:p="http://schemas.openxmlformats.org/presentationml/2006/main">
   <p:cSld>
     <p:spTree>
@@ -6569,6 +5559,2466 @@
     <p:extLst>
       <p:ext uri="{BB962C8B-B14F-4D97-AF65-F5344CB8AC3E}">
         <p14:creationId xmlns:p14="http://schemas.microsoft.com/office/powerpoint/2010/main" val="774658940"/>
+      </p:ext>
+    </p:extLst>
+  </p:cSld>
+  <p:clrMapOvr>
+    <a:masterClrMapping/>
+  </p:clrMapOvr>
+</p:sld>
+</file>
+
+<file path=ppt/slides/slide2.xml><?xml version="1.0" encoding="utf-8"?>
+<p:sld xmlns:a="http://schemas.openxmlformats.org/drawingml/2006/main" xmlns:r="http://schemas.openxmlformats.org/officeDocument/2006/relationships" xmlns:p="http://schemas.openxmlformats.org/presentationml/2006/main">
+  <p:cSld>
+    <p:spTree>
+      <p:nvGrpSpPr>
+        <p:cNvPr id="1" name=""/>
+        <p:cNvGrpSpPr/>
+        <p:nvPr/>
+      </p:nvGrpSpPr>
+      <p:grpSpPr>
+        <a:xfrm>
+          <a:off x="0" y="0"/>
+          <a:ext cx="0" cy="0"/>
+          <a:chOff x="0" y="0"/>
+          <a:chExt cx="0" cy="0"/>
+        </a:xfrm>
+      </p:grpSpPr>
+      <p:sp>
+        <p:nvSpPr>
+          <p:cNvPr id="2" name="Title 1">
+            <a:extLst>
+              <a:ext uri="{FF2B5EF4-FFF2-40B4-BE49-F238E27FC236}">
+                <a16:creationId xmlns:a16="http://schemas.microsoft.com/office/drawing/2014/main" id="{8B3A1E4B-0B51-4A22-AA09-26F2B689DC14}"/>
+              </a:ext>
+            </a:extLst>
+          </p:cNvPr>
+          <p:cNvSpPr>
+            <a:spLocks noGrp="1"/>
+          </p:cNvSpPr>
+          <p:nvPr>
+            <p:ph type="title"/>
+          </p:nvPr>
+        </p:nvSpPr>
+        <p:spPr/>
+        <p:txBody>
+          <a:bodyPr/>
+          <a:lstStyle/>
+          <a:p>
+            <a:r>
+              <a:rPr lang="en-US" b="1" dirty="0">
+                <a:solidFill>
+                  <a:schemeClr val="accent1">
+                    <a:lumMod val="50000"/>
+                  </a:schemeClr>
+                </a:solidFill>
+              </a:rPr>
+              <a:t>Background</a:t>
+            </a:r>
+            <a:endParaRPr lang="LID4096" b="1" dirty="0">
+              <a:solidFill>
+                <a:schemeClr val="accent1">
+                  <a:lumMod val="50000"/>
+                </a:schemeClr>
+              </a:solidFill>
+            </a:endParaRPr>
+          </a:p>
+        </p:txBody>
+      </p:sp>
+      <p:sp>
+        <p:nvSpPr>
+          <p:cNvPr id="3" name="Content Placeholder 2">
+            <a:extLst>
+              <a:ext uri="{FF2B5EF4-FFF2-40B4-BE49-F238E27FC236}">
+                <a16:creationId xmlns:a16="http://schemas.microsoft.com/office/drawing/2014/main" id="{A373D7CA-9B68-4DCB-85A3-351DCBABE45A}"/>
+              </a:ext>
+            </a:extLst>
+          </p:cNvPr>
+          <p:cNvSpPr>
+            <a:spLocks noGrp="1"/>
+          </p:cNvSpPr>
+          <p:nvPr>
+            <p:ph idx="1"/>
+          </p:nvPr>
+        </p:nvSpPr>
+        <p:spPr>
+          <a:xfrm>
+            <a:off x="838200" y="1434517"/>
+            <a:ext cx="10515600" cy="4742446"/>
+          </a:xfrm>
+        </p:spPr>
+        <p:txBody>
+          <a:bodyPr>
+            <a:normAutofit fontScale="92500" lnSpcReduction="10000"/>
+          </a:bodyPr>
+          <a:lstStyle/>
+          <a:p>
+            <a:r>
+              <a:rPr lang="en-US" b="0" i="0" dirty="0">
+                <a:effectLst/>
+                <a:latin typeface="arial" panose="020B0604020202020204" pitchFamily="34" charset="0"/>
+              </a:rPr>
+              <a:t>Coronavirus disease (COVID-19) is an infectious disease caused by the SARS-CoV-2 virus.</a:t>
+            </a:r>
+          </a:p>
+          <a:p>
+            <a:r>
+              <a:rPr lang="en-US" b="0" i="0" dirty="0">
+                <a:effectLst/>
+                <a:latin typeface="Arial" panose="020B0604020202020204" pitchFamily="34" charset="0"/>
+              </a:rPr>
+              <a:t>The first known case was identified in China Wuhan at December 2019.</a:t>
+            </a:r>
+          </a:p>
+          <a:p>
+            <a:r>
+              <a:rPr lang="en-US" b="0" i="0" dirty="0">
+                <a:effectLst/>
+                <a:latin typeface="Arial" panose="020B0604020202020204" pitchFamily="34" charset="0"/>
+              </a:rPr>
+              <a:t>The disease quickly spread worldwide, resulting in the COVID-19 pandemic. </a:t>
+            </a:r>
+            <a:endParaRPr lang="LID4096" dirty="0"/>
+          </a:p>
+          <a:p>
+            <a:endParaRPr lang="en-US" b="0" i="0" dirty="0">
+              <a:effectLst/>
+              <a:latin typeface="Inter"/>
+            </a:endParaRPr>
+          </a:p>
+          <a:p>
+            <a:r>
+              <a:rPr lang="en-US" dirty="0">
+                <a:latin typeface="Arial" panose="020B0604020202020204" pitchFamily="34" charset="0"/>
+              </a:rPr>
+              <a:t>This dataset provides daily updated number of reported cases &amp; deaths in Germany on state and county level from January 2020.</a:t>
+            </a:r>
+          </a:p>
+          <a:p>
+            <a:r>
+              <a:rPr lang="en-US" dirty="0">
+                <a:latin typeface="Arial" panose="020B0604020202020204" pitchFamily="34" charset="0"/>
+              </a:rPr>
+              <a:t>A dataset on vaccination progress from December 2020. </a:t>
+            </a:r>
+          </a:p>
+          <a:p>
+            <a:r>
+              <a:rPr lang="en-US" dirty="0">
+                <a:latin typeface="Arial" panose="020B0604020202020204" pitchFamily="34" charset="0"/>
+              </a:rPr>
+              <a:t>And a general state-level population demographics.</a:t>
+            </a:r>
+          </a:p>
+        </p:txBody>
+      </p:sp>
+    </p:spTree>
+    <p:extLst>
+      <p:ext uri="{BB962C8B-B14F-4D97-AF65-F5344CB8AC3E}">
+        <p14:creationId xmlns:p14="http://schemas.microsoft.com/office/powerpoint/2010/main" val="4126798620"/>
+      </p:ext>
+    </p:extLst>
+  </p:cSld>
+  <p:clrMapOvr>
+    <a:masterClrMapping/>
+  </p:clrMapOvr>
+</p:sld>
+</file>
+
+<file path=ppt/slides/slide20.xml><?xml version="1.0" encoding="utf-8"?>
+<p:sld xmlns:a="http://schemas.openxmlformats.org/drawingml/2006/main" xmlns:r="http://schemas.openxmlformats.org/officeDocument/2006/relationships" xmlns:p="http://schemas.openxmlformats.org/presentationml/2006/main">
+  <p:cSld>
+    <p:spTree>
+      <p:nvGrpSpPr>
+        <p:cNvPr id="1" name=""/>
+        <p:cNvGrpSpPr/>
+        <p:nvPr/>
+      </p:nvGrpSpPr>
+      <p:grpSpPr>
+        <a:xfrm>
+          <a:off x="0" y="0"/>
+          <a:ext cx="0" cy="0"/>
+          <a:chOff x="0" y="0"/>
+          <a:chExt cx="0" cy="0"/>
+        </a:xfrm>
+      </p:grpSpPr>
+      <p:sp>
+        <p:nvSpPr>
+          <p:cNvPr id="2" name="Title 1">
+            <a:extLst>
+              <a:ext uri="{FF2B5EF4-FFF2-40B4-BE49-F238E27FC236}">
+                <a16:creationId xmlns:a16="http://schemas.microsoft.com/office/drawing/2014/main" id="{E1C69EAB-CC45-4A58-9218-41B072248390}"/>
+              </a:ext>
+            </a:extLst>
+          </p:cNvPr>
+          <p:cNvSpPr>
+            <a:spLocks noGrp="1"/>
+          </p:cNvSpPr>
+          <p:nvPr>
+            <p:ph type="title"/>
+          </p:nvPr>
+        </p:nvSpPr>
+        <p:spPr>
+          <a:xfrm>
+            <a:off x="527808" y="291058"/>
+            <a:ext cx="10515600" cy="1325563"/>
+          </a:xfrm>
+        </p:spPr>
+        <p:txBody>
+          <a:bodyPr/>
+          <a:lstStyle/>
+          <a:p>
+            <a:r>
+              <a:rPr lang="en-US" b="1" i="0" dirty="0">
+                <a:solidFill>
+                  <a:srgbClr val="202124"/>
+                </a:solidFill>
+                <a:effectLst/>
+                <a:latin typeface="Inter"/>
+              </a:rPr>
+              <a:t>country_vaccinations.csv</a:t>
+            </a:r>
+            <a:br>
+              <a:rPr lang="en-US" b="1" i="0" dirty="0">
+                <a:solidFill>
+                  <a:srgbClr val="202124"/>
+                </a:solidFill>
+                <a:effectLst/>
+                <a:latin typeface="Inter"/>
+              </a:rPr>
+            </a:br>
+            <a:endParaRPr lang="LID4096" dirty="0"/>
+          </a:p>
+        </p:txBody>
+      </p:sp>
+      <p:sp>
+        <p:nvSpPr>
+          <p:cNvPr id="3" name="Content Placeholder 2">
+            <a:extLst>
+              <a:ext uri="{FF2B5EF4-FFF2-40B4-BE49-F238E27FC236}">
+                <a16:creationId xmlns:a16="http://schemas.microsoft.com/office/drawing/2014/main" id="{2524168B-23DA-4B6C-9351-4EB9914208C3}"/>
+              </a:ext>
+            </a:extLst>
+          </p:cNvPr>
+          <p:cNvSpPr>
+            <a:spLocks noGrp="1"/>
+          </p:cNvSpPr>
+          <p:nvPr>
+            <p:ph idx="1"/>
+          </p:nvPr>
+        </p:nvSpPr>
+        <p:spPr/>
+        <p:txBody>
+          <a:bodyPr>
+            <a:normAutofit fontScale="40000" lnSpcReduction="20000"/>
+          </a:bodyPr>
+          <a:lstStyle/>
+          <a:p>
+            <a:pPr algn="l" fontAlgn="base">
+              <a:buFont typeface="Arial" panose="020B0604020202020204" pitchFamily="34" charset="0"/>
+              <a:buChar char="•"/>
+            </a:pPr>
+            <a:r>
+              <a:rPr lang="en-US" b="1" i="0" dirty="0">
+                <a:solidFill>
+                  <a:srgbClr val="3C4043"/>
+                </a:solidFill>
+                <a:effectLst/>
+                <a:latin typeface="inherit"/>
+              </a:rPr>
+              <a:t>Country</a:t>
+            </a:r>
+            <a:r>
+              <a:rPr lang="en-US" b="0" i="0" dirty="0">
+                <a:solidFill>
+                  <a:srgbClr val="3C4043"/>
+                </a:solidFill>
+                <a:effectLst/>
+                <a:latin typeface="inherit"/>
+              </a:rPr>
+              <a:t>- this is the country for which the vaccination information is provided;</a:t>
+            </a:r>
+          </a:p>
+          <a:p>
+            <a:pPr algn="l" fontAlgn="base">
+              <a:buFont typeface="Arial" panose="020B0604020202020204" pitchFamily="34" charset="0"/>
+              <a:buChar char="•"/>
+            </a:pPr>
+            <a:r>
+              <a:rPr lang="en-US" b="1" i="0" dirty="0">
+                <a:solidFill>
+                  <a:srgbClr val="3C4043"/>
+                </a:solidFill>
+                <a:effectLst/>
+                <a:latin typeface="inherit"/>
+              </a:rPr>
+              <a:t>Country ISO Code</a:t>
+            </a:r>
+            <a:r>
+              <a:rPr lang="en-US" b="0" i="0" dirty="0">
+                <a:solidFill>
+                  <a:srgbClr val="3C4043"/>
+                </a:solidFill>
+                <a:effectLst/>
+                <a:latin typeface="inherit"/>
+              </a:rPr>
+              <a:t> - ISO code for the country;</a:t>
+            </a:r>
+          </a:p>
+          <a:p>
+            <a:pPr algn="l" fontAlgn="base">
+              <a:buFont typeface="Arial" panose="020B0604020202020204" pitchFamily="34" charset="0"/>
+              <a:buChar char="•"/>
+            </a:pPr>
+            <a:r>
+              <a:rPr lang="en-US" b="1" i="0" dirty="0">
+                <a:solidFill>
+                  <a:srgbClr val="3C4043"/>
+                </a:solidFill>
+                <a:effectLst/>
+                <a:latin typeface="inherit"/>
+              </a:rPr>
+              <a:t>Date</a:t>
+            </a:r>
+            <a:r>
+              <a:rPr lang="en-US" b="0" i="0" dirty="0">
+                <a:solidFill>
+                  <a:srgbClr val="3C4043"/>
+                </a:solidFill>
+                <a:effectLst/>
+                <a:latin typeface="inherit"/>
+              </a:rPr>
+              <a:t> - date for the data entry; for some of the dates we have only the daily vaccinations, for others, only the (cumulative) total;</a:t>
+            </a:r>
+          </a:p>
+          <a:p>
+            <a:pPr algn="l" fontAlgn="base">
+              <a:buFont typeface="Arial" panose="020B0604020202020204" pitchFamily="34" charset="0"/>
+              <a:buChar char="•"/>
+            </a:pPr>
+            <a:r>
+              <a:rPr lang="en-US" b="1" i="0" dirty="0">
+                <a:solidFill>
+                  <a:srgbClr val="3C4043"/>
+                </a:solidFill>
+                <a:effectLst/>
+                <a:latin typeface="inherit"/>
+              </a:rPr>
+              <a:t>Total number of vaccinations</a:t>
+            </a:r>
+            <a:r>
+              <a:rPr lang="en-US" b="0" i="0" dirty="0">
+                <a:solidFill>
+                  <a:srgbClr val="3C4043"/>
+                </a:solidFill>
+                <a:effectLst/>
+                <a:latin typeface="inherit"/>
+              </a:rPr>
+              <a:t> - this is the absolute number of total immunizations in the country;</a:t>
+            </a:r>
+          </a:p>
+          <a:p>
+            <a:pPr algn="l" fontAlgn="base">
+              <a:buFont typeface="Arial" panose="020B0604020202020204" pitchFamily="34" charset="0"/>
+              <a:buChar char="•"/>
+            </a:pPr>
+            <a:r>
+              <a:rPr lang="en-US" b="1" i="0" dirty="0">
+                <a:solidFill>
+                  <a:srgbClr val="3C4043"/>
+                </a:solidFill>
+                <a:effectLst/>
+                <a:latin typeface="inherit"/>
+              </a:rPr>
+              <a:t>Total number of people vaccinated</a:t>
+            </a:r>
+            <a:r>
+              <a:rPr lang="en-US" b="0" i="0" dirty="0">
+                <a:solidFill>
+                  <a:srgbClr val="3C4043"/>
+                </a:solidFill>
+                <a:effectLst/>
+                <a:latin typeface="inherit"/>
+              </a:rPr>
+              <a:t> - a person, depending on the immunization scheme, will receive one or more (typically 2) vaccines; at a certain moment, the number of vaccination might be larger than the number of people;</a:t>
+            </a:r>
+          </a:p>
+          <a:p>
+            <a:pPr algn="l" fontAlgn="base">
+              <a:buFont typeface="Arial" panose="020B0604020202020204" pitchFamily="34" charset="0"/>
+              <a:buChar char="•"/>
+            </a:pPr>
+            <a:r>
+              <a:rPr lang="en-US" b="1" i="0" dirty="0">
+                <a:solidFill>
+                  <a:srgbClr val="3C4043"/>
+                </a:solidFill>
+                <a:effectLst/>
+                <a:latin typeface="inherit"/>
+              </a:rPr>
+              <a:t>Total number of people fully vaccinated</a:t>
+            </a:r>
+            <a:r>
+              <a:rPr lang="en-US" b="0" i="0" dirty="0">
+                <a:solidFill>
+                  <a:srgbClr val="3C4043"/>
+                </a:solidFill>
+                <a:effectLst/>
+                <a:latin typeface="inherit"/>
+              </a:rPr>
+              <a:t> - this is the number of people that received the entire set of immunization according to the immunization scheme (typically 2); at a certain moment in time, there might be a certain number of people that received one vaccine and another number (smaller) of people that received all vaccines in the scheme;</a:t>
+            </a:r>
+          </a:p>
+          <a:p>
+            <a:pPr algn="l" fontAlgn="base">
+              <a:buFont typeface="Arial" panose="020B0604020202020204" pitchFamily="34" charset="0"/>
+              <a:buChar char="•"/>
+            </a:pPr>
+            <a:r>
+              <a:rPr lang="en-US" b="1" i="0" dirty="0">
+                <a:solidFill>
+                  <a:srgbClr val="3C4043"/>
+                </a:solidFill>
+                <a:effectLst/>
+                <a:latin typeface="inherit"/>
+              </a:rPr>
+              <a:t>Daily vaccinations (raw)</a:t>
+            </a:r>
+            <a:r>
+              <a:rPr lang="en-US" b="0" i="0" dirty="0">
+                <a:solidFill>
+                  <a:srgbClr val="3C4043"/>
+                </a:solidFill>
+                <a:effectLst/>
+                <a:latin typeface="inherit"/>
+              </a:rPr>
+              <a:t> - for a certain data entry, the number of vaccination for that date/country;</a:t>
+            </a:r>
+          </a:p>
+          <a:p>
+            <a:pPr algn="l" fontAlgn="base">
+              <a:buFont typeface="Arial" panose="020B0604020202020204" pitchFamily="34" charset="0"/>
+              <a:buChar char="•"/>
+            </a:pPr>
+            <a:r>
+              <a:rPr lang="en-US" b="1" i="0" dirty="0">
+                <a:solidFill>
+                  <a:srgbClr val="3C4043"/>
+                </a:solidFill>
+                <a:effectLst/>
+                <a:latin typeface="inherit"/>
+              </a:rPr>
+              <a:t>Daily vaccinations</a:t>
+            </a:r>
+            <a:r>
+              <a:rPr lang="en-US" b="0" i="0" dirty="0">
+                <a:solidFill>
+                  <a:srgbClr val="3C4043"/>
+                </a:solidFill>
+                <a:effectLst/>
+                <a:latin typeface="inherit"/>
+              </a:rPr>
+              <a:t> - for a certain data entry, the number of vaccination for that date/country;</a:t>
+            </a:r>
+          </a:p>
+          <a:p>
+            <a:pPr algn="l" fontAlgn="base">
+              <a:buFont typeface="Arial" panose="020B0604020202020204" pitchFamily="34" charset="0"/>
+              <a:buChar char="•"/>
+            </a:pPr>
+            <a:r>
+              <a:rPr lang="en-US" b="1" i="0" dirty="0">
+                <a:solidFill>
+                  <a:srgbClr val="3C4043"/>
+                </a:solidFill>
+                <a:effectLst/>
+                <a:latin typeface="inherit"/>
+              </a:rPr>
+              <a:t>Total vaccinations per hundred</a:t>
+            </a:r>
+            <a:r>
+              <a:rPr lang="en-US" b="0" i="0" dirty="0">
+                <a:solidFill>
+                  <a:srgbClr val="3C4043"/>
+                </a:solidFill>
+                <a:effectLst/>
+                <a:latin typeface="inherit"/>
+              </a:rPr>
+              <a:t> - ratio (in percent) between vaccination number and total population up to the date in the country;</a:t>
+            </a:r>
+          </a:p>
+          <a:p>
+            <a:pPr algn="l" fontAlgn="base">
+              <a:buFont typeface="Arial" panose="020B0604020202020204" pitchFamily="34" charset="0"/>
+              <a:buChar char="•"/>
+            </a:pPr>
+            <a:r>
+              <a:rPr lang="en-US" b="1" i="0" dirty="0">
+                <a:solidFill>
+                  <a:srgbClr val="3C4043"/>
+                </a:solidFill>
+                <a:effectLst/>
+                <a:latin typeface="inherit"/>
+              </a:rPr>
+              <a:t>Total number of people vaccinated per hundred</a:t>
+            </a:r>
+            <a:r>
+              <a:rPr lang="en-US" b="0" i="0" dirty="0">
+                <a:solidFill>
+                  <a:srgbClr val="3C4043"/>
+                </a:solidFill>
+                <a:effectLst/>
+                <a:latin typeface="inherit"/>
+              </a:rPr>
+              <a:t> - ratio (in percent) between population immunized and total population up to the date in the country;</a:t>
+            </a:r>
+          </a:p>
+          <a:p>
+            <a:pPr algn="l" fontAlgn="base">
+              <a:buFont typeface="Arial" panose="020B0604020202020204" pitchFamily="34" charset="0"/>
+              <a:buChar char="•"/>
+            </a:pPr>
+            <a:r>
+              <a:rPr lang="en-US" b="1" i="0" dirty="0">
+                <a:solidFill>
+                  <a:srgbClr val="3C4043"/>
+                </a:solidFill>
+                <a:effectLst/>
+                <a:latin typeface="inherit"/>
+              </a:rPr>
+              <a:t>Total number of people fully vaccinated per hundred</a:t>
+            </a:r>
+            <a:r>
+              <a:rPr lang="en-US" b="0" i="0" dirty="0">
+                <a:solidFill>
+                  <a:srgbClr val="3C4043"/>
+                </a:solidFill>
+                <a:effectLst/>
+                <a:latin typeface="inherit"/>
+              </a:rPr>
+              <a:t> - ratio (in percent) between population fully immunized and total population up to the date in the country;</a:t>
+            </a:r>
+          </a:p>
+          <a:p>
+            <a:pPr algn="l" fontAlgn="base">
+              <a:buFont typeface="Arial" panose="020B0604020202020204" pitchFamily="34" charset="0"/>
+              <a:buChar char="•"/>
+            </a:pPr>
+            <a:r>
+              <a:rPr lang="en-US" b="1" i="0" dirty="0">
+                <a:solidFill>
+                  <a:srgbClr val="3C4043"/>
+                </a:solidFill>
+                <a:effectLst/>
+                <a:latin typeface="inherit"/>
+              </a:rPr>
+              <a:t>Number of vaccinations per day</a:t>
+            </a:r>
+            <a:r>
+              <a:rPr lang="en-US" b="0" i="0" dirty="0">
+                <a:solidFill>
+                  <a:srgbClr val="3C4043"/>
+                </a:solidFill>
+                <a:effectLst/>
+                <a:latin typeface="inherit"/>
+              </a:rPr>
+              <a:t> - number of daily vaccination for that day and country;</a:t>
+            </a:r>
+          </a:p>
+          <a:p>
+            <a:pPr algn="l" fontAlgn="base">
+              <a:buFont typeface="Arial" panose="020B0604020202020204" pitchFamily="34" charset="0"/>
+              <a:buChar char="•"/>
+            </a:pPr>
+            <a:r>
+              <a:rPr lang="en-US" b="1" i="0" dirty="0">
+                <a:solidFill>
+                  <a:srgbClr val="3C4043"/>
+                </a:solidFill>
+                <a:effectLst/>
+                <a:latin typeface="inherit"/>
+              </a:rPr>
+              <a:t>Daily vaccinations per million</a:t>
+            </a:r>
+            <a:r>
+              <a:rPr lang="en-US" b="0" i="0" dirty="0">
+                <a:solidFill>
+                  <a:srgbClr val="3C4043"/>
+                </a:solidFill>
+                <a:effectLst/>
+                <a:latin typeface="inherit"/>
+              </a:rPr>
+              <a:t> - ratio (in ppm) between vaccination number and total population for the current date in the country;</a:t>
+            </a:r>
+          </a:p>
+          <a:p>
+            <a:pPr algn="l" fontAlgn="base">
+              <a:buFont typeface="Arial" panose="020B0604020202020204" pitchFamily="34" charset="0"/>
+              <a:buChar char="•"/>
+            </a:pPr>
+            <a:r>
+              <a:rPr lang="en-US" b="1" i="0" dirty="0">
+                <a:solidFill>
+                  <a:srgbClr val="3C4043"/>
+                </a:solidFill>
+                <a:effectLst/>
+                <a:latin typeface="inherit"/>
+              </a:rPr>
+              <a:t>Vaccines used in the country</a:t>
+            </a:r>
+            <a:r>
+              <a:rPr lang="en-US" b="0" i="0" dirty="0">
+                <a:solidFill>
+                  <a:srgbClr val="3C4043"/>
+                </a:solidFill>
+                <a:effectLst/>
+                <a:latin typeface="inherit"/>
+              </a:rPr>
+              <a:t> - total number of vaccines used in the country (up to date);</a:t>
+            </a:r>
+          </a:p>
+          <a:p>
+            <a:pPr algn="l" fontAlgn="base">
+              <a:buFont typeface="Arial" panose="020B0604020202020204" pitchFamily="34" charset="0"/>
+              <a:buChar char="•"/>
+            </a:pPr>
+            <a:r>
+              <a:rPr lang="en-US" b="1" i="0" dirty="0">
+                <a:solidFill>
+                  <a:srgbClr val="3C4043"/>
+                </a:solidFill>
+                <a:effectLst/>
+                <a:latin typeface="inherit"/>
+              </a:rPr>
+              <a:t>Source name</a:t>
+            </a:r>
+            <a:r>
+              <a:rPr lang="en-US" b="0" i="0" dirty="0">
+                <a:solidFill>
+                  <a:srgbClr val="3C4043"/>
+                </a:solidFill>
+                <a:effectLst/>
+                <a:latin typeface="inherit"/>
+              </a:rPr>
+              <a:t> - source of the information (national authority, international organization, local organization etc.);</a:t>
+            </a:r>
+          </a:p>
+          <a:p>
+            <a:pPr algn="l" fontAlgn="base">
+              <a:buFont typeface="Arial" panose="020B0604020202020204" pitchFamily="34" charset="0"/>
+              <a:buChar char="•"/>
+            </a:pPr>
+            <a:r>
+              <a:rPr lang="en-US" b="1" i="0" dirty="0">
+                <a:solidFill>
+                  <a:srgbClr val="3C4043"/>
+                </a:solidFill>
+                <a:effectLst/>
+                <a:latin typeface="inherit"/>
+              </a:rPr>
+              <a:t>Source website</a:t>
+            </a:r>
+            <a:r>
+              <a:rPr lang="en-US" b="0" i="0" dirty="0">
+                <a:solidFill>
+                  <a:srgbClr val="3C4043"/>
+                </a:solidFill>
+                <a:effectLst/>
+                <a:latin typeface="inherit"/>
+              </a:rPr>
+              <a:t> - website of the source of information;</a:t>
+            </a:r>
+          </a:p>
+          <a:p>
+            <a:endParaRPr lang="LID4096" dirty="0"/>
+          </a:p>
+        </p:txBody>
+      </p:sp>
+      <p:pic>
+        <p:nvPicPr>
+          <p:cNvPr id="5" name="Picture 4">
+            <a:extLst>
+              <a:ext uri="{FF2B5EF4-FFF2-40B4-BE49-F238E27FC236}">
+                <a16:creationId xmlns:a16="http://schemas.microsoft.com/office/drawing/2014/main" id="{B0735242-2396-40AD-89CE-0E812FCC29DC}"/>
+              </a:ext>
+            </a:extLst>
+          </p:cNvPr>
+          <p:cNvPicPr>
+            <a:picLocks noChangeAspect="1"/>
+          </p:cNvPicPr>
+          <p:nvPr/>
+        </p:nvPicPr>
+        <p:blipFill rotWithShape="1">
+          <a:blip r:embed="rId2"/>
+          <a:srcRect l="24565" t="64220" r="29748" b="7963"/>
+          <a:stretch/>
+        </p:blipFill>
+        <p:spPr>
+          <a:xfrm>
+            <a:off x="6526636" y="100668"/>
+            <a:ext cx="5570289" cy="1907680"/>
+          </a:xfrm>
+          <a:prstGeom prst="rect">
+            <a:avLst/>
+          </a:prstGeom>
+        </p:spPr>
+      </p:pic>
+    </p:spTree>
+    <p:extLst>
+      <p:ext uri="{BB962C8B-B14F-4D97-AF65-F5344CB8AC3E}">
+        <p14:creationId xmlns:p14="http://schemas.microsoft.com/office/powerpoint/2010/main" val="4153566159"/>
+      </p:ext>
+    </p:extLst>
+  </p:cSld>
+  <p:clrMapOvr>
+    <a:masterClrMapping/>
+  </p:clrMapOvr>
+</p:sld>
+</file>
+
+<file path=ppt/slides/slide21.xml><?xml version="1.0" encoding="utf-8"?>
+<p:sld xmlns:a="http://schemas.openxmlformats.org/drawingml/2006/main" xmlns:r="http://schemas.openxmlformats.org/officeDocument/2006/relationships" xmlns:p="http://schemas.openxmlformats.org/presentationml/2006/main">
+  <p:cSld>
+    <p:spTree>
+      <p:nvGrpSpPr>
+        <p:cNvPr id="1" name=""/>
+        <p:cNvGrpSpPr/>
+        <p:nvPr/>
+      </p:nvGrpSpPr>
+      <p:grpSpPr>
+        <a:xfrm>
+          <a:off x="0" y="0"/>
+          <a:ext cx="0" cy="0"/>
+          <a:chOff x="0" y="0"/>
+          <a:chExt cx="0" cy="0"/>
+        </a:xfrm>
+      </p:grpSpPr>
+      <p:sp>
+        <p:nvSpPr>
+          <p:cNvPr id="2" name="Title 1">
+            <a:extLst>
+              <a:ext uri="{FF2B5EF4-FFF2-40B4-BE49-F238E27FC236}">
+                <a16:creationId xmlns:a16="http://schemas.microsoft.com/office/drawing/2014/main" id="{0DB4DDA6-8135-4FFE-A5F7-C8E35DE381EC}"/>
+              </a:ext>
+            </a:extLst>
+          </p:cNvPr>
+          <p:cNvSpPr>
+            <a:spLocks noGrp="1"/>
+          </p:cNvSpPr>
+          <p:nvPr>
+            <p:ph type="title"/>
+          </p:nvPr>
+        </p:nvSpPr>
+        <p:spPr/>
+        <p:txBody>
+          <a:bodyPr/>
+          <a:lstStyle/>
+          <a:p>
+            <a:r>
+              <a:rPr lang="en-US" b="1" i="0" dirty="0">
+                <a:solidFill>
+                  <a:srgbClr val="202124"/>
+                </a:solidFill>
+                <a:effectLst/>
+                <a:latin typeface="Inter"/>
+              </a:rPr>
+              <a:t>country_vaccinations.csv</a:t>
+            </a:r>
+            <a:endParaRPr lang="LID4096" dirty="0"/>
+          </a:p>
+        </p:txBody>
+      </p:sp>
+      <p:sp>
+        <p:nvSpPr>
+          <p:cNvPr id="3" name="Content Placeholder 2">
+            <a:extLst>
+              <a:ext uri="{FF2B5EF4-FFF2-40B4-BE49-F238E27FC236}">
+                <a16:creationId xmlns:a16="http://schemas.microsoft.com/office/drawing/2014/main" id="{CC0740D9-F133-4061-B116-A94E8B300632}"/>
+              </a:ext>
+            </a:extLst>
+          </p:cNvPr>
+          <p:cNvSpPr>
+            <a:spLocks noGrp="1"/>
+          </p:cNvSpPr>
+          <p:nvPr>
+            <p:ph idx="1"/>
+          </p:nvPr>
+        </p:nvSpPr>
+        <p:spPr/>
+        <p:txBody>
+          <a:bodyPr/>
+          <a:lstStyle/>
+          <a:p>
+            <a:r>
+              <a:rPr lang="en-US" dirty="0"/>
+              <a:t>Columns: </a:t>
+            </a:r>
+          </a:p>
+          <a:p>
+            <a:endParaRPr lang="LID4096" dirty="0"/>
+          </a:p>
+        </p:txBody>
+      </p:sp>
+      <p:pic>
+        <p:nvPicPr>
+          <p:cNvPr id="8" name="Picture 7">
+            <a:extLst>
+              <a:ext uri="{FF2B5EF4-FFF2-40B4-BE49-F238E27FC236}">
+                <a16:creationId xmlns:a16="http://schemas.microsoft.com/office/drawing/2014/main" id="{65D71B67-3D50-4760-BE65-F51A638F2CAC}"/>
+              </a:ext>
+            </a:extLst>
+          </p:cNvPr>
+          <p:cNvPicPr>
+            <a:picLocks noChangeAspect="1"/>
+          </p:cNvPicPr>
+          <p:nvPr/>
+        </p:nvPicPr>
+        <p:blipFill rotWithShape="1">
+          <a:blip r:embed="rId2"/>
+          <a:srcRect l="26285" t="55078" r="46939" b="9931"/>
+          <a:stretch/>
+        </p:blipFill>
+        <p:spPr>
+          <a:xfrm>
+            <a:off x="948033" y="2426613"/>
+            <a:ext cx="4014062" cy="2950730"/>
+          </a:xfrm>
+          <a:prstGeom prst="rect">
+            <a:avLst/>
+          </a:prstGeom>
+        </p:spPr>
+      </p:pic>
+      <p:pic>
+        <p:nvPicPr>
+          <p:cNvPr id="10" name="Picture 9">
+            <a:extLst>
+              <a:ext uri="{FF2B5EF4-FFF2-40B4-BE49-F238E27FC236}">
+                <a16:creationId xmlns:a16="http://schemas.microsoft.com/office/drawing/2014/main" id="{72C6082E-0994-4F59-A12E-9025C3FA17DC}"/>
+              </a:ext>
+            </a:extLst>
+          </p:cNvPr>
+          <p:cNvPicPr>
+            <a:picLocks noChangeAspect="1"/>
+          </p:cNvPicPr>
+          <p:nvPr/>
+        </p:nvPicPr>
+        <p:blipFill rotWithShape="1">
+          <a:blip r:embed="rId3"/>
+          <a:srcRect l="40806" t="56974" r="54381" b="18532"/>
+          <a:stretch/>
+        </p:blipFill>
+        <p:spPr>
+          <a:xfrm>
+            <a:off x="4962095" y="3171038"/>
+            <a:ext cx="764908" cy="2055302"/>
+          </a:xfrm>
+          <a:prstGeom prst="rect">
+            <a:avLst/>
+          </a:prstGeom>
+        </p:spPr>
+      </p:pic>
+      <p:sp>
+        <p:nvSpPr>
+          <p:cNvPr id="11" name="TextBox 10">
+            <a:extLst>
+              <a:ext uri="{FF2B5EF4-FFF2-40B4-BE49-F238E27FC236}">
+                <a16:creationId xmlns:a16="http://schemas.microsoft.com/office/drawing/2014/main" id="{57D31752-74AB-4DFD-9BA8-D4DB98B99025}"/>
+              </a:ext>
+            </a:extLst>
+          </p:cNvPr>
+          <p:cNvSpPr txBox="1"/>
+          <p:nvPr/>
+        </p:nvSpPr>
+        <p:spPr>
+          <a:xfrm>
+            <a:off x="4997159" y="2801706"/>
+            <a:ext cx="1057013" cy="400110"/>
+          </a:xfrm>
+          <a:prstGeom prst="rect">
+            <a:avLst/>
+          </a:prstGeom>
+          <a:noFill/>
+        </p:spPr>
+        <p:txBody>
+          <a:bodyPr wrap="square" rtlCol="0">
+            <a:spAutoFit/>
+          </a:bodyPr>
+          <a:lstStyle/>
+          <a:p>
+            <a:r>
+              <a:rPr lang="en-US" sz="1000" dirty="0" err="1"/>
+              <a:t>Nunique</a:t>
+            </a:r>
+            <a:endParaRPr lang="en-US" sz="1000" dirty="0"/>
+          </a:p>
+          <a:p>
+            <a:r>
+              <a:rPr lang="en-US" sz="1000" dirty="0"/>
+              <a:t>…………….</a:t>
+            </a:r>
+            <a:endParaRPr lang="LID4096" sz="1000" dirty="0"/>
+          </a:p>
+        </p:txBody>
+      </p:sp>
+    </p:spTree>
+    <p:extLst>
+      <p:ext uri="{BB962C8B-B14F-4D97-AF65-F5344CB8AC3E}">
+        <p14:creationId xmlns:p14="http://schemas.microsoft.com/office/powerpoint/2010/main" val="565402937"/>
+      </p:ext>
+    </p:extLst>
+  </p:cSld>
+  <p:clrMapOvr>
+    <a:masterClrMapping/>
+  </p:clrMapOvr>
+</p:sld>
+</file>
+
+<file path=ppt/slides/slide22.xml><?xml version="1.0" encoding="utf-8"?>
+<p:sld xmlns:a="http://schemas.openxmlformats.org/drawingml/2006/main" xmlns:r="http://schemas.openxmlformats.org/officeDocument/2006/relationships" xmlns:p="http://schemas.openxmlformats.org/presentationml/2006/main">
+  <p:cSld>
+    <p:spTree>
+      <p:nvGrpSpPr>
+        <p:cNvPr id="1" name=""/>
+        <p:cNvGrpSpPr/>
+        <p:nvPr/>
+      </p:nvGrpSpPr>
+      <p:grpSpPr>
+        <a:xfrm>
+          <a:off x="0" y="0"/>
+          <a:ext cx="0" cy="0"/>
+          <a:chOff x="0" y="0"/>
+          <a:chExt cx="0" cy="0"/>
+        </a:xfrm>
+      </p:grpSpPr>
+      <p:sp>
+        <p:nvSpPr>
+          <p:cNvPr id="2" name="Title 1">
+            <a:extLst>
+              <a:ext uri="{FF2B5EF4-FFF2-40B4-BE49-F238E27FC236}">
+                <a16:creationId xmlns:a16="http://schemas.microsoft.com/office/drawing/2014/main" id="{1D4BFD99-F175-432A-B2EB-6CA04513AC57}"/>
+              </a:ext>
+            </a:extLst>
+          </p:cNvPr>
+          <p:cNvSpPr>
+            <a:spLocks noGrp="1"/>
+          </p:cNvSpPr>
+          <p:nvPr>
+            <p:ph type="title"/>
+          </p:nvPr>
+        </p:nvSpPr>
+        <p:spPr/>
+        <p:txBody>
+          <a:bodyPr/>
+          <a:lstStyle/>
+          <a:p>
+            <a:r>
+              <a:rPr lang="en-US" dirty="0"/>
+              <a:t>Total vaccinations/country</a:t>
+            </a:r>
+            <a:endParaRPr lang="LID4096" dirty="0"/>
+          </a:p>
+        </p:txBody>
+      </p:sp>
+      <p:pic>
+        <p:nvPicPr>
+          <p:cNvPr id="2050" name="Picture 2">
+            <a:extLst>
+              <a:ext uri="{FF2B5EF4-FFF2-40B4-BE49-F238E27FC236}">
+                <a16:creationId xmlns:a16="http://schemas.microsoft.com/office/drawing/2014/main" id="{00598862-6E79-4ED9-8C42-765F95623FAE}"/>
+              </a:ext>
+            </a:extLst>
+          </p:cNvPr>
+          <p:cNvPicPr>
+            <a:picLocks noGrp="1" noChangeAspect="1" noChangeArrowheads="1"/>
+          </p:cNvPicPr>
+          <p:nvPr>
+            <p:ph idx="1"/>
+          </p:nvPr>
+        </p:nvPicPr>
+        <p:blipFill>
+          <a:blip r:embed="rId2">
+            <a:extLst>
+              <a:ext uri="{28A0092B-C50C-407E-A947-70E740481C1C}">
+                <a14:useLocalDpi xmlns:a14="http://schemas.microsoft.com/office/drawing/2010/main" val="0"/>
+              </a:ext>
+            </a:extLst>
+          </a:blip>
+          <a:srcRect/>
+          <a:stretch>
+            <a:fillRect/>
+          </a:stretch>
+        </p:blipFill>
+        <p:spPr bwMode="auto">
+          <a:prstGeom prst="rect">
+            <a:avLst/>
+          </a:prstGeom>
+          <a:noFill/>
+          <a:extLst>
+            <a:ext uri="{909E8E84-426E-40DD-AFC4-6F175D3DCCD1}">
+              <a14:hiddenFill xmlns:a14="http://schemas.microsoft.com/office/drawing/2010/main">
+                <a:solidFill>
+                  <a:srgbClr val="FFFFFF"/>
+                </a:solidFill>
+              </a14:hiddenFill>
+            </a:ext>
+          </a:extLst>
+        </p:spPr>
+      </p:pic>
+    </p:spTree>
+    <p:extLst>
+      <p:ext uri="{BB962C8B-B14F-4D97-AF65-F5344CB8AC3E}">
+        <p14:creationId xmlns:p14="http://schemas.microsoft.com/office/powerpoint/2010/main" val="2240128875"/>
+      </p:ext>
+    </p:extLst>
+  </p:cSld>
+  <p:clrMapOvr>
+    <a:masterClrMapping/>
+  </p:clrMapOvr>
+</p:sld>
+</file>
+
+<file path=ppt/slides/slide23.xml><?xml version="1.0" encoding="utf-8"?>
+<p:sld xmlns:a="http://schemas.openxmlformats.org/drawingml/2006/main" xmlns:r="http://schemas.openxmlformats.org/officeDocument/2006/relationships" xmlns:p="http://schemas.openxmlformats.org/presentationml/2006/main">
+  <p:cSld>
+    <p:spTree>
+      <p:nvGrpSpPr>
+        <p:cNvPr id="1" name=""/>
+        <p:cNvGrpSpPr/>
+        <p:nvPr/>
+      </p:nvGrpSpPr>
+      <p:grpSpPr>
+        <a:xfrm>
+          <a:off x="0" y="0"/>
+          <a:ext cx="0" cy="0"/>
+          <a:chOff x="0" y="0"/>
+          <a:chExt cx="0" cy="0"/>
+        </a:xfrm>
+      </p:grpSpPr>
+      <p:sp>
+        <p:nvSpPr>
+          <p:cNvPr id="2" name="Title 1">
+            <a:extLst>
+              <a:ext uri="{FF2B5EF4-FFF2-40B4-BE49-F238E27FC236}">
+                <a16:creationId xmlns:a16="http://schemas.microsoft.com/office/drawing/2014/main" id="{3598A8E9-32D7-4057-B49D-4AF45E42E986}"/>
+              </a:ext>
+            </a:extLst>
+          </p:cNvPr>
+          <p:cNvSpPr>
+            <a:spLocks noGrp="1"/>
+          </p:cNvSpPr>
+          <p:nvPr>
+            <p:ph type="title"/>
+          </p:nvPr>
+        </p:nvSpPr>
+        <p:spPr/>
+        <p:txBody>
+          <a:bodyPr/>
+          <a:lstStyle/>
+          <a:p>
+            <a:r>
+              <a:rPr lang="en-US" dirty="0"/>
+              <a:t>The main questions we can ask</a:t>
+            </a:r>
+            <a:endParaRPr lang="LID4096" dirty="0"/>
+          </a:p>
+        </p:txBody>
+      </p:sp>
+      <p:sp>
+        <p:nvSpPr>
+          <p:cNvPr id="3" name="Content Placeholder 2">
+            <a:extLst>
+              <a:ext uri="{FF2B5EF4-FFF2-40B4-BE49-F238E27FC236}">
+                <a16:creationId xmlns:a16="http://schemas.microsoft.com/office/drawing/2014/main" id="{1D51AEAF-EBC4-4190-AE70-1B9081B3E3AB}"/>
+              </a:ext>
+            </a:extLst>
+          </p:cNvPr>
+          <p:cNvSpPr>
+            <a:spLocks noGrp="1"/>
+          </p:cNvSpPr>
+          <p:nvPr>
+            <p:ph idx="1"/>
+          </p:nvPr>
+        </p:nvSpPr>
+        <p:spPr>
+          <a:xfrm>
+            <a:off x="617639" y="1825625"/>
+            <a:ext cx="11085003" cy="4351338"/>
+          </a:xfrm>
+        </p:spPr>
+        <p:txBody>
+          <a:bodyPr>
+            <a:normAutofit lnSpcReduction="10000"/>
+          </a:bodyPr>
+          <a:lstStyle/>
+          <a:p>
+            <a:r>
+              <a:rPr lang="en-US" dirty="0"/>
+              <a:t>% of population vaccinated in each country(visualization with </a:t>
+            </a:r>
+            <a:r>
+              <a:rPr lang="en-US" dirty="0" err="1"/>
+              <a:t>GeoPandas</a:t>
+            </a:r>
+            <a:r>
+              <a:rPr lang="en-US" dirty="0"/>
+              <a:t>)</a:t>
+            </a:r>
+          </a:p>
+          <a:p>
+            <a:r>
+              <a:rPr lang="en-US" dirty="0"/>
+              <a:t> % fully vaccinated vs partially vaccinated vs non vaccinated in each country</a:t>
+            </a:r>
+          </a:p>
+          <a:p>
+            <a:r>
+              <a:rPr lang="en-US" dirty="0"/>
+              <a:t>What is the main manufacturer in each country </a:t>
+            </a:r>
+          </a:p>
+          <a:p>
+            <a:r>
+              <a:rPr lang="en-US" dirty="0"/>
+              <a:t>What was the vaccination pattern(quick response in the beginning/slow long response/late response e.c.t)</a:t>
+            </a:r>
+          </a:p>
+          <a:p>
+            <a:r>
+              <a:rPr lang="en-US" dirty="0"/>
+              <a:t>Spread of each manufacturer in the world map(visualization with </a:t>
+            </a:r>
+            <a:r>
+              <a:rPr lang="en-US" dirty="0" err="1"/>
+              <a:t>GeoPandas</a:t>
+            </a:r>
+            <a:r>
+              <a:rPr lang="en-US" dirty="0"/>
+              <a:t>)</a:t>
+            </a:r>
+          </a:p>
+          <a:p>
+            <a:r>
+              <a:rPr lang="en-US" dirty="0"/>
+              <a:t>Group by regions like Europe, Middle east, Far east </a:t>
+            </a:r>
+            <a:r>
+              <a:rPr lang="en-US" dirty="0" err="1"/>
+              <a:t>e.c.t.</a:t>
+            </a:r>
+            <a:r>
+              <a:rPr lang="en-US" dirty="0"/>
+              <a:t> Is there a similar pattern of vaccination process in the region? </a:t>
+            </a:r>
+          </a:p>
+          <a:p>
+            <a:endParaRPr lang="LID4096" dirty="0"/>
+          </a:p>
+        </p:txBody>
+      </p:sp>
+    </p:spTree>
+    <p:extLst>
+      <p:ext uri="{BB962C8B-B14F-4D97-AF65-F5344CB8AC3E}">
+        <p14:creationId xmlns:p14="http://schemas.microsoft.com/office/powerpoint/2010/main" val="895762479"/>
+      </p:ext>
+    </p:extLst>
+  </p:cSld>
+  <p:clrMapOvr>
+    <a:masterClrMapping/>
+  </p:clrMapOvr>
+</p:sld>
+</file>
+
+<file path=ppt/slides/slide3.xml><?xml version="1.0" encoding="utf-8"?>
+<p:sld xmlns:a="http://schemas.openxmlformats.org/drawingml/2006/main" xmlns:r="http://schemas.openxmlformats.org/officeDocument/2006/relationships" xmlns:p="http://schemas.openxmlformats.org/presentationml/2006/main">
+  <p:cSld>
+    <p:spTree>
+      <p:nvGrpSpPr>
+        <p:cNvPr id="1" name=""/>
+        <p:cNvGrpSpPr/>
+        <p:nvPr/>
+      </p:nvGrpSpPr>
+      <p:grpSpPr>
+        <a:xfrm>
+          <a:off x="0" y="0"/>
+          <a:ext cx="0" cy="0"/>
+          <a:chOff x="0" y="0"/>
+          <a:chExt cx="0" cy="0"/>
+        </a:xfrm>
+      </p:grpSpPr>
+      <p:sp>
+        <p:nvSpPr>
+          <p:cNvPr id="2" name="Title 1">
+            <a:extLst>
+              <a:ext uri="{FF2B5EF4-FFF2-40B4-BE49-F238E27FC236}">
+                <a16:creationId xmlns:a16="http://schemas.microsoft.com/office/drawing/2014/main" id="{858D8E3E-0D0E-430F-94BA-6CFF85A63ABC}"/>
+              </a:ext>
+            </a:extLst>
+          </p:cNvPr>
+          <p:cNvSpPr>
+            <a:spLocks noGrp="1"/>
+          </p:cNvSpPr>
+          <p:nvPr>
+            <p:ph type="title"/>
+          </p:nvPr>
+        </p:nvSpPr>
+        <p:spPr/>
+        <p:txBody>
+          <a:bodyPr/>
+          <a:lstStyle/>
+          <a:p>
+            <a:r>
+              <a:rPr lang="en-US" dirty="0"/>
+              <a:t>Dataset contains 3 tables: </a:t>
+            </a:r>
+            <a:endParaRPr lang="LID4096" dirty="0"/>
+          </a:p>
+        </p:txBody>
+      </p:sp>
+      <p:sp>
+        <p:nvSpPr>
+          <p:cNvPr id="3" name="Content Placeholder 2">
+            <a:extLst>
+              <a:ext uri="{FF2B5EF4-FFF2-40B4-BE49-F238E27FC236}">
+                <a16:creationId xmlns:a16="http://schemas.microsoft.com/office/drawing/2014/main" id="{56637117-C04E-46E2-B3F6-E2A468A4546D}"/>
+              </a:ext>
+            </a:extLst>
+          </p:cNvPr>
+          <p:cNvSpPr>
+            <a:spLocks noGrp="1"/>
+          </p:cNvSpPr>
+          <p:nvPr>
+            <p:ph idx="1"/>
+          </p:nvPr>
+        </p:nvSpPr>
+        <p:spPr>
+          <a:xfrm>
+            <a:off x="838200" y="1389397"/>
+            <a:ext cx="10515600" cy="4351338"/>
+          </a:xfrm>
+        </p:spPr>
+        <p:txBody>
+          <a:bodyPr/>
+          <a:lstStyle/>
+          <a:p>
+            <a:pPr marL="514350" indent="-514350">
+              <a:buFont typeface="+mj-lt"/>
+              <a:buAutoNum type="arabicPeriod"/>
+            </a:pPr>
+            <a:r>
+              <a:rPr lang="en-US" b="1" i="0" dirty="0">
+                <a:solidFill>
+                  <a:srgbClr val="202124"/>
+                </a:solidFill>
+                <a:effectLst/>
+                <a:latin typeface="Inter"/>
+              </a:rPr>
+              <a:t>covid_de.csv</a:t>
+            </a:r>
+          </a:p>
+          <a:p>
+            <a:pPr marL="0" indent="0">
+              <a:buNone/>
+            </a:pPr>
+            <a:endParaRPr lang="en-US" b="1" i="0" dirty="0">
+              <a:solidFill>
+                <a:srgbClr val="202124"/>
+              </a:solidFill>
+              <a:effectLst/>
+              <a:latin typeface="Inter"/>
+            </a:endParaRPr>
+          </a:p>
+          <a:p>
+            <a:pPr marL="0" indent="0">
+              <a:buNone/>
+            </a:pPr>
+            <a:endParaRPr lang="en-US" b="1" dirty="0">
+              <a:solidFill>
+                <a:srgbClr val="202124"/>
+              </a:solidFill>
+              <a:latin typeface="Inter"/>
+            </a:endParaRPr>
+          </a:p>
+          <a:p>
+            <a:pPr marL="0" indent="0">
+              <a:buNone/>
+            </a:pPr>
+            <a:endParaRPr lang="en-US" b="1" i="0" dirty="0">
+              <a:solidFill>
+                <a:srgbClr val="202124"/>
+              </a:solidFill>
+              <a:effectLst/>
+              <a:latin typeface="Inter"/>
+            </a:endParaRPr>
+          </a:p>
+          <a:p>
+            <a:pPr marL="0" indent="0">
+              <a:buNone/>
+            </a:pPr>
+            <a:endParaRPr lang="en-US" b="1" dirty="0">
+              <a:solidFill>
+                <a:srgbClr val="202124"/>
+              </a:solidFill>
+              <a:latin typeface="Inter"/>
+            </a:endParaRPr>
+          </a:p>
+          <a:p>
+            <a:pPr marL="0" indent="0">
+              <a:buNone/>
+            </a:pPr>
+            <a:endParaRPr lang="en-US" b="1" i="0" dirty="0">
+              <a:solidFill>
+                <a:srgbClr val="202124"/>
+              </a:solidFill>
+              <a:effectLst/>
+              <a:latin typeface="Inter"/>
+            </a:endParaRPr>
+          </a:p>
+          <a:p>
+            <a:pPr marL="514350" indent="-514350">
+              <a:buFont typeface="+mj-lt"/>
+              <a:buAutoNum type="arabicPeriod"/>
+            </a:pPr>
+            <a:endParaRPr lang="LID4096" dirty="0"/>
+          </a:p>
+        </p:txBody>
+      </p:sp>
+      <p:pic>
+        <p:nvPicPr>
+          <p:cNvPr id="5" name="Picture 4">
+            <a:extLst>
+              <a:ext uri="{FF2B5EF4-FFF2-40B4-BE49-F238E27FC236}">
+                <a16:creationId xmlns:a16="http://schemas.microsoft.com/office/drawing/2014/main" id="{FA343D00-9140-45E9-84C0-2353C6FCFCC3}"/>
+              </a:ext>
+            </a:extLst>
+          </p:cNvPr>
+          <p:cNvPicPr>
+            <a:picLocks noChangeAspect="1"/>
+          </p:cNvPicPr>
+          <p:nvPr/>
+        </p:nvPicPr>
+        <p:blipFill rotWithShape="1">
+          <a:blip r:embed="rId2"/>
+          <a:srcRect l="894" t="13456" r="24794" b="54128"/>
+          <a:stretch/>
+        </p:blipFill>
+        <p:spPr>
+          <a:xfrm>
+            <a:off x="838200" y="1887522"/>
+            <a:ext cx="9060110" cy="2223083"/>
+          </a:xfrm>
+          <a:prstGeom prst="rect">
+            <a:avLst/>
+          </a:prstGeom>
+        </p:spPr>
+      </p:pic>
+      <p:pic>
+        <p:nvPicPr>
+          <p:cNvPr id="8" name="Picture 7">
+            <a:extLst>
+              <a:ext uri="{FF2B5EF4-FFF2-40B4-BE49-F238E27FC236}">
+                <a16:creationId xmlns:a16="http://schemas.microsoft.com/office/drawing/2014/main" id="{D89E7B83-0E2C-4353-ADE8-C24AAF5C0733}"/>
+              </a:ext>
+            </a:extLst>
+          </p:cNvPr>
+          <p:cNvPicPr>
+            <a:picLocks noChangeAspect="1"/>
+          </p:cNvPicPr>
+          <p:nvPr/>
+        </p:nvPicPr>
+        <p:blipFill rotWithShape="1">
+          <a:blip r:embed="rId3"/>
+          <a:srcRect l="25872" t="27523" r="53692" b="49419"/>
+          <a:stretch/>
+        </p:blipFill>
+        <p:spPr>
+          <a:xfrm>
+            <a:off x="838200" y="4307439"/>
+            <a:ext cx="3502676" cy="2223082"/>
+          </a:xfrm>
+          <a:prstGeom prst="rect">
+            <a:avLst/>
+          </a:prstGeom>
+        </p:spPr>
+      </p:pic>
+      <p:pic>
+        <p:nvPicPr>
+          <p:cNvPr id="7" name="Picture 6">
+            <a:extLst>
+              <a:ext uri="{FF2B5EF4-FFF2-40B4-BE49-F238E27FC236}">
+                <a16:creationId xmlns:a16="http://schemas.microsoft.com/office/drawing/2014/main" id="{E5AC119C-C651-4096-9623-BD948F144ABB}"/>
+              </a:ext>
+            </a:extLst>
+          </p:cNvPr>
+          <p:cNvPicPr>
+            <a:picLocks noChangeAspect="1"/>
+          </p:cNvPicPr>
+          <p:nvPr/>
+        </p:nvPicPr>
+        <p:blipFill rotWithShape="1">
+          <a:blip r:embed="rId3"/>
+          <a:srcRect l="31557" t="54496" r="66340" b="32720"/>
+          <a:stretch/>
+        </p:blipFill>
+        <p:spPr>
+          <a:xfrm>
+            <a:off x="2793534" y="5025006"/>
+            <a:ext cx="360727" cy="1233181"/>
+          </a:xfrm>
+          <a:prstGeom prst="rect">
+            <a:avLst/>
+          </a:prstGeom>
+        </p:spPr>
+      </p:pic>
+      <p:sp>
+        <p:nvSpPr>
+          <p:cNvPr id="9" name="TextBox 8">
+            <a:extLst>
+              <a:ext uri="{FF2B5EF4-FFF2-40B4-BE49-F238E27FC236}">
+                <a16:creationId xmlns:a16="http://schemas.microsoft.com/office/drawing/2014/main" id="{A86A26CF-9C68-4C35-AE82-DEAF3C49D02D}"/>
+              </a:ext>
+            </a:extLst>
+          </p:cNvPr>
+          <p:cNvSpPr txBox="1"/>
+          <p:nvPr/>
+        </p:nvSpPr>
+        <p:spPr>
+          <a:xfrm>
+            <a:off x="2625754" y="4752672"/>
+            <a:ext cx="1057013" cy="400110"/>
+          </a:xfrm>
+          <a:prstGeom prst="rect">
+            <a:avLst/>
+          </a:prstGeom>
+          <a:noFill/>
+        </p:spPr>
+        <p:txBody>
+          <a:bodyPr wrap="square" rtlCol="0">
+            <a:spAutoFit/>
+          </a:bodyPr>
+          <a:lstStyle/>
+          <a:p>
+            <a:r>
+              <a:rPr lang="en-US" sz="1000" dirty="0" err="1"/>
+              <a:t>Nunique</a:t>
+            </a:r>
+            <a:endParaRPr lang="en-US" sz="1000" dirty="0"/>
+          </a:p>
+          <a:p>
+            <a:r>
+              <a:rPr lang="en-US" sz="1000" dirty="0"/>
+              <a:t>…………….</a:t>
+            </a:r>
+            <a:endParaRPr lang="LID4096" sz="1000" dirty="0"/>
+          </a:p>
+        </p:txBody>
+      </p:sp>
+    </p:spTree>
+    <p:extLst>
+      <p:ext uri="{BB962C8B-B14F-4D97-AF65-F5344CB8AC3E}">
+        <p14:creationId xmlns:p14="http://schemas.microsoft.com/office/powerpoint/2010/main" val="910705563"/>
+      </p:ext>
+    </p:extLst>
+  </p:cSld>
+  <p:clrMapOvr>
+    <a:masterClrMapping/>
+  </p:clrMapOvr>
+</p:sld>
+</file>
+
+<file path=ppt/slides/slide4.xml><?xml version="1.0" encoding="utf-8"?>
+<p:sld xmlns:a="http://schemas.openxmlformats.org/drawingml/2006/main" xmlns:r="http://schemas.openxmlformats.org/officeDocument/2006/relationships" xmlns:p="http://schemas.openxmlformats.org/presentationml/2006/main">
+  <p:cSld>
+    <p:spTree>
+      <p:nvGrpSpPr>
+        <p:cNvPr id="1" name=""/>
+        <p:cNvGrpSpPr/>
+        <p:nvPr/>
+      </p:nvGrpSpPr>
+      <p:grpSpPr>
+        <a:xfrm>
+          <a:off x="0" y="0"/>
+          <a:ext cx="0" cy="0"/>
+          <a:chOff x="0" y="0"/>
+          <a:chExt cx="0" cy="0"/>
+        </a:xfrm>
+      </p:grpSpPr>
+      <p:sp>
+        <p:nvSpPr>
+          <p:cNvPr id="3" name="Content Placeholder 2">
+            <a:extLst>
+              <a:ext uri="{FF2B5EF4-FFF2-40B4-BE49-F238E27FC236}">
+                <a16:creationId xmlns:a16="http://schemas.microsoft.com/office/drawing/2014/main" id="{B3CCCC80-ABC9-4439-A6A3-CA3DBC9DD880}"/>
+              </a:ext>
+            </a:extLst>
+          </p:cNvPr>
+          <p:cNvSpPr>
+            <a:spLocks noGrp="1"/>
+          </p:cNvSpPr>
+          <p:nvPr>
+            <p:ph idx="1"/>
+          </p:nvPr>
+        </p:nvSpPr>
+        <p:spPr>
+          <a:xfrm>
+            <a:off x="938868" y="218429"/>
+            <a:ext cx="10515600" cy="4351338"/>
+          </a:xfrm>
+        </p:spPr>
+        <p:txBody>
+          <a:bodyPr/>
+          <a:lstStyle/>
+          <a:p>
+            <a:pPr marL="514350" indent="-514350">
+              <a:buFont typeface="+mj-lt"/>
+              <a:buAutoNum type="arabicPeriod" startAt="2"/>
+            </a:pPr>
+            <a:r>
+              <a:rPr lang="en-US" b="1" i="0" dirty="0">
+                <a:solidFill>
+                  <a:srgbClr val="202124"/>
+                </a:solidFill>
+                <a:effectLst/>
+                <a:latin typeface="Inter"/>
+              </a:rPr>
+              <a:t>covid_de_vaccines.csv</a:t>
+            </a:r>
+          </a:p>
+          <a:p>
+            <a:pPr marL="514350" indent="-514350">
+              <a:buFont typeface="+mj-lt"/>
+              <a:buAutoNum type="arabicPeriod" startAt="2"/>
+            </a:pPr>
+            <a:endParaRPr lang="en-US" b="1" dirty="0">
+              <a:solidFill>
+                <a:srgbClr val="202124"/>
+              </a:solidFill>
+              <a:latin typeface="Inter"/>
+            </a:endParaRPr>
+          </a:p>
+          <a:p>
+            <a:pPr marL="514350" indent="-514350">
+              <a:buFont typeface="+mj-lt"/>
+              <a:buAutoNum type="arabicPeriod" startAt="2"/>
+            </a:pPr>
+            <a:endParaRPr lang="en-US" b="1" i="0" dirty="0">
+              <a:solidFill>
+                <a:srgbClr val="202124"/>
+              </a:solidFill>
+              <a:effectLst/>
+              <a:latin typeface="Inter"/>
+            </a:endParaRPr>
+          </a:p>
+          <a:p>
+            <a:pPr marL="514350" indent="-514350">
+              <a:buFont typeface="+mj-lt"/>
+              <a:buAutoNum type="arabicPeriod" startAt="2"/>
+            </a:pPr>
+            <a:endParaRPr lang="en-US" b="1" dirty="0">
+              <a:solidFill>
+                <a:srgbClr val="202124"/>
+              </a:solidFill>
+              <a:latin typeface="Inter"/>
+            </a:endParaRPr>
+          </a:p>
+          <a:p>
+            <a:pPr marL="514350" indent="-514350">
+              <a:buFont typeface="+mj-lt"/>
+              <a:buAutoNum type="arabicPeriod" startAt="2"/>
+            </a:pPr>
+            <a:endParaRPr lang="en-US" b="1" i="0" dirty="0">
+              <a:solidFill>
+                <a:srgbClr val="202124"/>
+              </a:solidFill>
+              <a:effectLst/>
+              <a:latin typeface="Inter"/>
+            </a:endParaRPr>
+          </a:p>
+          <a:p>
+            <a:pPr marL="514350" indent="-514350">
+              <a:buFont typeface="+mj-lt"/>
+              <a:buAutoNum type="arabicPeriod" startAt="2"/>
+            </a:pPr>
+            <a:endParaRPr lang="en-US" b="1" i="0" dirty="0">
+              <a:solidFill>
+                <a:srgbClr val="202124"/>
+              </a:solidFill>
+              <a:effectLst/>
+              <a:latin typeface="Inter"/>
+            </a:endParaRPr>
+          </a:p>
+          <a:p>
+            <a:pPr marL="514350" indent="-514350">
+              <a:buFont typeface="+mj-lt"/>
+              <a:buAutoNum type="arabicPeriod" startAt="2"/>
+            </a:pPr>
+            <a:endParaRPr lang="en-US" b="1" i="0" dirty="0">
+              <a:solidFill>
+                <a:srgbClr val="202124"/>
+              </a:solidFill>
+              <a:effectLst/>
+              <a:latin typeface="Inter"/>
+            </a:endParaRPr>
+          </a:p>
+          <a:p>
+            <a:pPr marL="514350" indent="-514350">
+              <a:buFont typeface="+mj-lt"/>
+              <a:buAutoNum type="arabicPeriod" startAt="2"/>
+            </a:pPr>
+            <a:endParaRPr lang="LID4096" dirty="0"/>
+          </a:p>
+        </p:txBody>
+      </p:sp>
+      <p:pic>
+        <p:nvPicPr>
+          <p:cNvPr id="5" name="Picture 4">
+            <a:extLst>
+              <a:ext uri="{FF2B5EF4-FFF2-40B4-BE49-F238E27FC236}">
+                <a16:creationId xmlns:a16="http://schemas.microsoft.com/office/drawing/2014/main" id="{4B2B1197-D26F-4F41-ABDF-C0EFACF01073}"/>
+              </a:ext>
+            </a:extLst>
+          </p:cNvPr>
+          <p:cNvPicPr>
+            <a:picLocks noChangeAspect="1"/>
+          </p:cNvPicPr>
+          <p:nvPr/>
+        </p:nvPicPr>
+        <p:blipFill rotWithShape="1">
+          <a:blip r:embed="rId2"/>
+          <a:srcRect t="12478" r="16193" b="54984"/>
+          <a:stretch/>
+        </p:blipFill>
+        <p:spPr>
+          <a:xfrm>
+            <a:off x="209725" y="670054"/>
+            <a:ext cx="10217791" cy="2231472"/>
+          </a:xfrm>
+          <a:prstGeom prst="rect">
+            <a:avLst/>
+          </a:prstGeom>
+        </p:spPr>
+      </p:pic>
+      <p:pic>
+        <p:nvPicPr>
+          <p:cNvPr id="8" name="Picture 7">
+            <a:extLst>
+              <a:ext uri="{FF2B5EF4-FFF2-40B4-BE49-F238E27FC236}">
+                <a16:creationId xmlns:a16="http://schemas.microsoft.com/office/drawing/2014/main" id="{DF317652-C252-4E6F-8E5D-EDC0A23D7F9B}"/>
+              </a:ext>
+            </a:extLst>
+          </p:cNvPr>
+          <p:cNvPicPr>
+            <a:picLocks noChangeAspect="1"/>
+          </p:cNvPicPr>
+          <p:nvPr/>
+        </p:nvPicPr>
+        <p:blipFill rotWithShape="1">
+          <a:blip r:embed="rId3"/>
+          <a:srcRect l="26078" t="39021" r="53692" b="35177"/>
+          <a:stretch/>
+        </p:blipFill>
+        <p:spPr>
+          <a:xfrm>
+            <a:off x="938868" y="3659033"/>
+            <a:ext cx="3530396" cy="2532905"/>
+          </a:xfrm>
+          <a:prstGeom prst="rect">
+            <a:avLst/>
+          </a:prstGeom>
+        </p:spPr>
+      </p:pic>
+      <p:pic>
+        <p:nvPicPr>
+          <p:cNvPr id="7" name="Picture 6">
+            <a:extLst>
+              <a:ext uri="{FF2B5EF4-FFF2-40B4-BE49-F238E27FC236}">
+                <a16:creationId xmlns:a16="http://schemas.microsoft.com/office/drawing/2014/main" id="{D785CE63-12E2-4D3F-9B60-851DE9CCC713}"/>
+              </a:ext>
+            </a:extLst>
+          </p:cNvPr>
+          <p:cNvPicPr>
+            <a:picLocks noChangeAspect="1"/>
+          </p:cNvPicPr>
+          <p:nvPr/>
+        </p:nvPicPr>
+        <p:blipFill rotWithShape="1">
+          <a:blip r:embed="rId3"/>
+          <a:srcRect l="34817" t="67951" r="62224" b="17187"/>
+          <a:stretch/>
+        </p:blipFill>
+        <p:spPr>
+          <a:xfrm>
+            <a:off x="4386772" y="4412372"/>
+            <a:ext cx="529177" cy="1495234"/>
+          </a:xfrm>
+          <a:prstGeom prst="rect">
+            <a:avLst/>
+          </a:prstGeom>
+        </p:spPr>
+      </p:pic>
+      <p:sp>
+        <p:nvSpPr>
+          <p:cNvPr id="9" name="TextBox 8">
+            <a:extLst>
+              <a:ext uri="{FF2B5EF4-FFF2-40B4-BE49-F238E27FC236}">
+                <a16:creationId xmlns:a16="http://schemas.microsoft.com/office/drawing/2014/main" id="{A79BE766-5011-46ED-91E4-1052A739B9CE}"/>
+              </a:ext>
+            </a:extLst>
+          </p:cNvPr>
+          <p:cNvSpPr txBox="1"/>
+          <p:nvPr/>
+        </p:nvSpPr>
+        <p:spPr>
+          <a:xfrm>
+            <a:off x="4387442" y="4111262"/>
+            <a:ext cx="1057013" cy="400110"/>
+          </a:xfrm>
+          <a:prstGeom prst="rect">
+            <a:avLst/>
+          </a:prstGeom>
+          <a:noFill/>
+        </p:spPr>
+        <p:txBody>
+          <a:bodyPr wrap="square" rtlCol="0">
+            <a:spAutoFit/>
+          </a:bodyPr>
+          <a:lstStyle/>
+          <a:p>
+            <a:r>
+              <a:rPr lang="en-US" sz="1000" dirty="0" err="1"/>
+              <a:t>Nunique</a:t>
+            </a:r>
+            <a:endParaRPr lang="en-US" sz="1000" dirty="0"/>
+          </a:p>
+          <a:p>
+            <a:r>
+              <a:rPr lang="en-US" sz="1000" dirty="0"/>
+              <a:t>…………….</a:t>
+            </a:r>
+            <a:endParaRPr lang="LID4096" sz="1000" dirty="0"/>
+          </a:p>
+        </p:txBody>
+      </p:sp>
+      <p:pic>
+        <p:nvPicPr>
+          <p:cNvPr id="10" name="Picture 9">
+            <a:extLst>
+              <a:ext uri="{FF2B5EF4-FFF2-40B4-BE49-F238E27FC236}">
+                <a16:creationId xmlns:a16="http://schemas.microsoft.com/office/drawing/2014/main" id="{87E40364-4447-4BC1-A19E-77681A0DEC41}"/>
+              </a:ext>
+            </a:extLst>
+          </p:cNvPr>
+          <p:cNvPicPr>
+            <a:picLocks noChangeAspect="1"/>
+          </p:cNvPicPr>
+          <p:nvPr/>
+        </p:nvPicPr>
+        <p:blipFill>
+          <a:blip r:embed="rId4"/>
+          <a:stretch>
+            <a:fillRect/>
+          </a:stretch>
+        </p:blipFill>
+        <p:spPr>
+          <a:xfrm>
+            <a:off x="5645092" y="3130725"/>
+            <a:ext cx="5260596" cy="3660476"/>
+          </a:xfrm>
+          <a:prstGeom prst="rect">
+            <a:avLst/>
+          </a:prstGeom>
+        </p:spPr>
+      </p:pic>
+    </p:spTree>
+    <p:extLst>
+      <p:ext uri="{BB962C8B-B14F-4D97-AF65-F5344CB8AC3E}">
+        <p14:creationId xmlns:p14="http://schemas.microsoft.com/office/powerpoint/2010/main" val="893132983"/>
+      </p:ext>
+    </p:extLst>
+  </p:cSld>
+  <p:clrMapOvr>
+    <a:masterClrMapping/>
+  </p:clrMapOvr>
+</p:sld>
+</file>
+
+<file path=ppt/slides/slide5.xml><?xml version="1.0" encoding="utf-8"?>
+<p:sld xmlns:a="http://schemas.openxmlformats.org/drawingml/2006/main" xmlns:r="http://schemas.openxmlformats.org/officeDocument/2006/relationships" xmlns:p="http://schemas.openxmlformats.org/presentationml/2006/main">
+  <p:cSld>
+    <p:spTree>
+      <p:nvGrpSpPr>
+        <p:cNvPr id="1" name=""/>
+        <p:cNvGrpSpPr/>
+        <p:nvPr/>
+      </p:nvGrpSpPr>
+      <p:grpSpPr>
+        <a:xfrm>
+          <a:off x="0" y="0"/>
+          <a:ext cx="0" cy="0"/>
+          <a:chOff x="0" y="0"/>
+          <a:chExt cx="0" cy="0"/>
+        </a:xfrm>
+      </p:grpSpPr>
+      <p:sp>
+        <p:nvSpPr>
+          <p:cNvPr id="3" name="Content Placeholder 2">
+            <a:extLst>
+              <a:ext uri="{FF2B5EF4-FFF2-40B4-BE49-F238E27FC236}">
+                <a16:creationId xmlns:a16="http://schemas.microsoft.com/office/drawing/2014/main" id="{ED389D36-B4C3-4034-A719-69471929A33B}"/>
+              </a:ext>
+            </a:extLst>
+          </p:cNvPr>
+          <p:cNvSpPr>
+            <a:spLocks noGrp="1"/>
+          </p:cNvSpPr>
+          <p:nvPr>
+            <p:ph idx="1"/>
+          </p:nvPr>
+        </p:nvSpPr>
+        <p:spPr>
+          <a:xfrm>
+            <a:off x="611698" y="516941"/>
+            <a:ext cx="10515600" cy="5556687"/>
+          </a:xfrm>
+        </p:spPr>
+        <p:txBody>
+          <a:bodyPr/>
+          <a:lstStyle/>
+          <a:p>
+            <a:pPr marL="514350" indent="-514350">
+              <a:buFont typeface="+mj-lt"/>
+              <a:buAutoNum type="arabicPeriod" startAt="3"/>
+            </a:pPr>
+            <a:r>
+              <a:rPr lang="en-US" b="1" i="0" dirty="0">
+                <a:solidFill>
+                  <a:srgbClr val="202124"/>
+                </a:solidFill>
+                <a:effectLst/>
+                <a:latin typeface="Inter"/>
+              </a:rPr>
+              <a:t>demographics_de.csv</a:t>
+            </a:r>
+          </a:p>
+          <a:p>
+            <a:endParaRPr lang="LID4096" dirty="0"/>
+          </a:p>
+        </p:txBody>
+      </p:sp>
+      <p:pic>
+        <p:nvPicPr>
+          <p:cNvPr id="5" name="Picture 4">
+            <a:extLst>
+              <a:ext uri="{FF2B5EF4-FFF2-40B4-BE49-F238E27FC236}">
+                <a16:creationId xmlns:a16="http://schemas.microsoft.com/office/drawing/2014/main" id="{33B7ED32-0576-4417-9B33-9C47D98C963B}"/>
+              </a:ext>
+            </a:extLst>
+          </p:cNvPr>
+          <p:cNvPicPr>
+            <a:picLocks noChangeAspect="1"/>
+          </p:cNvPicPr>
+          <p:nvPr/>
+        </p:nvPicPr>
+        <p:blipFill rotWithShape="1">
+          <a:blip r:embed="rId2"/>
+          <a:srcRect l="1238" t="13333" r="62362" b="51682"/>
+          <a:stretch/>
+        </p:blipFill>
+        <p:spPr>
+          <a:xfrm>
+            <a:off x="4983060" y="516941"/>
+            <a:ext cx="4437776" cy="2399251"/>
+          </a:xfrm>
+          <a:prstGeom prst="rect">
+            <a:avLst/>
+          </a:prstGeom>
+        </p:spPr>
+      </p:pic>
+      <p:pic>
+        <p:nvPicPr>
+          <p:cNvPr id="7" name="Picture 6">
+            <a:extLst>
+              <a:ext uri="{FF2B5EF4-FFF2-40B4-BE49-F238E27FC236}">
+                <a16:creationId xmlns:a16="http://schemas.microsoft.com/office/drawing/2014/main" id="{B8B1E968-B44D-4D73-91F3-501AA3EB2A6F}"/>
+              </a:ext>
+            </a:extLst>
+          </p:cNvPr>
+          <p:cNvPicPr>
+            <a:picLocks noChangeAspect="1"/>
+          </p:cNvPicPr>
+          <p:nvPr/>
+        </p:nvPicPr>
+        <p:blipFill rotWithShape="1">
+          <a:blip r:embed="rId3"/>
+          <a:srcRect l="26353" t="37798" r="57271" b="43340"/>
+          <a:stretch/>
+        </p:blipFill>
+        <p:spPr>
+          <a:xfrm>
+            <a:off x="611698" y="2321653"/>
+            <a:ext cx="2592896" cy="1679896"/>
+          </a:xfrm>
+          <a:prstGeom prst="rect">
+            <a:avLst/>
+          </a:prstGeom>
+        </p:spPr>
+      </p:pic>
+      <p:pic>
+        <p:nvPicPr>
+          <p:cNvPr id="8" name="Picture 7">
+            <a:extLst>
+              <a:ext uri="{FF2B5EF4-FFF2-40B4-BE49-F238E27FC236}">
+                <a16:creationId xmlns:a16="http://schemas.microsoft.com/office/drawing/2014/main" id="{3CB8ECD8-9D5C-49D7-9CFF-B311FA730BAC}"/>
+              </a:ext>
+            </a:extLst>
+          </p:cNvPr>
+          <p:cNvPicPr>
+            <a:picLocks noChangeAspect="1"/>
+          </p:cNvPicPr>
+          <p:nvPr/>
+        </p:nvPicPr>
+        <p:blipFill rotWithShape="1">
+          <a:blip r:embed="rId3"/>
+          <a:srcRect l="31680" t="60201" r="65459" b="29909"/>
+          <a:stretch/>
+        </p:blipFill>
+        <p:spPr>
+          <a:xfrm>
+            <a:off x="3204594" y="3022134"/>
+            <a:ext cx="453006" cy="880843"/>
+          </a:xfrm>
+          <a:prstGeom prst="rect">
+            <a:avLst/>
+          </a:prstGeom>
+        </p:spPr>
+      </p:pic>
+      <p:sp>
+        <p:nvSpPr>
+          <p:cNvPr id="9" name="TextBox 8">
+            <a:extLst>
+              <a:ext uri="{FF2B5EF4-FFF2-40B4-BE49-F238E27FC236}">
+                <a16:creationId xmlns:a16="http://schemas.microsoft.com/office/drawing/2014/main" id="{1BB156E6-D137-4863-AF98-30296700103F}"/>
+              </a:ext>
+            </a:extLst>
+          </p:cNvPr>
+          <p:cNvSpPr txBox="1"/>
+          <p:nvPr/>
+        </p:nvSpPr>
+        <p:spPr>
+          <a:xfrm>
+            <a:off x="3129093" y="2716137"/>
+            <a:ext cx="1057013" cy="400110"/>
+          </a:xfrm>
+          <a:prstGeom prst="rect">
+            <a:avLst/>
+          </a:prstGeom>
+          <a:noFill/>
+        </p:spPr>
+        <p:txBody>
+          <a:bodyPr wrap="square" rtlCol="0">
+            <a:spAutoFit/>
+          </a:bodyPr>
+          <a:lstStyle/>
+          <a:p>
+            <a:r>
+              <a:rPr lang="en-US" sz="1000" dirty="0" err="1"/>
+              <a:t>Nunique</a:t>
+            </a:r>
+            <a:endParaRPr lang="en-US" sz="1000" dirty="0"/>
+          </a:p>
+          <a:p>
+            <a:r>
+              <a:rPr lang="en-US" sz="1000" dirty="0"/>
+              <a:t>…………….</a:t>
+            </a:r>
+            <a:endParaRPr lang="LID4096" sz="1000" dirty="0"/>
+          </a:p>
+        </p:txBody>
+      </p:sp>
+    </p:spTree>
+    <p:extLst>
+      <p:ext uri="{BB962C8B-B14F-4D97-AF65-F5344CB8AC3E}">
+        <p14:creationId xmlns:p14="http://schemas.microsoft.com/office/powerpoint/2010/main" val="3150079953"/>
+      </p:ext>
+    </p:extLst>
+  </p:cSld>
+  <p:clrMapOvr>
+    <a:masterClrMapping/>
+  </p:clrMapOvr>
+</p:sld>
+</file>
+
+<file path=ppt/slides/slide6.xml><?xml version="1.0" encoding="utf-8"?>
+<p:sld xmlns:a="http://schemas.openxmlformats.org/drawingml/2006/main" xmlns:r="http://schemas.openxmlformats.org/officeDocument/2006/relationships" xmlns:p="http://schemas.openxmlformats.org/presentationml/2006/main">
+  <p:cSld>
+    <p:spTree>
+      <p:nvGrpSpPr>
+        <p:cNvPr id="1" name=""/>
+        <p:cNvGrpSpPr/>
+        <p:nvPr/>
+      </p:nvGrpSpPr>
+      <p:grpSpPr>
+        <a:xfrm>
+          <a:off x="0" y="0"/>
+          <a:ext cx="0" cy="0"/>
+          <a:chOff x="0" y="0"/>
+          <a:chExt cx="0" cy="0"/>
+        </a:xfrm>
+      </p:grpSpPr>
+      <p:sp>
+        <p:nvSpPr>
+          <p:cNvPr id="4" name="Title 3">
+            <a:extLst>
+              <a:ext uri="{FF2B5EF4-FFF2-40B4-BE49-F238E27FC236}">
+                <a16:creationId xmlns:a16="http://schemas.microsoft.com/office/drawing/2014/main" id="{B72D2077-C800-9742-BB0E-1A89E91E0FC5}"/>
+              </a:ext>
+            </a:extLst>
+          </p:cNvPr>
+          <p:cNvSpPr>
+            <a:spLocks noGrp="1"/>
+          </p:cNvSpPr>
+          <p:nvPr>
+            <p:ph type="title"/>
+          </p:nvPr>
+        </p:nvSpPr>
+        <p:spPr/>
+        <p:txBody>
+          <a:bodyPr/>
+          <a:lstStyle/>
+          <a:p>
+            <a:r>
+              <a:rPr lang="en-US" dirty="0"/>
+              <a:t>Visualizations Proposals</a:t>
+            </a:r>
+            <a:endParaRPr lang="en-IL" dirty="0"/>
+          </a:p>
+        </p:txBody>
+      </p:sp>
+      <p:sp>
+        <p:nvSpPr>
+          <p:cNvPr id="5" name="Text Placeholder 4">
+            <a:extLst>
+              <a:ext uri="{FF2B5EF4-FFF2-40B4-BE49-F238E27FC236}">
+                <a16:creationId xmlns:a16="http://schemas.microsoft.com/office/drawing/2014/main" id="{720DF7B7-F704-AEB7-63DA-BEF3FEE57310}"/>
+              </a:ext>
+            </a:extLst>
+          </p:cNvPr>
+          <p:cNvSpPr>
+            <a:spLocks noGrp="1"/>
+          </p:cNvSpPr>
+          <p:nvPr>
+            <p:ph type="body" idx="1"/>
+          </p:nvPr>
+        </p:nvSpPr>
+        <p:spPr/>
+        <p:txBody>
+          <a:bodyPr/>
+          <a:lstStyle/>
+          <a:p>
+            <a:endParaRPr lang="en-IL"/>
+          </a:p>
+        </p:txBody>
+      </p:sp>
+    </p:spTree>
+    <p:extLst>
+      <p:ext uri="{BB962C8B-B14F-4D97-AF65-F5344CB8AC3E}">
+        <p14:creationId xmlns:p14="http://schemas.microsoft.com/office/powerpoint/2010/main" val="671783570"/>
+      </p:ext>
+    </p:extLst>
+  </p:cSld>
+  <p:clrMapOvr>
+    <a:masterClrMapping/>
+  </p:clrMapOvr>
+</p:sld>
+</file>
+
+<file path=ppt/slides/slide7.xml><?xml version="1.0" encoding="utf-8"?>
+<p:sld xmlns:a="http://schemas.openxmlformats.org/drawingml/2006/main" xmlns:r="http://schemas.openxmlformats.org/officeDocument/2006/relationships" xmlns:p="http://schemas.openxmlformats.org/presentationml/2006/main">
+  <p:cSld>
+    <p:spTree>
+      <p:nvGrpSpPr>
+        <p:cNvPr id="1" name=""/>
+        <p:cNvGrpSpPr/>
+        <p:nvPr/>
+      </p:nvGrpSpPr>
+      <p:grpSpPr>
+        <a:xfrm>
+          <a:off x="0" y="0"/>
+          <a:ext cx="0" cy="0"/>
+          <a:chOff x="0" y="0"/>
+          <a:chExt cx="0" cy="0"/>
+        </a:xfrm>
+      </p:grpSpPr>
+      <p:sp>
+        <p:nvSpPr>
+          <p:cNvPr id="2" name="Title 1">
+            <a:extLst>
+              <a:ext uri="{FF2B5EF4-FFF2-40B4-BE49-F238E27FC236}">
+                <a16:creationId xmlns:a16="http://schemas.microsoft.com/office/drawing/2014/main" id="{ACC956F6-8CFE-1497-217B-DB9A699A6DDF}"/>
+              </a:ext>
+            </a:extLst>
+          </p:cNvPr>
+          <p:cNvSpPr>
+            <a:spLocks noGrp="1"/>
+          </p:cNvSpPr>
+          <p:nvPr>
+            <p:ph type="title"/>
+          </p:nvPr>
+        </p:nvSpPr>
+        <p:spPr/>
+        <p:txBody>
+          <a:bodyPr/>
+          <a:lstStyle/>
+          <a:p>
+            <a:r>
+              <a:rPr lang="en-US" dirty="0"/>
+              <a:t>Cases time trend blocked by state</a:t>
+            </a:r>
+            <a:endParaRPr lang="en-IL" dirty="0"/>
+          </a:p>
+        </p:txBody>
+      </p:sp>
+      <p:pic>
+        <p:nvPicPr>
+          <p:cNvPr id="5" name="Content Placeholder 4">
+            <a:extLst>
+              <a:ext uri="{FF2B5EF4-FFF2-40B4-BE49-F238E27FC236}">
+                <a16:creationId xmlns:a16="http://schemas.microsoft.com/office/drawing/2014/main" id="{884AA35A-3ACA-D4F4-B96E-57EE9FFB59F6}"/>
+              </a:ext>
+            </a:extLst>
+          </p:cNvPr>
+          <p:cNvPicPr>
+            <a:picLocks noGrp="1" noChangeAspect="1"/>
+          </p:cNvPicPr>
+          <p:nvPr>
+            <p:ph idx="1"/>
+          </p:nvPr>
+        </p:nvPicPr>
+        <p:blipFill>
+          <a:blip r:embed="rId2"/>
+          <a:stretch>
+            <a:fillRect/>
+          </a:stretch>
+        </p:blipFill>
+        <p:spPr>
+          <a:xfrm>
+            <a:off x="1153397" y="1825625"/>
+            <a:ext cx="9885205" cy="4351338"/>
+          </a:xfrm>
+        </p:spPr>
+      </p:pic>
+      <p:sp>
+        <p:nvSpPr>
+          <p:cNvPr id="3" name="TextBox 2">
+            <a:extLst>
+              <a:ext uri="{FF2B5EF4-FFF2-40B4-BE49-F238E27FC236}">
+                <a16:creationId xmlns:a16="http://schemas.microsoft.com/office/drawing/2014/main" id="{89EC58AA-3E61-8BCF-5C18-1665644BE85D}"/>
+              </a:ext>
+            </a:extLst>
+          </p:cNvPr>
+          <p:cNvSpPr txBox="1"/>
+          <p:nvPr/>
+        </p:nvSpPr>
+        <p:spPr>
+          <a:xfrm>
+            <a:off x="407609" y="1321356"/>
+            <a:ext cx="8249830" cy="369332"/>
+          </a:xfrm>
+          <a:prstGeom prst="rect">
+            <a:avLst/>
+          </a:prstGeom>
+          <a:noFill/>
+        </p:spPr>
+        <p:txBody>
+          <a:bodyPr wrap="square" rtlCol="0">
+            <a:spAutoFit/>
+          </a:bodyPr>
+          <a:lstStyle/>
+          <a:p>
+            <a:r>
+              <a:rPr lang="en-US" dirty="0">
+                <a:highlight>
+                  <a:srgbClr val="FFFF00"/>
+                </a:highlight>
+              </a:rPr>
+              <a:t>Done. Need to fix graph to line and show recovered and cases on same graph</a:t>
+            </a:r>
+            <a:endParaRPr lang="en-IL" dirty="0">
+              <a:highlight>
+                <a:srgbClr val="FFFF00"/>
+              </a:highlight>
+            </a:endParaRPr>
+          </a:p>
+        </p:txBody>
+      </p:sp>
+    </p:spTree>
+    <p:extLst>
+      <p:ext uri="{BB962C8B-B14F-4D97-AF65-F5344CB8AC3E}">
+        <p14:creationId xmlns:p14="http://schemas.microsoft.com/office/powerpoint/2010/main" val="2541155344"/>
+      </p:ext>
+    </p:extLst>
+  </p:cSld>
+  <p:clrMapOvr>
+    <a:masterClrMapping/>
+  </p:clrMapOvr>
+</p:sld>
+</file>
+
+<file path=ppt/slides/slide8.xml><?xml version="1.0" encoding="utf-8"?>
+<p:sld xmlns:a="http://schemas.openxmlformats.org/drawingml/2006/main" xmlns:r="http://schemas.openxmlformats.org/officeDocument/2006/relationships" xmlns:p="http://schemas.openxmlformats.org/presentationml/2006/main">
+  <p:cSld>
+    <p:spTree>
+      <p:nvGrpSpPr>
+        <p:cNvPr id="1" name=""/>
+        <p:cNvGrpSpPr/>
+        <p:nvPr/>
+      </p:nvGrpSpPr>
+      <p:grpSpPr>
+        <a:xfrm>
+          <a:off x="0" y="0"/>
+          <a:ext cx="0" cy="0"/>
+          <a:chOff x="0" y="0"/>
+          <a:chExt cx="0" cy="0"/>
+        </a:xfrm>
+      </p:grpSpPr>
+      <p:sp>
+        <p:nvSpPr>
+          <p:cNvPr id="2" name="Title 1">
+            <a:extLst>
+              <a:ext uri="{FF2B5EF4-FFF2-40B4-BE49-F238E27FC236}">
+                <a16:creationId xmlns:a16="http://schemas.microsoft.com/office/drawing/2014/main" id="{002C6249-CB56-6E51-BF63-5F307006CA44}"/>
+              </a:ext>
+            </a:extLst>
+          </p:cNvPr>
+          <p:cNvSpPr>
+            <a:spLocks noGrp="1"/>
+          </p:cNvSpPr>
+          <p:nvPr>
+            <p:ph type="title"/>
+          </p:nvPr>
+        </p:nvSpPr>
+        <p:spPr/>
+        <p:txBody>
+          <a:bodyPr/>
+          <a:lstStyle/>
+          <a:p>
+            <a:r>
+              <a:rPr lang="en-US" dirty="0"/>
+              <a:t>Deaths trends</a:t>
+            </a:r>
+            <a:endParaRPr lang="en-IL" dirty="0"/>
+          </a:p>
+        </p:txBody>
+      </p:sp>
+      <p:pic>
+        <p:nvPicPr>
+          <p:cNvPr id="5" name="Content Placeholder 4">
+            <a:extLst>
+              <a:ext uri="{FF2B5EF4-FFF2-40B4-BE49-F238E27FC236}">
+                <a16:creationId xmlns:a16="http://schemas.microsoft.com/office/drawing/2014/main" id="{D7DEEB0E-A8FE-799C-A252-2B21589F1A6B}"/>
+              </a:ext>
+            </a:extLst>
+          </p:cNvPr>
+          <p:cNvPicPr>
+            <a:picLocks noGrp="1" noChangeAspect="1"/>
+          </p:cNvPicPr>
+          <p:nvPr>
+            <p:ph idx="1"/>
+          </p:nvPr>
+        </p:nvPicPr>
+        <p:blipFill>
+          <a:blip r:embed="rId2"/>
+          <a:stretch>
+            <a:fillRect/>
+          </a:stretch>
+        </p:blipFill>
+        <p:spPr>
+          <a:xfrm>
+            <a:off x="838200" y="1373933"/>
+            <a:ext cx="8918987" cy="4332803"/>
+          </a:xfrm>
+        </p:spPr>
+      </p:pic>
+      <p:sp>
+        <p:nvSpPr>
+          <p:cNvPr id="3" name="TextBox 2">
+            <a:extLst>
+              <a:ext uri="{FF2B5EF4-FFF2-40B4-BE49-F238E27FC236}">
+                <a16:creationId xmlns:a16="http://schemas.microsoft.com/office/drawing/2014/main" id="{93A0D6F2-7759-4CE8-2FF0-F121CD0F6912}"/>
+              </a:ext>
+            </a:extLst>
+          </p:cNvPr>
+          <p:cNvSpPr txBox="1"/>
+          <p:nvPr/>
+        </p:nvSpPr>
+        <p:spPr>
+          <a:xfrm flipH="1">
+            <a:off x="1010453" y="461394"/>
+            <a:ext cx="1162296" cy="369332"/>
+          </a:xfrm>
+          <a:prstGeom prst="rect">
+            <a:avLst/>
+          </a:prstGeom>
+          <a:noFill/>
+        </p:spPr>
+        <p:txBody>
+          <a:bodyPr wrap="square" rtlCol="0">
+            <a:spAutoFit/>
+          </a:bodyPr>
+          <a:lstStyle/>
+          <a:p>
+            <a:r>
+              <a:rPr lang="en-US" dirty="0">
+                <a:highlight>
+                  <a:srgbClr val="00FF00"/>
+                </a:highlight>
+              </a:rPr>
+              <a:t>Done</a:t>
+            </a:r>
+            <a:endParaRPr lang="en-IL" dirty="0">
+              <a:highlight>
+                <a:srgbClr val="00FF00"/>
+              </a:highlight>
+            </a:endParaRPr>
+          </a:p>
+        </p:txBody>
+      </p:sp>
+    </p:spTree>
+    <p:extLst>
+      <p:ext uri="{BB962C8B-B14F-4D97-AF65-F5344CB8AC3E}">
+        <p14:creationId xmlns:p14="http://schemas.microsoft.com/office/powerpoint/2010/main" val="2727821806"/>
+      </p:ext>
+    </p:extLst>
+  </p:cSld>
+  <p:clrMapOvr>
+    <a:masterClrMapping/>
+  </p:clrMapOvr>
+</p:sld>
+</file>
+
+<file path=ppt/slides/slide9.xml><?xml version="1.0" encoding="utf-8"?>
+<p:sld xmlns:a="http://schemas.openxmlformats.org/drawingml/2006/main" xmlns:r="http://schemas.openxmlformats.org/officeDocument/2006/relationships" xmlns:p="http://schemas.openxmlformats.org/presentationml/2006/main">
+  <p:cSld>
+    <p:spTree>
+      <p:nvGrpSpPr>
+        <p:cNvPr id="1" name=""/>
+        <p:cNvGrpSpPr/>
+        <p:nvPr/>
+      </p:nvGrpSpPr>
+      <p:grpSpPr>
+        <a:xfrm>
+          <a:off x="0" y="0"/>
+          <a:ext cx="0" cy="0"/>
+          <a:chOff x="0" y="0"/>
+          <a:chExt cx="0" cy="0"/>
+        </a:xfrm>
+      </p:grpSpPr>
+      <p:sp>
+        <p:nvSpPr>
+          <p:cNvPr id="2" name="Title 1">
+            <a:extLst>
+              <a:ext uri="{FF2B5EF4-FFF2-40B4-BE49-F238E27FC236}">
+                <a16:creationId xmlns:a16="http://schemas.microsoft.com/office/drawing/2014/main" id="{29928AC2-CC6E-D4FF-983D-AB4EE2D8FFEC}"/>
+              </a:ext>
+            </a:extLst>
+          </p:cNvPr>
+          <p:cNvSpPr>
+            <a:spLocks noGrp="1"/>
+          </p:cNvSpPr>
+          <p:nvPr>
+            <p:ph type="title"/>
+          </p:nvPr>
+        </p:nvSpPr>
+        <p:spPr/>
+        <p:txBody>
+          <a:bodyPr/>
+          <a:lstStyle/>
+          <a:p>
+            <a:r>
+              <a:rPr lang="en-US" dirty="0"/>
+              <a:t>Summaries</a:t>
+            </a:r>
+            <a:endParaRPr lang="en-IL" dirty="0"/>
+          </a:p>
+        </p:txBody>
+      </p:sp>
+      <p:pic>
+        <p:nvPicPr>
+          <p:cNvPr id="5" name="Content Placeholder 4">
+            <a:extLst>
+              <a:ext uri="{FF2B5EF4-FFF2-40B4-BE49-F238E27FC236}">
+                <a16:creationId xmlns:a16="http://schemas.microsoft.com/office/drawing/2014/main" id="{EF4D1595-C6DF-C3F4-F62F-F37C3FEE60F3}"/>
+              </a:ext>
+            </a:extLst>
+          </p:cNvPr>
+          <p:cNvPicPr>
+            <a:picLocks noGrp="1" noChangeAspect="1"/>
+          </p:cNvPicPr>
+          <p:nvPr>
+            <p:ph idx="1"/>
+          </p:nvPr>
+        </p:nvPicPr>
+        <p:blipFill>
+          <a:blip r:embed="rId2"/>
+          <a:stretch>
+            <a:fillRect/>
+          </a:stretch>
+        </p:blipFill>
+        <p:spPr>
+          <a:xfrm>
+            <a:off x="2317688" y="1749967"/>
+            <a:ext cx="7604910" cy="4531424"/>
+          </a:xfrm>
+        </p:spPr>
+      </p:pic>
+      <p:sp>
+        <p:nvSpPr>
+          <p:cNvPr id="3" name="TextBox 2">
+            <a:extLst>
+              <a:ext uri="{FF2B5EF4-FFF2-40B4-BE49-F238E27FC236}">
+                <a16:creationId xmlns:a16="http://schemas.microsoft.com/office/drawing/2014/main" id="{41DE6EB8-8B78-2EEF-8127-C256283557FC}"/>
+              </a:ext>
+            </a:extLst>
+          </p:cNvPr>
+          <p:cNvSpPr txBox="1"/>
+          <p:nvPr/>
+        </p:nvSpPr>
+        <p:spPr>
+          <a:xfrm flipH="1">
+            <a:off x="641337" y="1690688"/>
+            <a:ext cx="1162296" cy="369332"/>
+          </a:xfrm>
+          <a:prstGeom prst="rect">
+            <a:avLst/>
+          </a:prstGeom>
+          <a:noFill/>
+        </p:spPr>
+        <p:txBody>
+          <a:bodyPr wrap="square" rtlCol="0">
+            <a:spAutoFit/>
+          </a:bodyPr>
+          <a:lstStyle/>
+          <a:p>
+            <a:r>
+              <a:rPr lang="en-US" dirty="0">
+                <a:highlight>
+                  <a:srgbClr val="00FF00"/>
+                </a:highlight>
+              </a:rPr>
+              <a:t>Done</a:t>
+            </a:r>
+            <a:endParaRPr lang="en-IL" dirty="0">
+              <a:highlight>
+                <a:srgbClr val="00FF00"/>
+              </a:highlight>
+            </a:endParaRPr>
+          </a:p>
+        </p:txBody>
+      </p:sp>
+    </p:spTree>
+    <p:extLst>
+      <p:ext uri="{BB962C8B-B14F-4D97-AF65-F5344CB8AC3E}">
+        <p14:creationId xmlns:p14="http://schemas.microsoft.com/office/powerpoint/2010/main" val="2306365228"/>
       </p:ext>
     </p:extLst>
   </p:cSld>

--- a/initial analysis.pptx
+++ b/initial analysis.pptx
@@ -20,14 +20,16 @@
     <p:sldId id="276" r:id="rId14"/>
     <p:sldId id="277" r:id="rId15"/>
     <p:sldId id="278" r:id="rId16"/>
-    <p:sldId id="267" r:id="rId17"/>
-    <p:sldId id="256" r:id="rId18"/>
-    <p:sldId id="257" r:id="rId19"/>
-    <p:sldId id="262" r:id="rId20"/>
-    <p:sldId id="258" r:id="rId21"/>
-    <p:sldId id="259" r:id="rId22"/>
-    <p:sldId id="260" r:id="rId23"/>
-    <p:sldId id="261" r:id="rId24"/>
+    <p:sldId id="279" r:id="rId17"/>
+    <p:sldId id="280" r:id="rId18"/>
+    <p:sldId id="267" r:id="rId19"/>
+    <p:sldId id="256" r:id="rId20"/>
+    <p:sldId id="257" r:id="rId21"/>
+    <p:sldId id="262" r:id="rId22"/>
+    <p:sldId id="258" r:id="rId23"/>
+    <p:sldId id="259" r:id="rId24"/>
+    <p:sldId id="260" r:id="rId25"/>
+    <p:sldId id="261" r:id="rId26"/>
   </p:sldIdLst>
   <p:sldSz cx="12192000" cy="6858000"/>
   <p:notesSz cx="6858000" cy="9144000"/>
@@ -283,7 +285,7 @@
           <a:p>
             <a:fld id="{1F7AAA91-01E8-40B8-A601-34D68385BFB3}" type="datetimeFigureOut">
               <a:rPr lang="LID4096" smtClean="0"/>
-              <a:t>02/14/2023</a:t>
+              <a:t>02/19/2023</a:t>
             </a:fld>
             <a:endParaRPr lang="LID4096"/>
           </a:p>
@@ -483,7 +485,7 @@
           <a:p>
             <a:fld id="{1F7AAA91-01E8-40B8-A601-34D68385BFB3}" type="datetimeFigureOut">
               <a:rPr lang="LID4096" smtClean="0"/>
-              <a:t>02/14/2023</a:t>
+              <a:t>02/19/2023</a:t>
             </a:fld>
             <a:endParaRPr lang="LID4096"/>
           </a:p>
@@ -693,7 +695,7 @@
           <a:p>
             <a:fld id="{1F7AAA91-01E8-40B8-A601-34D68385BFB3}" type="datetimeFigureOut">
               <a:rPr lang="LID4096" smtClean="0"/>
-              <a:t>02/14/2023</a:t>
+              <a:t>02/19/2023</a:t>
             </a:fld>
             <a:endParaRPr lang="LID4096"/>
           </a:p>
@@ -1021,7 +1023,7 @@
           <a:p>
             <a:fld id="{1F7AAA91-01E8-40B8-A601-34D68385BFB3}" type="datetimeFigureOut">
               <a:rPr lang="LID4096" smtClean="0"/>
-              <a:t>02/14/2023</a:t>
+              <a:t>02/19/2023</a:t>
             </a:fld>
             <a:endParaRPr lang="LID4096"/>
           </a:p>
@@ -1415,7 +1417,7 @@
           <a:p>
             <a:fld id="{1F7AAA91-01E8-40B8-A601-34D68385BFB3}" type="datetimeFigureOut">
               <a:rPr lang="LID4096" smtClean="0"/>
-              <a:t>02/14/2023</a:t>
+              <a:t>02/19/2023</a:t>
             </a:fld>
             <a:endParaRPr lang="LID4096"/>
           </a:p>
@@ -1683,7 +1685,7 @@
           <a:p>
             <a:fld id="{1F7AAA91-01E8-40B8-A601-34D68385BFB3}" type="datetimeFigureOut">
               <a:rPr lang="LID4096" smtClean="0"/>
-              <a:t>02/14/2023</a:t>
+              <a:t>02/19/2023</a:t>
             </a:fld>
             <a:endParaRPr lang="LID4096"/>
           </a:p>
@@ -2098,7 +2100,7 @@
           <a:p>
             <a:fld id="{1F7AAA91-01E8-40B8-A601-34D68385BFB3}" type="datetimeFigureOut">
               <a:rPr lang="LID4096" smtClean="0"/>
-              <a:t>02/14/2023</a:t>
+              <a:t>02/19/2023</a:t>
             </a:fld>
             <a:endParaRPr lang="LID4096"/>
           </a:p>
@@ -2240,7 +2242,7 @@
           <a:p>
             <a:fld id="{1F7AAA91-01E8-40B8-A601-34D68385BFB3}" type="datetimeFigureOut">
               <a:rPr lang="LID4096" smtClean="0"/>
-              <a:t>02/14/2023</a:t>
+              <a:t>02/19/2023</a:t>
             </a:fld>
             <a:endParaRPr lang="LID4096"/>
           </a:p>
@@ -2353,7 +2355,7 @@
           <a:p>
             <a:fld id="{1F7AAA91-01E8-40B8-A601-34D68385BFB3}" type="datetimeFigureOut">
               <a:rPr lang="LID4096" smtClean="0"/>
-              <a:t>02/14/2023</a:t>
+              <a:t>02/19/2023</a:t>
             </a:fld>
             <a:endParaRPr lang="LID4096"/>
           </a:p>
@@ -2666,7 +2668,7 @@
           <a:p>
             <a:fld id="{1F7AAA91-01E8-40B8-A601-34D68385BFB3}" type="datetimeFigureOut">
               <a:rPr lang="LID4096" smtClean="0"/>
-              <a:t>02/14/2023</a:t>
+              <a:t>02/19/2023</a:t>
             </a:fld>
             <a:endParaRPr lang="LID4096"/>
           </a:p>
@@ -2955,7 +2957,7 @@
           <a:p>
             <a:fld id="{1F7AAA91-01E8-40B8-A601-34D68385BFB3}" type="datetimeFigureOut">
               <a:rPr lang="LID4096" smtClean="0"/>
-              <a:t>02/14/2023</a:t>
+              <a:t>02/19/2023</a:t>
             </a:fld>
             <a:endParaRPr lang="LID4096"/>
           </a:p>
@@ -3198,7 +3200,7 @@
           <a:p>
             <a:fld id="{1F7AAA91-01E8-40B8-A601-34D68385BFB3}" type="datetimeFigureOut">
               <a:rPr lang="LID4096" smtClean="0"/>
-              <a:t>02/14/2023</a:t>
+              <a:t>02/19/2023</a:t>
             </a:fld>
             <a:endParaRPr lang="LID4096"/>
           </a:p>
@@ -4653,7 +4655,7 @@
           <p:cNvPr id="2" name="Title 1">
             <a:extLst>
               <a:ext uri="{FF2B5EF4-FFF2-40B4-BE49-F238E27FC236}">
-                <a16:creationId xmlns:a16="http://schemas.microsoft.com/office/drawing/2014/main" id="{673DB27F-7826-4BE3-9307-2BE0F17792E3}"/>
+                <a16:creationId xmlns:a16="http://schemas.microsoft.com/office/drawing/2014/main" id="{F0F3CC6E-755B-4986-B4C2-A2F7451DB7A9}"/>
               </a:ext>
             </a:extLst>
           </p:cNvPr>
@@ -4671,182 +4673,101 @@
           <a:p>
             <a:r>
               <a:rPr lang="en-US" dirty="0"/>
-              <a:t>The main questions we can ask</a:t>
+              <a:t>The effect of vaccination on number of cases and deaths</a:t>
             </a:r>
             <a:endParaRPr lang="LID4096" dirty="0"/>
           </a:p>
         </p:txBody>
       </p:sp>
-      <p:sp>
-        <p:nvSpPr>
-          <p:cNvPr id="3" name="Content Placeholder 2">
-            <a:extLst>
-              <a:ext uri="{FF2B5EF4-FFF2-40B4-BE49-F238E27FC236}">
-                <a16:creationId xmlns:a16="http://schemas.microsoft.com/office/drawing/2014/main" id="{CF2A545F-C5D1-4B6D-AFA6-C32BEB5A2F0A}"/>
-              </a:ext>
-            </a:extLst>
-          </p:cNvPr>
-          <p:cNvSpPr>
-            <a:spLocks noGrp="1"/>
-          </p:cNvSpPr>
+      <p:pic>
+        <p:nvPicPr>
+          <p:cNvPr id="1026" name="Picture 2">
+            <a:extLst>
+              <a:ext uri="{FF2B5EF4-FFF2-40B4-BE49-F238E27FC236}">
+                <a16:creationId xmlns:a16="http://schemas.microsoft.com/office/drawing/2014/main" id="{EF45E1A7-BB5C-4B05-8747-2752108DB398}"/>
+              </a:ext>
+            </a:extLst>
+          </p:cNvPr>
+          <p:cNvPicPr>
+            <a:picLocks noGrp="1" noChangeAspect="1" noChangeArrowheads="1"/>
+          </p:cNvPicPr>
           <p:nvPr>
             <p:ph idx="1"/>
           </p:nvPr>
+        </p:nvPicPr>
+        <p:blipFill>
+          <a:blip r:embed="rId2">
+            <a:extLst>
+              <a:ext uri="{28A0092B-C50C-407E-A947-70E740481C1C}">
+                <a14:useLocalDpi xmlns:a14="http://schemas.microsoft.com/office/drawing/2010/main" val="0"/>
+              </a:ext>
+            </a:extLst>
+          </a:blip>
+          <a:srcRect/>
+          <a:stretch>
+            <a:fillRect/>
+          </a:stretch>
+        </p:blipFill>
+        <p:spPr bwMode="auto">
+          <a:xfrm>
+            <a:off x="3712709" y="1027905"/>
+            <a:ext cx="8317103" cy="5464969"/>
+          </a:xfrm>
+          <a:prstGeom prst="rect">
+            <a:avLst/>
+          </a:prstGeom>
+          <a:noFill/>
+          <a:extLst>
+            <a:ext uri="{909E8E84-426E-40DD-AFC4-6F175D3DCCD1}">
+              <a14:hiddenFill xmlns:a14="http://schemas.microsoft.com/office/drawing/2010/main">
+                <a:solidFill>
+                  <a:srgbClr val="FFFFFF"/>
+                </a:solidFill>
+              </a14:hiddenFill>
+            </a:ext>
+          </a:extLst>
+        </p:spPr>
+      </p:pic>
+      <p:sp>
+        <p:nvSpPr>
+          <p:cNvPr id="4" name="TextBox 3">
+            <a:extLst>
+              <a:ext uri="{FF2B5EF4-FFF2-40B4-BE49-F238E27FC236}">
+                <a16:creationId xmlns:a16="http://schemas.microsoft.com/office/drawing/2014/main" id="{F5F7F4F4-F6C8-4ACB-8073-8C6119E79C8E}"/>
+              </a:ext>
+            </a:extLst>
+          </p:cNvPr>
+          <p:cNvSpPr txBox="1"/>
+          <p:nvPr/>
         </p:nvSpPr>
         <p:spPr>
           <a:xfrm>
-            <a:off x="838200" y="1389397"/>
-            <a:ext cx="10515600" cy="4751344"/>
+            <a:off x="746620" y="2021747"/>
+            <a:ext cx="2567031" cy="1754326"/>
           </a:xfrm>
+          <a:prstGeom prst="rect">
+            <a:avLst/>
+          </a:prstGeom>
+          <a:noFill/>
         </p:spPr>
         <p:txBody>
-          <a:bodyPr>
-            <a:normAutofit fontScale="85000" lnSpcReduction="10000"/>
+          <a:bodyPr wrap="square" rtlCol="0">
+            <a:spAutoFit/>
           </a:bodyPr>
           <a:lstStyle/>
           <a:p>
             <a:r>
               <a:rPr lang="en-US" dirty="0"/>
-              <a:t>Are there differences between genders in getting sick, recovery ratio, death ratio - </a:t>
-            </a:r>
-            <a:r>
-              <a:rPr lang="en-US" dirty="0">
-                <a:highlight>
-                  <a:srgbClr val="FFFF00"/>
-                </a:highlight>
-              </a:rPr>
-              <a:t>Felix</a:t>
+              <a:t>There is no effect on number of cases </a:t>
+            </a:r>
+            <a:r>
+              <a:rPr lang="he-IL" dirty="0"/>
+              <a:t>)</a:t>
             </a:r>
             <a:r>
               <a:rPr lang="en-US" dirty="0"/>
-              <a:t> </a:t>
-            </a:r>
-          </a:p>
-          <a:p>
-            <a:r>
-              <a:rPr lang="en-US" dirty="0"/>
-              <a:t>Vaccination trends – any conclusions - </a:t>
-            </a:r>
-            <a:r>
-              <a:rPr lang="en-US" dirty="0">
-                <a:highlight>
-                  <a:srgbClr val="FF00FF"/>
-                </a:highlight>
-              </a:rPr>
-              <a:t>Alin</a:t>
-            </a:r>
-          </a:p>
-          <a:p>
-            <a:r>
-              <a:rPr lang="en-US" dirty="0"/>
-              <a:t>Are there differences in different age groups ( same parameters as above) – </a:t>
-            </a:r>
-            <a:r>
-              <a:rPr lang="en-US" dirty="0">
-                <a:highlight>
-                  <a:srgbClr val="FFFF00"/>
-                </a:highlight>
-              </a:rPr>
-              <a:t>Felix /Alin with pivot table and conclusions</a:t>
-            </a:r>
-          </a:p>
-          <a:p>
-            <a:r>
-              <a:rPr lang="en-US" dirty="0" err="1">
-                <a:highlight>
-                  <a:srgbClr val="FFFF00"/>
-                </a:highlight>
-              </a:rPr>
-              <a:t>Geopandas</a:t>
-            </a:r>
-            <a:endParaRPr lang="en-US" dirty="0"/>
-          </a:p>
-          <a:p>
-            <a:pPr lvl="1"/>
-            <a:r>
-              <a:rPr lang="en-US" dirty="0"/>
-              <a:t>Can we see differences in different regions of the country in the above parameters – </a:t>
-            </a:r>
-            <a:r>
-              <a:rPr lang="en-US" dirty="0">
-                <a:highlight>
-                  <a:srgbClr val="FFFF00"/>
-                </a:highlight>
-              </a:rPr>
-              <a:t>Felix</a:t>
-            </a:r>
-          </a:p>
-          <a:p>
-            <a:pPr lvl="1"/>
-            <a:r>
-              <a:rPr lang="en-US" dirty="0"/>
-              <a:t>6 graphs with cases/recovery numbers per state on maps (resample every 6 month) - </a:t>
-            </a:r>
-            <a:r>
-              <a:rPr lang="en-US" dirty="0">
-                <a:highlight>
-                  <a:srgbClr val="FF00FF"/>
-                </a:highlight>
-              </a:rPr>
-              <a:t>Alin</a:t>
-            </a:r>
-            <a:endParaRPr lang="en-US" dirty="0"/>
-          </a:p>
-          <a:p>
-            <a:r>
-              <a:rPr lang="en-US" dirty="0"/>
-              <a:t>% of population fully vaccinated/partially vaccinated/not vaccinated in each region/county </a:t>
-            </a:r>
-            <a:r>
-              <a:rPr lang="en-US" dirty="0">
-                <a:highlight>
-                  <a:srgbClr val="FF00FF"/>
-                </a:highlight>
-              </a:rPr>
-              <a:t>Alin</a:t>
-            </a:r>
-            <a:endParaRPr lang="en-US" dirty="0"/>
-          </a:p>
-          <a:p>
-            <a:r>
-              <a:rPr lang="en-US" dirty="0"/>
-              <a:t>Are regions with younger population tend to vaccinate more /less vs older population regions?</a:t>
-            </a:r>
-            <a:r>
-              <a:rPr lang="en-US" dirty="0">
-                <a:highlight>
-                  <a:srgbClr val="FF00FF"/>
-                </a:highlight>
-              </a:rPr>
-              <a:t> Alin</a:t>
-            </a:r>
-            <a:endParaRPr lang="en-US" dirty="0"/>
-          </a:p>
-          <a:p>
-            <a:r>
-              <a:rPr lang="en-US" dirty="0"/>
-              <a:t>Can we see a decrease in death following vaccination? - </a:t>
-            </a:r>
-            <a:r>
-              <a:rPr lang="en-US" dirty="0">
-                <a:highlight>
-                  <a:srgbClr val="FFFF00"/>
-                </a:highlight>
-              </a:rPr>
-              <a:t>Felix</a:t>
-            </a:r>
-            <a:endParaRPr lang="en-US" dirty="0"/>
-          </a:p>
-          <a:p>
-            <a:endParaRPr lang="en-US" dirty="0"/>
-          </a:p>
-          <a:p>
-            <a:endParaRPr lang="en-US" dirty="0"/>
-          </a:p>
-          <a:p>
-            <a:endParaRPr lang="en-US" dirty="0"/>
-          </a:p>
-          <a:p>
+              <a:t> chance to get infected), but the number of deaths decreased following the vaccination.</a:t>
+            </a:r>
             <a:endParaRPr lang="LID4096" dirty="0"/>
           </a:p>
         </p:txBody>
@@ -4854,7 +4775,7 @@
     </p:spTree>
     <p:extLst>
       <p:ext uri="{BB962C8B-B14F-4D97-AF65-F5344CB8AC3E}">
-        <p14:creationId xmlns:p14="http://schemas.microsoft.com/office/powerpoint/2010/main" val="2822045292"/>
+        <p14:creationId xmlns:p14="http://schemas.microsoft.com/office/powerpoint/2010/main" val="1531169010"/>
       </p:ext>
     </p:extLst>
   </p:cSld>
@@ -4881,6 +4802,572 @@
           <a:chExt cx="0" cy="0"/>
         </a:xfrm>
       </p:grpSpPr>
+      <p:pic>
+        <p:nvPicPr>
+          <p:cNvPr id="2052" name="Picture 4">
+            <a:extLst>
+              <a:ext uri="{FF2B5EF4-FFF2-40B4-BE49-F238E27FC236}">
+                <a16:creationId xmlns:a16="http://schemas.microsoft.com/office/drawing/2014/main" id="{49F13614-3B7C-48AB-BA52-F20D27FDF818}"/>
+              </a:ext>
+            </a:extLst>
+          </p:cNvPr>
+          <p:cNvPicPr>
+            <a:picLocks noChangeAspect="1" noChangeArrowheads="1"/>
+          </p:cNvPicPr>
+          <p:nvPr/>
+        </p:nvPicPr>
+        <p:blipFill>
+          <a:blip r:embed="rId2">
+            <a:extLst>
+              <a:ext uri="{28A0092B-C50C-407E-A947-70E740481C1C}">
+                <a14:useLocalDpi xmlns:a14="http://schemas.microsoft.com/office/drawing/2010/main" val="0"/>
+              </a:ext>
+            </a:extLst>
+          </a:blip>
+          <a:srcRect/>
+          <a:stretch>
+            <a:fillRect/>
+          </a:stretch>
+        </p:blipFill>
+        <p:spPr bwMode="auto">
+          <a:xfrm>
+            <a:off x="1833649" y="1806735"/>
+            <a:ext cx="7631929" cy="4686140"/>
+          </a:xfrm>
+          <a:prstGeom prst="rect">
+            <a:avLst/>
+          </a:prstGeom>
+          <a:noFill/>
+          <a:extLst>
+            <a:ext uri="{909E8E84-426E-40DD-AFC4-6F175D3DCCD1}">
+              <a14:hiddenFill xmlns:a14="http://schemas.microsoft.com/office/drawing/2010/main">
+                <a:solidFill>
+                  <a:srgbClr val="FFFFFF"/>
+                </a:solidFill>
+              </a14:hiddenFill>
+            </a:ext>
+          </a:extLst>
+        </p:spPr>
+      </p:pic>
+      <p:sp>
+        <p:nvSpPr>
+          <p:cNvPr id="2" name="Title 1">
+            <a:extLst>
+              <a:ext uri="{FF2B5EF4-FFF2-40B4-BE49-F238E27FC236}">
+                <a16:creationId xmlns:a16="http://schemas.microsoft.com/office/drawing/2014/main" id="{8CF3FB86-5CE0-4D5A-8D15-2834D9D28183}"/>
+              </a:ext>
+            </a:extLst>
+          </p:cNvPr>
+          <p:cNvSpPr>
+            <a:spLocks noGrp="1"/>
+          </p:cNvSpPr>
+          <p:nvPr>
+            <p:ph type="title"/>
+          </p:nvPr>
+        </p:nvSpPr>
+        <p:spPr/>
+        <p:txBody>
+          <a:bodyPr/>
+          <a:lstStyle/>
+          <a:p>
+            <a:r>
+              <a:rPr lang="en-US" dirty="0"/>
+              <a:t>After first dose of vaccination the death rate decreased from 3.2% to 0.25%</a:t>
+            </a:r>
+            <a:endParaRPr lang="LID4096" dirty="0"/>
+          </a:p>
+        </p:txBody>
+      </p:sp>
+      <p:cxnSp>
+        <p:nvCxnSpPr>
+          <p:cNvPr id="5" name="Straight Arrow Connector 4">
+            <a:extLst>
+              <a:ext uri="{FF2B5EF4-FFF2-40B4-BE49-F238E27FC236}">
+                <a16:creationId xmlns:a16="http://schemas.microsoft.com/office/drawing/2014/main" id="{2DAEC3A5-95C2-4DD3-A3A4-FB6EB2851EE5}"/>
+              </a:ext>
+            </a:extLst>
+          </p:cNvPr>
+          <p:cNvCxnSpPr>
+            <a:cxnSpLocks/>
+          </p:cNvCxnSpPr>
+          <p:nvPr/>
+        </p:nvCxnSpPr>
+        <p:spPr>
+          <a:xfrm>
+            <a:off x="2369914" y="2361491"/>
+            <a:ext cx="3598902" cy="0"/>
+          </a:xfrm>
+          <a:prstGeom prst="straightConnector1">
+            <a:avLst/>
+          </a:prstGeom>
+          <a:ln>
+            <a:headEnd type="triangle"/>
+            <a:tailEnd type="triangle"/>
+          </a:ln>
+        </p:spPr>
+        <p:style>
+          <a:lnRef idx="1">
+            <a:schemeClr val="dk1"/>
+          </a:lnRef>
+          <a:fillRef idx="0">
+            <a:schemeClr val="dk1"/>
+          </a:fillRef>
+          <a:effectRef idx="0">
+            <a:schemeClr val="dk1"/>
+          </a:effectRef>
+          <a:fontRef idx="minor">
+            <a:schemeClr val="tx1"/>
+          </a:fontRef>
+        </p:style>
+      </p:cxnSp>
+      <p:cxnSp>
+        <p:nvCxnSpPr>
+          <p:cNvPr id="7" name="Straight Arrow Connector 6">
+            <a:extLst>
+              <a:ext uri="{FF2B5EF4-FFF2-40B4-BE49-F238E27FC236}">
+                <a16:creationId xmlns:a16="http://schemas.microsoft.com/office/drawing/2014/main" id="{1AE309F3-7037-427D-B796-AEAB5FFE660E}"/>
+              </a:ext>
+            </a:extLst>
+          </p:cNvPr>
+          <p:cNvCxnSpPr>
+            <a:cxnSpLocks/>
+          </p:cNvCxnSpPr>
+          <p:nvPr/>
+        </p:nvCxnSpPr>
+        <p:spPr>
+          <a:xfrm>
+            <a:off x="5968816" y="2361491"/>
+            <a:ext cx="3401687" cy="0"/>
+          </a:xfrm>
+          <a:prstGeom prst="straightConnector1">
+            <a:avLst/>
+          </a:prstGeom>
+          <a:ln>
+            <a:headEnd type="triangle"/>
+            <a:tailEnd type="triangle"/>
+          </a:ln>
+        </p:spPr>
+        <p:style>
+          <a:lnRef idx="1">
+            <a:schemeClr val="dk1"/>
+          </a:lnRef>
+          <a:fillRef idx="0">
+            <a:schemeClr val="dk1"/>
+          </a:fillRef>
+          <a:effectRef idx="0">
+            <a:schemeClr val="dk1"/>
+          </a:effectRef>
+          <a:fontRef idx="minor">
+            <a:schemeClr val="tx1"/>
+          </a:fontRef>
+        </p:style>
+      </p:cxnSp>
+      <p:sp>
+        <p:nvSpPr>
+          <p:cNvPr id="8" name="TextBox 7">
+            <a:extLst>
+              <a:ext uri="{FF2B5EF4-FFF2-40B4-BE49-F238E27FC236}">
+                <a16:creationId xmlns:a16="http://schemas.microsoft.com/office/drawing/2014/main" id="{7344BA7E-0250-4F15-8497-0187E6CEF00E}"/>
+              </a:ext>
+            </a:extLst>
+          </p:cNvPr>
+          <p:cNvSpPr txBox="1"/>
+          <p:nvPr/>
+        </p:nvSpPr>
+        <p:spPr>
+          <a:xfrm>
+            <a:off x="4069482" y="2344700"/>
+            <a:ext cx="1140903" cy="377499"/>
+          </a:xfrm>
+          <a:prstGeom prst="rect">
+            <a:avLst/>
+          </a:prstGeom>
+          <a:noFill/>
+        </p:spPr>
+        <p:txBody>
+          <a:bodyPr wrap="square" rtlCol="0">
+            <a:spAutoFit/>
+          </a:bodyPr>
+          <a:lstStyle/>
+          <a:p>
+            <a:r>
+              <a:rPr lang="en-US" dirty="0"/>
+              <a:t>3.2%</a:t>
+            </a:r>
+            <a:endParaRPr lang="LID4096" dirty="0"/>
+          </a:p>
+        </p:txBody>
+      </p:sp>
+      <p:sp>
+        <p:nvSpPr>
+          <p:cNvPr id="10" name="TextBox 9">
+            <a:extLst>
+              <a:ext uri="{FF2B5EF4-FFF2-40B4-BE49-F238E27FC236}">
+                <a16:creationId xmlns:a16="http://schemas.microsoft.com/office/drawing/2014/main" id="{9A276742-A3C1-48B1-BF9A-D133262C961C}"/>
+              </a:ext>
+            </a:extLst>
+          </p:cNvPr>
+          <p:cNvSpPr txBox="1"/>
+          <p:nvPr/>
+        </p:nvSpPr>
+        <p:spPr>
+          <a:xfrm>
+            <a:off x="7347983" y="2344701"/>
+            <a:ext cx="1140903" cy="377499"/>
+          </a:xfrm>
+          <a:prstGeom prst="rect">
+            <a:avLst/>
+          </a:prstGeom>
+          <a:noFill/>
+        </p:spPr>
+        <p:txBody>
+          <a:bodyPr wrap="square" rtlCol="0">
+            <a:spAutoFit/>
+          </a:bodyPr>
+          <a:lstStyle/>
+          <a:p>
+            <a:r>
+              <a:rPr lang="en-US" dirty="0"/>
+              <a:t>0.25%</a:t>
+            </a:r>
+            <a:endParaRPr lang="LID4096" dirty="0"/>
+          </a:p>
+        </p:txBody>
+      </p:sp>
+      <p:cxnSp>
+        <p:nvCxnSpPr>
+          <p:cNvPr id="11" name="Straight Connector 10">
+            <a:extLst>
+              <a:ext uri="{FF2B5EF4-FFF2-40B4-BE49-F238E27FC236}">
+                <a16:creationId xmlns:a16="http://schemas.microsoft.com/office/drawing/2014/main" id="{BC7ED493-275B-4A28-9BFB-0830BC5991C1}"/>
+              </a:ext>
+            </a:extLst>
+          </p:cNvPr>
+          <p:cNvCxnSpPr/>
+          <p:nvPr/>
+        </p:nvCxnSpPr>
+        <p:spPr>
+          <a:xfrm flipH="1">
+            <a:off x="5918531" y="1933308"/>
+            <a:ext cx="50285" cy="4282933"/>
+          </a:xfrm>
+          <a:prstGeom prst="line">
+            <a:avLst/>
+          </a:prstGeom>
+        </p:spPr>
+        <p:style>
+          <a:lnRef idx="1">
+            <a:schemeClr val="accent1"/>
+          </a:lnRef>
+          <a:fillRef idx="0">
+            <a:schemeClr val="accent1"/>
+          </a:fillRef>
+          <a:effectRef idx="0">
+            <a:schemeClr val="accent1"/>
+          </a:effectRef>
+          <a:fontRef idx="minor">
+            <a:schemeClr val="tx1"/>
+          </a:fontRef>
+        </p:style>
+      </p:cxnSp>
+      <p:sp>
+        <p:nvSpPr>
+          <p:cNvPr id="13" name="TextBox 12">
+            <a:extLst>
+              <a:ext uri="{FF2B5EF4-FFF2-40B4-BE49-F238E27FC236}">
+                <a16:creationId xmlns:a16="http://schemas.microsoft.com/office/drawing/2014/main" id="{D5BC26C8-D213-4C7B-9EC4-0F5C7548A3F8}"/>
+              </a:ext>
+            </a:extLst>
+          </p:cNvPr>
+          <p:cNvSpPr txBox="1"/>
+          <p:nvPr/>
+        </p:nvSpPr>
+        <p:spPr>
+          <a:xfrm>
+            <a:off x="5459786" y="3734868"/>
+            <a:ext cx="1749055" cy="369332"/>
+          </a:xfrm>
+          <a:prstGeom prst="rect">
+            <a:avLst/>
+          </a:prstGeom>
+          <a:noFill/>
+        </p:spPr>
+        <p:txBody>
+          <a:bodyPr wrap="square" rtlCol="0">
+            <a:spAutoFit/>
+          </a:bodyPr>
+          <a:lstStyle/>
+          <a:p>
+            <a:r>
+              <a:rPr lang="en-US" dirty="0"/>
+              <a:t>60% vaccination</a:t>
+            </a:r>
+            <a:endParaRPr lang="LID4096" dirty="0"/>
+          </a:p>
+        </p:txBody>
+      </p:sp>
+    </p:spTree>
+    <p:extLst>
+      <p:ext uri="{BB962C8B-B14F-4D97-AF65-F5344CB8AC3E}">
+        <p14:creationId xmlns:p14="http://schemas.microsoft.com/office/powerpoint/2010/main" val="289165674"/>
+      </p:ext>
+    </p:extLst>
+  </p:cSld>
+  <p:clrMapOvr>
+    <a:masterClrMapping/>
+  </p:clrMapOvr>
+</p:sld>
+</file>
+
+<file path=ppt/slides/slide18.xml><?xml version="1.0" encoding="utf-8"?>
+<p:sld xmlns:a="http://schemas.openxmlformats.org/drawingml/2006/main" xmlns:r="http://schemas.openxmlformats.org/officeDocument/2006/relationships" xmlns:p="http://schemas.openxmlformats.org/presentationml/2006/main">
+  <p:cSld>
+    <p:spTree>
+      <p:nvGrpSpPr>
+        <p:cNvPr id="1" name=""/>
+        <p:cNvGrpSpPr/>
+        <p:nvPr/>
+      </p:nvGrpSpPr>
+      <p:grpSpPr>
+        <a:xfrm>
+          <a:off x="0" y="0"/>
+          <a:ext cx="0" cy="0"/>
+          <a:chOff x="0" y="0"/>
+          <a:chExt cx="0" cy="0"/>
+        </a:xfrm>
+      </p:grpSpPr>
+      <p:sp>
+        <p:nvSpPr>
+          <p:cNvPr id="2" name="Title 1">
+            <a:extLst>
+              <a:ext uri="{FF2B5EF4-FFF2-40B4-BE49-F238E27FC236}">
+                <a16:creationId xmlns:a16="http://schemas.microsoft.com/office/drawing/2014/main" id="{673DB27F-7826-4BE3-9307-2BE0F17792E3}"/>
+              </a:ext>
+            </a:extLst>
+          </p:cNvPr>
+          <p:cNvSpPr>
+            <a:spLocks noGrp="1"/>
+          </p:cNvSpPr>
+          <p:nvPr>
+            <p:ph type="title"/>
+          </p:nvPr>
+        </p:nvSpPr>
+        <p:spPr/>
+        <p:txBody>
+          <a:bodyPr/>
+          <a:lstStyle/>
+          <a:p>
+            <a:r>
+              <a:rPr lang="en-US" dirty="0"/>
+              <a:t>The main questions we can ask</a:t>
+            </a:r>
+            <a:endParaRPr lang="LID4096" dirty="0"/>
+          </a:p>
+        </p:txBody>
+      </p:sp>
+      <p:sp>
+        <p:nvSpPr>
+          <p:cNvPr id="3" name="Content Placeholder 2">
+            <a:extLst>
+              <a:ext uri="{FF2B5EF4-FFF2-40B4-BE49-F238E27FC236}">
+                <a16:creationId xmlns:a16="http://schemas.microsoft.com/office/drawing/2014/main" id="{CF2A545F-C5D1-4B6D-AFA6-C32BEB5A2F0A}"/>
+              </a:ext>
+            </a:extLst>
+          </p:cNvPr>
+          <p:cNvSpPr>
+            <a:spLocks noGrp="1"/>
+          </p:cNvSpPr>
+          <p:nvPr>
+            <p:ph idx="1"/>
+          </p:nvPr>
+        </p:nvSpPr>
+        <p:spPr>
+          <a:xfrm>
+            <a:off x="838200" y="1389397"/>
+            <a:ext cx="10515600" cy="4751344"/>
+          </a:xfrm>
+        </p:spPr>
+        <p:txBody>
+          <a:bodyPr>
+            <a:normAutofit fontScale="85000" lnSpcReduction="10000"/>
+          </a:bodyPr>
+          <a:lstStyle/>
+          <a:p>
+            <a:r>
+              <a:rPr lang="en-US" dirty="0"/>
+              <a:t>Are there differences between genders in getting sick, recovery ratio, death ratio - </a:t>
+            </a:r>
+            <a:r>
+              <a:rPr lang="en-US" dirty="0">
+                <a:highlight>
+                  <a:srgbClr val="FFFF00"/>
+                </a:highlight>
+              </a:rPr>
+              <a:t>Felix</a:t>
+            </a:r>
+            <a:r>
+              <a:rPr lang="en-US" dirty="0"/>
+              <a:t> </a:t>
+            </a:r>
+          </a:p>
+          <a:p>
+            <a:r>
+              <a:rPr lang="en-US" dirty="0"/>
+              <a:t>Vaccination trends – any conclusions – </a:t>
+            </a:r>
+            <a:r>
+              <a:rPr lang="en-US" dirty="0">
+                <a:highlight>
+                  <a:srgbClr val="FF00FF"/>
+                </a:highlight>
+              </a:rPr>
+              <a:t>Alin done</a:t>
+            </a:r>
+          </a:p>
+          <a:p>
+            <a:r>
+              <a:rPr lang="en-US" dirty="0"/>
+              <a:t>Are there differences in different age groups ( same parameters as above) – </a:t>
+            </a:r>
+            <a:r>
+              <a:rPr lang="en-US" dirty="0">
+                <a:highlight>
+                  <a:srgbClr val="FFFF00"/>
+                </a:highlight>
+              </a:rPr>
+              <a:t>Felix /Alin with pivot table and conclusions</a:t>
+            </a:r>
+          </a:p>
+          <a:p>
+            <a:r>
+              <a:rPr lang="en-US" dirty="0" err="1">
+                <a:highlight>
+                  <a:srgbClr val="FFFF00"/>
+                </a:highlight>
+              </a:rPr>
+              <a:t>Geopandas</a:t>
+            </a:r>
+            <a:endParaRPr lang="en-US" dirty="0"/>
+          </a:p>
+          <a:p>
+            <a:pPr lvl="1"/>
+            <a:r>
+              <a:rPr lang="en-US" dirty="0"/>
+              <a:t>Can we see differences in different regions of the country in the above parameters – </a:t>
+            </a:r>
+            <a:r>
+              <a:rPr lang="en-US" dirty="0">
+                <a:highlight>
+                  <a:srgbClr val="FFFF00"/>
+                </a:highlight>
+              </a:rPr>
+              <a:t>Felix</a:t>
+            </a:r>
+          </a:p>
+          <a:p>
+            <a:pPr lvl="1"/>
+            <a:r>
+              <a:rPr lang="en-US" dirty="0"/>
+              <a:t>6 graphs with cases/recovery numbers per state on maps (resample every 6 month) - </a:t>
+            </a:r>
+            <a:r>
+              <a:rPr lang="en-US" dirty="0">
+                <a:highlight>
+                  <a:srgbClr val="FF00FF"/>
+                </a:highlight>
+              </a:rPr>
+              <a:t>Alin</a:t>
+            </a:r>
+            <a:endParaRPr lang="en-US" dirty="0"/>
+          </a:p>
+          <a:p>
+            <a:r>
+              <a:rPr lang="en-US" dirty="0"/>
+              <a:t>% of population fully vaccinated/partially vaccinated/not vaccinated in each region/county </a:t>
+            </a:r>
+            <a:r>
+              <a:rPr lang="en-US" dirty="0">
+                <a:highlight>
+                  <a:srgbClr val="FF00FF"/>
+                </a:highlight>
+              </a:rPr>
+              <a:t>Alin</a:t>
+            </a:r>
+            <a:endParaRPr lang="en-US" dirty="0"/>
+          </a:p>
+          <a:p>
+            <a:r>
+              <a:rPr lang="en-US" dirty="0"/>
+              <a:t>Are regions with younger population tend to vaccinate more /less vs older population regions?</a:t>
+            </a:r>
+            <a:r>
+              <a:rPr lang="en-US" dirty="0">
+                <a:highlight>
+                  <a:srgbClr val="FF00FF"/>
+                </a:highlight>
+              </a:rPr>
+              <a:t> Alin</a:t>
+            </a:r>
+            <a:endParaRPr lang="en-US" dirty="0"/>
+          </a:p>
+          <a:p>
+            <a:r>
+              <a:rPr lang="en-US" dirty="0"/>
+              <a:t>Can we see a decrease in death following vaccination? – </a:t>
+            </a:r>
+            <a:r>
+              <a:rPr lang="en-US" dirty="0">
+                <a:highlight>
+                  <a:srgbClr val="FF00FF"/>
+                </a:highlight>
+              </a:rPr>
+              <a:t>Alin - done</a:t>
+            </a:r>
+          </a:p>
+          <a:p>
+            <a:endParaRPr lang="en-US" dirty="0"/>
+          </a:p>
+          <a:p>
+            <a:endParaRPr lang="en-US" dirty="0"/>
+          </a:p>
+          <a:p>
+            <a:endParaRPr lang="en-US" dirty="0"/>
+          </a:p>
+          <a:p>
+            <a:endParaRPr lang="LID4096" dirty="0"/>
+          </a:p>
+        </p:txBody>
+      </p:sp>
+    </p:spTree>
+    <p:extLst>
+      <p:ext uri="{BB962C8B-B14F-4D97-AF65-F5344CB8AC3E}">
+        <p14:creationId xmlns:p14="http://schemas.microsoft.com/office/powerpoint/2010/main" val="2822045292"/>
+      </p:ext>
+    </p:extLst>
+  </p:cSld>
+  <p:clrMapOvr>
+    <a:masterClrMapping/>
+  </p:clrMapOvr>
+</p:sld>
+</file>
+
+<file path=ppt/slides/slide19.xml><?xml version="1.0" encoding="utf-8"?>
+<p:sld xmlns:a="http://schemas.openxmlformats.org/drawingml/2006/main" xmlns:r="http://schemas.openxmlformats.org/officeDocument/2006/relationships" xmlns:p="http://schemas.openxmlformats.org/presentationml/2006/main">
+  <p:cSld>
+    <p:spTree>
+      <p:nvGrpSpPr>
+        <p:cNvPr id="1" name=""/>
+        <p:cNvGrpSpPr/>
+        <p:nvPr/>
+      </p:nvGrpSpPr>
+      <p:grpSpPr>
+        <a:xfrm>
+          <a:off x="0" y="0"/>
+          <a:ext cx="0" cy="0"/>
+          <a:chOff x="0" y="0"/>
+          <a:chExt cx="0" cy="0"/>
+        </a:xfrm>
+      </p:grpSpPr>
       <p:sp>
         <p:nvSpPr>
           <p:cNvPr id="2" name="Title 1">
@@ -4974,7 +5461,165 @@
 </p:sld>
 </file>
 
-<file path=ppt/slides/slide18.xml><?xml version="1.0" encoding="utf-8"?>
+<file path=ppt/slides/slide2.xml><?xml version="1.0" encoding="utf-8"?>
+<p:sld xmlns:a="http://schemas.openxmlformats.org/drawingml/2006/main" xmlns:r="http://schemas.openxmlformats.org/officeDocument/2006/relationships" xmlns:p="http://schemas.openxmlformats.org/presentationml/2006/main">
+  <p:cSld>
+    <p:spTree>
+      <p:nvGrpSpPr>
+        <p:cNvPr id="1" name=""/>
+        <p:cNvGrpSpPr/>
+        <p:nvPr/>
+      </p:nvGrpSpPr>
+      <p:grpSpPr>
+        <a:xfrm>
+          <a:off x="0" y="0"/>
+          <a:ext cx="0" cy="0"/>
+          <a:chOff x="0" y="0"/>
+          <a:chExt cx="0" cy="0"/>
+        </a:xfrm>
+      </p:grpSpPr>
+      <p:sp>
+        <p:nvSpPr>
+          <p:cNvPr id="2" name="Title 1">
+            <a:extLst>
+              <a:ext uri="{FF2B5EF4-FFF2-40B4-BE49-F238E27FC236}">
+                <a16:creationId xmlns:a16="http://schemas.microsoft.com/office/drawing/2014/main" id="{8B3A1E4B-0B51-4A22-AA09-26F2B689DC14}"/>
+              </a:ext>
+            </a:extLst>
+          </p:cNvPr>
+          <p:cNvSpPr>
+            <a:spLocks noGrp="1"/>
+          </p:cNvSpPr>
+          <p:nvPr>
+            <p:ph type="title"/>
+          </p:nvPr>
+        </p:nvSpPr>
+        <p:spPr/>
+        <p:txBody>
+          <a:bodyPr/>
+          <a:lstStyle/>
+          <a:p>
+            <a:r>
+              <a:rPr lang="en-US" b="1" dirty="0">
+                <a:solidFill>
+                  <a:schemeClr val="accent1">
+                    <a:lumMod val="50000"/>
+                  </a:schemeClr>
+                </a:solidFill>
+              </a:rPr>
+              <a:t>Background</a:t>
+            </a:r>
+            <a:endParaRPr lang="LID4096" b="1" dirty="0">
+              <a:solidFill>
+                <a:schemeClr val="accent1">
+                  <a:lumMod val="50000"/>
+                </a:schemeClr>
+              </a:solidFill>
+            </a:endParaRPr>
+          </a:p>
+        </p:txBody>
+      </p:sp>
+      <p:sp>
+        <p:nvSpPr>
+          <p:cNvPr id="3" name="Content Placeholder 2">
+            <a:extLst>
+              <a:ext uri="{FF2B5EF4-FFF2-40B4-BE49-F238E27FC236}">
+                <a16:creationId xmlns:a16="http://schemas.microsoft.com/office/drawing/2014/main" id="{A373D7CA-9B68-4DCB-85A3-351DCBABE45A}"/>
+              </a:ext>
+            </a:extLst>
+          </p:cNvPr>
+          <p:cNvSpPr>
+            <a:spLocks noGrp="1"/>
+          </p:cNvSpPr>
+          <p:nvPr>
+            <p:ph idx="1"/>
+          </p:nvPr>
+        </p:nvSpPr>
+        <p:spPr>
+          <a:xfrm>
+            <a:off x="838200" y="1434517"/>
+            <a:ext cx="10515600" cy="4742446"/>
+          </a:xfrm>
+        </p:spPr>
+        <p:txBody>
+          <a:bodyPr>
+            <a:normAutofit fontScale="92500" lnSpcReduction="10000"/>
+          </a:bodyPr>
+          <a:lstStyle/>
+          <a:p>
+            <a:r>
+              <a:rPr lang="en-US" b="0" i="0" dirty="0">
+                <a:effectLst/>
+                <a:latin typeface="arial" panose="020B0604020202020204" pitchFamily="34" charset="0"/>
+              </a:rPr>
+              <a:t>Coronavirus disease (COVID-19) is an infectious disease caused by the SARS-CoV-2 virus.</a:t>
+            </a:r>
+          </a:p>
+          <a:p>
+            <a:r>
+              <a:rPr lang="en-US" b="0" i="0" dirty="0">
+                <a:effectLst/>
+                <a:latin typeface="Arial" panose="020B0604020202020204" pitchFamily="34" charset="0"/>
+              </a:rPr>
+              <a:t>The first known case was identified in China Wuhan at December 2019.</a:t>
+            </a:r>
+          </a:p>
+          <a:p>
+            <a:r>
+              <a:rPr lang="en-US" b="0" i="0" dirty="0">
+                <a:effectLst/>
+                <a:latin typeface="Arial" panose="020B0604020202020204" pitchFamily="34" charset="0"/>
+              </a:rPr>
+              <a:t>The disease quickly spread worldwide, resulting in the COVID-19 pandemic. </a:t>
+            </a:r>
+            <a:endParaRPr lang="LID4096" dirty="0"/>
+          </a:p>
+          <a:p>
+            <a:endParaRPr lang="en-US" b="0" i="0" dirty="0">
+              <a:effectLst/>
+              <a:latin typeface="Inter"/>
+            </a:endParaRPr>
+          </a:p>
+          <a:p>
+            <a:r>
+              <a:rPr lang="en-US" dirty="0">
+                <a:latin typeface="Arial" panose="020B0604020202020204" pitchFamily="34" charset="0"/>
+              </a:rPr>
+              <a:t>This dataset provides daily updated number of reported cases &amp; deaths in Germany on state and county level from January 2020.</a:t>
+            </a:r>
+          </a:p>
+          <a:p>
+            <a:r>
+              <a:rPr lang="en-US" dirty="0">
+                <a:latin typeface="Arial" panose="020B0604020202020204" pitchFamily="34" charset="0"/>
+              </a:rPr>
+              <a:t>A dataset on vaccination progress from December 2020. </a:t>
+            </a:r>
+          </a:p>
+          <a:p>
+            <a:r>
+              <a:rPr lang="en-US" dirty="0">
+                <a:latin typeface="Arial" panose="020B0604020202020204" pitchFamily="34" charset="0"/>
+              </a:rPr>
+              <a:t>And a general state-level population demographics.</a:t>
+            </a:r>
+          </a:p>
+        </p:txBody>
+      </p:sp>
+    </p:spTree>
+    <p:extLst>
+      <p:ext uri="{BB962C8B-B14F-4D97-AF65-F5344CB8AC3E}">
+        <p14:creationId xmlns:p14="http://schemas.microsoft.com/office/powerpoint/2010/main" val="4126798620"/>
+      </p:ext>
+    </p:extLst>
+  </p:cSld>
+  <p:clrMapOvr>
+    <a:masterClrMapping/>
+  </p:clrMapOvr>
+</p:sld>
+</file>
+
+<file path=ppt/slides/slide20.xml><?xml version="1.0" encoding="utf-8"?>
 <p:sld xmlns:a="http://schemas.openxmlformats.org/drawingml/2006/main" xmlns:r="http://schemas.openxmlformats.org/officeDocument/2006/relationships" xmlns:p="http://schemas.openxmlformats.org/presentationml/2006/main">
   <p:cSld>
     <p:spTree>
@@ -5477,7 +6122,7 @@
 </p:sld>
 </file>
 
-<file path=ppt/slides/slide19.xml><?xml version="1.0" encoding="utf-8"?>
+<file path=ppt/slides/slide21.xml><?xml version="1.0" encoding="utf-8"?>
 <p:sld xmlns:a="http://schemas.openxmlformats.org/drawingml/2006/main" xmlns:r="http://schemas.openxmlformats.org/officeDocument/2006/relationships" xmlns:p="http://schemas.openxmlformats.org/presentationml/2006/main">
   <p:cSld>
     <p:spTree>
@@ -5568,165 +6213,7 @@
 </p:sld>
 </file>
 
-<file path=ppt/slides/slide2.xml><?xml version="1.0" encoding="utf-8"?>
-<p:sld xmlns:a="http://schemas.openxmlformats.org/drawingml/2006/main" xmlns:r="http://schemas.openxmlformats.org/officeDocument/2006/relationships" xmlns:p="http://schemas.openxmlformats.org/presentationml/2006/main">
-  <p:cSld>
-    <p:spTree>
-      <p:nvGrpSpPr>
-        <p:cNvPr id="1" name=""/>
-        <p:cNvGrpSpPr/>
-        <p:nvPr/>
-      </p:nvGrpSpPr>
-      <p:grpSpPr>
-        <a:xfrm>
-          <a:off x="0" y="0"/>
-          <a:ext cx="0" cy="0"/>
-          <a:chOff x="0" y="0"/>
-          <a:chExt cx="0" cy="0"/>
-        </a:xfrm>
-      </p:grpSpPr>
-      <p:sp>
-        <p:nvSpPr>
-          <p:cNvPr id="2" name="Title 1">
-            <a:extLst>
-              <a:ext uri="{FF2B5EF4-FFF2-40B4-BE49-F238E27FC236}">
-                <a16:creationId xmlns:a16="http://schemas.microsoft.com/office/drawing/2014/main" id="{8B3A1E4B-0B51-4A22-AA09-26F2B689DC14}"/>
-              </a:ext>
-            </a:extLst>
-          </p:cNvPr>
-          <p:cNvSpPr>
-            <a:spLocks noGrp="1"/>
-          </p:cNvSpPr>
-          <p:nvPr>
-            <p:ph type="title"/>
-          </p:nvPr>
-        </p:nvSpPr>
-        <p:spPr/>
-        <p:txBody>
-          <a:bodyPr/>
-          <a:lstStyle/>
-          <a:p>
-            <a:r>
-              <a:rPr lang="en-US" b="1" dirty="0">
-                <a:solidFill>
-                  <a:schemeClr val="accent1">
-                    <a:lumMod val="50000"/>
-                  </a:schemeClr>
-                </a:solidFill>
-              </a:rPr>
-              <a:t>Background</a:t>
-            </a:r>
-            <a:endParaRPr lang="LID4096" b="1" dirty="0">
-              <a:solidFill>
-                <a:schemeClr val="accent1">
-                  <a:lumMod val="50000"/>
-                </a:schemeClr>
-              </a:solidFill>
-            </a:endParaRPr>
-          </a:p>
-        </p:txBody>
-      </p:sp>
-      <p:sp>
-        <p:nvSpPr>
-          <p:cNvPr id="3" name="Content Placeholder 2">
-            <a:extLst>
-              <a:ext uri="{FF2B5EF4-FFF2-40B4-BE49-F238E27FC236}">
-                <a16:creationId xmlns:a16="http://schemas.microsoft.com/office/drawing/2014/main" id="{A373D7CA-9B68-4DCB-85A3-351DCBABE45A}"/>
-              </a:ext>
-            </a:extLst>
-          </p:cNvPr>
-          <p:cNvSpPr>
-            <a:spLocks noGrp="1"/>
-          </p:cNvSpPr>
-          <p:nvPr>
-            <p:ph idx="1"/>
-          </p:nvPr>
-        </p:nvSpPr>
-        <p:spPr>
-          <a:xfrm>
-            <a:off x="838200" y="1434517"/>
-            <a:ext cx="10515600" cy="4742446"/>
-          </a:xfrm>
-        </p:spPr>
-        <p:txBody>
-          <a:bodyPr>
-            <a:normAutofit fontScale="92500" lnSpcReduction="10000"/>
-          </a:bodyPr>
-          <a:lstStyle/>
-          <a:p>
-            <a:r>
-              <a:rPr lang="en-US" b="0" i="0" dirty="0">
-                <a:effectLst/>
-                <a:latin typeface="arial" panose="020B0604020202020204" pitchFamily="34" charset="0"/>
-              </a:rPr>
-              <a:t>Coronavirus disease (COVID-19) is an infectious disease caused by the SARS-CoV-2 virus.</a:t>
-            </a:r>
-          </a:p>
-          <a:p>
-            <a:r>
-              <a:rPr lang="en-US" b="0" i="0" dirty="0">
-                <a:effectLst/>
-                <a:latin typeface="Arial" panose="020B0604020202020204" pitchFamily="34" charset="0"/>
-              </a:rPr>
-              <a:t>The first known case was identified in China Wuhan at December 2019.</a:t>
-            </a:r>
-          </a:p>
-          <a:p>
-            <a:r>
-              <a:rPr lang="en-US" b="0" i="0" dirty="0">
-                <a:effectLst/>
-                <a:latin typeface="Arial" panose="020B0604020202020204" pitchFamily="34" charset="0"/>
-              </a:rPr>
-              <a:t>The disease quickly spread worldwide, resulting in the COVID-19 pandemic. </a:t>
-            </a:r>
-            <a:endParaRPr lang="LID4096" dirty="0"/>
-          </a:p>
-          <a:p>
-            <a:endParaRPr lang="en-US" b="0" i="0" dirty="0">
-              <a:effectLst/>
-              <a:latin typeface="Inter"/>
-            </a:endParaRPr>
-          </a:p>
-          <a:p>
-            <a:r>
-              <a:rPr lang="en-US" dirty="0">
-                <a:latin typeface="Arial" panose="020B0604020202020204" pitchFamily="34" charset="0"/>
-              </a:rPr>
-              <a:t>This dataset provides daily updated number of reported cases &amp; deaths in Germany on state and county level from January 2020.</a:t>
-            </a:r>
-          </a:p>
-          <a:p>
-            <a:r>
-              <a:rPr lang="en-US" dirty="0">
-                <a:latin typeface="Arial" panose="020B0604020202020204" pitchFamily="34" charset="0"/>
-              </a:rPr>
-              <a:t>A dataset on vaccination progress from December 2020. </a:t>
-            </a:r>
-          </a:p>
-          <a:p>
-            <a:r>
-              <a:rPr lang="en-US" dirty="0">
-                <a:latin typeface="Arial" panose="020B0604020202020204" pitchFamily="34" charset="0"/>
-              </a:rPr>
-              <a:t>And a general state-level population demographics.</a:t>
-            </a:r>
-          </a:p>
-        </p:txBody>
-      </p:sp>
-    </p:spTree>
-    <p:extLst>
-      <p:ext uri="{BB962C8B-B14F-4D97-AF65-F5344CB8AC3E}">
-        <p14:creationId xmlns:p14="http://schemas.microsoft.com/office/powerpoint/2010/main" val="4126798620"/>
-      </p:ext>
-    </p:extLst>
-  </p:cSld>
-  <p:clrMapOvr>
-    <a:masterClrMapping/>
-  </p:clrMapOvr>
-</p:sld>
-</file>
-
-<file path=ppt/slides/slide20.xml><?xml version="1.0" encoding="utf-8"?>
+<file path=ppt/slides/slide22.xml><?xml version="1.0" encoding="utf-8"?>
 <p:sld xmlns:a="http://schemas.openxmlformats.org/drawingml/2006/main" xmlns:r="http://schemas.openxmlformats.org/officeDocument/2006/relationships" xmlns:p="http://schemas.openxmlformats.org/presentationml/2006/main">
   <p:cSld>
     <p:spTree>
@@ -6277,7 +6764,7 @@
 </p:sld>
 </file>
 
-<file path=ppt/slides/slide21.xml><?xml version="1.0" encoding="utf-8"?>
+<file path=ppt/slides/slide23.xml><?xml version="1.0" encoding="utf-8"?>
 <p:sld xmlns:a="http://schemas.openxmlformats.org/drawingml/2006/main" xmlns:r="http://schemas.openxmlformats.org/officeDocument/2006/relationships" xmlns:p="http://schemas.openxmlformats.org/presentationml/2006/main">
   <p:cSld>
     <p:spTree>
@@ -6474,7 +6961,7 @@
 </p:sld>
 </file>
 
-<file path=ppt/slides/slide22.xml><?xml version="1.0" encoding="utf-8"?>
+<file path=ppt/slides/slide24.xml><?xml version="1.0" encoding="utf-8"?>
 <p:sld xmlns:a="http://schemas.openxmlformats.org/drawingml/2006/main" xmlns:r="http://schemas.openxmlformats.org/officeDocument/2006/relationships" xmlns:p="http://schemas.openxmlformats.org/presentationml/2006/main">
   <p:cSld>
     <p:spTree>
@@ -6578,7 +7065,7 @@
 </p:sld>
 </file>
 
-<file path=ppt/slides/slide23.xml><?xml version="1.0" encoding="utf-8"?>
+<file path=ppt/slides/slide25.xml><?xml version="1.0" encoding="utf-8"?>
 <p:sld xmlns:a="http://schemas.openxmlformats.org/drawingml/2006/main" xmlns:r="http://schemas.openxmlformats.org/officeDocument/2006/relationships" xmlns:p="http://schemas.openxmlformats.org/presentationml/2006/main">
   <p:cSld>
     <p:spTree>

--- a/initial analysis.pptx
+++ b/initial analysis.pptx
@@ -18,18 +18,21 @@
     <p:sldId id="274" r:id="rId12"/>
     <p:sldId id="275" r:id="rId13"/>
     <p:sldId id="276" r:id="rId14"/>
-    <p:sldId id="277" r:id="rId15"/>
-    <p:sldId id="278" r:id="rId16"/>
-    <p:sldId id="279" r:id="rId17"/>
-    <p:sldId id="280" r:id="rId18"/>
-    <p:sldId id="267" r:id="rId19"/>
-    <p:sldId id="256" r:id="rId20"/>
-    <p:sldId id="257" r:id="rId21"/>
-    <p:sldId id="262" r:id="rId22"/>
-    <p:sldId id="258" r:id="rId23"/>
-    <p:sldId id="259" r:id="rId24"/>
-    <p:sldId id="260" r:id="rId25"/>
-    <p:sldId id="261" r:id="rId26"/>
+    <p:sldId id="281" r:id="rId15"/>
+    <p:sldId id="277" r:id="rId16"/>
+    <p:sldId id="278" r:id="rId17"/>
+    <p:sldId id="279" r:id="rId18"/>
+    <p:sldId id="280" r:id="rId19"/>
+    <p:sldId id="282" r:id="rId20"/>
+    <p:sldId id="283" r:id="rId21"/>
+    <p:sldId id="267" r:id="rId22"/>
+    <p:sldId id="256" r:id="rId23"/>
+    <p:sldId id="257" r:id="rId24"/>
+    <p:sldId id="262" r:id="rId25"/>
+    <p:sldId id="258" r:id="rId26"/>
+    <p:sldId id="259" r:id="rId27"/>
+    <p:sldId id="260" r:id="rId28"/>
+    <p:sldId id="261" r:id="rId29"/>
   </p:sldIdLst>
   <p:sldSz cx="12192000" cy="6858000"/>
   <p:notesSz cx="6858000" cy="9144000"/>
@@ -4200,6 +4203,148 @@
           <p:cNvPr id="4" name="Title 3">
             <a:extLst>
               <a:ext uri="{FF2B5EF4-FFF2-40B4-BE49-F238E27FC236}">
+                <a16:creationId xmlns:a16="http://schemas.microsoft.com/office/drawing/2014/main" id="{3EE8C062-53E2-5B0D-C10A-EFFE5913305C}"/>
+              </a:ext>
+            </a:extLst>
+          </p:cNvPr>
+          <p:cNvSpPr>
+            <a:spLocks noGrp="1"/>
+          </p:cNvSpPr>
+          <p:nvPr>
+            <p:ph type="title"/>
+          </p:nvPr>
+        </p:nvSpPr>
+        <p:spPr/>
+        <p:txBody>
+          <a:bodyPr/>
+          <a:lstStyle/>
+          <a:p>
+            <a:r>
+              <a:rPr lang="en-US" dirty="0"/>
+              <a:t>Population pyramid in Germany</a:t>
+            </a:r>
+          </a:p>
+        </p:txBody>
+      </p:sp>
+      <p:pic>
+        <p:nvPicPr>
+          <p:cNvPr id="1026" name="Picture 2">
+            <a:extLst>
+              <a:ext uri="{FF2B5EF4-FFF2-40B4-BE49-F238E27FC236}">
+                <a16:creationId xmlns:a16="http://schemas.microsoft.com/office/drawing/2014/main" id="{658DBB0D-971F-BB3D-37BA-52F71A878A15}"/>
+              </a:ext>
+            </a:extLst>
+          </p:cNvPr>
+          <p:cNvPicPr>
+            <a:picLocks noGrp="1" noChangeAspect="1" noChangeArrowheads="1"/>
+          </p:cNvPicPr>
+          <p:nvPr>
+            <p:ph idx="1"/>
+          </p:nvPr>
+        </p:nvPicPr>
+        <p:blipFill>
+          <a:blip r:embed="rId2">
+            <a:extLst>
+              <a:ext uri="{28A0092B-C50C-407E-A947-70E740481C1C}">
+                <a14:useLocalDpi xmlns:a14="http://schemas.microsoft.com/office/drawing/2010/main" val="0"/>
+              </a:ext>
+            </a:extLst>
+          </a:blip>
+          <a:srcRect/>
+          <a:stretch>
+            <a:fillRect/>
+          </a:stretch>
+        </p:blipFill>
+        <p:spPr bwMode="auto">
+          <a:xfrm>
+            <a:off x="1215647" y="1690688"/>
+            <a:ext cx="6405110" cy="4351338"/>
+          </a:xfrm>
+          <a:prstGeom prst="rect">
+            <a:avLst/>
+          </a:prstGeom>
+          <a:noFill/>
+          <a:extLst>
+            <a:ext uri="{909E8E84-426E-40DD-AFC4-6F175D3DCCD1}">
+              <a14:hiddenFill xmlns:a14="http://schemas.microsoft.com/office/drawing/2010/main">
+                <a:solidFill>
+                  <a:srgbClr val="FFFFFF"/>
+                </a:solidFill>
+              </a14:hiddenFill>
+            </a:ext>
+          </a:extLst>
+        </p:spPr>
+      </p:pic>
+      <p:sp>
+        <p:nvSpPr>
+          <p:cNvPr id="6" name="TextBox 5">
+            <a:extLst>
+              <a:ext uri="{FF2B5EF4-FFF2-40B4-BE49-F238E27FC236}">
+                <a16:creationId xmlns:a16="http://schemas.microsoft.com/office/drawing/2014/main" id="{7E25F7C0-A96A-D680-BEED-01AF99059CD1}"/>
+              </a:ext>
+            </a:extLst>
+          </p:cNvPr>
+          <p:cNvSpPr txBox="1"/>
+          <p:nvPr/>
+        </p:nvSpPr>
+        <p:spPr>
+          <a:xfrm>
+            <a:off x="7885651" y="2273417"/>
+            <a:ext cx="3909270" cy="369332"/>
+          </a:xfrm>
+          <a:prstGeom prst="rect">
+            <a:avLst/>
+          </a:prstGeom>
+          <a:noFill/>
+        </p:spPr>
+        <p:txBody>
+          <a:bodyPr wrap="square" rtlCol="0">
+            <a:spAutoFit/>
+          </a:bodyPr>
+          <a:lstStyle/>
+          <a:p>
+            <a:r>
+              <a:rPr lang="en-US" dirty="0"/>
+              <a:t>Total population = 83019213</a:t>
+            </a:r>
+          </a:p>
+        </p:txBody>
+      </p:sp>
+    </p:spTree>
+    <p:extLst>
+      <p:ext uri="{BB962C8B-B14F-4D97-AF65-F5344CB8AC3E}">
+        <p14:creationId xmlns:p14="http://schemas.microsoft.com/office/powerpoint/2010/main" val="1846410895"/>
+      </p:ext>
+    </p:extLst>
+  </p:cSld>
+  <p:clrMapOvr>
+    <a:masterClrMapping/>
+  </p:clrMapOvr>
+</p:sld>
+</file>
+
+<file path=ppt/slides/slide15.xml><?xml version="1.0" encoding="utf-8"?>
+<p:sld xmlns:a="http://schemas.openxmlformats.org/drawingml/2006/main" xmlns:r="http://schemas.openxmlformats.org/officeDocument/2006/relationships" xmlns:p="http://schemas.openxmlformats.org/presentationml/2006/main">
+  <p:cSld>
+    <p:spTree>
+      <p:nvGrpSpPr>
+        <p:cNvPr id="1" name=""/>
+        <p:cNvGrpSpPr/>
+        <p:nvPr/>
+      </p:nvGrpSpPr>
+      <p:grpSpPr>
+        <a:xfrm>
+          <a:off x="0" y="0"/>
+          <a:ext cx="0" cy="0"/>
+          <a:chOff x="0" y="0"/>
+          <a:chExt cx="0" cy="0"/>
+        </a:xfrm>
+      </p:grpSpPr>
+      <p:sp>
+        <p:nvSpPr>
+          <p:cNvPr id="4" name="Title 3">
+            <a:extLst>
+              <a:ext uri="{FF2B5EF4-FFF2-40B4-BE49-F238E27FC236}">
                 <a16:creationId xmlns:a16="http://schemas.microsoft.com/office/drawing/2014/main" id="{06F9C35A-8EE4-4885-99A3-52C883013977}"/>
               </a:ext>
             </a:extLst>
@@ -4440,7 +4585,7 @@
 </p:sld>
 </file>
 
-<file path=ppt/slides/slide15.xml><?xml version="1.0" encoding="utf-8"?>
+<file path=ppt/slides/slide16.xml><?xml version="1.0" encoding="utf-8"?>
 <p:sld xmlns:a="http://schemas.openxmlformats.org/drawingml/2006/main" xmlns:r="http://schemas.openxmlformats.org/officeDocument/2006/relationships" xmlns:p="http://schemas.openxmlformats.org/presentationml/2006/main">
   <p:cSld>
     <p:spTree>
@@ -4624,158 +4769,6 @@
     <p:extLst>
       <p:ext uri="{BB962C8B-B14F-4D97-AF65-F5344CB8AC3E}">
         <p14:creationId xmlns:p14="http://schemas.microsoft.com/office/powerpoint/2010/main" val="1186629552"/>
-      </p:ext>
-    </p:extLst>
-  </p:cSld>
-  <p:clrMapOvr>
-    <a:masterClrMapping/>
-  </p:clrMapOvr>
-</p:sld>
-</file>
-
-<file path=ppt/slides/slide16.xml><?xml version="1.0" encoding="utf-8"?>
-<p:sld xmlns:a="http://schemas.openxmlformats.org/drawingml/2006/main" xmlns:r="http://schemas.openxmlformats.org/officeDocument/2006/relationships" xmlns:p="http://schemas.openxmlformats.org/presentationml/2006/main">
-  <p:cSld>
-    <p:spTree>
-      <p:nvGrpSpPr>
-        <p:cNvPr id="1" name=""/>
-        <p:cNvGrpSpPr/>
-        <p:nvPr/>
-      </p:nvGrpSpPr>
-      <p:grpSpPr>
-        <a:xfrm>
-          <a:off x="0" y="0"/>
-          <a:ext cx="0" cy="0"/>
-          <a:chOff x="0" y="0"/>
-          <a:chExt cx="0" cy="0"/>
-        </a:xfrm>
-      </p:grpSpPr>
-      <p:sp>
-        <p:nvSpPr>
-          <p:cNvPr id="2" name="Title 1">
-            <a:extLst>
-              <a:ext uri="{FF2B5EF4-FFF2-40B4-BE49-F238E27FC236}">
-                <a16:creationId xmlns:a16="http://schemas.microsoft.com/office/drawing/2014/main" id="{F0F3CC6E-755B-4986-B4C2-A2F7451DB7A9}"/>
-              </a:ext>
-            </a:extLst>
-          </p:cNvPr>
-          <p:cNvSpPr>
-            <a:spLocks noGrp="1"/>
-          </p:cNvSpPr>
-          <p:nvPr>
-            <p:ph type="title"/>
-          </p:nvPr>
-        </p:nvSpPr>
-        <p:spPr/>
-        <p:txBody>
-          <a:bodyPr/>
-          <a:lstStyle/>
-          <a:p>
-            <a:r>
-              <a:rPr lang="en-US" dirty="0"/>
-              <a:t>The effect of vaccination on number of cases and deaths</a:t>
-            </a:r>
-            <a:endParaRPr lang="LID4096" dirty="0"/>
-          </a:p>
-        </p:txBody>
-      </p:sp>
-      <p:pic>
-        <p:nvPicPr>
-          <p:cNvPr id="1026" name="Picture 2">
-            <a:extLst>
-              <a:ext uri="{FF2B5EF4-FFF2-40B4-BE49-F238E27FC236}">
-                <a16:creationId xmlns:a16="http://schemas.microsoft.com/office/drawing/2014/main" id="{EF45E1A7-BB5C-4B05-8747-2752108DB398}"/>
-              </a:ext>
-            </a:extLst>
-          </p:cNvPr>
-          <p:cNvPicPr>
-            <a:picLocks noGrp="1" noChangeAspect="1" noChangeArrowheads="1"/>
-          </p:cNvPicPr>
-          <p:nvPr>
-            <p:ph idx="1"/>
-          </p:nvPr>
-        </p:nvPicPr>
-        <p:blipFill>
-          <a:blip r:embed="rId2">
-            <a:extLst>
-              <a:ext uri="{28A0092B-C50C-407E-A947-70E740481C1C}">
-                <a14:useLocalDpi xmlns:a14="http://schemas.microsoft.com/office/drawing/2010/main" val="0"/>
-              </a:ext>
-            </a:extLst>
-          </a:blip>
-          <a:srcRect/>
-          <a:stretch>
-            <a:fillRect/>
-          </a:stretch>
-        </p:blipFill>
-        <p:spPr bwMode="auto">
-          <a:xfrm>
-            <a:off x="3712709" y="1027905"/>
-            <a:ext cx="8317103" cy="5464969"/>
-          </a:xfrm>
-          <a:prstGeom prst="rect">
-            <a:avLst/>
-          </a:prstGeom>
-          <a:noFill/>
-          <a:extLst>
-            <a:ext uri="{909E8E84-426E-40DD-AFC4-6F175D3DCCD1}">
-              <a14:hiddenFill xmlns:a14="http://schemas.microsoft.com/office/drawing/2010/main">
-                <a:solidFill>
-                  <a:srgbClr val="FFFFFF"/>
-                </a:solidFill>
-              </a14:hiddenFill>
-            </a:ext>
-          </a:extLst>
-        </p:spPr>
-      </p:pic>
-      <p:sp>
-        <p:nvSpPr>
-          <p:cNvPr id="4" name="TextBox 3">
-            <a:extLst>
-              <a:ext uri="{FF2B5EF4-FFF2-40B4-BE49-F238E27FC236}">
-                <a16:creationId xmlns:a16="http://schemas.microsoft.com/office/drawing/2014/main" id="{F5F7F4F4-F6C8-4ACB-8073-8C6119E79C8E}"/>
-              </a:ext>
-            </a:extLst>
-          </p:cNvPr>
-          <p:cNvSpPr txBox="1"/>
-          <p:nvPr/>
-        </p:nvSpPr>
-        <p:spPr>
-          <a:xfrm>
-            <a:off x="746620" y="2021747"/>
-            <a:ext cx="2567031" cy="1754326"/>
-          </a:xfrm>
-          <a:prstGeom prst="rect">
-            <a:avLst/>
-          </a:prstGeom>
-          <a:noFill/>
-        </p:spPr>
-        <p:txBody>
-          <a:bodyPr wrap="square" rtlCol="0">
-            <a:spAutoFit/>
-          </a:bodyPr>
-          <a:lstStyle/>
-          <a:p>
-            <a:r>
-              <a:rPr lang="en-US" dirty="0"/>
-              <a:t>There is no effect on number of cases </a:t>
-            </a:r>
-            <a:r>
-              <a:rPr lang="he-IL" dirty="0"/>
-              <a:t>)</a:t>
-            </a:r>
-            <a:r>
-              <a:rPr lang="en-US" dirty="0"/>
-              <a:t> chance to get infected), but the number of deaths decreased following the vaccination.</a:t>
-            </a:r>
-            <a:endParaRPr lang="LID4096" dirty="0"/>
-          </a:p>
-        </p:txBody>
-      </p:sp>
-    </p:spTree>
-    <p:extLst>
-      <p:ext uri="{BB962C8B-B14F-4D97-AF65-F5344CB8AC3E}">
-        <p14:creationId xmlns:p14="http://schemas.microsoft.com/office/powerpoint/2010/main" val="1531169010"/>
       </p:ext>
     </p:extLst>
   </p:cSld>
@@ -4802,6 +4795,375 @@
           <a:chExt cx="0" cy="0"/>
         </a:xfrm>
       </p:grpSpPr>
+      <p:sp>
+        <p:nvSpPr>
+          <p:cNvPr id="2" name="Title 1">
+            <a:extLst>
+              <a:ext uri="{FF2B5EF4-FFF2-40B4-BE49-F238E27FC236}">
+                <a16:creationId xmlns:a16="http://schemas.microsoft.com/office/drawing/2014/main" id="{F0F3CC6E-755B-4986-B4C2-A2F7451DB7A9}"/>
+              </a:ext>
+            </a:extLst>
+          </p:cNvPr>
+          <p:cNvSpPr>
+            <a:spLocks noGrp="1"/>
+          </p:cNvSpPr>
+          <p:nvPr>
+            <p:ph type="title"/>
+          </p:nvPr>
+        </p:nvSpPr>
+        <p:spPr/>
+        <p:txBody>
+          <a:bodyPr/>
+          <a:lstStyle/>
+          <a:p>
+            <a:r>
+              <a:rPr lang="en-US" dirty="0"/>
+              <a:t>The effect of vaccination on number of cases and deaths</a:t>
+            </a:r>
+            <a:endParaRPr lang="LID4096" dirty="0"/>
+          </a:p>
+        </p:txBody>
+      </p:sp>
+      <p:pic>
+        <p:nvPicPr>
+          <p:cNvPr id="1026" name="Picture 2">
+            <a:extLst>
+              <a:ext uri="{FF2B5EF4-FFF2-40B4-BE49-F238E27FC236}">
+                <a16:creationId xmlns:a16="http://schemas.microsoft.com/office/drawing/2014/main" id="{EF45E1A7-BB5C-4B05-8747-2752108DB398}"/>
+              </a:ext>
+            </a:extLst>
+          </p:cNvPr>
+          <p:cNvPicPr>
+            <a:picLocks noGrp="1" noChangeAspect="1" noChangeArrowheads="1"/>
+          </p:cNvPicPr>
+          <p:nvPr>
+            <p:ph idx="1"/>
+          </p:nvPr>
+        </p:nvPicPr>
+        <p:blipFill>
+          <a:blip r:embed="rId2">
+            <a:extLst>
+              <a:ext uri="{28A0092B-C50C-407E-A947-70E740481C1C}">
+                <a14:useLocalDpi xmlns:a14="http://schemas.microsoft.com/office/drawing/2010/main" val="0"/>
+              </a:ext>
+            </a:extLst>
+          </a:blip>
+          <a:srcRect/>
+          <a:stretch>
+            <a:fillRect/>
+          </a:stretch>
+        </p:blipFill>
+        <p:spPr bwMode="auto">
+          <a:xfrm>
+            <a:off x="3712709" y="1027905"/>
+            <a:ext cx="8317103" cy="5464969"/>
+          </a:xfrm>
+          <a:prstGeom prst="rect">
+            <a:avLst/>
+          </a:prstGeom>
+          <a:noFill/>
+          <a:extLst>
+            <a:ext uri="{909E8E84-426E-40DD-AFC4-6F175D3DCCD1}">
+              <a14:hiddenFill xmlns:a14="http://schemas.microsoft.com/office/drawing/2010/main">
+                <a:solidFill>
+                  <a:srgbClr val="FFFFFF"/>
+                </a:solidFill>
+              </a14:hiddenFill>
+            </a:ext>
+          </a:extLst>
+        </p:spPr>
+      </p:pic>
+      <p:sp>
+        <p:nvSpPr>
+          <p:cNvPr id="4" name="TextBox 3">
+            <a:extLst>
+              <a:ext uri="{FF2B5EF4-FFF2-40B4-BE49-F238E27FC236}">
+                <a16:creationId xmlns:a16="http://schemas.microsoft.com/office/drawing/2014/main" id="{F5F7F4F4-F6C8-4ACB-8073-8C6119E79C8E}"/>
+              </a:ext>
+            </a:extLst>
+          </p:cNvPr>
+          <p:cNvSpPr txBox="1"/>
+          <p:nvPr/>
+        </p:nvSpPr>
+        <p:spPr>
+          <a:xfrm>
+            <a:off x="746620" y="2021747"/>
+            <a:ext cx="2567031" cy="1754326"/>
+          </a:xfrm>
+          <a:prstGeom prst="rect">
+            <a:avLst/>
+          </a:prstGeom>
+          <a:noFill/>
+        </p:spPr>
+        <p:txBody>
+          <a:bodyPr wrap="square" rtlCol="0">
+            <a:spAutoFit/>
+          </a:bodyPr>
+          <a:lstStyle/>
+          <a:p>
+            <a:r>
+              <a:rPr lang="en-US" dirty="0"/>
+              <a:t>There is no effect on number of cases </a:t>
+            </a:r>
+            <a:r>
+              <a:rPr lang="he-IL" dirty="0"/>
+              <a:t>)</a:t>
+            </a:r>
+            <a:r>
+              <a:rPr lang="en-US" dirty="0"/>
+              <a:t> chance to get infected), but the number of deaths decreased following the vaccination.</a:t>
+            </a:r>
+            <a:endParaRPr lang="LID4096" dirty="0"/>
+          </a:p>
+        </p:txBody>
+      </p:sp>
+      <p:sp>
+        <p:nvSpPr>
+          <p:cNvPr id="3" name="TextBox 2">
+            <a:extLst>
+              <a:ext uri="{FF2B5EF4-FFF2-40B4-BE49-F238E27FC236}">
+                <a16:creationId xmlns:a16="http://schemas.microsoft.com/office/drawing/2014/main" id="{0E50866D-6DA6-BFEA-FD83-28FE2C58A225}"/>
+              </a:ext>
+            </a:extLst>
+          </p:cNvPr>
+          <p:cNvSpPr txBox="1"/>
+          <p:nvPr/>
+        </p:nvSpPr>
+        <p:spPr>
+          <a:xfrm>
+            <a:off x="838200" y="4118994"/>
+            <a:ext cx="2643231" cy="1477328"/>
+          </a:xfrm>
+          <a:prstGeom prst="rect">
+            <a:avLst/>
+          </a:prstGeom>
+          <a:noFill/>
+        </p:spPr>
+        <p:txBody>
+          <a:bodyPr wrap="square" rtlCol="0">
+            <a:spAutoFit/>
+          </a:bodyPr>
+          <a:lstStyle/>
+          <a:p>
+            <a:r>
+              <a:rPr lang="en-US" dirty="0"/>
+              <a:t>The death ratio before 50% were vaccinated was </a:t>
+            </a:r>
+            <a:r>
+              <a:rPr lang="en-US" b="1" dirty="0">
+                <a:solidFill>
+                  <a:srgbClr val="FF0000"/>
+                </a:solidFill>
+              </a:rPr>
+              <a:t>4.92% </a:t>
+            </a:r>
+            <a:r>
+              <a:rPr lang="en-US" dirty="0"/>
+              <a:t>following 3 doses of vaccination it decreased to </a:t>
+            </a:r>
+            <a:r>
+              <a:rPr lang="en-US" b="1" dirty="0">
+                <a:solidFill>
+                  <a:srgbClr val="00B050"/>
+                </a:solidFill>
+              </a:rPr>
+              <a:t>0.16%!</a:t>
+            </a:r>
+          </a:p>
+        </p:txBody>
+      </p:sp>
+      <p:sp>
+        <p:nvSpPr>
+          <p:cNvPr id="5" name="TextBox 4">
+            <a:extLst>
+              <a:ext uri="{FF2B5EF4-FFF2-40B4-BE49-F238E27FC236}">
+                <a16:creationId xmlns:a16="http://schemas.microsoft.com/office/drawing/2014/main" id="{735E5140-2B5B-3337-CD78-BBEC3370AB83}"/>
+              </a:ext>
+            </a:extLst>
+          </p:cNvPr>
+          <p:cNvSpPr txBox="1"/>
+          <p:nvPr/>
+        </p:nvSpPr>
+        <p:spPr>
+          <a:xfrm>
+            <a:off x="5668161" y="6251196"/>
+            <a:ext cx="855677" cy="369332"/>
+          </a:xfrm>
+          <a:prstGeom prst="rect">
+            <a:avLst/>
+          </a:prstGeom>
+          <a:noFill/>
+        </p:spPr>
+        <p:txBody>
+          <a:bodyPr wrap="square" rtlCol="0">
+            <a:spAutoFit/>
+          </a:bodyPr>
+          <a:lstStyle/>
+          <a:p>
+            <a:r>
+              <a:rPr lang="en-US" dirty="0">
+                <a:solidFill>
+                  <a:srgbClr val="FF0000"/>
+                </a:solidFill>
+              </a:rPr>
+              <a:t>4.92%</a:t>
+            </a:r>
+          </a:p>
+        </p:txBody>
+      </p:sp>
+      <p:sp>
+        <p:nvSpPr>
+          <p:cNvPr id="6" name="TextBox 5">
+            <a:extLst>
+              <a:ext uri="{FF2B5EF4-FFF2-40B4-BE49-F238E27FC236}">
+                <a16:creationId xmlns:a16="http://schemas.microsoft.com/office/drawing/2014/main" id="{92C5532E-5E92-7000-1B4A-F9DFB8D31C0A}"/>
+              </a:ext>
+            </a:extLst>
+          </p:cNvPr>
+          <p:cNvSpPr txBox="1"/>
+          <p:nvPr/>
+        </p:nvSpPr>
+        <p:spPr>
+          <a:xfrm>
+            <a:off x="10507210" y="6182578"/>
+            <a:ext cx="855677" cy="369332"/>
+          </a:xfrm>
+          <a:prstGeom prst="rect">
+            <a:avLst/>
+          </a:prstGeom>
+          <a:noFill/>
+        </p:spPr>
+        <p:txBody>
+          <a:bodyPr wrap="square" rtlCol="0">
+            <a:spAutoFit/>
+          </a:bodyPr>
+          <a:lstStyle/>
+          <a:p>
+            <a:r>
+              <a:rPr lang="en-US" dirty="0">
+                <a:solidFill>
+                  <a:srgbClr val="00B050"/>
+                </a:solidFill>
+              </a:rPr>
+              <a:t>0.16%</a:t>
+            </a:r>
+          </a:p>
+        </p:txBody>
+      </p:sp>
+      <p:cxnSp>
+        <p:nvCxnSpPr>
+          <p:cNvPr id="8" name="Straight Arrow Connector 7">
+            <a:extLst>
+              <a:ext uri="{FF2B5EF4-FFF2-40B4-BE49-F238E27FC236}">
+                <a16:creationId xmlns:a16="http://schemas.microsoft.com/office/drawing/2014/main" id="{11E0295A-CB83-3C38-7456-F9669197F501}"/>
+              </a:ext>
+            </a:extLst>
+          </p:cNvPr>
+          <p:cNvCxnSpPr>
+            <a:cxnSpLocks/>
+          </p:cNvCxnSpPr>
+          <p:nvPr/>
+        </p:nvCxnSpPr>
+        <p:spPr>
+          <a:xfrm flipH="1">
+            <a:off x="4348787" y="6242807"/>
+            <a:ext cx="3885910" cy="23769"/>
+          </a:xfrm>
+          <a:prstGeom prst="straightConnector1">
+            <a:avLst/>
+          </a:prstGeom>
+          <a:ln>
+            <a:headEnd type="triangle"/>
+            <a:tailEnd type="triangle"/>
+          </a:ln>
+        </p:spPr>
+        <p:style>
+          <a:lnRef idx="1">
+            <a:schemeClr val="dk1"/>
+          </a:lnRef>
+          <a:fillRef idx="0">
+            <a:schemeClr val="dk1"/>
+          </a:fillRef>
+          <a:effectRef idx="0">
+            <a:schemeClr val="dk1"/>
+          </a:effectRef>
+          <a:fontRef idx="minor">
+            <a:schemeClr val="tx1"/>
+          </a:fontRef>
+        </p:style>
+      </p:cxnSp>
+      <p:cxnSp>
+        <p:nvCxnSpPr>
+          <p:cNvPr id="9" name="Straight Arrow Connector 8">
+            <a:extLst>
+              <a:ext uri="{FF2B5EF4-FFF2-40B4-BE49-F238E27FC236}">
+                <a16:creationId xmlns:a16="http://schemas.microsoft.com/office/drawing/2014/main" id="{CD315F21-4CB9-B348-D7F8-9D7654308BF8}"/>
+              </a:ext>
+            </a:extLst>
+          </p:cNvPr>
+          <p:cNvCxnSpPr>
+            <a:cxnSpLocks/>
+          </p:cNvCxnSpPr>
+          <p:nvPr/>
+        </p:nvCxnSpPr>
+        <p:spPr>
+          <a:xfrm flipH="1">
+            <a:off x="9840286" y="6235816"/>
+            <a:ext cx="2189526" cy="0"/>
+          </a:xfrm>
+          <a:prstGeom prst="straightConnector1">
+            <a:avLst/>
+          </a:prstGeom>
+          <a:ln>
+            <a:headEnd type="triangle"/>
+            <a:tailEnd type="triangle"/>
+          </a:ln>
+        </p:spPr>
+        <p:style>
+          <a:lnRef idx="1">
+            <a:schemeClr val="dk1"/>
+          </a:lnRef>
+          <a:fillRef idx="0">
+            <a:schemeClr val="dk1"/>
+          </a:fillRef>
+          <a:effectRef idx="0">
+            <a:schemeClr val="dk1"/>
+          </a:effectRef>
+          <a:fontRef idx="minor">
+            <a:schemeClr val="tx1"/>
+          </a:fontRef>
+        </p:style>
+      </p:cxnSp>
+    </p:spTree>
+    <p:extLst>
+      <p:ext uri="{BB962C8B-B14F-4D97-AF65-F5344CB8AC3E}">
+        <p14:creationId xmlns:p14="http://schemas.microsoft.com/office/powerpoint/2010/main" val="1531169010"/>
+      </p:ext>
+    </p:extLst>
+  </p:cSld>
+  <p:clrMapOvr>
+    <a:masterClrMapping/>
+  </p:clrMapOvr>
+</p:sld>
+</file>
+
+<file path=ppt/slides/slide18.xml><?xml version="1.0" encoding="utf-8"?>
+<p:sld xmlns:a="http://schemas.openxmlformats.org/drawingml/2006/main" xmlns:r="http://schemas.openxmlformats.org/officeDocument/2006/relationships" xmlns:p="http://schemas.openxmlformats.org/presentationml/2006/main">
+  <p:cSld>
+    <p:spTree>
+      <p:nvGrpSpPr>
+        <p:cNvPr id="1" name=""/>
+        <p:cNvGrpSpPr/>
+        <p:nvPr/>
+      </p:nvGrpSpPr>
+      <p:grpSpPr>
+        <a:xfrm>
+          <a:off x="0" y="0"/>
+          <a:ext cx="0" cy="0"/>
+          <a:chOff x="0" y="0"/>
+          <a:chExt cx="0" cy="0"/>
+        </a:xfrm>
+      </p:grpSpPr>
       <p:pic>
         <p:nvPicPr>
           <p:cNvPr id="2052" name="Picture 4">
@@ -4992,7 +5354,7 @@
           <a:p>
             <a:r>
               <a:rPr lang="en-US" dirty="0"/>
-              <a:t>3.2%</a:t>
+              <a:t>2.5%</a:t>
             </a:r>
             <a:endParaRPr lang="LID4096" dirty="0"/>
           </a:p>
@@ -5028,7 +5390,7 @@
           <a:p>
             <a:r>
               <a:rPr lang="en-US" dirty="0"/>
-              <a:t>0.25%</a:t>
+              <a:t>0.21%</a:t>
             </a:r>
             <a:endParaRPr lang="LID4096" dirty="0"/>
           </a:p>
@@ -5110,238 +5472,6 @@
     <p:extLst>
       <p:ext uri="{BB962C8B-B14F-4D97-AF65-F5344CB8AC3E}">
         <p14:creationId xmlns:p14="http://schemas.microsoft.com/office/powerpoint/2010/main" val="289165674"/>
-      </p:ext>
-    </p:extLst>
-  </p:cSld>
-  <p:clrMapOvr>
-    <a:masterClrMapping/>
-  </p:clrMapOvr>
-</p:sld>
-</file>
-
-<file path=ppt/slides/slide18.xml><?xml version="1.0" encoding="utf-8"?>
-<p:sld xmlns:a="http://schemas.openxmlformats.org/drawingml/2006/main" xmlns:r="http://schemas.openxmlformats.org/officeDocument/2006/relationships" xmlns:p="http://schemas.openxmlformats.org/presentationml/2006/main">
-  <p:cSld>
-    <p:spTree>
-      <p:nvGrpSpPr>
-        <p:cNvPr id="1" name=""/>
-        <p:cNvGrpSpPr/>
-        <p:nvPr/>
-      </p:nvGrpSpPr>
-      <p:grpSpPr>
-        <a:xfrm>
-          <a:off x="0" y="0"/>
-          <a:ext cx="0" cy="0"/>
-          <a:chOff x="0" y="0"/>
-          <a:chExt cx="0" cy="0"/>
-        </a:xfrm>
-      </p:grpSpPr>
-      <p:sp>
-        <p:nvSpPr>
-          <p:cNvPr id="2" name="Title 1">
-            <a:extLst>
-              <a:ext uri="{FF2B5EF4-FFF2-40B4-BE49-F238E27FC236}">
-                <a16:creationId xmlns:a16="http://schemas.microsoft.com/office/drawing/2014/main" id="{673DB27F-7826-4BE3-9307-2BE0F17792E3}"/>
-              </a:ext>
-            </a:extLst>
-          </p:cNvPr>
-          <p:cNvSpPr>
-            <a:spLocks noGrp="1"/>
-          </p:cNvSpPr>
-          <p:nvPr>
-            <p:ph type="title"/>
-          </p:nvPr>
-        </p:nvSpPr>
-        <p:spPr/>
-        <p:txBody>
-          <a:bodyPr/>
-          <a:lstStyle/>
-          <a:p>
-            <a:r>
-              <a:rPr lang="en-US" dirty="0"/>
-              <a:t>The main questions we can ask</a:t>
-            </a:r>
-            <a:endParaRPr lang="LID4096" dirty="0"/>
-          </a:p>
-        </p:txBody>
-      </p:sp>
-      <p:sp>
-        <p:nvSpPr>
-          <p:cNvPr id="3" name="Content Placeholder 2">
-            <a:extLst>
-              <a:ext uri="{FF2B5EF4-FFF2-40B4-BE49-F238E27FC236}">
-                <a16:creationId xmlns:a16="http://schemas.microsoft.com/office/drawing/2014/main" id="{CF2A545F-C5D1-4B6D-AFA6-C32BEB5A2F0A}"/>
-              </a:ext>
-            </a:extLst>
-          </p:cNvPr>
-          <p:cNvSpPr>
-            <a:spLocks noGrp="1"/>
-          </p:cNvSpPr>
-          <p:nvPr>
-            <p:ph idx="1"/>
-          </p:nvPr>
-        </p:nvSpPr>
-        <p:spPr>
-          <a:xfrm>
-            <a:off x="838200" y="1389397"/>
-            <a:ext cx="10515600" cy="4751344"/>
-          </a:xfrm>
-        </p:spPr>
-        <p:txBody>
-          <a:bodyPr>
-            <a:normAutofit fontScale="85000" lnSpcReduction="10000"/>
-          </a:bodyPr>
-          <a:lstStyle/>
-          <a:p>
-            <a:r>
-              <a:rPr lang="en-US" dirty="0"/>
-              <a:t>Are there differences between genders in getting sick, recovery ratio, death ratio - </a:t>
-            </a:r>
-            <a:r>
-              <a:rPr lang="en-US" dirty="0">
-                <a:highlight>
-                  <a:srgbClr val="FFFF00"/>
-                </a:highlight>
-              </a:rPr>
-              <a:t>Felix</a:t>
-            </a:r>
-            <a:r>
-              <a:rPr lang="en-US" dirty="0"/>
-              <a:t> </a:t>
-            </a:r>
-          </a:p>
-          <a:p>
-            <a:r>
-              <a:rPr lang="en-US" dirty="0"/>
-              <a:t>Vaccination trends – any conclusions – </a:t>
-            </a:r>
-            <a:r>
-              <a:rPr lang="en-US" dirty="0">
-                <a:highlight>
-                  <a:srgbClr val="FF00FF"/>
-                </a:highlight>
-              </a:rPr>
-              <a:t>Alin done</a:t>
-            </a:r>
-          </a:p>
-          <a:p>
-            <a:r>
-              <a:rPr lang="en-US" dirty="0"/>
-              <a:t>Are there differences in different age groups ( same parameters as above) – </a:t>
-            </a:r>
-            <a:r>
-              <a:rPr lang="en-US" dirty="0">
-                <a:highlight>
-                  <a:srgbClr val="FFFF00"/>
-                </a:highlight>
-              </a:rPr>
-              <a:t>Felix /Alin with pivot table and conclusions</a:t>
-            </a:r>
-          </a:p>
-          <a:p>
-            <a:r>
-              <a:rPr lang="en-US" dirty="0" err="1">
-                <a:highlight>
-                  <a:srgbClr val="FFFF00"/>
-                </a:highlight>
-              </a:rPr>
-              <a:t>Geopandas</a:t>
-            </a:r>
-            <a:endParaRPr lang="en-US" dirty="0"/>
-          </a:p>
-          <a:p>
-            <a:pPr lvl="1"/>
-            <a:r>
-              <a:rPr lang="en-US" dirty="0"/>
-              <a:t>Can we see differences in different regions of the country in the above parameters – </a:t>
-            </a:r>
-            <a:r>
-              <a:rPr lang="en-US" dirty="0">
-                <a:highlight>
-                  <a:srgbClr val="FFFF00"/>
-                </a:highlight>
-              </a:rPr>
-              <a:t>Felix</a:t>
-            </a:r>
-          </a:p>
-          <a:p>
-            <a:pPr lvl="1"/>
-            <a:r>
-              <a:rPr lang="en-US" dirty="0"/>
-              <a:t>6 graphs with cases/recovery numbers per state on maps (resample every 6 month) - </a:t>
-            </a:r>
-            <a:r>
-              <a:rPr lang="en-US" dirty="0">
-                <a:highlight>
-                  <a:srgbClr val="FF00FF"/>
-                </a:highlight>
-              </a:rPr>
-              <a:t>Alin</a:t>
-            </a:r>
-            <a:endParaRPr lang="en-US" dirty="0"/>
-          </a:p>
-          <a:p>
-            <a:r>
-              <a:rPr lang="en-US" dirty="0"/>
-              <a:t>% of population fully vaccinated/partially vaccinated/not vaccinated in each region/county </a:t>
-            </a:r>
-            <a:r>
-              <a:rPr lang="en-US" dirty="0">
-                <a:highlight>
-                  <a:srgbClr val="FF00FF"/>
-                </a:highlight>
-              </a:rPr>
-              <a:t>Alin</a:t>
-            </a:r>
-            <a:endParaRPr lang="en-US" dirty="0"/>
-          </a:p>
-          <a:p>
-            <a:r>
-              <a:rPr lang="en-US" dirty="0"/>
-              <a:t>Are regions with younger population tend to vaccinate more /less vs older population regions?</a:t>
-            </a:r>
-            <a:r>
-              <a:rPr lang="en-US" dirty="0">
-                <a:highlight>
-                  <a:srgbClr val="FF00FF"/>
-                </a:highlight>
-              </a:rPr>
-              <a:t> Alin</a:t>
-            </a:r>
-            <a:endParaRPr lang="en-US" dirty="0"/>
-          </a:p>
-          <a:p>
-            <a:r>
-              <a:rPr lang="en-US" dirty="0"/>
-              <a:t>Can we see a decrease in death following vaccination? – </a:t>
-            </a:r>
-            <a:r>
-              <a:rPr lang="en-US" dirty="0">
-                <a:highlight>
-                  <a:srgbClr val="FF00FF"/>
-                </a:highlight>
-              </a:rPr>
-              <a:t>Alin - done</a:t>
-            </a:r>
-          </a:p>
-          <a:p>
-            <a:endParaRPr lang="en-US" dirty="0"/>
-          </a:p>
-          <a:p>
-            <a:endParaRPr lang="en-US" dirty="0"/>
-          </a:p>
-          <a:p>
-            <a:endParaRPr lang="en-US" dirty="0"/>
-          </a:p>
-          <a:p>
-            <a:endParaRPr lang="LID4096" dirty="0"/>
-          </a:p>
-        </p:txBody>
-      </p:sp>
-    </p:spTree>
-    <p:extLst>
-      <p:ext uri="{BB962C8B-B14F-4D97-AF65-F5344CB8AC3E}">
-        <p14:creationId xmlns:p14="http://schemas.microsoft.com/office/powerpoint/2010/main" val="2822045292"/>
       </p:ext>
     </p:extLst>
   </p:cSld>
@@ -5373,77 +5503,300 @@
           <p:cNvPr id="2" name="Title 1">
             <a:extLst>
               <a:ext uri="{FF2B5EF4-FFF2-40B4-BE49-F238E27FC236}">
-                <a16:creationId xmlns:a16="http://schemas.microsoft.com/office/drawing/2014/main" id="{01087133-4995-4DB9-BF49-ACF569DD7868}"/>
-              </a:ext>
-            </a:extLst>
-          </p:cNvPr>
-          <p:cNvSpPr>
-            <a:spLocks noGrp="1"/>
-          </p:cNvSpPr>
-          <p:nvPr>
-            <p:ph type="ctrTitle"/>
+                <a16:creationId xmlns:a16="http://schemas.microsoft.com/office/drawing/2014/main" id="{BFEAB779-4AC8-062B-D832-6D6846327FD8}"/>
+              </a:ext>
+            </a:extLst>
+          </p:cNvPr>
+          <p:cNvSpPr>
+            <a:spLocks noGrp="1"/>
+          </p:cNvSpPr>
+          <p:nvPr>
+            <p:ph type="title"/>
           </p:nvPr>
         </p:nvSpPr>
         <p:spPr/>
         <p:txBody>
-          <a:bodyPr>
-            <a:normAutofit fontScale="90000"/>
+          <a:bodyPr/>
+          <a:lstStyle/>
+          <a:p>
+            <a:r>
+              <a:rPr lang="en-US" dirty="0"/>
+              <a:t>Death rate from the beginning of vaccination </a:t>
+            </a:r>
+          </a:p>
+        </p:txBody>
+      </p:sp>
+      <p:pic>
+        <p:nvPicPr>
+          <p:cNvPr id="2050" name="Picture 2">
+            <a:extLst>
+              <a:ext uri="{FF2B5EF4-FFF2-40B4-BE49-F238E27FC236}">
+                <a16:creationId xmlns:a16="http://schemas.microsoft.com/office/drawing/2014/main" id="{59DA1142-EA23-49CC-EC63-7276FC25B8D9}"/>
+              </a:ext>
+            </a:extLst>
+          </p:cNvPr>
+          <p:cNvPicPr>
+            <a:picLocks noGrp="1" noChangeAspect="1" noChangeArrowheads="1"/>
+          </p:cNvPicPr>
+          <p:nvPr>
+            <p:ph idx="1"/>
+          </p:nvPr>
+        </p:nvPicPr>
+        <p:blipFill>
+          <a:blip r:embed="rId2">
+            <a:extLst>
+              <a:ext uri="{28A0092B-C50C-407E-A947-70E740481C1C}">
+                <a14:useLocalDpi xmlns:a14="http://schemas.microsoft.com/office/drawing/2010/main" val="0"/>
+              </a:ext>
+            </a:extLst>
+          </a:blip>
+          <a:srcRect/>
+          <a:stretch>
+            <a:fillRect/>
+          </a:stretch>
+        </p:blipFill>
+        <p:spPr bwMode="auto">
+          <a:xfrm>
+            <a:off x="2540295" y="1825625"/>
+            <a:ext cx="7111410" cy="4351338"/>
+          </a:xfrm>
+          <a:prstGeom prst="rect">
+            <a:avLst/>
+          </a:prstGeom>
+          <a:noFill/>
+          <a:extLst>
+            <a:ext uri="{909E8E84-426E-40DD-AFC4-6F175D3DCCD1}">
+              <a14:hiddenFill xmlns:a14="http://schemas.microsoft.com/office/drawing/2010/main">
+                <a:solidFill>
+                  <a:srgbClr val="FFFFFF"/>
+                </a:solidFill>
+              </a14:hiddenFill>
+            </a:ext>
+          </a:extLst>
+        </p:spPr>
+      </p:pic>
+      <p:sp>
+        <p:nvSpPr>
+          <p:cNvPr id="4" name="TextBox 3">
+            <a:extLst>
+              <a:ext uri="{FF2B5EF4-FFF2-40B4-BE49-F238E27FC236}">
+                <a16:creationId xmlns:a16="http://schemas.microsoft.com/office/drawing/2014/main" id="{7FAA5C04-8FC1-0CDB-28F3-8012BF32C790}"/>
+              </a:ext>
+            </a:extLst>
+          </p:cNvPr>
+          <p:cNvSpPr txBox="1"/>
+          <p:nvPr/>
+        </p:nvSpPr>
+        <p:spPr>
+          <a:xfrm>
+            <a:off x="5058561" y="2592198"/>
+            <a:ext cx="654342" cy="369332"/>
+          </a:xfrm>
+          <a:prstGeom prst="rect">
+            <a:avLst/>
+          </a:prstGeom>
+          <a:noFill/>
+        </p:spPr>
+        <p:txBody>
+          <a:bodyPr wrap="square" rtlCol="0">
+            <a:spAutoFit/>
           </a:bodyPr>
           <a:lstStyle/>
           <a:p>
             <a:r>
-              <a:rPr lang="en-US" b="1" i="0" dirty="0">
-                <a:solidFill>
-                  <a:srgbClr val="202124"/>
-                </a:solidFill>
-                <a:effectLst/>
-                <a:latin typeface="Inter"/>
-              </a:rPr>
-              <a:t>COVID-19 World Vaccination Progress</a:t>
-            </a:r>
-            <a:br>
-              <a:rPr lang="en-US" b="1" i="0" dirty="0">
-                <a:solidFill>
-                  <a:srgbClr val="202124"/>
-                </a:solidFill>
-                <a:effectLst/>
-                <a:latin typeface="Inter"/>
-              </a:rPr>
-            </a:br>
-            <a:endParaRPr lang="LID4096" dirty="0"/>
-          </a:p>
-        </p:txBody>
-      </p:sp>
-      <p:sp>
-        <p:nvSpPr>
-          <p:cNvPr id="3" name="Subtitle 2">
-            <a:extLst>
-              <a:ext uri="{FF2B5EF4-FFF2-40B4-BE49-F238E27FC236}">
-                <a16:creationId xmlns:a16="http://schemas.microsoft.com/office/drawing/2014/main" id="{2EACBAA8-C988-4CEF-BD29-1E71C11F734A}"/>
-              </a:ext>
-            </a:extLst>
-          </p:cNvPr>
-          <p:cNvSpPr>
-            <a:spLocks noGrp="1"/>
-          </p:cNvSpPr>
-          <p:nvPr>
-            <p:ph type="subTitle" idx="1"/>
-          </p:nvPr>
-        </p:nvSpPr>
-        <p:spPr/>
-        <p:txBody>
-          <a:bodyPr/>
-          <a:lstStyle/>
-          <a:p>
-            <a:r>
-              <a:rPr lang="en-US" dirty="0">
-                <a:hlinkClick r:id="rId2"/>
-              </a:rPr>
-              <a:t>https://www.kaggle.com/datasets/gpreda/covid-world-vaccination-progress?select=country_vaccinations_by_manufacturer.csv</a:t>
-            </a:r>
-            <a:endParaRPr lang="he-IL" dirty="0"/>
-          </a:p>
-          <a:p>
+              <a:rPr lang="en-US" dirty="0"/>
+              <a:t>0.6%</a:t>
+            </a:r>
+          </a:p>
+        </p:txBody>
+      </p:sp>
+      <p:sp>
+        <p:nvSpPr>
+          <p:cNvPr id="5" name="TextBox 4">
+            <a:extLst>
+              <a:ext uri="{FF2B5EF4-FFF2-40B4-BE49-F238E27FC236}">
+                <a16:creationId xmlns:a16="http://schemas.microsoft.com/office/drawing/2014/main" id="{FD263C1B-A3AA-E949-51BD-BE64507C0F71}"/>
+              </a:ext>
+            </a:extLst>
+          </p:cNvPr>
+          <p:cNvSpPr txBox="1"/>
+          <p:nvPr/>
+        </p:nvSpPr>
+        <p:spPr>
+          <a:xfrm>
+            <a:off x="7509543" y="2592198"/>
+            <a:ext cx="871057" cy="369332"/>
+          </a:xfrm>
+          <a:prstGeom prst="rect">
+            <a:avLst/>
+          </a:prstGeom>
+          <a:noFill/>
+        </p:spPr>
+        <p:txBody>
+          <a:bodyPr wrap="square" rtlCol="0">
+            <a:spAutoFit/>
+          </a:bodyPr>
+          <a:lstStyle/>
+          <a:p>
+            <a:r>
+              <a:rPr lang="en-US" dirty="0"/>
+              <a:t>0.16%</a:t>
+            </a:r>
+          </a:p>
+        </p:txBody>
+      </p:sp>
+      <p:cxnSp>
+        <p:nvCxnSpPr>
+          <p:cNvPr id="6" name="Straight Arrow Connector 5">
+            <a:extLst>
+              <a:ext uri="{FF2B5EF4-FFF2-40B4-BE49-F238E27FC236}">
+                <a16:creationId xmlns:a16="http://schemas.microsoft.com/office/drawing/2014/main" id="{9C5E2BA7-33FD-F06A-4C97-EF86D6004473}"/>
+              </a:ext>
+            </a:extLst>
+          </p:cNvPr>
+          <p:cNvCxnSpPr>
+            <a:cxnSpLocks/>
+          </p:cNvCxnSpPr>
+          <p:nvPr/>
+        </p:nvCxnSpPr>
+        <p:spPr>
+          <a:xfrm>
+            <a:off x="2999089" y="2353102"/>
+            <a:ext cx="3686937" cy="0"/>
+          </a:xfrm>
+          <a:prstGeom prst="straightConnector1">
+            <a:avLst/>
+          </a:prstGeom>
+          <a:ln>
+            <a:headEnd type="triangle"/>
+            <a:tailEnd type="triangle"/>
+          </a:ln>
+        </p:spPr>
+        <p:style>
+          <a:lnRef idx="1">
+            <a:schemeClr val="dk1"/>
+          </a:lnRef>
+          <a:fillRef idx="0">
+            <a:schemeClr val="dk1"/>
+          </a:fillRef>
+          <a:effectRef idx="0">
+            <a:schemeClr val="dk1"/>
+          </a:effectRef>
+          <a:fontRef idx="minor">
+            <a:schemeClr val="tx1"/>
+          </a:fontRef>
+        </p:style>
+      </p:cxnSp>
+      <p:cxnSp>
+        <p:nvCxnSpPr>
+          <p:cNvPr id="8" name="Straight Arrow Connector 7">
+            <a:extLst>
+              <a:ext uri="{FF2B5EF4-FFF2-40B4-BE49-F238E27FC236}">
+                <a16:creationId xmlns:a16="http://schemas.microsoft.com/office/drawing/2014/main" id="{3F9BC8FC-6DC1-6CEA-B313-AEB1E60BD9C9}"/>
+              </a:ext>
+            </a:extLst>
+          </p:cNvPr>
+          <p:cNvCxnSpPr>
+            <a:cxnSpLocks/>
+          </p:cNvCxnSpPr>
+          <p:nvPr/>
+        </p:nvCxnSpPr>
+        <p:spPr>
+          <a:xfrm>
+            <a:off x="6686026" y="2353102"/>
+            <a:ext cx="2894202" cy="0"/>
+          </a:xfrm>
+          <a:prstGeom prst="straightConnector1">
+            <a:avLst/>
+          </a:prstGeom>
+          <a:ln>
+            <a:headEnd type="triangle"/>
+            <a:tailEnd type="triangle"/>
+          </a:ln>
+        </p:spPr>
+        <p:style>
+          <a:lnRef idx="1">
+            <a:schemeClr val="dk1"/>
+          </a:lnRef>
+          <a:fillRef idx="0">
+            <a:schemeClr val="dk1"/>
+          </a:fillRef>
+          <a:effectRef idx="0">
+            <a:schemeClr val="dk1"/>
+          </a:effectRef>
+          <a:fontRef idx="minor">
+            <a:schemeClr val="tx1"/>
+          </a:fontRef>
+        </p:style>
+      </p:cxnSp>
+      <p:cxnSp>
+        <p:nvCxnSpPr>
+          <p:cNvPr id="11" name="Straight Connector 10">
+            <a:extLst>
+              <a:ext uri="{FF2B5EF4-FFF2-40B4-BE49-F238E27FC236}">
+                <a16:creationId xmlns:a16="http://schemas.microsoft.com/office/drawing/2014/main" id="{D7FC18E4-8DD4-89FB-1B68-567E0DC9FDEA}"/>
+              </a:ext>
+            </a:extLst>
+          </p:cNvPr>
+          <p:cNvCxnSpPr/>
+          <p:nvPr/>
+        </p:nvCxnSpPr>
+        <p:spPr>
+          <a:xfrm>
+            <a:off x="6686026" y="1904301"/>
+            <a:ext cx="0" cy="3766657"/>
+          </a:xfrm>
+          <a:prstGeom prst="line">
+            <a:avLst/>
+          </a:prstGeom>
+        </p:spPr>
+        <p:style>
+          <a:lnRef idx="1">
+            <a:schemeClr val="accent1"/>
+          </a:lnRef>
+          <a:fillRef idx="0">
+            <a:schemeClr val="accent1"/>
+          </a:fillRef>
+          <a:effectRef idx="0">
+            <a:schemeClr val="accent1"/>
+          </a:effectRef>
+          <a:fontRef idx="minor">
+            <a:schemeClr val="tx1"/>
+          </a:fontRef>
+        </p:style>
+      </p:cxnSp>
+      <p:sp>
+        <p:nvSpPr>
+          <p:cNvPr id="12" name="TextBox 11">
+            <a:extLst>
+              <a:ext uri="{FF2B5EF4-FFF2-40B4-BE49-F238E27FC236}">
+                <a16:creationId xmlns:a16="http://schemas.microsoft.com/office/drawing/2014/main" id="{DECD1421-F73E-6085-CB0A-B839D1832587}"/>
+              </a:ext>
+            </a:extLst>
+          </p:cNvPr>
+          <p:cNvSpPr txBox="1"/>
+          <p:nvPr/>
+        </p:nvSpPr>
+        <p:spPr>
+          <a:xfrm>
+            <a:off x="6172850" y="3602963"/>
+            <a:ext cx="1749055" cy="369332"/>
+          </a:xfrm>
+          <a:prstGeom prst="rect">
+            <a:avLst/>
+          </a:prstGeom>
+          <a:noFill/>
+        </p:spPr>
+        <p:txBody>
+          <a:bodyPr wrap="square" rtlCol="0">
+            <a:spAutoFit/>
+          </a:bodyPr>
+          <a:lstStyle/>
+          <a:p>
+            <a:r>
+              <a:rPr lang="en-US" dirty="0"/>
+              <a:t>60% vaccination</a:t>
+            </a:r>
             <a:endParaRPr lang="LID4096" dirty="0"/>
           </a:p>
         </p:txBody>
@@ -5451,7 +5804,7 @@
     </p:spTree>
     <p:extLst>
       <p:ext uri="{BB962C8B-B14F-4D97-AF65-F5344CB8AC3E}">
-        <p14:creationId xmlns:p14="http://schemas.microsoft.com/office/powerpoint/2010/main" val="2510531114"/>
+        <p14:creationId xmlns:p14="http://schemas.microsoft.com/office/powerpoint/2010/main" val="2126038118"/>
       </p:ext>
     </p:extLst>
   </p:cSld>
@@ -5620,6 +5973,697 @@
 </file>
 
 <file path=ppt/slides/slide20.xml><?xml version="1.0" encoding="utf-8"?>
+<p:sld xmlns:a="http://schemas.openxmlformats.org/drawingml/2006/main" xmlns:r="http://schemas.openxmlformats.org/officeDocument/2006/relationships" xmlns:p="http://schemas.openxmlformats.org/presentationml/2006/main">
+  <p:cSld>
+    <p:spTree>
+      <p:nvGrpSpPr>
+        <p:cNvPr id="1" name=""/>
+        <p:cNvGrpSpPr/>
+        <p:nvPr/>
+      </p:nvGrpSpPr>
+      <p:grpSpPr>
+        <a:xfrm>
+          <a:off x="0" y="0"/>
+          <a:ext cx="0" cy="0"/>
+          <a:chOff x="0" y="0"/>
+          <a:chExt cx="0" cy="0"/>
+        </a:xfrm>
+      </p:grpSpPr>
+      <p:pic>
+        <p:nvPicPr>
+          <p:cNvPr id="3078" name="Picture 6">
+            <a:extLst>
+              <a:ext uri="{FF2B5EF4-FFF2-40B4-BE49-F238E27FC236}">
+                <a16:creationId xmlns:a16="http://schemas.microsoft.com/office/drawing/2014/main" id="{522C8343-7585-59FE-66FF-79CB3F5F79E9}"/>
+              </a:ext>
+            </a:extLst>
+          </p:cNvPr>
+          <p:cNvPicPr>
+            <a:picLocks noChangeAspect="1" noChangeArrowheads="1"/>
+          </p:cNvPicPr>
+          <p:nvPr/>
+        </p:nvPicPr>
+        <p:blipFill>
+          <a:blip r:embed="rId2">
+            <a:extLst>
+              <a:ext uri="{28A0092B-C50C-407E-A947-70E740481C1C}">
+                <a14:useLocalDpi xmlns:a14="http://schemas.microsoft.com/office/drawing/2010/main" val="0"/>
+              </a:ext>
+            </a:extLst>
+          </a:blip>
+          <a:srcRect/>
+          <a:stretch>
+            <a:fillRect/>
+          </a:stretch>
+        </p:blipFill>
+        <p:spPr bwMode="auto">
+          <a:xfrm>
+            <a:off x="1828799" y="1549251"/>
+            <a:ext cx="7827365" cy="4789417"/>
+          </a:xfrm>
+          <a:prstGeom prst="rect">
+            <a:avLst/>
+          </a:prstGeom>
+          <a:noFill/>
+          <a:extLst>
+            <a:ext uri="{909E8E84-426E-40DD-AFC4-6F175D3DCCD1}">
+              <a14:hiddenFill xmlns:a14="http://schemas.microsoft.com/office/drawing/2010/main">
+                <a:solidFill>
+                  <a:srgbClr val="FFFFFF"/>
+                </a:solidFill>
+              </a14:hiddenFill>
+            </a:ext>
+          </a:extLst>
+        </p:spPr>
+      </p:pic>
+      <p:sp>
+        <p:nvSpPr>
+          <p:cNvPr id="2" name="Title 1">
+            <a:extLst>
+              <a:ext uri="{FF2B5EF4-FFF2-40B4-BE49-F238E27FC236}">
+                <a16:creationId xmlns:a16="http://schemas.microsoft.com/office/drawing/2014/main" id="{AF07C7BC-295B-53A5-B25E-EBB81FB8D8E1}"/>
+              </a:ext>
+            </a:extLst>
+          </p:cNvPr>
+          <p:cNvSpPr>
+            <a:spLocks noGrp="1"/>
+          </p:cNvSpPr>
+          <p:nvPr>
+            <p:ph type="title"/>
+          </p:nvPr>
+        </p:nvSpPr>
+        <p:spPr/>
+        <p:txBody>
+          <a:bodyPr>
+            <a:noAutofit/>
+          </a:bodyPr>
+          <a:lstStyle/>
+          <a:p>
+            <a:r>
+              <a:rPr lang="en-US" sz="3200" b="1" i="0" dirty="0">
+                <a:solidFill>
+                  <a:srgbClr val="000000"/>
+                </a:solidFill>
+                <a:effectLst/>
+                <a:latin typeface="Helvetica Neue"/>
+              </a:rPr>
+              <a:t>The 3rd dose of vaccination had beneficial effect on death rates even after two doses.</a:t>
+            </a:r>
+            <a:br>
+              <a:rPr lang="en-US" sz="3200" b="1" i="0" dirty="0">
+                <a:solidFill>
+                  <a:srgbClr val="000000"/>
+                </a:solidFill>
+                <a:effectLst/>
+                <a:latin typeface="Helvetica Neue"/>
+              </a:rPr>
+            </a:br>
+            <a:endParaRPr lang="en-US" sz="3200" dirty="0"/>
+          </a:p>
+        </p:txBody>
+      </p:sp>
+      <p:cxnSp>
+        <p:nvCxnSpPr>
+          <p:cNvPr id="4" name="Straight Arrow Connector 3">
+            <a:extLst>
+              <a:ext uri="{FF2B5EF4-FFF2-40B4-BE49-F238E27FC236}">
+                <a16:creationId xmlns:a16="http://schemas.microsoft.com/office/drawing/2014/main" id="{BCD890A6-3934-E2AF-6E75-DD52212E1C93}"/>
+              </a:ext>
+            </a:extLst>
+          </p:cNvPr>
+          <p:cNvCxnSpPr>
+            <a:cxnSpLocks/>
+          </p:cNvCxnSpPr>
+          <p:nvPr/>
+        </p:nvCxnSpPr>
+        <p:spPr>
+          <a:xfrm>
+            <a:off x="2340528" y="2134989"/>
+            <a:ext cx="2558643" cy="0"/>
+          </a:xfrm>
+          <a:prstGeom prst="straightConnector1">
+            <a:avLst/>
+          </a:prstGeom>
+          <a:ln>
+            <a:headEnd type="triangle"/>
+            <a:tailEnd type="triangle"/>
+          </a:ln>
+        </p:spPr>
+        <p:style>
+          <a:lnRef idx="1">
+            <a:schemeClr val="dk1"/>
+          </a:lnRef>
+          <a:fillRef idx="0">
+            <a:schemeClr val="dk1"/>
+          </a:fillRef>
+          <a:effectRef idx="0">
+            <a:schemeClr val="dk1"/>
+          </a:effectRef>
+          <a:fontRef idx="minor">
+            <a:schemeClr val="tx1"/>
+          </a:fontRef>
+        </p:style>
+      </p:cxnSp>
+      <p:cxnSp>
+        <p:nvCxnSpPr>
+          <p:cNvPr id="6" name="Straight Arrow Connector 5">
+            <a:extLst>
+              <a:ext uri="{FF2B5EF4-FFF2-40B4-BE49-F238E27FC236}">
+                <a16:creationId xmlns:a16="http://schemas.microsoft.com/office/drawing/2014/main" id="{EC3B8D64-2682-9D08-9A7B-871D1DC467D6}"/>
+              </a:ext>
+            </a:extLst>
+          </p:cNvPr>
+          <p:cNvCxnSpPr>
+            <a:cxnSpLocks/>
+          </p:cNvCxnSpPr>
+          <p:nvPr/>
+        </p:nvCxnSpPr>
+        <p:spPr>
+          <a:xfrm>
+            <a:off x="4899171" y="2130785"/>
+            <a:ext cx="4689446" cy="0"/>
+          </a:xfrm>
+          <a:prstGeom prst="straightConnector1">
+            <a:avLst/>
+          </a:prstGeom>
+          <a:ln>
+            <a:headEnd type="triangle"/>
+            <a:tailEnd type="triangle"/>
+          </a:ln>
+        </p:spPr>
+        <p:style>
+          <a:lnRef idx="1">
+            <a:schemeClr val="dk1"/>
+          </a:lnRef>
+          <a:fillRef idx="0">
+            <a:schemeClr val="dk1"/>
+          </a:fillRef>
+          <a:effectRef idx="0">
+            <a:schemeClr val="dk1"/>
+          </a:effectRef>
+          <a:fontRef idx="minor">
+            <a:schemeClr val="tx1"/>
+          </a:fontRef>
+        </p:style>
+      </p:cxnSp>
+      <p:sp>
+        <p:nvSpPr>
+          <p:cNvPr id="13" name="TextBox 12">
+            <a:extLst>
+              <a:ext uri="{FF2B5EF4-FFF2-40B4-BE49-F238E27FC236}">
+                <a16:creationId xmlns:a16="http://schemas.microsoft.com/office/drawing/2014/main" id="{A324148B-776C-D4B8-8363-019F663F9AB4}"/>
+              </a:ext>
+            </a:extLst>
+          </p:cNvPr>
+          <p:cNvSpPr txBox="1"/>
+          <p:nvPr/>
+        </p:nvSpPr>
+        <p:spPr>
+          <a:xfrm>
+            <a:off x="3036814" y="2209959"/>
+            <a:ext cx="654342" cy="369332"/>
+          </a:xfrm>
+          <a:prstGeom prst="rect">
+            <a:avLst/>
+          </a:prstGeom>
+          <a:noFill/>
+        </p:spPr>
+        <p:txBody>
+          <a:bodyPr wrap="square" rtlCol="0">
+            <a:spAutoFit/>
+          </a:bodyPr>
+          <a:lstStyle/>
+          <a:p>
+            <a:r>
+              <a:rPr lang="en-US" dirty="0"/>
+              <a:t>0.3%</a:t>
+            </a:r>
+          </a:p>
+        </p:txBody>
+      </p:sp>
+      <p:sp>
+        <p:nvSpPr>
+          <p:cNvPr id="14" name="TextBox 13">
+            <a:extLst>
+              <a:ext uri="{FF2B5EF4-FFF2-40B4-BE49-F238E27FC236}">
+                <a16:creationId xmlns:a16="http://schemas.microsoft.com/office/drawing/2014/main" id="{F0A2B70F-1CF3-6A3B-F546-1F043E8AA6CB}"/>
+              </a:ext>
+            </a:extLst>
+          </p:cNvPr>
+          <p:cNvSpPr txBox="1"/>
+          <p:nvPr/>
+        </p:nvSpPr>
+        <p:spPr>
+          <a:xfrm>
+            <a:off x="6167304" y="2205441"/>
+            <a:ext cx="871057" cy="369332"/>
+          </a:xfrm>
+          <a:prstGeom prst="rect">
+            <a:avLst/>
+          </a:prstGeom>
+          <a:noFill/>
+        </p:spPr>
+        <p:txBody>
+          <a:bodyPr wrap="square" rtlCol="0">
+            <a:spAutoFit/>
+          </a:bodyPr>
+          <a:lstStyle/>
+          <a:p>
+            <a:r>
+              <a:rPr lang="en-US" dirty="0"/>
+              <a:t>0.16%</a:t>
+            </a:r>
+          </a:p>
+        </p:txBody>
+      </p:sp>
+      <p:cxnSp>
+        <p:nvCxnSpPr>
+          <p:cNvPr id="16" name="Straight Connector 15">
+            <a:extLst>
+              <a:ext uri="{FF2B5EF4-FFF2-40B4-BE49-F238E27FC236}">
+                <a16:creationId xmlns:a16="http://schemas.microsoft.com/office/drawing/2014/main" id="{CA162682-690B-C614-11A9-2022572723ED}"/>
+              </a:ext>
+            </a:extLst>
+          </p:cNvPr>
+          <p:cNvCxnSpPr/>
+          <p:nvPr/>
+        </p:nvCxnSpPr>
+        <p:spPr>
+          <a:xfrm>
+            <a:off x="4899171" y="1627464"/>
+            <a:ext cx="0" cy="4202885"/>
+          </a:xfrm>
+          <a:prstGeom prst="line">
+            <a:avLst/>
+          </a:prstGeom>
+        </p:spPr>
+        <p:style>
+          <a:lnRef idx="1">
+            <a:schemeClr val="accent1"/>
+          </a:lnRef>
+          <a:fillRef idx="0">
+            <a:schemeClr val="accent1"/>
+          </a:fillRef>
+          <a:effectRef idx="0">
+            <a:schemeClr val="accent1"/>
+          </a:effectRef>
+          <a:fontRef idx="minor">
+            <a:schemeClr val="tx1"/>
+          </a:fontRef>
+        </p:style>
+      </p:cxnSp>
+      <p:sp>
+        <p:nvSpPr>
+          <p:cNvPr id="17" name="TextBox 16">
+            <a:extLst>
+              <a:ext uri="{FF2B5EF4-FFF2-40B4-BE49-F238E27FC236}">
+                <a16:creationId xmlns:a16="http://schemas.microsoft.com/office/drawing/2014/main" id="{8F700EE0-12B5-B96F-C188-682B53238548}"/>
+              </a:ext>
+            </a:extLst>
+          </p:cNvPr>
+          <p:cNvSpPr txBox="1"/>
+          <p:nvPr/>
+        </p:nvSpPr>
+        <p:spPr>
+          <a:xfrm>
+            <a:off x="4418249" y="3574627"/>
+            <a:ext cx="1749055" cy="369332"/>
+          </a:xfrm>
+          <a:prstGeom prst="rect">
+            <a:avLst/>
+          </a:prstGeom>
+          <a:noFill/>
+        </p:spPr>
+        <p:txBody>
+          <a:bodyPr wrap="square" rtlCol="0">
+            <a:spAutoFit/>
+          </a:bodyPr>
+          <a:lstStyle/>
+          <a:p>
+            <a:r>
+              <a:rPr lang="en-US" dirty="0"/>
+              <a:t>60% vaccination</a:t>
+            </a:r>
+            <a:endParaRPr lang="LID4096" dirty="0"/>
+          </a:p>
+        </p:txBody>
+      </p:sp>
+    </p:spTree>
+    <p:extLst>
+      <p:ext uri="{BB962C8B-B14F-4D97-AF65-F5344CB8AC3E}">
+        <p14:creationId xmlns:p14="http://schemas.microsoft.com/office/powerpoint/2010/main" val="3898069709"/>
+      </p:ext>
+    </p:extLst>
+  </p:cSld>
+  <p:clrMapOvr>
+    <a:masterClrMapping/>
+  </p:clrMapOvr>
+</p:sld>
+</file>
+
+<file path=ppt/slides/slide21.xml><?xml version="1.0" encoding="utf-8"?>
+<p:sld xmlns:a="http://schemas.openxmlformats.org/drawingml/2006/main" xmlns:r="http://schemas.openxmlformats.org/officeDocument/2006/relationships" xmlns:p="http://schemas.openxmlformats.org/presentationml/2006/main">
+  <p:cSld>
+    <p:spTree>
+      <p:nvGrpSpPr>
+        <p:cNvPr id="1" name=""/>
+        <p:cNvGrpSpPr/>
+        <p:nvPr/>
+      </p:nvGrpSpPr>
+      <p:grpSpPr>
+        <a:xfrm>
+          <a:off x="0" y="0"/>
+          <a:ext cx="0" cy="0"/>
+          <a:chOff x="0" y="0"/>
+          <a:chExt cx="0" cy="0"/>
+        </a:xfrm>
+      </p:grpSpPr>
+      <p:sp>
+        <p:nvSpPr>
+          <p:cNvPr id="2" name="Title 1">
+            <a:extLst>
+              <a:ext uri="{FF2B5EF4-FFF2-40B4-BE49-F238E27FC236}">
+                <a16:creationId xmlns:a16="http://schemas.microsoft.com/office/drawing/2014/main" id="{673DB27F-7826-4BE3-9307-2BE0F17792E3}"/>
+              </a:ext>
+            </a:extLst>
+          </p:cNvPr>
+          <p:cNvSpPr>
+            <a:spLocks noGrp="1"/>
+          </p:cNvSpPr>
+          <p:nvPr>
+            <p:ph type="title"/>
+          </p:nvPr>
+        </p:nvSpPr>
+        <p:spPr/>
+        <p:txBody>
+          <a:bodyPr/>
+          <a:lstStyle/>
+          <a:p>
+            <a:r>
+              <a:rPr lang="en-US" dirty="0"/>
+              <a:t>The main questions we can ask</a:t>
+            </a:r>
+            <a:endParaRPr lang="LID4096" dirty="0"/>
+          </a:p>
+        </p:txBody>
+      </p:sp>
+      <p:sp>
+        <p:nvSpPr>
+          <p:cNvPr id="3" name="Content Placeholder 2">
+            <a:extLst>
+              <a:ext uri="{FF2B5EF4-FFF2-40B4-BE49-F238E27FC236}">
+                <a16:creationId xmlns:a16="http://schemas.microsoft.com/office/drawing/2014/main" id="{CF2A545F-C5D1-4B6D-AFA6-C32BEB5A2F0A}"/>
+              </a:ext>
+            </a:extLst>
+          </p:cNvPr>
+          <p:cNvSpPr>
+            <a:spLocks noGrp="1"/>
+          </p:cNvSpPr>
+          <p:nvPr>
+            <p:ph idx="1"/>
+          </p:nvPr>
+        </p:nvSpPr>
+        <p:spPr>
+          <a:xfrm>
+            <a:off x="838200" y="1389397"/>
+            <a:ext cx="10515600" cy="4751344"/>
+          </a:xfrm>
+        </p:spPr>
+        <p:txBody>
+          <a:bodyPr>
+            <a:normAutofit fontScale="85000" lnSpcReduction="10000"/>
+          </a:bodyPr>
+          <a:lstStyle/>
+          <a:p>
+            <a:r>
+              <a:rPr lang="en-US" dirty="0"/>
+              <a:t>Are there differences between genders in getting sick, recovery ratio, death ratio - </a:t>
+            </a:r>
+            <a:r>
+              <a:rPr lang="en-US" dirty="0">
+                <a:highlight>
+                  <a:srgbClr val="FFFF00"/>
+                </a:highlight>
+              </a:rPr>
+              <a:t>Felix</a:t>
+            </a:r>
+            <a:r>
+              <a:rPr lang="en-US" dirty="0"/>
+              <a:t> </a:t>
+            </a:r>
+          </a:p>
+          <a:p>
+            <a:r>
+              <a:rPr lang="en-US" dirty="0"/>
+              <a:t>Vaccination trends – any conclusions – </a:t>
+            </a:r>
+            <a:r>
+              <a:rPr lang="en-US" dirty="0">
+                <a:highlight>
+                  <a:srgbClr val="FF00FF"/>
+                </a:highlight>
+              </a:rPr>
+              <a:t>Alin done</a:t>
+            </a:r>
+          </a:p>
+          <a:p>
+            <a:r>
+              <a:rPr lang="en-US" dirty="0"/>
+              <a:t>Are there differences in different age groups ( same parameters as above) – </a:t>
+            </a:r>
+            <a:r>
+              <a:rPr lang="en-US" dirty="0">
+                <a:highlight>
+                  <a:srgbClr val="FFFF00"/>
+                </a:highlight>
+              </a:rPr>
+              <a:t>Felix /Alin with pivot table and conclusions</a:t>
+            </a:r>
+          </a:p>
+          <a:p>
+            <a:r>
+              <a:rPr lang="en-US" dirty="0" err="1">
+                <a:highlight>
+                  <a:srgbClr val="FFFF00"/>
+                </a:highlight>
+              </a:rPr>
+              <a:t>Geopandas</a:t>
+            </a:r>
+            <a:endParaRPr lang="en-US" dirty="0"/>
+          </a:p>
+          <a:p>
+            <a:pPr lvl="1"/>
+            <a:r>
+              <a:rPr lang="en-US" dirty="0"/>
+              <a:t>Can we see differences in different regions of the country in the above parameters – </a:t>
+            </a:r>
+            <a:r>
+              <a:rPr lang="en-US" dirty="0">
+                <a:highlight>
+                  <a:srgbClr val="FFFF00"/>
+                </a:highlight>
+              </a:rPr>
+              <a:t>Felix</a:t>
+            </a:r>
+          </a:p>
+          <a:p>
+            <a:pPr lvl="1"/>
+            <a:r>
+              <a:rPr lang="en-US" dirty="0"/>
+              <a:t>6 graphs with cases/recovery numbers per state on maps (resample every 6 month) - </a:t>
+            </a:r>
+            <a:r>
+              <a:rPr lang="en-US" dirty="0">
+                <a:highlight>
+                  <a:srgbClr val="FF00FF"/>
+                </a:highlight>
+              </a:rPr>
+              <a:t>Alin</a:t>
+            </a:r>
+            <a:endParaRPr lang="en-US" dirty="0"/>
+          </a:p>
+          <a:p>
+            <a:r>
+              <a:rPr lang="en-US" dirty="0"/>
+              <a:t>% of population fully vaccinated/partially vaccinated/not vaccinated in each region/county </a:t>
+            </a:r>
+            <a:r>
+              <a:rPr lang="en-US" dirty="0">
+                <a:highlight>
+                  <a:srgbClr val="FF00FF"/>
+                </a:highlight>
+              </a:rPr>
+              <a:t>Alin</a:t>
+            </a:r>
+            <a:endParaRPr lang="en-US" dirty="0"/>
+          </a:p>
+          <a:p>
+            <a:r>
+              <a:rPr lang="en-US" dirty="0"/>
+              <a:t>Are regions with younger population tend to vaccinate more /less vs older population regions?</a:t>
+            </a:r>
+            <a:r>
+              <a:rPr lang="en-US" dirty="0">
+                <a:highlight>
+                  <a:srgbClr val="FF00FF"/>
+                </a:highlight>
+              </a:rPr>
+              <a:t> Alin</a:t>
+            </a:r>
+            <a:endParaRPr lang="en-US" dirty="0"/>
+          </a:p>
+          <a:p>
+            <a:r>
+              <a:rPr lang="en-US" dirty="0"/>
+              <a:t>Can we see a decrease in death following vaccination? – </a:t>
+            </a:r>
+            <a:r>
+              <a:rPr lang="en-US" dirty="0">
+                <a:highlight>
+                  <a:srgbClr val="FF00FF"/>
+                </a:highlight>
+              </a:rPr>
+              <a:t>Alin - done</a:t>
+            </a:r>
+          </a:p>
+          <a:p>
+            <a:endParaRPr lang="en-US" dirty="0"/>
+          </a:p>
+          <a:p>
+            <a:endParaRPr lang="en-US" dirty="0"/>
+          </a:p>
+          <a:p>
+            <a:endParaRPr lang="en-US" dirty="0"/>
+          </a:p>
+          <a:p>
+            <a:endParaRPr lang="LID4096" dirty="0"/>
+          </a:p>
+        </p:txBody>
+      </p:sp>
+    </p:spTree>
+    <p:extLst>
+      <p:ext uri="{BB962C8B-B14F-4D97-AF65-F5344CB8AC3E}">
+        <p14:creationId xmlns:p14="http://schemas.microsoft.com/office/powerpoint/2010/main" val="2822045292"/>
+      </p:ext>
+    </p:extLst>
+  </p:cSld>
+  <p:clrMapOvr>
+    <a:masterClrMapping/>
+  </p:clrMapOvr>
+</p:sld>
+</file>
+
+<file path=ppt/slides/slide22.xml><?xml version="1.0" encoding="utf-8"?>
+<p:sld xmlns:a="http://schemas.openxmlformats.org/drawingml/2006/main" xmlns:r="http://schemas.openxmlformats.org/officeDocument/2006/relationships" xmlns:p="http://schemas.openxmlformats.org/presentationml/2006/main">
+  <p:cSld>
+    <p:spTree>
+      <p:nvGrpSpPr>
+        <p:cNvPr id="1" name=""/>
+        <p:cNvGrpSpPr/>
+        <p:nvPr/>
+      </p:nvGrpSpPr>
+      <p:grpSpPr>
+        <a:xfrm>
+          <a:off x="0" y="0"/>
+          <a:ext cx="0" cy="0"/>
+          <a:chOff x="0" y="0"/>
+          <a:chExt cx="0" cy="0"/>
+        </a:xfrm>
+      </p:grpSpPr>
+      <p:sp>
+        <p:nvSpPr>
+          <p:cNvPr id="2" name="Title 1">
+            <a:extLst>
+              <a:ext uri="{FF2B5EF4-FFF2-40B4-BE49-F238E27FC236}">
+                <a16:creationId xmlns:a16="http://schemas.microsoft.com/office/drawing/2014/main" id="{01087133-4995-4DB9-BF49-ACF569DD7868}"/>
+              </a:ext>
+            </a:extLst>
+          </p:cNvPr>
+          <p:cNvSpPr>
+            <a:spLocks noGrp="1"/>
+          </p:cNvSpPr>
+          <p:nvPr>
+            <p:ph type="ctrTitle"/>
+          </p:nvPr>
+        </p:nvSpPr>
+        <p:spPr/>
+        <p:txBody>
+          <a:bodyPr>
+            <a:normAutofit fontScale="90000"/>
+          </a:bodyPr>
+          <a:lstStyle/>
+          <a:p>
+            <a:r>
+              <a:rPr lang="en-US" b="1" i="0" dirty="0">
+                <a:solidFill>
+                  <a:srgbClr val="202124"/>
+                </a:solidFill>
+                <a:effectLst/>
+                <a:latin typeface="Inter"/>
+              </a:rPr>
+              <a:t>COVID-19 World Vaccination Progress</a:t>
+            </a:r>
+            <a:br>
+              <a:rPr lang="en-US" b="1" i="0" dirty="0">
+                <a:solidFill>
+                  <a:srgbClr val="202124"/>
+                </a:solidFill>
+                <a:effectLst/>
+                <a:latin typeface="Inter"/>
+              </a:rPr>
+            </a:br>
+            <a:endParaRPr lang="LID4096" dirty="0"/>
+          </a:p>
+        </p:txBody>
+      </p:sp>
+      <p:sp>
+        <p:nvSpPr>
+          <p:cNvPr id="3" name="Subtitle 2">
+            <a:extLst>
+              <a:ext uri="{FF2B5EF4-FFF2-40B4-BE49-F238E27FC236}">
+                <a16:creationId xmlns:a16="http://schemas.microsoft.com/office/drawing/2014/main" id="{2EACBAA8-C988-4CEF-BD29-1E71C11F734A}"/>
+              </a:ext>
+            </a:extLst>
+          </p:cNvPr>
+          <p:cNvSpPr>
+            <a:spLocks noGrp="1"/>
+          </p:cNvSpPr>
+          <p:nvPr>
+            <p:ph type="subTitle" idx="1"/>
+          </p:nvPr>
+        </p:nvSpPr>
+        <p:spPr/>
+        <p:txBody>
+          <a:bodyPr/>
+          <a:lstStyle/>
+          <a:p>
+            <a:r>
+              <a:rPr lang="en-US" dirty="0">
+                <a:hlinkClick r:id="rId2"/>
+              </a:rPr>
+              <a:t>https://www.kaggle.com/datasets/gpreda/covid-world-vaccination-progress?select=country_vaccinations_by_manufacturer.csv</a:t>
+            </a:r>
+            <a:endParaRPr lang="he-IL" dirty="0"/>
+          </a:p>
+          <a:p>
+            <a:endParaRPr lang="LID4096" dirty="0"/>
+          </a:p>
+        </p:txBody>
+      </p:sp>
+    </p:spTree>
+    <p:extLst>
+      <p:ext uri="{BB962C8B-B14F-4D97-AF65-F5344CB8AC3E}">
+        <p14:creationId xmlns:p14="http://schemas.microsoft.com/office/powerpoint/2010/main" val="2510531114"/>
+      </p:ext>
+    </p:extLst>
+  </p:cSld>
+  <p:clrMapOvr>
+    <a:masterClrMapping/>
+  </p:clrMapOvr>
+</p:sld>
+</file>
+
+<file path=ppt/slides/slide23.xml><?xml version="1.0" encoding="utf-8"?>
 <p:sld xmlns:a="http://schemas.openxmlformats.org/drawingml/2006/main" xmlns:r="http://schemas.openxmlformats.org/officeDocument/2006/relationships" xmlns:p="http://schemas.openxmlformats.org/presentationml/2006/main">
   <p:cSld>
     <p:spTree>
@@ -6122,7 +7166,7 @@
 </p:sld>
 </file>
 
-<file path=ppt/slides/slide21.xml><?xml version="1.0" encoding="utf-8"?>
+<file path=ppt/slides/slide24.xml><?xml version="1.0" encoding="utf-8"?>
 <p:sld xmlns:a="http://schemas.openxmlformats.org/drawingml/2006/main" xmlns:r="http://schemas.openxmlformats.org/officeDocument/2006/relationships" xmlns:p="http://schemas.openxmlformats.org/presentationml/2006/main">
   <p:cSld>
     <p:spTree>
@@ -6213,7 +7257,7 @@
 </p:sld>
 </file>
 
-<file path=ppt/slides/slide22.xml><?xml version="1.0" encoding="utf-8"?>
+<file path=ppt/slides/slide25.xml><?xml version="1.0" encoding="utf-8"?>
 <p:sld xmlns:a="http://schemas.openxmlformats.org/drawingml/2006/main" xmlns:r="http://schemas.openxmlformats.org/officeDocument/2006/relationships" xmlns:p="http://schemas.openxmlformats.org/presentationml/2006/main">
   <p:cSld>
     <p:spTree>
@@ -6764,7 +7808,7 @@
 </p:sld>
 </file>
 
-<file path=ppt/slides/slide23.xml><?xml version="1.0" encoding="utf-8"?>
+<file path=ppt/slides/slide26.xml><?xml version="1.0" encoding="utf-8"?>
 <p:sld xmlns:a="http://schemas.openxmlformats.org/drawingml/2006/main" xmlns:r="http://schemas.openxmlformats.org/officeDocument/2006/relationships" xmlns:p="http://schemas.openxmlformats.org/presentationml/2006/main">
   <p:cSld>
     <p:spTree>
@@ -6961,7 +8005,7 @@
 </p:sld>
 </file>
 
-<file path=ppt/slides/slide24.xml><?xml version="1.0" encoding="utf-8"?>
+<file path=ppt/slides/slide27.xml><?xml version="1.0" encoding="utf-8"?>
 <p:sld xmlns:a="http://schemas.openxmlformats.org/drawingml/2006/main" xmlns:r="http://schemas.openxmlformats.org/officeDocument/2006/relationships" xmlns:p="http://schemas.openxmlformats.org/presentationml/2006/main">
   <p:cSld>
     <p:spTree>
@@ -7065,7 +8109,7 @@
 </p:sld>
 </file>
 
-<file path=ppt/slides/slide25.xml><?xml version="1.0" encoding="utf-8"?>
+<file path=ppt/slides/slide28.xml><?xml version="1.0" encoding="utf-8"?>
 <p:sld xmlns:a="http://schemas.openxmlformats.org/drawingml/2006/main" xmlns:r="http://schemas.openxmlformats.org/officeDocument/2006/relationships" xmlns:p="http://schemas.openxmlformats.org/presentationml/2006/main">
   <p:cSld>
     <p:spTree>
